--- a/lectures/5. Audio coding standards.pptx
+++ b/lectures/5. Audio coding standards.pptx
@@ -1,43 +1,44 @@
 
 <file path=ppt/presentation.xml><?xml version="1.0" encoding="utf-8"?>
-<p:presentation xmlns:a="http://schemas.openxmlformats.org/drawingml/2006/main" xmlns:r="http://schemas.openxmlformats.org/officeDocument/2006/relationships" xmlns:mc="http://schemas.openxmlformats.org/markup-compatibility/2006" xmlns:mv="urn:schemas-microsoft-com:mac:vml" xmlns:p="http://schemas.openxmlformats.org/presentationml/2006/main" xmlns:c="http://schemas.openxmlformats.org/drawingml/2006/chart" xmlns:dgm="http://schemas.openxmlformats.org/drawingml/2006/diagram" xmlns:o="urn:schemas-microsoft-com:office:office" xmlns:v="urn:schemas-microsoft-com:vml" xmlns:pvml="urn:schemas-microsoft-com:office:powerpoint" xmlns:com="http://schemas.openxmlformats.org/drawingml/2006/compatibility" xmlns:p14="http://schemas.microsoft.com/office/powerpoint/2010/main" xmlns:p15="http://schemas.microsoft.com/office/powerpoint/2012/main" xmlns:ahyp="http://schemas.microsoft.com/office/drawing/2018/hyperlinkcolor" autoCompressPictures="0" strictFirstAndLastChars="0" saveSubsetFonts="1">
+<p:presentation xmlns:a="http://schemas.openxmlformats.org/drawingml/2006/main" xmlns:r="http://schemas.openxmlformats.org/officeDocument/2006/relationships" xmlns:p="http://schemas.openxmlformats.org/presentationml/2006/main" strictFirstAndLastChars="0" saveSubsetFonts="1" autoCompressPictures="0">
   <p:sldMasterIdLst>
-    <p:sldMasterId id="2147483659" r:id="rId4"/>
+    <p:sldMasterId id="2147483659" r:id="rId1"/>
   </p:sldMasterIdLst>
   <p:notesMasterIdLst>
-    <p:notesMasterId r:id="rId5"/>
+    <p:notesMasterId r:id="rId28"/>
   </p:notesMasterIdLst>
   <p:sldIdLst>
-    <p:sldId id="256" r:id="rId6"/>
-    <p:sldId id="257" r:id="rId7"/>
-    <p:sldId id="258" r:id="rId8"/>
-    <p:sldId id="259" r:id="rId9"/>
-    <p:sldId id="260" r:id="rId10"/>
-    <p:sldId id="261" r:id="rId11"/>
-    <p:sldId id="262" r:id="rId12"/>
-    <p:sldId id="263" r:id="rId13"/>
-    <p:sldId id="264" r:id="rId14"/>
-    <p:sldId id="265" r:id="rId15"/>
-    <p:sldId id="266" r:id="rId16"/>
-    <p:sldId id="267" r:id="rId17"/>
-    <p:sldId id="268" r:id="rId18"/>
-    <p:sldId id="269" r:id="rId19"/>
-    <p:sldId id="270" r:id="rId20"/>
-    <p:sldId id="271" r:id="rId21"/>
-    <p:sldId id="272" r:id="rId22"/>
-    <p:sldId id="273" r:id="rId23"/>
-    <p:sldId id="274" r:id="rId24"/>
-    <p:sldId id="275" r:id="rId25"/>
-    <p:sldId id="276" r:id="rId26"/>
-    <p:sldId id="277" r:id="rId27"/>
-    <p:sldId id="278" r:id="rId28"/>
-    <p:sldId id="279" r:id="rId29"/>
-    <p:sldId id="280" r:id="rId30"/>
+    <p:sldId id="256" r:id="rId2"/>
+    <p:sldId id="257" r:id="rId3"/>
+    <p:sldId id="258" r:id="rId4"/>
+    <p:sldId id="259" r:id="rId5"/>
+    <p:sldId id="260" r:id="rId6"/>
+    <p:sldId id="261" r:id="rId7"/>
+    <p:sldId id="262" r:id="rId8"/>
+    <p:sldId id="263" r:id="rId9"/>
+    <p:sldId id="264" r:id="rId10"/>
+    <p:sldId id="265" r:id="rId11"/>
+    <p:sldId id="266" r:id="rId12"/>
+    <p:sldId id="267" r:id="rId13"/>
+    <p:sldId id="268" r:id="rId14"/>
+    <p:sldId id="269" r:id="rId15"/>
+    <p:sldId id="270" r:id="rId16"/>
+    <p:sldId id="271" r:id="rId17"/>
+    <p:sldId id="272" r:id="rId18"/>
+    <p:sldId id="275" r:id="rId19"/>
+    <p:sldId id="276" r:id="rId20"/>
+    <p:sldId id="285" r:id="rId21"/>
+    <p:sldId id="286" r:id="rId22"/>
+    <p:sldId id="277" r:id="rId23"/>
+    <p:sldId id="278" r:id="rId24"/>
+    <p:sldId id="279" r:id="rId25"/>
+    <p:sldId id="280" r:id="rId26"/>
+    <p:sldId id="284" r:id="rId27"/>
   </p:sldIdLst>
-  <p:sldSz cy="5143500" cx="9144000"/>
+  <p:sldSz cx="9144000" cy="5143500" type="screen16x9"/>
   <p:notesSz cx="6858000" cy="9144000"/>
   <p:defaultTextStyle>
-    <a:defPPr lvl="0" marR="0" rtl="0" algn="l">
+    <a:defPPr marR="0" lvl="0" algn="l" rtl="0">
       <a:lnSpc>
         <a:spcPct val="100000"/>
       </a:lnSpc>
@@ -48,7 +49,7 @@
         <a:spcPts val="0"/>
       </a:spcAft>
     </a:defPPr>
-    <a:lvl1pPr lvl="0" marR="0" rtl="0" algn="l">
+    <a:lvl1pPr marR="0" lvl="0" algn="l" rtl="0">
       <a:lnSpc>
         <a:spcPct val="100000"/>
       </a:lnSpc>
@@ -62,7 +63,7 @@
         <a:srgbClr val="000000"/>
       </a:buClr>
       <a:buFont typeface="Arial"/>
-      <a:defRPr b="0" i="0" sz="1400" u="none" cap="none" strike="noStrike">
+      <a:defRPr sz="1400" b="0" i="0" u="none" strike="noStrike" cap="none">
         <a:solidFill>
           <a:srgbClr val="000000"/>
         </a:solidFill>
@@ -72,7 +73,7 @@
         <a:sym typeface="Arial"/>
       </a:defRPr>
     </a:lvl1pPr>
-    <a:lvl2pPr lvl="1" marR="0" rtl="0" algn="l">
+    <a:lvl2pPr marR="0" lvl="1" algn="l" rtl="0">
       <a:lnSpc>
         <a:spcPct val="100000"/>
       </a:lnSpc>
@@ -86,7 +87,7 @@
         <a:srgbClr val="000000"/>
       </a:buClr>
       <a:buFont typeface="Arial"/>
-      <a:defRPr b="0" i="0" sz="1400" u="none" cap="none" strike="noStrike">
+      <a:defRPr sz="1400" b="0" i="0" u="none" strike="noStrike" cap="none">
         <a:solidFill>
           <a:srgbClr val="000000"/>
         </a:solidFill>
@@ -96,7 +97,7 @@
         <a:sym typeface="Arial"/>
       </a:defRPr>
     </a:lvl2pPr>
-    <a:lvl3pPr lvl="2" marR="0" rtl="0" algn="l">
+    <a:lvl3pPr marR="0" lvl="2" algn="l" rtl="0">
       <a:lnSpc>
         <a:spcPct val="100000"/>
       </a:lnSpc>
@@ -110,7 +111,7 @@
         <a:srgbClr val="000000"/>
       </a:buClr>
       <a:buFont typeface="Arial"/>
-      <a:defRPr b="0" i="0" sz="1400" u="none" cap="none" strike="noStrike">
+      <a:defRPr sz="1400" b="0" i="0" u="none" strike="noStrike" cap="none">
         <a:solidFill>
           <a:srgbClr val="000000"/>
         </a:solidFill>
@@ -120,7 +121,7 @@
         <a:sym typeface="Arial"/>
       </a:defRPr>
     </a:lvl3pPr>
-    <a:lvl4pPr lvl="3" marR="0" rtl="0" algn="l">
+    <a:lvl4pPr marR="0" lvl="3" algn="l" rtl="0">
       <a:lnSpc>
         <a:spcPct val="100000"/>
       </a:lnSpc>
@@ -134,7 +135,7 @@
         <a:srgbClr val="000000"/>
       </a:buClr>
       <a:buFont typeface="Arial"/>
-      <a:defRPr b="0" i="0" sz="1400" u="none" cap="none" strike="noStrike">
+      <a:defRPr sz="1400" b="0" i="0" u="none" strike="noStrike" cap="none">
         <a:solidFill>
           <a:srgbClr val="000000"/>
         </a:solidFill>
@@ -144,7 +145,7 @@
         <a:sym typeface="Arial"/>
       </a:defRPr>
     </a:lvl4pPr>
-    <a:lvl5pPr lvl="4" marR="0" rtl="0" algn="l">
+    <a:lvl5pPr marR="0" lvl="4" algn="l" rtl="0">
       <a:lnSpc>
         <a:spcPct val="100000"/>
       </a:lnSpc>
@@ -158,7 +159,7 @@
         <a:srgbClr val="000000"/>
       </a:buClr>
       <a:buFont typeface="Arial"/>
-      <a:defRPr b="0" i="0" sz="1400" u="none" cap="none" strike="noStrike">
+      <a:defRPr sz="1400" b="0" i="0" u="none" strike="noStrike" cap="none">
         <a:solidFill>
           <a:srgbClr val="000000"/>
         </a:solidFill>
@@ -168,7 +169,7 @@
         <a:sym typeface="Arial"/>
       </a:defRPr>
     </a:lvl5pPr>
-    <a:lvl6pPr lvl="5" marR="0" rtl="0" algn="l">
+    <a:lvl6pPr marR="0" lvl="5" algn="l" rtl="0">
       <a:lnSpc>
         <a:spcPct val="100000"/>
       </a:lnSpc>
@@ -182,7 +183,7 @@
         <a:srgbClr val="000000"/>
       </a:buClr>
       <a:buFont typeface="Arial"/>
-      <a:defRPr b="0" i="0" sz="1400" u="none" cap="none" strike="noStrike">
+      <a:defRPr sz="1400" b="0" i="0" u="none" strike="noStrike" cap="none">
         <a:solidFill>
           <a:srgbClr val="000000"/>
         </a:solidFill>
@@ -192,7 +193,7 @@
         <a:sym typeface="Arial"/>
       </a:defRPr>
     </a:lvl6pPr>
-    <a:lvl7pPr lvl="6" marR="0" rtl="0" algn="l">
+    <a:lvl7pPr marR="0" lvl="6" algn="l" rtl="0">
       <a:lnSpc>
         <a:spcPct val="100000"/>
       </a:lnSpc>
@@ -206,7 +207,7 @@
         <a:srgbClr val="000000"/>
       </a:buClr>
       <a:buFont typeface="Arial"/>
-      <a:defRPr b="0" i="0" sz="1400" u="none" cap="none" strike="noStrike">
+      <a:defRPr sz="1400" b="0" i="0" u="none" strike="noStrike" cap="none">
         <a:solidFill>
           <a:srgbClr val="000000"/>
         </a:solidFill>
@@ -216,7 +217,7 @@
         <a:sym typeface="Arial"/>
       </a:defRPr>
     </a:lvl7pPr>
-    <a:lvl8pPr lvl="7" marR="0" rtl="0" algn="l">
+    <a:lvl8pPr marR="0" lvl="7" algn="l" rtl="0">
       <a:lnSpc>
         <a:spcPct val="100000"/>
       </a:lnSpc>
@@ -230,7 +231,7 @@
         <a:srgbClr val="000000"/>
       </a:buClr>
       <a:buFont typeface="Arial"/>
-      <a:defRPr b="0" i="0" sz="1400" u="none" cap="none" strike="noStrike">
+      <a:defRPr sz="1400" b="0" i="0" u="none" strike="noStrike" cap="none">
         <a:solidFill>
           <a:srgbClr val="000000"/>
         </a:solidFill>
@@ -240,7 +241,7 @@
         <a:sym typeface="Arial"/>
       </a:defRPr>
     </a:lvl8pPr>
-    <a:lvl9pPr lvl="8" marR="0" rtl="0" algn="l">
+    <a:lvl9pPr marR="0" lvl="8" algn="l" rtl="0">
       <a:lnSpc>
         <a:spcPct val="100000"/>
       </a:lnSpc>
@@ -254,7 +255,7 @@
         <a:srgbClr val="000000"/>
       </a:buClr>
       <a:buFont typeface="Arial"/>
-      <a:defRPr b="0" i="0" sz="1400" u="none" cap="none" strike="noStrike">
+      <a:defRPr sz="1400" b="0" i="0" u="none" strike="noStrike" cap="none">
         <a:solidFill>
           <a:srgbClr val="000000"/>
         </a:solidFill>
@@ -267,7 +268,7 @@
   </p:defaultTextStyle>
   <p:extLst>
     <p:ext uri="{EFAFB233-063F-42B5-8137-9DF3F51BA10A}">
-      <p15:sldGuideLst>
+      <p15:sldGuideLst xmlns:p15="http://schemas.microsoft.com/office/powerpoint/2012/main">
         <p15:guide id="1" orient="horz" pos="1620">
           <p15:clr>
             <a:srgbClr val="747775"/>
@@ -285,11 +286,16 @@
 </file>
 
 <file path=ppt/notesMasters/notesMaster1.xml><?xml version="1.0" encoding="utf-8"?>
-<p:notesMaster xmlns:a="http://schemas.openxmlformats.org/drawingml/2006/main" xmlns:r="http://schemas.openxmlformats.org/officeDocument/2006/relationships" xmlns:mc="http://schemas.openxmlformats.org/markup-compatibility/2006" xmlns:mv="urn:schemas-microsoft-com:mac:vml" xmlns:p="http://schemas.openxmlformats.org/presentationml/2006/main" xmlns:c="http://schemas.openxmlformats.org/drawingml/2006/chart" xmlns:dgm="http://schemas.openxmlformats.org/drawingml/2006/diagram" xmlns:o="urn:schemas-microsoft-com:office:office" xmlns:v="urn:schemas-microsoft-com:vml" xmlns:pvml="urn:schemas-microsoft-com:office:powerpoint" xmlns:com="http://schemas.openxmlformats.org/drawingml/2006/compatibility" xmlns:p14="http://schemas.microsoft.com/office/powerpoint/2010/main" xmlns:p15="http://schemas.microsoft.com/office/powerpoint/2012/main" xmlns:ahyp="http://schemas.microsoft.com/office/drawing/2018/hyperlinkcolor">
+<p:notesMaster xmlns:a="http://schemas.openxmlformats.org/drawingml/2006/main" xmlns:r="http://schemas.openxmlformats.org/officeDocument/2006/relationships" xmlns:p="http://schemas.openxmlformats.org/presentationml/2006/main">
   <p:cSld>
+    <p:bg>
+      <p:bgRef idx="1001">
+        <a:schemeClr val="bg1"/>
+      </p:bgRef>
+    </p:bg>
     <p:spTree>
       <p:nvGrpSpPr>
-        <p:cNvPr id="2" name="Shape 2"/>
+        <p:cNvPr id="1" name="Shape 2"/>
         <p:cNvGrpSpPr/>
         <p:nvPr/>
       </p:nvGrpSpPr>
@@ -304,9 +310,11 @@
       <p:sp>
         <p:nvSpPr>
           <p:cNvPr id="3" name="Google Shape;3;n"/>
-          <p:cNvSpPr/>
+          <p:cNvSpPr>
+            <a:spLocks noGrp="1" noRot="1" noChangeAspect="1"/>
+          </p:cNvSpPr>
           <p:nvPr>
-            <p:ph idx="2" type="sldImg"/>
+            <p:ph type="sldImg" idx="2"/>
           </p:nvPr>
         </p:nvSpPr>
         <p:spPr>
@@ -315,9 +323,13 @@
             <a:ext cx="6096075" cy="3429000"/>
           </a:xfrm>
           <a:custGeom>
-            <a:rect b="b" l="l" r="r" t="t"/>
+            <a:avLst/>
+            <a:gdLst/>
+            <a:ahLst/>
+            <a:cxnLst/>
+            <a:rect l="l" t="t" r="r" b="b"/>
             <a:pathLst>
-              <a:path extrusionOk="0" h="120000" w="120000">
+              <a:path w="120000" h="120000" extrusionOk="0">
                 <a:moveTo>
                   <a:pt x="0" y="0"/>
                 </a:moveTo>
@@ -335,23 +347,25 @@
             </a:pathLst>
           </a:custGeom>
           <a:noFill/>
-          <a:ln cap="flat" cmpd="sng" w="9525">
+          <a:ln w="9525" cap="flat" cmpd="sng">
             <a:solidFill>
               <a:srgbClr val="000000"/>
             </a:solidFill>
             <a:prstDash val="solid"/>
             <a:round/>
-            <a:headEnd len="sm" w="sm" type="none"/>
-            <a:tailEnd len="sm" w="sm" type="none"/>
+            <a:headEnd type="none" w="sm" len="sm"/>
+            <a:tailEnd type="none" w="sm" len="sm"/>
           </a:ln>
         </p:spPr>
       </p:sp>
       <p:sp>
         <p:nvSpPr>
           <p:cNvPr id="4" name="Google Shape;4;n"/>
-          <p:cNvSpPr txBox="1"/>
+          <p:cNvSpPr txBox="1">
+            <a:spLocks noGrp="1"/>
+          </p:cNvSpPr>
           <p:nvPr>
-            <p:ph idx="1" type="body"/>
+            <p:ph type="body" idx="1"/>
           </p:nvPr>
         </p:nvSpPr>
         <p:spPr>
@@ -368,11 +382,11 @@
           </a:ln>
         </p:spPr>
         <p:txBody>
-          <a:bodyPr anchorCtr="0" anchor="t" bIns="91425" lIns="91425" spcFirstLastPara="1" rIns="91425" wrap="square" tIns="91425">
+          <a:bodyPr spcFirstLastPara="1" wrap="square" lIns="91425" tIns="91425" rIns="91425" bIns="91425" anchor="t" anchorCtr="0">
             <a:noAutofit/>
           </a:bodyPr>
           <a:lstStyle>
-            <a:lvl1pPr indent="-298450" lvl="0" marL="457200">
+            <a:lvl1pPr marL="457200" lvl="0" indent="-298450">
               <a:spcBef>
                 <a:spcPts val="0"/>
               </a:spcBef>
@@ -383,7 +397,7 @@
               <a:buChar char="●"/>
               <a:defRPr sz="1100"/>
             </a:lvl1pPr>
-            <a:lvl2pPr indent="-298450" lvl="1" marL="914400">
+            <a:lvl2pPr marL="914400" lvl="1" indent="-298450">
               <a:spcBef>
                 <a:spcPts val="0"/>
               </a:spcBef>
@@ -394,7 +408,7 @@
               <a:buChar char="○"/>
               <a:defRPr sz="1100"/>
             </a:lvl2pPr>
-            <a:lvl3pPr indent="-298450" lvl="2" marL="1371600">
+            <a:lvl3pPr marL="1371600" lvl="2" indent="-298450">
               <a:spcBef>
                 <a:spcPts val="0"/>
               </a:spcBef>
@@ -405,7 +419,7 @@
               <a:buChar char="■"/>
               <a:defRPr sz="1100"/>
             </a:lvl3pPr>
-            <a:lvl4pPr indent="-298450" lvl="3" marL="1828800">
+            <a:lvl4pPr marL="1828800" lvl="3" indent="-298450">
               <a:spcBef>
                 <a:spcPts val="0"/>
               </a:spcBef>
@@ -416,7 +430,7 @@
               <a:buChar char="●"/>
               <a:defRPr sz="1100"/>
             </a:lvl4pPr>
-            <a:lvl5pPr indent="-298450" lvl="4" marL="2286000">
+            <a:lvl5pPr marL="2286000" lvl="4" indent="-298450">
               <a:spcBef>
                 <a:spcPts val="0"/>
               </a:spcBef>
@@ -427,7 +441,7 @@
               <a:buChar char="○"/>
               <a:defRPr sz="1100"/>
             </a:lvl5pPr>
-            <a:lvl6pPr indent="-298450" lvl="5" marL="2743200">
+            <a:lvl6pPr marL="2743200" lvl="5" indent="-298450">
               <a:spcBef>
                 <a:spcPts val="0"/>
               </a:spcBef>
@@ -438,7 +452,7 @@
               <a:buChar char="■"/>
               <a:defRPr sz="1100"/>
             </a:lvl6pPr>
-            <a:lvl7pPr indent="-298450" lvl="6" marL="3200400">
+            <a:lvl7pPr marL="3200400" lvl="6" indent="-298450">
               <a:spcBef>
                 <a:spcPts val="0"/>
               </a:spcBef>
@@ -449,7 +463,7 @@
               <a:buChar char="●"/>
               <a:defRPr sz="1100"/>
             </a:lvl7pPr>
-            <a:lvl8pPr indent="-298450" lvl="7" marL="3657600">
+            <a:lvl8pPr marL="3657600" lvl="7" indent="-298450">
               <a:spcBef>
                 <a:spcPts val="0"/>
               </a:spcBef>
@@ -460,7 +474,7 @@
               <a:buChar char="○"/>
               <a:defRPr sz="1100"/>
             </a:lvl8pPr>
-            <a:lvl9pPr indent="-298450" lvl="8" marL="4114800">
+            <a:lvl9pPr marL="4114800" lvl="8" indent="-298450">
               <a:spcBef>
                 <a:spcPts val="0"/>
               </a:spcBef>
@@ -472,14 +486,16 @@
               <a:defRPr sz="1100"/>
             </a:lvl9pPr>
           </a:lstStyle>
-          <a:p/>
+          <a:p>
+            <a:endParaRPr/>
+          </a:p>
         </p:txBody>
       </p:sp>
     </p:spTree>
   </p:cSld>
-  <p:clrMap accent1="accent1" accent2="accent2" accent3="accent3" accent4="accent4" accent5="accent5" accent6="accent6" bg1="lt1" bg2="dk2" tx1="dk1" tx2="lt2" folHlink="folHlink" hlink="hlink"/>
+  <p:clrMap bg1="lt1" tx1="dk1" bg2="dk2" tx2="lt2" accent1="accent1" accent2="accent2" accent3="accent3" accent4="accent4" accent5="accent5" accent6="accent6" hlink="hlink" folHlink="folHlink"/>
   <p:notesStyle>
-    <a:defPPr lvl="0" marR="0" rtl="0" algn="l">
+    <a:defPPr marR="0" lvl="0" algn="l" rtl="0">
       <a:lnSpc>
         <a:spcPct val="100000"/>
       </a:lnSpc>
@@ -490,7 +506,7 @@
         <a:spcPts val="0"/>
       </a:spcAft>
     </a:defPPr>
-    <a:lvl1pPr lvl="0" marR="0" rtl="0" algn="l">
+    <a:lvl1pPr marR="0" lvl="0" algn="l" rtl="0">
       <a:lnSpc>
         <a:spcPct val="100000"/>
       </a:lnSpc>
@@ -504,7 +520,7 @@
         <a:srgbClr val="000000"/>
       </a:buClr>
       <a:buFont typeface="Arial"/>
-      <a:defRPr b="0" i="0" sz="1400" u="none" cap="none" strike="noStrike">
+      <a:defRPr sz="1400" b="0" i="0" u="none" strike="noStrike" cap="none">
         <a:solidFill>
           <a:srgbClr val="000000"/>
         </a:solidFill>
@@ -514,7 +530,7 @@
         <a:sym typeface="Arial"/>
       </a:defRPr>
     </a:lvl1pPr>
-    <a:lvl2pPr lvl="1" marR="0" rtl="0" algn="l">
+    <a:lvl2pPr marR="0" lvl="1" algn="l" rtl="0">
       <a:lnSpc>
         <a:spcPct val="100000"/>
       </a:lnSpc>
@@ -528,7 +544,7 @@
         <a:srgbClr val="000000"/>
       </a:buClr>
       <a:buFont typeface="Arial"/>
-      <a:defRPr b="0" i="0" sz="1400" u="none" cap="none" strike="noStrike">
+      <a:defRPr sz="1400" b="0" i="0" u="none" strike="noStrike" cap="none">
         <a:solidFill>
           <a:srgbClr val="000000"/>
         </a:solidFill>
@@ -538,7 +554,7 @@
         <a:sym typeface="Arial"/>
       </a:defRPr>
     </a:lvl2pPr>
-    <a:lvl3pPr lvl="2" marR="0" rtl="0" algn="l">
+    <a:lvl3pPr marR="0" lvl="2" algn="l" rtl="0">
       <a:lnSpc>
         <a:spcPct val="100000"/>
       </a:lnSpc>
@@ -552,7 +568,7 @@
         <a:srgbClr val="000000"/>
       </a:buClr>
       <a:buFont typeface="Arial"/>
-      <a:defRPr b="0" i="0" sz="1400" u="none" cap="none" strike="noStrike">
+      <a:defRPr sz="1400" b="0" i="0" u="none" strike="noStrike" cap="none">
         <a:solidFill>
           <a:srgbClr val="000000"/>
         </a:solidFill>
@@ -562,7 +578,7 @@
         <a:sym typeface="Arial"/>
       </a:defRPr>
     </a:lvl3pPr>
-    <a:lvl4pPr lvl="3" marR="0" rtl="0" algn="l">
+    <a:lvl4pPr marR="0" lvl="3" algn="l" rtl="0">
       <a:lnSpc>
         <a:spcPct val="100000"/>
       </a:lnSpc>
@@ -576,7 +592,7 @@
         <a:srgbClr val="000000"/>
       </a:buClr>
       <a:buFont typeface="Arial"/>
-      <a:defRPr b="0" i="0" sz="1400" u="none" cap="none" strike="noStrike">
+      <a:defRPr sz="1400" b="0" i="0" u="none" strike="noStrike" cap="none">
         <a:solidFill>
           <a:srgbClr val="000000"/>
         </a:solidFill>
@@ -586,7 +602,7 @@
         <a:sym typeface="Arial"/>
       </a:defRPr>
     </a:lvl4pPr>
-    <a:lvl5pPr lvl="4" marR="0" rtl="0" algn="l">
+    <a:lvl5pPr marR="0" lvl="4" algn="l" rtl="0">
       <a:lnSpc>
         <a:spcPct val="100000"/>
       </a:lnSpc>
@@ -600,7 +616,7 @@
         <a:srgbClr val="000000"/>
       </a:buClr>
       <a:buFont typeface="Arial"/>
-      <a:defRPr b="0" i="0" sz="1400" u="none" cap="none" strike="noStrike">
+      <a:defRPr sz="1400" b="0" i="0" u="none" strike="noStrike" cap="none">
         <a:solidFill>
           <a:srgbClr val="000000"/>
         </a:solidFill>
@@ -610,7 +626,7 @@
         <a:sym typeface="Arial"/>
       </a:defRPr>
     </a:lvl5pPr>
-    <a:lvl6pPr lvl="5" marR="0" rtl="0" algn="l">
+    <a:lvl6pPr marR="0" lvl="5" algn="l" rtl="0">
       <a:lnSpc>
         <a:spcPct val="100000"/>
       </a:lnSpc>
@@ -624,7 +640,7 @@
         <a:srgbClr val="000000"/>
       </a:buClr>
       <a:buFont typeface="Arial"/>
-      <a:defRPr b="0" i="0" sz="1400" u="none" cap="none" strike="noStrike">
+      <a:defRPr sz="1400" b="0" i="0" u="none" strike="noStrike" cap="none">
         <a:solidFill>
           <a:srgbClr val="000000"/>
         </a:solidFill>
@@ -634,7 +650,7 @@
         <a:sym typeface="Arial"/>
       </a:defRPr>
     </a:lvl6pPr>
-    <a:lvl7pPr lvl="6" marR="0" rtl="0" algn="l">
+    <a:lvl7pPr marR="0" lvl="6" algn="l" rtl="0">
       <a:lnSpc>
         <a:spcPct val="100000"/>
       </a:lnSpc>
@@ -648,7 +664,7 @@
         <a:srgbClr val="000000"/>
       </a:buClr>
       <a:buFont typeface="Arial"/>
-      <a:defRPr b="0" i="0" sz="1400" u="none" cap="none" strike="noStrike">
+      <a:defRPr sz="1400" b="0" i="0" u="none" strike="noStrike" cap="none">
         <a:solidFill>
           <a:srgbClr val="000000"/>
         </a:solidFill>
@@ -658,7 +674,7 @@
         <a:sym typeface="Arial"/>
       </a:defRPr>
     </a:lvl7pPr>
-    <a:lvl8pPr lvl="7" marR="0" rtl="0" algn="l">
+    <a:lvl8pPr marR="0" lvl="7" algn="l" rtl="0">
       <a:lnSpc>
         <a:spcPct val="100000"/>
       </a:lnSpc>
@@ -672,7 +688,7 @@
         <a:srgbClr val="000000"/>
       </a:buClr>
       <a:buFont typeface="Arial"/>
-      <a:defRPr b="0" i="0" sz="1400" u="none" cap="none" strike="noStrike">
+      <a:defRPr sz="1400" b="0" i="0" u="none" strike="noStrike" cap="none">
         <a:solidFill>
           <a:srgbClr val="000000"/>
         </a:solidFill>
@@ -682,7 +698,7 @@
         <a:sym typeface="Arial"/>
       </a:defRPr>
     </a:lvl8pPr>
-    <a:lvl9pPr lvl="8" marR="0" rtl="0" algn="l">
+    <a:lvl9pPr marR="0" lvl="8" algn="l" rtl="0">
       <a:lnSpc>
         <a:spcPct val="100000"/>
       </a:lnSpc>
@@ -696,7 +712,7 @@
         <a:srgbClr val="000000"/>
       </a:buClr>
       <a:buFont typeface="Arial"/>
-      <a:defRPr b="0" i="0" sz="1400" u="none" cap="none" strike="noStrike">
+      <a:defRPr sz="1400" b="0" i="0" u="none" strike="noStrike" cap="none">
         <a:solidFill>
           <a:srgbClr val="000000"/>
         </a:solidFill>
@@ -711,11 +727,11 @@
 </file>
 
 <file path=ppt/notesSlides/notesSlide1.xml><?xml version="1.0" encoding="utf-8"?>
-<p:notes xmlns:a="http://schemas.openxmlformats.org/drawingml/2006/main" xmlns:r="http://schemas.openxmlformats.org/officeDocument/2006/relationships" xmlns:mc="http://schemas.openxmlformats.org/markup-compatibility/2006" xmlns:mv="urn:schemas-microsoft-com:mac:vml" xmlns:p="http://schemas.openxmlformats.org/presentationml/2006/main" xmlns:c="http://schemas.openxmlformats.org/drawingml/2006/chart" xmlns:dgm="http://schemas.openxmlformats.org/drawingml/2006/diagram" xmlns:o="urn:schemas-microsoft-com:office:office" xmlns:v="urn:schemas-microsoft-com:vml" xmlns:pvml="urn:schemas-microsoft-com:office:powerpoint" xmlns:com="http://schemas.openxmlformats.org/drawingml/2006/compatibility" xmlns:p14="http://schemas.microsoft.com/office/powerpoint/2010/main" xmlns:p15="http://schemas.microsoft.com/office/powerpoint/2012/main" xmlns:ahyp="http://schemas.microsoft.com/office/drawing/2018/hyperlinkcolor" showMasterPhAnim="0" showMasterSp="0">
+<p:notes xmlns:a="http://schemas.openxmlformats.org/drawingml/2006/main" xmlns:r="http://schemas.openxmlformats.org/officeDocument/2006/relationships" xmlns:p="http://schemas.openxmlformats.org/presentationml/2006/main" showMasterSp="0" showMasterPhAnim="0">
   <p:cSld>
     <p:spTree>
       <p:nvGrpSpPr>
-        <p:cNvPr id="50" name="Shape 50"/>
+        <p:cNvPr id="1" name="Shape 50"/>
         <p:cNvGrpSpPr/>
         <p:nvPr/>
       </p:nvGrpSpPr>
@@ -730,9 +746,11 @@
       <p:sp>
         <p:nvSpPr>
           <p:cNvPr id="51" name="Google Shape;51;p:notes"/>
-          <p:cNvSpPr/>
+          <p:cNvSpPr>
+            <a:spLocks noGrp="1" noRot="1" noChangeAspect="1"/>
+          </p:cNvSpPr>
           <p:nvPr>
-            <p:ph idx="2" type="sldImg"/>
+            <p:ph type="sldImg" idx="2"/>
           </p:nvPr>
         </p:nvSpPr>
         <p:spPr>
@@ -741,9 +759,13 @@
             <a:ext cx="6096075" cy="3429000"/>
           </a:xfrm>
           <a:custGeom>
-            <a:rect b="b" l="l" r="r" t="t"/>
+            <a:avLst/>
+            <a:gdLst/>
+            <a:ahLst/>
+            <a:cxnLst/>
+            <a:rect l="l" t="t" r="r" b="b"/>
             <a:pathLst>
-              <a:path extrusionOk="0" h="120000" w="120000">
+              <a:path w="120000" h="120000" extrusionOk="0">
                 <a:moveTo>
                   <a:pt x="0" y="0"/>
                 </a:moveTo>
@@ -765,9 +787,11 @@
       <p:sp>
         <p:nvSpPr>
           <p:cNvPr id="52" name="Google Shape;52;p:notes"/>
-          <p:cNvSpPr txBox="1"/>
+          <p:cNvSpPr txBox="1">
+            <a:spLocks noGrp="1"/>
+          </p:cNvSpPr>
           <p:nvPr>
-            <p:ph idx="1" type="body"/>
+            <p:ph type="body" idx="1"/>
           </p:nvPr>
         </p:nvSpPr>
         <p:spPr>
@@ -780,12 +804,12 @@
           </a:prstGeom>
         </p:spPr>
         <p:txBody>
-          <a:bodyPr anchorCtr="0" anchor="t" bIns="91425" lIns="91425" spcFirstLastPara="1" rIns="91425" wrap="square" tIns="91425">
+          <a:bodyPr spcFirstLastPara="1" wrap="square" lIns="91425" tIns="91425" rIns="91425" bIns="91425" anchor="t" anchorCtr="0">
             <a:noAutofit/>
           </a:bodyPr>
           <a:lstStyle/>
           <a:p>
-            <a:pPr indent="0" lvl="0" marL="0" rtl="0" algn="l">
+            <a:pPr marL="0" lvl="0" indent="0" algn="l" rtl="0">
               <a:spcBef>
                 <a:spcPts val="0"/>
               </a:spcBef>
@@ -794,9 +818,6 @@
               </a:spcAft>
               <a:buNone/>
             </a:pPr>
-            <a:r>
-              <a:t/>
-            </a:r>
             <a:endParaRPr/>
           </a:p>
         </p:txBody>
@@ -810,11 +831,11 @@
 </file>
 
 <file path=ppt/notesSlides/notesSlide10.xml><?xml version="1.0" encoding="utf-8"?>
-<p:notes xmlns:a="http://schemas.openxmlformats.org/drawingml/2006/main" xmlns:r="http://schemas.openxmlformats.org/officeDocument/2006/relationships" xmlns:mc="http://schemas.openxmlformats.org/markup-compatibility/2006" xmlns:mv="urn:schemas-microsoft-com:mac:vml" xmlns:p="http://schemas.openxmlformats.org/presentationml/2006/main" xmlns:c="http://schemas.openxmlformats.org/drawingml/2006/chart" xmlns:dgm="http://schemas.openxmlformats.org/drawingml/2006/diagram" xmlns:o="urn:schemas-microsoft-com:office:office" xmlns:v="urn:schemas-microsoft-com:vml" xmlns:pvml="urn:schemas-microsoft-com:office:powerpoint" xmlns:com="http://schemas.openxmlformats.org/drawingml/2006/compatibility" xmlns:p14="http://schemas.microsoft.com/office/powerpoint/2010/main" xmlns:p15="http://schemas.microsoft.com/office/powerpoint/2012/main" xmlns:ahyp="http://schemas.microsoft.com/office/drawing/2018/hyperlinkcolor" showMasterPhAnim="0" showMasterSp="0">
+<p:notes xmlns:a="http://schemas.openxmlformats.org/drawingml/2006/main" xmlns:r="http://schemas.openxmlformats.org/officeDocument/2006/relationships" xmlns:p="http://schemas.openxmlformats.org/presentationml/2006/main" showMasterSp="0" showMasterPhAnim="0">
   <p:cSld>
     <p:spTree>
       <p:nvGrpSpPr>
-        <p:cNvPr id="104" name="Shape 104"/>
+        <p:cNvPr id="1" name="Shape 104"/>
         <p:cNvGrpSpPr/>
         <p:nvPr/>
       </p:nvGrpSpPr>
@@ -829,9 +850,11 @@
       <p:sp>
         <p:nvSpPr>
           <p:cNvPr id="105" name="Google Shape;105;g2f18b88e6dd_0_34:notes"/>
-          <p:cNvSpPr/>
+          <p:cNvSpPr>
+            <a:spLocks noGrp="1" noRot="1" noChangeAspect="1"/>
+          </p:cNvSpPr>
           <p:nvPr>
-            <p:ph idx="2" type="sldImg"/>
+            <p:ph type="sldImg" idx="2"/>
           </p:nvPr>
         </p:nvSpPr>
         <p:spPr>
@@ -840,9 +863,13 @@
             <a:ext cx="6096000" cy="3429000"/>
           </a:xfrm>
           <a:custGeom>
-            <a:rect b="b" l="l" r="r" t="t"/>
+            <a:avLst/>
+            <a:gdLst/>
+            <a:ahLst/>
+            <a:cxnLst/>
+            <a:rect l="l" t="t" r="r" b="b"/>
             <a:pathLst>
-              <a:path extrusionOk="0" h="120000" w="120000">
+              <a:path w="120000" h="120000" extrusionOk="0">
                 <a:moveTo>
                   <a:pt x="0" y="0"/>
                 </a:moveTo>
@@ -864,9 +891,11 @@
       <p:sp>
         <p:nvSpPr>
           <p:cNvPr id="106" name="Google Shape;106;g2f18b88e6dd_0_34:notes"/>
-          <p:cNvSpPr txBox="1"/>
+          <p:cNvSpPr txBox="1">
+            <a:spLocks noGrp="1"/>
+          </p:cNvSpPr>
           <p:nvPr>
-            <p:ph idx="1" type="body"/>
+            <p:ph type="body" idx="1"/>
           </p:nvPr>
         </p:nvSpPr>
         <p:spPr>
@@ -879,12 +908,12 @@
           </a:prstGeom>
         </p:spPr>
         <p:txBody>
-          <a:bodyPr anchorCtr="0" anchor="t" bIns="91425" lIns="91425" spcFirstLastPara="1" rIns="91425" wrap="square" tIns="91425">
+          <a:bodyPr spcFirstLastPara="1" wrap="square" lIns="91425" tIns="91425" rIns="91425" bIns="91425" anchor="t" anchorCtr="0">
             <a:noAutofit/>
           </a:bodyPr>
           <a:lstStyle/>
           <a:p>
-            <a:pPr indent="0" lvl="0" marL="0" rtl="0" algn="l">
+            <a:pPr marL="0" lvl="0" indent="0" algn="l" rtl="0">
               <a:spcBef>
                 <a:spcPts val="0"/>
               </a:spcBef>
@@ -893,9 +922,6 @@
               </a:spcAft>
               <a:buNone/>
             </a:pPr>
-            <a:r>
-              <a:t/>
-            </a:r>
             <a:endParaRPr/>
           </a:p>
         </p:txBody>
@@ -909,11 +935,11 @@
 </file>
 
 <file path=ppt/notesSlides/notesSlide11.xml><?xml version="1.0" encoding="utf-8"?>
-<p:notes xmlns:a="http://schemas.openxmlformats.org/drawingml/2006/main" xmlns:r="http://schemas.openxmlformats.org/officeDocument/2006/relationships" xmlns:mc="http://schemas.openxmlformats.org/markup-compatibility/2006" xmlns:mv="urn:schemas-microsoft-com:mac:vml" xmlns:p="http://schemas.openxmlformats.org/presentationml/2006/main" xmlns:c="http://schemas.openxmlformats.org/drawingml/2006/chart" xmlns:dgm="http://schemas.openxmlformats.org/drawingml/2006/diagram" xmlns:o="urn:schemas-microsoft-com:office:office" xmlns:v="urn:schemas-microsoft-com:vml" xmlns:pvml="urn:schemas-microsoft-com:office:powerpoint" xmlns:com="http://schemas.openxmlformats.org/drawingml/2006/compatibility" xmlns:p14="http://schemas.microsoft.com/office/powerpoint/2010/main" xmlns:p15="http://schemas.microsoft.com/office/powerpoint/2012/main" xmlns:ahyp="http://schemas.microsoft.com/office/drawing/2018/hyperlinkcolor" showMasterPhAnim="0" showMasterSp="0">
+<p:notes xmlns:a="http://schemas.openxmlformats.org/drawingml/2006/main" xmlns:r="http://schemas.openxmlformats.org/officeDocument/2006/relationships" xmlns:p="http://schemas.openxmlformats.org/presentationml/2006/main" showMasterSp="0" showMasterPhAnim="0">
   <p:cSld>
     <p:spTree>
       <p:nvGrpSpPr>
-        <p:cNvPr id="110" name="Shape 110"/>
+        <p:cNvPr id="1" name="Shape 110"/>
         <p:cNvGrpSpPr/>
         <p:nvPr/>
       </p:nvGrpSpPr>
@@ -928,20 +954,26 @@
       <p:sp>
         <p:nvSpPr>
           <p:cNvPr id="111" name="Google Shape;111;g2f18b88e6dd_0_40:notes"/>
-          <p:cNvSpPr/>
+          <p:cNvSpPr>
+            <a:spLocks noGrp="1" noRot="1" noChangeAspect="1"/>
+          </p:cNvSpPr>
           <p:nvPr>
-            <p:ph idx="2" type="sldImg"/>
+            <p:ph type="sldImg" idx="2"/>
           </p:nvPr>
         </p:nvSpPr>
         <p:spPr>
           <a:xfrm>
-            <a:off x="381300" y="685800"/>
+            <a:off x="381000" y="685800"/>
             <a:ext cx="6096000" cy="3429000"/>
           </a:xfrm>
           <a:custGeom>
-            <a:rect b="b" l="l" r="r" t="t"/>
+            <a:avLst/>
+            <a:gdLst/>
+            <a:ahLst/>
+            <a:cxnLst/>
+            <a:rect l="l" t="t" r="r" b="b"/>
             <a:pathLst>
-              <a:path extrusionOk="0" h="120000" w="120000">
+              <a:path w="120000" h="120000" extrusionOk="0">
                 <a:moveTo>
                   <a:pt x="0" y="0"/>
                 </a:moveTo>
@@ -963,9 +995,11 @@
       <p:sp>
         <p:nvSpPr>
           <p:cNvPr id="112" name="Google Shape;112;g2f18b88e6dd_0_40:notes"/>
-          <p:cNvSpPr txBox="1"/>
+          <p:cNvSpPr txBox="1">
+            <a:spLocks noGrp="1"/>
+          </p:cNvSpPr>
           <p:nvPr>
-            <p:ph idx="1" type="body"/>
+            <p:ph type="body" idx="1"/>
           </p:nvPr>
         </p:nvSpPr>
         <p:spPr>
@@ -978,12 +1012,12 @@
           </a:prstGeom>
         </p:spPr>
         <p:txBody>
-          <a:bodyPr anchorCtr="0" anchor="t" bIns="91425" lIns="91425" spcFirstLastPara="1" rIns="91425" wrap="square" tIns="91425">
+          <a:bodyPr spcFirstLastPara="1" wrap="square" lIns="91425" tIns="91425" rIns="91425" bIns="91425" anchor="t" anchorCtr="0">
             <a:noAutofit/>
           </a:bodyPr>
           <a:lstStyle/>
           <a:p>
-            <a:pPr indent="0" lvl="0" marL="0" rtl="0" algn="l">
+            <a:pPr marL="0" lvl="0" indent="0" algn="l" rtl="0">
               <a:spcBef>
                 <a:spcPts val="0"/>
               </a:spcBef>
@@ -992,9 +1026,6 @@
               </a:spcAft>
               <a:buNone/>
             </a:pPr>
-            <a:r>
-              <a:t/>
-            </a:r>
             <a:endParaRPr/>
           </a:p>
         </p:txBody>
@@ -1008,11 +1039,11 @@
 </file>
 
 <file path=ppt/notesSlides/notesSlide12.xml><?xml version="1.0" encoding="utf-8"?>
-<p:notes xmlns:a="http://schemas.openxmlformats.org/drawingml/2006/main" xmlns:r="http://schemas.openxmlformats.org/officeDocument/2006/relationships" xmlns:mc="http://schemas.openxmlformats.org/markup-compatibility/2006" xmlns:mv="urn:schemas-microsoft-com:mac:vml" xmlns:p="http://schemas.openxmlformats.org/presentationml/2006/main" xmlns:c="http://schemas.openxmlformats.org/drawingml/2006/chart" xmlns:dgm="http://schemas.openxmlformats.org/drawingml/2006/diagram" xmlns:o="urn:schemas-microsoft-com:office:office" xmlns:v="urn:schemas-microsoft-com:vml" xmlns:pvml="urn:schemas-microsoft-com:office:powerpoint" xmlns:com="http://schemas.openxmlformats.org/drawingml/2006/compatibility" xmlns:p14="http://schemas.microsoft.com/office/powerpoint/2010/main" xmlns:p15="http://schemas.microsoft.com/office/powerpoint/2012/main" xmlns:ahyp="http://schemas.microsoft.com/office/drawing/2018/hyperlinkcolor" showMasterPhAnim="0" showMasterSp="0">
+<p:notes xmlns:a="http://schemas.openxmlformats.org/drawingml/2006/main" xmlns:r="http://schemas.openxmlformats.org/officeDocument/2006/relationships" xmlns:p="http://schemas.openxmlformats.org/presentationml/2006/main" showMasterSp="0" showMasterPhAnim="0">
   <p:cSld>
     <p:spTree>
       <p:nvGrpSpPr>
-        <p:cNvPr id="116" name="Shape 116"/>
+        <p:cNvPr id="1" name="Shape 116"/>
         <p:cNvGrpSpPr/>
         <p:nvPr/>
       </p:nvGrpSpPr>
@@ -1027,9 +1058,11 @@
       <p:sp>
         <p:nvSpPr>
           <p:cNvPr id="117" name="Google Shape;117;g2f319b5e584_0_1:notes"/>
-          <p:cNvSpPr/>
+          <p:cNvSpPr>
+            <a:spLocks noGrp="1" noRot="1" noChangeAspect="1"/>
+          </p:cNvSpPr>
           <p:nvPr>
-            <p:ph idx="2" type="sldImg"/>
+            <p:ph type="sldImg" idx="2"/>
           </p:nvPr>
         </p:nvSpPr>
         <p:spPr>
@@ -1038,9 +1071,13 @@
             <a:ext cx="6096000" cy="3429000"/>
           </a:xfrm>
           <a:custGeom>
-            <a:rect b="b" l="l" r="r" t="t"/>
+            <a:avLst/>
+            <a:gdLst/>
+            <a:ahLst/>
+            <a:cxnLst/>
+            <a:rect l="l" t="t" r="r" b="b"/>
             <a:pathLst>
-              <a:path extrusionOk="0" h="120000" w="120000">
+              <a:path w="120000" h="120000" extrusionOk="0">
                 <a:moveTo>
                   <a:pt x="0" y="0"/>
                 </a:moveTo>
@@ -1062,9 +1099,11 @@
       <p:sp>
         <p:nvSpPr>
           <p:cNvPr id="118" name="Google Shape;118;g2f319b5e584_0_1:notes"/>
-          <p:cNvSpPr txBox="1"/>
+          <p:cNvSpPr txBox="1">
+            <a:spLocks noGrp="1"/>
+          </p:cNvSpPr>
           <p:nvPr>
-            <p:ph idx="1" type="body"/>
+            <p:ph type="body" idx="1"/>
           </p:nvPr>
         </p:nvSpPr>
         <p:spPr>
@@ -1077,12 +1116,12 @@
           </a:prstGeom>
         </p:spPr>
         <p:txBody>
-          <a:bodyPr anchorCtr="0" anchor="t" bIns="91425" lIns="91425" spcFirstLastPara="1" rIns="91425" wrap="square" tIns="91425">
+          <a:bodyPr spcFirstLastPara="1" wrap="square" lIns="91425" tIns="91425" rIns="91425" bIns="91425" anchor="t" anchorCtr="0">
             <a:noAutofit/>
           </a:bodyPr>
           <a:lstStyle/>
           <a:p>
-            <a:pPr indent="0" lvl="0" marL="0" rtl="0" algn="l">
+            <a:pPr marL="0" lvl="0" indent="0" algn="l" rtl="0">
               <a:spcBef>
                 <a:spcPts val="0"/>
               </a:spcBef>
@@ -1091,9 +1130,6 @@
               </a:spcAft>
               <a:buNone/>
             </a:pPr>
-            <a:r>
-              <a:t/>
-            </a:r>
             <a:endParaRPr/>
           </a:p>
         </p:txBody>
@@ -1107,11 +1143,11 @@
 </file>
 
 <file path=ppt/notesSlides/notesSlide13.xml><?xml version="1.0" encoding="utf-8"?>
-<p:notes xmlns:a="http://schemas.openxmlformats.org/drawingml/2006/main" xmlns:r="http://schemas.openxmlformats.org/officeDocument/2006/relationships" xmlns:mc="http://schemas.openxmlformats.org/markup-compatibility/2006" xmlns:mv="urn:schemas-microsoft-com:mac:vml" xmlns:p="http://schemas.openxmlformats.org/presentationml/2006/main" xmlns:c="http://schemas.openxmlformats.org/drawingml/2006/chart" xmlns:dgm="http://schemas.openxmlformats.org/drawingml/2006/diagram" xmlns:o="urn:schemas-microsoft-com:office:office" xmlns:v="urn:schemas-microsoft-com:vml" xmlns:pvml="urn:schemas-microsoft-com:office:powerpoint" xmlns:com="http://schemas.openxmlformats.org/drawingml/2006/compatibility" xmlns:p14="http://schemas.microsoft.com/office/powerpoint/2010/main" xmlns:p15="http://schemas.microsoft.com/office/powerpoint/2012/main" xmlns:ahyp="http://schemas.microsoft.com/office/drawing/2018/hyperlinkcolor" showMasterPhAnim="0" showMasterSp="0">
+<p:notes xmlns:a="http://schemas.openxmlformats.org/drawingml/2006/main" xmlns:r="http://schemas.openxmlformats.org/officeDocument/2006/relationships" xmlns:p="http://schemas.openxmlformats.org/presentationml/2006/main" showMasterSp="0" showMasterPhAnim="0">
   <p:cSld>
     <p:spTree>
       <p:nvGrpSpPr>
-        <p:cNvPr id="122" name="Shape 122"/>
+        <p:cNvPr id="1" name="Shape 122"/>
         <p:cNvGrpSpPr/>
         <p:nvPr/>
       </p:nvGrpSpPr>
@@ -1126,9 +1162,11 @@
       <p:sp>
         <p:nvSpPr>
           <p:cNvPr id="123" name="Google Shape;123;g2f404573549_0_71:notes"/>
-          <p:cNvSpPr/>
+          <p:cNvSpPr>
+            <a:spLocks noGrp="1" noRot="1" noChangeAspect="1"/>
+          </p:cNvSpPr>
           <p:nvPr>
-            <p:ph idx="2" type="sldImg"/>
+            <p:ph type="sldImg" idx="2"/>
           </p:nvPr>
         </p:nvSpPr>
         <p:spPr>
@@ -1137,9 +1175,13 @@
             <a:ext cx="6096000" cy="3429000"/>
           </a:xfrm>
           <a:custGeom>
-            <a:rect b="b" l="l" r="r" t="t"/>
+            <a:avLst/>
+            <a:gdLst/>
+            <a:ahLst/>
+            <a:cxnLst/>
+            <a:rect l="l" t="t" r="r" b="b"/>
             <a:pathLst>
-              <a:path extrusionOk="0" h="120000" w="120000">
+              <a:path w="120000" h="120000" extrusionOk="0">
                 <a:moveTo>
                   <a:pt x="0" y="0"/>
                 </a:moveTo>
@@ -1161,9 +1203,11 @@
       <p:sp>
         <p:nvSpPr>
           <p:cNvPr id="124" name="Google Shape;124;g2f404573549_0_71:notes"/>
-          <p:cNvSpPr txBox="1"/>
+          <p:cNvSpPr txBox="1">
+            <a:spLocks noGrp="1"/>
+          </p:cNvSpPr>
           <p:nvPr>
-            <p:ph idx="1" type="body"/>
+            <p:ph type="body" idx="1"/>
           </p:nvPr>
         </p:nvSpPr>
         <p:spPr>
@@ -1176,12 +1220,12 @@
           </a:prstGeom>
         </p:spPr>
         <p:txBody>
-          <a:bodyPr anchorCtr="0" anchor="t" bIns="91425" lIns="91425" spcFirstLastPara="1" rIns="91425" wrap="square" tIns="91425">
+          <a:bodyPr spcFirstLastPara="1" wrap="square" lIns="91425" tIns="91425" rIns="91425" bIns="91425" anchor="t" anchorCtr="0">
             <a:noAutofit/>
           </a:bodyPr>
           <a:lstStyle/>
           <a:p>
-            <a:pPr indent="0" lvl="0" marL="0" rtl="0" algn="l">
+            <a:pPr marL="0" lvl="0" indent="0" algn="l" rtl="0">
               <a:spcBef>
                 <a:spcPts val="0"/>
               </a:spcBef>
@@ -1190,9 +1234,6 @@
               </a:spcAft>
               <a:buNone/>
             </a:pPr>
-            <a:r>
-              <a:t/>
-            </a:r>
             <a:endParaRPr/>
           </a:p>
         </p:txBody>
@@ -1206,11 +1247,11 @@
 </file>
 
 <file path=ppt/notesSlides/notesSlide14.xml><?xml version="1.0" encoding="utf-8"?>
-<p:notes xmlns:a="http://schemas.openxmlformats.org/drawingml/2006/main" xmlns:r="http://schemas.openxmlformats.org/officeDocument/2006/relationships" xmlns:mc="http://schemas.openxmlformats.org/markup-compatibility/2006" xmlns:mv="urn:schemas-microsoft-com:mac:vml" xmlns:p="http://schemas.openxmlformats.org/presentationml/2006/main" xmlns:c="http://schemas.openxmlformats.org/drawingml/2006/chart" xmlns:dgm="http://schemas.openxmlformats.org/drawingml/2006/diagram" xmlns:o="urn:schemas-microsoft-com:office:office" xmlns:v="urn:schemas-microsoft-com:vml" xmlns:pvml="urn:schemas-microsoft-com:office:powerpoint" xmlns:com="http://schemas.openxmlformats.org/drawingml/2006/compatibility" xmlns:p14="http://schemas.microsoft.com/office/powerpoint/2010/main" xmlns:p15="http://schemas.microsoft.com/office/powerpoint/2012/main" xmlns:ahyp="http://schemas.microsoft.com/office/drawing/2018/hyperlinkcolor" showMasterPhAnim="0" showMasterSp="0">
+<p:notes xmlns:a="http://schemas.openxmlformats.org/drawingml/2006/main" xmlns:r="http://schemas.openxmlformats.org/officeDocument/2006/relationships" xmlns:p="http://schemas.openxmlformats.org/presentationml/2006/main" showMasterSp="0" showMasterPhAnim="0">
   <p:cSld>
     <p:spTree>
       <p:nvGrpSpPr>
-        <p:cNvPr id="128" name="Shape 128"/>
+        <p:cNvPr id="1" name="Shape 128"/>
         <p:cNvGrpSpPr/>
         <p:nvPr/>
       </p:nvGrpSpPr>
@@ -1225,20 +1266,26 @@
       <p:sp>
         <p:nvSpPr>
           <p:cNvPr id="129" name="Google Shape;129;g2f18b88e6dd_0_45:notes"/>
-          <p:cNvSpPr/>
+          <p:cNvSpPr>
+            <a:spLocks noGrp="1" noRot="1" noChangeAspect="1"/>
+          </p:cNvSpPr>
           <p:nvPr>
-            <p:ph idx="2" type="sldImg"/>
+            <p:ph type="sldImg" idx="2"/>
           </p:nvPr>
         </p:nvSpPr>
         <p:spPr>
           <a:xfrm>
-            <a:off x="381300" y="685800"/>
+            <a:off x="381000" y="685800"/>
             <a:ext cx="6096000" cy="3429000"/>
           </a:xfrm>
           <a:custGeom>
-            <a:rect b="b" l="l" r="r" t="t"/>
+            <a:avLst/>
+            <a:gdLst/>
+            <a:ahLst/>
+            <a:cxnLst/>
+            <a:rect l="l" t="t" r="r" b="b"/>
             <a:pathLst>
-              <a:path extrusionOk="0" h="120000" w="120000">
+              <a:path w="120000" h="120000" extrusionOk="0">
                 <a:moveTo>
                   <a:pt x="0" y="0"/>
                 </a:moveTo>
@@ -1260,9 +1307,11 @@
       <p:sp>
         <p:nvSpPr>
           <p:cNvPr id="130" name="Google Shape;130;g2f18b88e6dd_0_45:notes"/>
-          <p:cNvSpPr txBox="1"/>
+          <p:cNvSpPr txBox="1">
+            <a:spLocks noGrp="1"/>
+          </p:cNvSpPr>
           <p:nvPr>
-            <p:ph idx="1" type="body"/>
+            <p:ph type="body" idx="1"/>
           </p:nvPr>
         </p:nvSpPr>
         <p:spPr>
@@ -1275,12 +1324,12 @@
           </a:prstGeom>
         </p:spPr>
         <p:txBody>
-          <a:bodyPr anchorCtr="0" anchor="t" bIns="91425" lIns="91425" spcFirstLastPara="1" rIns="91425" wrap="square" tIns="91425">
+          <a:bodyPr spcFirstLastPara="1" wrap="square" lIns="91425" tIns="91425" rIns="91425" bIns="91425" anchor="t" anchorCtr="0">
             <a:noAutofit/>
           </a:bodyPr>
           <a:lstStyle/>
           <a:p>
-            <a:pPr indent="0" lvl="0" marL="0" rtl="0" algn="l">
+            <a:pPr marL="0" lvl="0" indent="0" algn="l" rtl="0">
               <a:spcBef>
                 <a:spcPts val="0"/>
               </a:spcBef>
@@ -1289,9 +1338,6 @@
               </a:spcAft>
               <a:buNone/>
             </a:pPr>
-            <a:r>
-              <a:t/>
-            </a:r>
             <a:endParaRPr/>
           </a:p>
         </p:txBody>
@@ -1305,11 +1351,11 @@
 </file>
 
 <file path=ppt/notesSlides/notesSlide15.xml><?xml version="1.0" encoding="utf-8"?>
-<p:notes xmlns:a="http://schemas.openxmlformats.org/drawingml/2006/main" xmlns:r="http://schemas.openxmlformats.org/officeDocument/2006/relationships" xmlns:mc="http://schemas.openxmlformats.org/markup-compatibility/2006" xmlns:mv="urn:schemas-microsoft-com:mac:vml" xmlns:p="http://schemas.openxmlformats.org/presentationml/2006/main" xmlns:c="http://schemas.openxmlformats.org/drawingml/2006/chart" xmlns:dgm="http://schemas.openxmlformats.org/drawingml/2006/diagram" xmlns:o="urn:schemas-microsoft-com:office:office" xmlns:v="urn:schemas-microsoft-com:vml" xmlns:pvml="urn:schemas-microsoft-com:office:powerpoint" xmlns:com="http://schemas.openxmlformats.org/drawingml/2006/compatibility" xmlns:p14="http://schemas.microsoft.com/office/powerpoint/2010/main" xmlns:p15="http://schemas.microsoft.com/office/powerpoint/2012/main" xmlns:ahyp="http://schemas.microsoft.com/office/drawing/2018/hyperlinkcolor" showMasterPhAnim="0" showMasterSp="0">
+<p:notes xmlns:a="http://schemas.openxmlformats.org/drawingml/2006/main" xmlns:r="http://schemas.openxmlformats.org/officeDocument/2006/relationships" xmlns:p="http://schemas.openxmlformats.org/presentationml/2006/main" showMasterSp="0" showMasterPhAnim="0">
   <p:cSld>
     <p:spTree>
       <p:nvGrpSpPr>
-        <p:cNvPr id="134" name="Shape 134"/>
+        <p:cNvPr id="1" name="Shape 134"/>
         <p:cNvGrpSpPr/>
         <p:nvPr/>
       </p:nvGrpSpPr>
@@ -1324,9 +1370,11 @@
       <p:sp>
         <p:nvSpPr>
           <p:cNvPr id="135" name="Google Shape;135;g2f404573549_0_24:notes"/>
-          <p:cNvSpPr/>
+          <p:cNvSpPr>
+            <a:spLocks noGrp="1" noRot="1" noChangeAspect="1"/>
+          </p:cNvSpPr>
           <p:nvPr>
-            <p:ph idx="2" type="sldImg"/>
+            <p:ph type="sldImg" idx="2"/>
           </p:nvPr>
         </p:nvSpPr>
         <p:spPr>
@@ -1335,9 +1383,13 @@
             <a:ext cx="6096000" cy="3429000"/>
           </a:xfrm>
           <a:custGeom>
-            <a:rect b="b" l="l" r="r" t="t"/>
+            <a:avLst/>
+            <a:gdLst/>
+            <a:ahLst/>
+            <a:cxnLst/>
+            <a:rect l="l" t="t" r="r" b="b"/>
             <a:pathLst>
-              <a:path extrusionOk="0" h="120000" w="120000">
+              <a:path w="120000" h="120000" extrusionOk="0">
                 <a:moveTo>
                   <a:pt x="0" y="0"/>
                 </a:moveTo>
@@ -1359,9 +1411,11 @@
       <p:sp>
         <p:nvSpPr>
           <p:cNvPr id="136" name="Google Shape;136;g2f404573549_0_24:notes"/>
-          <p:cNvSpPr txBox="1"/>
+          <p:cNvSpPr txBox="1">
+            <a:spLocks noGrp="1"/>
+          </p:cNvSpPr>
           <p:nvPr>
-            <p:ph idx="1" type="body"/>
+            <p:ph type="body" idx="1"/>
           </p:nvPr>
         </p:nvSpPr>
         <p:spPr>
@@ -1374,12 +1428,12 @@
           </a:prstGeom>
         </p:spPr>
         <p:txBody>
-          <a:bodyPr anchorCtr="0" anchor="t" bIns="91425" lIns="91425" spcFirstLastPara="1" rIns="91425" wrap="square" tIns="91425">
+          <a:bodyPr spcFirstLastPara="1" wrap="square" lIns="91425" tIns="91425" rIns="91425" bIns="91425" anchor="t" anchorCtr="0">
             <a:noAutofit/>
           </a:bodyPr>
           <a:lstStyle/>
           <a:p>
-            <a:pPr indent="0" lvl="0" marL="0" rtl="0" algn="l">
+            <a:pPr marL="0" lvl="0" indent="0" algn="l" rtl="0">
               <a:spcBef>
                 <a:spcPts val="0"/>
               </a:spcBef>
@@ -1388,9 +1442,6 @@
               </a:spcAft>
               <a:buNone/>
             </a:pPr>
-            <a:r>
-              <a:t/>
-            </a:r>
             <a:endParaRPr/>
           </a:p>
         </p:txBody>
@@ -1404,11 +1455,11 @@
 </file>
 
 <file path=ppt/notesSlides/notesSlide16.xml><?xml version="1.0" encoding="utf-8"?>
-<p:notes xmlns:a="http://schemas.openxmlformats.org/drawingml/2006/main" xmlns:r="http://schemas.openxmlformats.org/officeDocument/2006/relationships" xmlns:mc="http://schemas.openxmlformats.org/markup-compatibility/2006" xmlns:mv="urn:schemas-microsoft-com:mac:vml" xmlns:p="http://schemas.openxmlformats.org/presentationml/2006/main" xmlns:c="http://schemas.openxmlformats.org/drawingml/2006/chart" xmlns:dgm="http://schemas.openxmlformats.org/drawingml/2006/diagram" xmlns:o="urn:schemas-microsoft-com:office:office" xmlns:v="urn:schemas-microsoft-com:vml" xmlns:pvml="urn:schemas-microsoft-com:office:powerpoint" xmlns:com="http://schemas.openxmlformats.org/drawingml/2006/compatibility" xmlns:p14="http://schemas.microsoft.com/office/powerpoint/2010/main" xmlns:p15="http://schemas.microsoft.com/office/powerpoint/2012/main" xmlns:ahyp="http://schemas.microsoft.com/office/drawing/2018/hyperlinkcolor" showMasterPhAnim="0" showMasterSp="0">
+<p:notes xmlns:a="http://schemas.openxmlformats.org/drawingml/2006/main" xmlns:r="http://schemas.openxmlformats.org/officeDocument/2006/relationships" xmlns:p="http://schemas.openxmlformats.org/presentationml/2006/main" showMasterSp="0" showMasterPhAnim="0">
   <p:cSld>
     <p:spTree>
       <p:nvGrpSpPr>
-        <p:cNvPr id="139" name="Shape 139"/>
+        <p:cNvPr id="1" name="Shape 139"/>
         <p:cNvGrpSpPr/>
         <p:nvPr/>
       </p:nvGrpSpPr>
@@ -1423,9 +1474,11 @@
       <p:sp>
         <p:nvSpPr>
           <p:cNvPr id="140" name="Google Shape;140;g2f18b88e6dd_0_60:notes"/>
-          <p:cNvSpPr/>
+          <p:cNvSpPr>
+            <a:spLocks noGrp="1" noRot="1" noChangeAspect="1"/>
+          </p:cNvSpPr>
           <p:nvPr>
-            <p:ph idx="2" type="sldImg"/>
+            <p:ph type="sldImg" idx="2"/>
           </p:nvPr>
         </p:nvSpPr>
         <p:spPr>
@@ -1434,9 +1487,13 @@
             <a:ext cx="6096000" cy="3429000"/>
           </a:xfrm>
           <a:custGeom>
-            <a:rect b="b" l="l" r="r" t="t"/>
+            <a:avLst/>
+            <a:gdLst/>
+            <a:ahLst/>
+            <a:cxnLst/>
+            <a:rect l="l" t="t" r="r" b="b"/>
             <a:pathLst>
-              <a:path extrusionOk="0" h="120000" w="120000">
+              <a:path w="120000" h="120000" extrusionOk="0">
                 <a:moveTo>
                   <a:pt x="0" y="0"/>
                 </a:moveTo>
@@ -1458,9 +1515,11 @@
       <p:sp>
         <p:nvSpPr>
           <p:cNvPr id="141" name="Google Shape;141;g2f18b88e6dd_0_60:notes"/>
-          <p:cNvSpPr txBox="1"/>
+          <p:cNvSpPr txBox="1">
+            <a:spLocks noGrp="1"/>
+          </p:cNvSpPr>
           <p:nvPr>
-            <p:ph idx="1" type="body"/>
+            <p:ph type="body" idx="1"/>
           </p:nvPr>
         </p:nvSpPr>
         <p:spPr>
@@ -1473,12 +1532,12 @@
           </a:prstGeom>
         </p:spPr>
         <p:txBody>
-          <a:bodyPr anchorCtr="0" anchor="t" bIns="91425" lIns="91425" spcFirstLastPara="1" rIns="91425" wrap="square" tIns="91425">
+          <a:bodyPr spcFirstLastPara="1" wrap="square" lIns="91425" tIns="91425" rIns="91425" bIns="91425" anchor="t" anchorCtr="0">
             <a:noAutofit/>
           </a:bodyPr>
           <a:lstStyle/>
           <a:p>
-            <a:pPr indent="0" lvl="0" marL="0" rtl="0" algn="l">
+            <a:pPr marL="0" lvl="0" indent="0" algn="l" rtl="0">
               <a:spcBef>
                 <a:spcPts val="0"/>
               </a:spcBef>
@@ -1487,9 +1546,6 @@
               </a:spcAft>
               <a:buNone/>
             </a:pPr>
-            <a:r>
-              <a:t/>
-            </a:r>
             <a:endParaRPr/>
           </a:p>
         </p:txBody>
@@ -1503,11 +1559,11 @@
 </file>
 
 <file path=ppt/notesSlides/notesSlide17.xml><?xml version="1.0" encoding="utf-8"?>
-<p:notes xmlns:a="http://schemas.openxmlformats.org/drawingml/2006/main" xmlns:r="http://schemas.openxmlformats.org/officeDocument/2006/relationships" xmlns:mc="http://schemas.openxmlformats.org/markup-compatibility/2006" xmlns:mv="urn:schemas-microsoft-com:mac:vml" xmlns:p="http://schemas.openxmlformats.org/presentationml/2006/main" xmlns:c="http://schemas.openxmlformats.org/drawingml/2006/chart" xmlns:dgm="http://schemas.openxmlformats.org/drawingml/2006/diagram" xmlns:o="urn:schemas-microsoft-com:office:office" xmlns:v="urn:schemas-microsoft-com:vml" xmlns:pvml="urn:schemas-microsoft-com:office:powerpoint" xmlns:com="http://schemas.openxmlformats.org/drawingml/2006/compatibility" xmlns:p14="http://schemas.microsoft.com/office/powerpoint/2010/main" xmlns:p15="http://schemas.microsoft.com/office/powerpoint/2012/main" xmlns:ahyp="http://schemas.microsoft.com/office/drawing/2018/hyperlinkcolor" showMasterPhAnim="0" showMasterSp="0">
+<p:notes xmlns:a="http://schemas.openxmlformats.org/drawingml/2006/main" xmlns:r="http://schemas.openxmlformats.org/officeDocument/2006/relationships" xmlns:p="http://schemas.openxmlformats.org/presentationml/2006/main" showMasterSp="0" showMasterPhAnim="0">
   <p:cSld>
     <p:spTree>
       <p:nvGrpSpPr>
-        <p:cNvPr id="145" name="Shape 145"/>
+        <p:cNvPr id="1" name="Shape 145"/>
         <p:cNvGrpSpPr/>
         <p:nvPr/>
       </p:nvGrpSpPr>
@@ -1522,20 +1578,26 @@
       <p:sp>
         <p:nvSpPr>
           <p:cNvPr id="146" name="Google Shape;146;g2f404573549_0_31:notes"/>
-          <p:cNvSpPr/>
+          <p:cNvSpPr>
+            <a:spLocks noGrp="1" noRot="1" noChangeAspect="1"/>
+          </p:cNvSpPr>
           <p:nvPr>
-            <p:ph idx="2" type="sldImg"/>
+            <p:ph type="sldImg" idx="2"/>
           </p:nvPr>
         </p:nvSpPr>
         <p:spPr>
           <a:xfrm>
-            <a:off x="381300" y="685800"/>
+            <a:off x="381000" y="685800"/>
             <a:ext cx="6096000" cy="3429000"/>
           </a:xfrm>
           <a:custGeom>
-            <a:rect b="b" l="l" r="r" t="t"/>
+            <a:avLst/>
+            <a:gdLst/>
+            <a:ahLst/>
+            <a:cxnLst/>
+            <a:rect l="l" t="t" r="r" b="b"/>
             <a:pathLst>
-              <a:path extrusionOk="0" h="120000" w="120000">
+              <a:path w="120000" h="120000" extrusionOk="0">
                 <a:moveTo>
                   <a:pt x="0" y="0"/>
                 </a:moveTo>
@@ -1557,9 +1619,11 @@
       <p:sp>
         <p:nvSpPr>
           <p:cNvPr id="147" name="Google Shape;147;g2f404573549_0_31:notes"/>
-          <p:cNvSpPr txBox="1"/>
+          <p:cNvSpPr txBox="1">
+            <a:spLocks noGrp="1"/>
+          </p:cNvSpPr>
           <p:nvPr>
-            <p:ph idx="1" type="body"/>
+            <p:ph type="body" idx="1"/>
           </p:nvPr>
         </p:nvSpPr>
         <p:spPr>
@@ -1572,12 +1636,12 @@
           </a:prstGeom>
         </p:spPr>
         <p:txBody>
-          <a:bodyPr anchorCtr="0" anchor="t" bIns="91425" lIns="91425" spcFirstLastPara="1" rIns="91425" wrap="square" tIns="91425">
+          <a:bodyPr spcFirstLastPara="1" wrap="square" lIns="91425" tIns="91425" rIns="91425" bIns="91425" anchor="t" anchorCtr="0">
             <a:noAutofit/>
           </a:bodyPr>
           <a:lstStyle/>
           <a:p>
-            <a:pPr indent="0" lvl="0" marL="0" rtl="0" algn="l">
+            <a:pPr marL="0" lvl="0" indent="0" algn="l" rtl="0">
               <a:spcBef>
                 <a:spcPts val="0"/>
               </a:spcBef>
@@ -1586,9 +1650,6 @@
               </a:spcAft>
               <a:buNone/>
             </a:pPr>
-            <a:r>
-              <a:t/>
-            </a:r>
             <a:endParaRPr/>
           </a:p>
         </p:txBody>
@@ -1602,11 +1663,11 @@
 </file>
 
 <file path=ppt/notesSlides/notesSlide18.xml><?xml version="1.0" encoding="utf-8"?>
-<p:notes xmlns:a="http://schemas.openxmlformats.org/drawingml/2006/main" xmlns:r="http://schemas.openxmlformats.org/officeDocument/2006/relationships" xmlns:mc="http://schemas.openxmlformats.org/markup-compatibility/2006" xmlns:mv="urn:schemas-microsoft-com:mac:vml" xmlns:p="http://schemas.openxmlformats.org/presentationml/2006/main" xmlns:c="http://schemas.openxmlformats.org/drawingml/2006/chart" xmlns:dgm="http://schemas.openxmlformats.org/drawingml/2006/diagram" xmlns:o="urn:schemas-microsoft-com:office:office" xmlns:v="urn:schemas-microsoft-com:vml" xmlns:pvml="urn:schemas-microsoft-com:office:powerpoint" xmlns:com="http://schemas.openxmlformats.org/drawingml/2006/compatibility" xmlns:p14="http://schemas.microsoft.com/office/powerpoint/2010/main" xmlns:p15="http://schemas.microsoft.com/office/powerpoint/2012/main" xmlns:ahyp="http://schemas.microsoft.com/office/drawing/2018/hyperlinkcolor" showMasterPhAnim="0" showMasterSp="0">
+<p:notes xmlns:a="http://schemas.openxmlformats.org/drawingml/2006/main" xmlns:r="http://schemas.openxmlformats.org/officeDocument/2006/relationships" xmlns:p="http://schemas.openxmlformats.org/presentationml/2006/main" showMasterSp="0" showMasterPhAnim="0">
   <p:cSld>
     <p:spTree>
       <p:nvGrpSpPr>
-        <p:cNvPr id="151" name="Shape 151"/>
+        <p:cNvPr id="1" name="Shape 163"/>
         <p:cNvGrpSpPr/>
         <p:nvPr/>
       </p:nvGrpSpPr>
@@ -1620,21 +1681,27 @@
       </p:grpSpPr>
       <p:sp>
         <p:nvSpPr>
-          <p:cNvPr id="152" name="Google Shape;152;g2f404573549_0_37:notes"/>
-          <p:cNvSpPr/>
+          <p:cNvPr id="164" name="Google Shape;164;g2f404573549_0_42:notes"/>
+          <p:cNvSpPr>
+            <a:spLocks noGrp="1" noRot="1" noChangeAspect="1"/>
+          </p:cNvSpPr>
           <p:nvPr>
-            <p:ph idx="2" type="sldImg"/>
+            <p:ph type="sldImg" idx="2"/>
           </p:nvPr>
         </p:nvSpPr>
         <p:spPr>
           <a:xfrm>
-            <a:off x="381300" y="685800"/>
+            <a:off x="381000" y="685800"/>
             <a:ext cx="6096000" cy="3429000"/>
           </a:xfrm>
           <a:custGeom>
-            <a:rect b="b" l="l" r="r" t="t"/>
+            <a:avLst/>
+            <a:gdLst/>
+            <a:ahLst/>
+            <a:cxnLst/>
+            <a:rect l="l" t="t" r="r" b="b"/>
             <a:pathLst>
-              <a:path extrusionOk="0" h="120000" w="120000">
+              <a:path w="120000" h="120000" extrusionOk="0">
                 <a:moveTo>
                   <a:pt x="0" y="0"/>
                 </a:moveTo>
@@ -1655,10 +1722,12 @@
       </p:sp>
       <p:sp>
         <p:nvSpPr>
-          <p:cNvPr id="153" name="Google Shape;153;g2f404573549_0_37:notes"/>
-          <p:cNvSpPr txBox="1"/>
+          <p:cNvPr id="165" name="Google Shape;165;g2f404573549_0_42:notes"/>
+          <p:cNvSpPr txBox="1">
+            <a:spLocks noGrp="1"/>
+          </p:cNvSpPr>
           <p:nvPr>
-            <p:ph idx="1" type="body"/>
+            <p:ph type="body" idx="1"/>
           </p:nvPr>
         </p:nvSpPr>
         <p:spPr>
@@ -1671,12 +1740,12 @@
           </a:prstGeom>
         </p:spPr>
         <p:txBody>
-          <a:bodyPr anchorCtr="0" anchor="t" bIns="91425" lIns="91425" spcFirstLastPara="1" rIns="91425" wrap="square" tIns="91425">
+          <a:bodyPr spcFirstLastPara="1" wrap="square" lIns="91425" tIns="91425" rIns="91425" bIns="91425" anchor="t" anchorCtr="0">
             <a:noAutofit/>
           </a:bodyPr>
           <a:lstStyle/>
           <a:p>
-            <a:pPr indent="0" lvl="0" marL="0" rtl="0" algn="l">
+            <a:pPr marL="0" lvl="0" indent="0" algn="l" rtl="0">
               <a:spcBef>
                 <a:spcPts val="0"/>
               </a:spcBef>
@@ -1685,9 +1754,6 @@
               </a:spcAft>
               <a:buNone/>
             </a:pPr>
-            <a:r>
-              <a:t/>
-            </a:r>
             <a:endParaRPr/>
           </a:p>
         </p:txBody>
@@ -1701,11 +1767,11 @@
 </file>
 
 <file path=ppt/notesSlides/notesSlide19.xml><?xml version="1.0" encoding="utf-8"?>
-<p:notes xmlns:a="http://schemas.openxmlformats.org/drawingml/2006/main" xmlns:r="http://schemas.openxmlformats.org/officeDocument/2006/relationships" xmlns:mc="http://schemas.openxmlformats.org/markup-compatibility/2006" xmlns:mv="urn:schemas-microsoft-com:mac:vml" xmlns:p="http://schemas.openxmlformats.org/presentationml/2006/main" xmlns:c="http://schemas.openxmlformats.org/drawingml/2006/chart" xmlns:dgm="http://schemas.openxmlformats.org/drawingml/2006/diagram" xmlns:o="urn:schemas-microsoft-com:office:office" xmlns:v="urn:schemas-microsoft-com:vml" xmlns:pvml="urn:schemas-microsoft-com:office:powerpoint" xmlns:com="http://schemas.openxmlformats.org/drawingml/2006/compatibility" xmlns:p14="http://schemas.microsoft.com/office/powerpoint/2010/main" xmlns:p15="http://schemas.microsoft.com/office/powerpoint/2012/main" xmlns:ahyp="http://schemas.microsoft.com/office/drawing/2018/hyperlinkcolor" showMasterPhAnim="0" showMasterSp="0">
+<p:notes xmlns:a="http://schemas.openxmlformats.org/drawingml/2006/main" xmlns:r="http://schemas.openxmlformats.org/officeDocument/2006/relationships" xmlns:p="http://schemas.openxmlformats.org/presentationml/2006/main" showMasterSp="0" showMasterPhAnim="0">
   <p:cSld>
     <p:spTree>
       <p:nvGrpSpPr>
-        <p:cNvPr id="157" name="Shape 157"/>
+        <p:cNvPr id="1" name="Shape 169"/>
         <p:cNvGrpSpPr/>
         <p:nvPr/>
       </p:nvGrpSpPr>
@@ -1719,21 +1785,27 @@
       </p:grpSpPr>
       <p:sp>
         <p:nvSpPr>
-          <p:cNvPr id="158" name="Google Shape;158;g2f18b88e6dd_0_65:notes"/>
-          <p:cNvSpPr/>
+          <p:cNvPr id="170" name="Google Shape;170;g2f404573549_0_48:notes"/>
+          <p:cNvSpPr>
+            <a:spLocks noGrp="1" noRot="1" noChangeAspect="1"/>
+          </p:cNvSpPr>
           <p:nvPr>
-            <p:ph idx="2" type="sldImg"/>
+            <p:ph type="sldImg" idx="2"/>
           </p:nvPr>
         </p:nvSpPr>
         <p:spPr>
           <a:xfrm>
-            <a:off x="381300" y="685800"/>
+            <a:off x="381000" y="685800"/>
             <a:ext cx="6096000" cy="3429000"/>
           </a:xfrm>
           <a:custGeom>
-            <a:rect b="b" l="l" r="r" t="t"/>
+            <a:avLst/>
+            <a:gdLst/>
+            <a:ahLst/>
+            <a:cxnLst/>
+            <a:rect l="l" t="t" r="r" b="b"/>
             <a:pathLst>
-              <a:path extrusionOk="0" h="120000" w="120000">
+              <a:path w="120000" h="120000" extrusionOk="0">
                 <a:moveTo>
                   <a:pt x="0" y="0"/>
                 </a:moveTo>
@@ -1754,10 +1826,12 @@
       </p:sp>
       <p:sp>
         <p:nvSpPr>
-          <p:cNvPr id="159" name="Google Shape;159;g2f18b88e6dd_0_65:notes"/>
-          <p:cNvSpPr txBox="1"/>
+          <p:cNvPr id="171" name="Google Shape;171;g2f404573549_0_48:notes"/>
+          <p:cNvSpPr txBox="1">
+            <a:spLocks noGrp="1"/>
+          </p:cNvSpPr>
           <p:nvPr>
-            <p:ph idx="1" type="body"/>
+            <p:ph type="body" idx="1"/>
           </p:nvPr>
         </p:nvSpPr>
         <p:spPr>
@@ -1770,12 +1844,12 @@
           </a:prstGeom>
         </p:spPr>
         <p:txBody>
-          <a:bodyPr anchorCtr="0" anchor="t" bIns="91425" lIns="91425" spcFirstLastPara="1" rIns="91425" wrap="square" tIns="91425">
+          <a:bodyPr spcFirstLastPara="1" wrap="square" lIns="91425" tIns="91425" rIns="91425" bIns="91425" anchor="t" anchorCtr="0">
             <a:noAutofit/>
           </a:bodyPr>
           <a:lstStyle/>
           <a:p>
-            <a:pPr indent="0" lvl="0" marL="0" rtl="0" algn="l">
+            <a:pPr marL="0" lvl="0" indent="0" algn="l" rtl="0">
               <a:spcBef>
                 <a:spcPts val="0"/>
               </a:spcBef>
@@ -1784,9 +1858,6 @@
               </a:spcAft>
               <a:buNone/>
             </a:pPr>
-            <a:r>
-              <a:t/>
-            </a:r>
             <a:endParaRPr/>
           </a:p>
         </p:txBody>
@@ -1800,11 +1871,11 @@
 </file>
 
 <file path=ppt/notesSlides/notesSlide2.xml><?xml version="1.0" encoding="utf-8"?>
-<p:notes xmlns:a="http://schemas.openxmlformats.org/drawingml/2006/main" xmlns:r="http://schemas.openxmlformats.org/officeDocument/2006/relationships" xmlns:mc="http://schemas.openxmlformats.org/markup-compatibility/2006" xmlns:mv="urn:schemas-microsoft-com:mac:vml" xmlns:p="http://schemas.openxmlformats.org/presentationml/2006/main" xmlns:c="http://schemas.openxmlformats.org/drawingml/2006/chart" xmlns:dgm="http://schemas.openxmlformats.org/drawingml/2006/diagram" xmlns:o="urn:schemas-microsoft-com:office:office" xmlns:v="urn:schemas-microsoft-com:vml" xmlns:pvml="urn:schemas-microsoft-com:office:powerpoint" xmlns:com="http://schemas.openxmlformats.org/drawingml/2006/compatibility" xmlns:p14="http://schemas.microsoft.com/office/powerpoint/2010/main" xmlns:p15="http://schemas.microsoft.com/office/powerpoint/2012/main" xmlns:ahyp="http://schemas.microsoft.com/office/drawing/2018/hyperlinkcolor" showMasterPhAnim="0" showMasterSp="0">
+<p:notes xmlns:a="http://schemas.openxmlformats.org/drawingml/2006/main" xmlns:r="http://schemas.openxmlformats.org/officeDocument/2006/relationships" xmlns:p="http://schemas.openxmlformats.org/presentationml/2006/main" showMasterSp="0" showMasterPhAnim="0">
   <p:cSld>
     <p:spTree>
       <p:nvGrpSpPr>
-        <p:cNvPr id="56" name="Shape 56"/>
+        <p:cNvPr id="1" name="Shape 56"/>
         <p:cNvGrpSpPr/>
         <p:nvPr/>
       </p:nvGrpSpPr>
@@ -1819,20 +1890,26 @@
       <p:sp>
         <p:nvSpPr>
           <p:cNvPr id="57" name="Google Shape;57;g2f404573549_0_5:notes"/>
-          <p:cNvSpPr/>
+          <p:cNvSpPr>
+            <a:spLocks noGrp="1" noRot="1" noChangeAspect="1"/>
+          </p:cNvSpPr>
           <p:nvPr>
-            <p:ph idx="2" type="sldImg"/>
+            <p:ph type="sldImg" idx="2"/>
           </p:nvPr>
         </p:nvSpPr>
         <p:spPr>
           <a:xfrm>
-            <a:off x="381300" y="685800"/>
+            <a:off x="381000" y="685800"/>
             <a:ext cx="6096000" cy="3429000"/>
           </a:xfrm>
           <a:custGeom>
-            <a:rect b="b" l="l" r="r" t="t"/>
+            <a:avLst/>
+            <a:gdLst/>
+            <a:ahLst/>
+            <a:cxnLst/>
+            <a:rect l="l" t="t" r="r" b="b"/>
             <a:pathLst>
-              <a:path extrusionOk="0" h="120000" w="120000">
+              <a:path w="120000" h="120000" extrusionOk="0">
                 <a:moveTo>
                   <a:pt x="0" y="0"/>
                 </a:moveTo>
@@ -1854,9 +1931,11 @@
       <p:sp>
         <p:nvSpPr>
           <p:cNvPr id="58" name="Google Shape;58;g2f404573549_0_5:notes"/>
-          <p:cNvSpPr txBox="1"/>
+          <p:cNvSpPr txBox="1">
+            <a:spLocks noGrp="1"/>
+          </p:cNvSpPr>
           <p:nvPr>
-            <p:ph idx="1" type="body"/>
+            <p:ph type="body" idx="1"/>
           </p:nvPr>
         </p:nvSpPr>
         <p:spPr>
@@ -1869,12 +1948,12 @@
           </a:prstGeom>
         </p:spPr>
         <p:txBody>
-          <a:bodyPr anchorCtr="0" anchor="t" bIns="91425" lIns="91425" spcFirstLastPara="1" rIns="91425" wrap="square" tIns="91425">
+          <a:bodyPr spcFirstLastPara="1" wrap="square" lIns="91425" tIns="91425" rIns="91425" bIns="91425" anchor="t" anchorCtr="0">
             <a:noAutofit/>
           </a:bodyPr>
           <a:lstStyle/>
           <a:p>
-            <a:pPr indent="0" lvl="0" marL="0" rtl="0" algn="l">
+            <a:pPr marL="0" lvl="0" indent="0" algn="l" rtl="0">
               <a:spcBef>
                 <a:spcPts val="0"/>
               </a:spcBef>
@@ -1883,9 +1962,6 @@
               </a:spcAft>
               <a:buNone/>
             </a:pPr>
-            <a:r>
-              <a:t/>
-            </a:r>
             <a:endParaRPr/>
           </a:p>
         </p:txBody>
@@ -1899,11 +1975,17 @@
 </file>
 
 <file path=ppt/notesSlides/notesSlide20.xml><?xml version="1.0" encoding="utf-8"?>
-<p:notes xmlns:a="http://schemas.openxmlformats.org/drawingml/2006/main" xmlns:r="http://schemas.openxmlformats.org/officeDocument/2006/relationships" xmlns:mc="http://schemas.openxmlformats.org/markup-compatibility/2006" xmlns:mv="urn:schemas-microsoft-com:mac:vml" xmlns:p="http://schemas.openxmlformats.org/presentationml/2006/main" xmlns:c="http://schemas.openxmlformats.org/drawingml/2006/chart" xmlns:dgm="http://schemas.openxmlformats.org/drawingml/2006/diagram" xmlns:o="urn:schemas-microsoft-com:office:office" xmlns:v="urn:schemas-microsoft-com:vml" xmlns:pvml="urn:schemas-microsoft-com:office:powerpoint" xmlns:com="http://schemas.openxmlformats.org/drawingml/2006/compatibility" xmlns:p14="http://schemas.microsoft.com/office/powerpoint/2010/main" xmlns:p15="http://schemas.microsoft.com/office/powerpoint/2012/main" xmlns:ahyp="http://schemas.microsoft.com/office/drawing/2018/hyperlinkcolor" showMasterPhAnim="0" showMasterSp="0">
+<p:notes xmlns:a="http://schemas.openxmlformats.org/drawingml/2006/main" xmlns:r="http://schemas.openxmlformats.org/officeDocument/2006/relationships" xmlns:p="http://schemas.openxmlformats.org/presentationml/2006/main" showMasterSp="0" showMasterPhAnim="0">
   <p:cSld>
     <p:spTree>
       <p:nvGrpSpPr>
-        <p:cNvPr id="163" name="Shape 163"/>
+        <p:cNvPr id="1" name="Shape 169">
+          <a:extLst>
+            <a:ext uri="{FF2B5EF4-FFF2-40B4-BE49-F238E27FC236}">
+              <a16:creationId xmlns:a16="http://schemas.microsoft.com/office/drawing/2014/main" id="{C601D1D8-D676-3686-B803-FFD641412842}"/>
+            </a:ext>
+          </a:extLst>
+        </p:cNvPr>
         <p:cNvGrpSpPr/>
         <p:nvPr/>
       </p:nvGrpSpPr>
@@ -1917,21 +1999,33 @@
       </p:grpSpPr>
       <p:sp>
         <p:nvSpPr>
-          <p:cNvPr id="164" name="Google Shape;164;g2f404573549_0_42:notes"/>
-          <p:cNvSpPr/>
+          <p:cNvPr id="170" name="Google Shape;170;g2f404573549_0_48:notes">
+            <a:extLst>
+              <a:ext uri="{FF2B5EF4-FFF2-40B4-BE49-F238E27FC236}">
+                <a16:creationId xmlns:a16="http://schemas.microsoft.com/office/drawing/2014/main" id="{D38E1148-0BE3-0AC8-8EAD-3352422F5D62}"/>
+              </a:ext>
+            </a:extLst>
+          </p:cNvPr>
+          <p:cNvSpPr>
+            <a:spLocks noGrp="1" noRot="1" noChangeAspect="1"/>
+          </p:cNvSpPr>
           <p:nvPr>
-            <p:ph idx="2" type="sldImg"/>
+            <p:ph type="sldImg" idx="2"/>
           </p:nvPr>
         </p:nvSpPr>
         <p:spPr>
           <a:xfrm>
-            <a:off x="381300" y="685800"/>
+            <a:off x="381000" y="685800"/>
             <a:ext cx="6096000" cy="3429000"/>
           </a:xfrm>
           <a:custGeom>
-            <a:rect b="b" l="l" r="r" t="t"/>
+            <a:avLst/>
+            <a:gdLst/>
+            <a:ahLst/>
+            <a:cxnLst/>
+            <a:rect l="l" t="t" r="r" b="b"/>
             <a:pathLst>
-              <a:path extrusionOk="0" h="120000" w="120000">
+              <a:path w="120000" h="120000" extrusionOk="0">
                 <a:moveTo>
                   <a:pt x="0" y="0"/>
                 </a:moveTo>
@@ -1952,10 +2046,18 @@
       </p:sp>
       <p:sp>
         <p:nvSpPr>
-          <p:cNvPr id="165" name="Google Shape;165;g2f404573549_0_42:notes"/>
-          <p:cNvSpPr txBox="1"/>
+          <p:cNvPr id="171" name="Google Shape;171;g2f404573549_0_48:notes">
+            <a:extLst>
+              <a:ext uri="{FF2B5EF4-FFF2-40B4-BE49-F238E27FC236}">
+                <a16:creationId xmlns:a16="http://schemas.microsoft.com/office/drawing/2014/main" id="{1A20C7BE-96FC-AF73-E9AF-E3E4ED67BCCA}"/>
+              </a:ext>
+            </a:extLst>
+          </p:cNvPr>
+          <p:cNvSpPr txBox="1">
+            <a:spLocks noGrp="1"/>
+          </p:cNvSpPr>
           <p:nvPr>
-            <p:ph idx="1" type="body"/>
+            <p:ph type="body" idx="1"/>
           </p:nvPr>
         </p:nvSpPr>
         <p:spPr>
@@ -1968,12 +2070,12 @@
           </a:prstGeom>
         </p:spPr>
         <p:txBody>
-          <a:bodyPr anchorCtr="0" anchor="t" bIns="91425" lIns="91425" spcFirstLastPara="1" rIns="91425" wrap="square" tIns="91425">
+          <a:bodyPr spcFirstLastPara="1" wrap="square" lIns="91425" tIns="91425" rIns="91425" bIns="91425" anchor="t" anchorCtr="0">
             <a:noAutofit/>
           </a:bodyPr>
           <a:lstStyle/>
           <a:p>
-            <a:pPr indent="0" lvl="0" marL="0" rtl="0" algn="l">
+            <a:pPr marL="0" lvl="0" indent="0" algn="l" rtl="0">
               <a:spcBef>
                 <a:spcPts val="0"/>
               </a:spcBef>
@@ -1982,14 +2084,16 @@
               </a:spcAft>
               <a:buNone/>
             </a:pPr>
-            <a:r>
-              <a:t/>
-            </a:r>
             <a:endParaRPr/>
           </a:p>
         </p:txBody>
       </p:sp>
     </p:spTree>
+    <p:extLst>
+      <p:ext uri="{BB962C8B-B14F-4D97-AF65-F5344CB8AC3E}">
+        <p14:creationId xmlns:p14="http://schemas.microsoft.com/office/powerpoint/2010/main" val="2059039236"/>
+      </p:ext>
+    </p:extLst>
   </p:cSld>
   <p:clrMapOvr>
     <a:masterClrMapping/>
@@ -1998,11 +2102,17 @@
 </file>
 
 <file path=ppt/notesSlides/notesSlide21.xml><?xml version="1.0" encoding="utf-8"?>
-<p:notes xmlns:a="http://schemas.openxmlformats.org/drawingml/2006/main" xmlns:r="http://schemas.openxmlformats.org/officeDocument/2006/relationships" xmlns:mc="http://schemas.openxmlformats.org/markup-compatibility/2006" xmlns:mv="urn:schemas-microsoft-com:mac:vml" xmlns:p="http://schemas.openxmlformats.org/presentationml/2006/main" xmlns:c="http://schemas.openxmlformats.org/drawingml/2006/chart" xmlns:dgm="http://schemas.openxmlformats.org/drawingml/2006/diagram" xmlns:o="urn:schemas-microsoft-com:office:office" xmlns:v="urn:schemas-microsoft-com:vml" xmlns:pvml="urn:schemas-microsoft-com:office:powerpoint" xmlns:com="http://schemas.openxmlformats.org/drawingml/2006/compatibility" xmlns:p14="http://schemas.microsoft.com/office/powerpoint/2010/main" xmlns:p15="http://schemas.microsoft.com/office/powerpoint/2012/main" xmlns:ahyp="http://schemas.microsoft.com/office/drawing/2018/hyperlinkcolor" showMasterPhAnim="0" showMasterSp="0">
+<p:notes xmlns:a="http://schemas.openxmlformats.org/drawingml/2006/main" xmlns:r="http://schemas.openxmlformats.org/officeDocument/2006/relationships" xmlns:p="http://schemas.openxmlformats.org/presentationml/2006/main" showMasterSp="0" showMasterPhAnim="0">
   <p:cSld>
     <p:spTree>
       <p:nvGrpSpPr>
-        <p:cNvPr id="169" name="Shape 169"/>
+        <p:cNvPr id="1" name="Shape 169">
+          <a:extLst>
+            <a:ext uri="{FF2B5EF4-FFF2-40B4-BE49-F238E27FC236}">
+              <a16:creationId xmlns:a16="http://schemas.microsoft.com/office/drawing/2014/main" id="{7C84301D-83DD-500F-7BDE-1EE71F5D30DD}"/>
+            </a:ext>
+          </a:extLst>
+        </p:cNvPr>
         <p:cNvGrpSpPr/>
         <p:nvPr/>
       </p:nvGrpSpPr>
@@ -2016,21 +2126,33 @@
       </p:grpSpPr>
       <p:sp>
         <p:nvSpPr>
-          <p:cNvPr id="170" name="Google Shape;170;g2f404573549_0_48:notes"/>
-          <p:cNvSpPr/>
+          <p:cNvPr id="170" name="Google Shape;170;g2f404573549_0_48:notes">
+            <a:extLst>
+              <a:ext uri="{FF2B5EF4-FFF2-40B4-BE49-F238E27FC236}">
+                <a16:creationId xmlns:a16="http://schemas.microsoft.com/office/drawing/2014/main" id="{0E5DB6A5-4C85-3898-22D9-FBF0D153E87A}"/>
+              </a:ext>
+            </a:extLst>
+          </p:cNvPr>
+          <p:cNvSpPr>
+            <a:spLocks noGrp="1" noRot="1" noChangeAspect="1"/>
+          </p:cNvSpPr>
           <p:nvPr>
-            <p:ph idx="2" type="sldImg"/>
+            <p:ph type="sldImg" idx="2"/>
           </p:nvPr>
         </p:nvSpPr>
         <p:spPr>
           <a:xfrm>
-            <a:off x="381300" y="685800"/>
+            <a:off x="381000" y="685800"/>
             <a:ext cx="6096000" cy="3429000"/>
           </a:xfrm>
           <a:custGeom>
-            <a:rect b="b" l="l" r="r" t="t"/>
+            <a:avLst/>
+            <a:gdLst/>
+            <a:ahLst/>
+            <a:cxnLst/>
+            <a:rect l="l" t="t" r="r" b="b"/>
             <a:pathLst>
-              <a:path extrusionOk="0" h="120000" w="120000">
+              <a:path w="120000" h="120000" extrusionOk="0">
                 <a:moveTo>
                   <a:pt x="0" y="0"/>
                 </a:moveTo>
@@ -2051,10 +2173,18 @@
       </p:sp>
       <p:sp>
         <p:nvSpPr>
-          <p:cNvPr id="171" name="Google Shape;171;g2f404573549_0_48:notes"/>
-          <p:cNvSpPr txBox="1"/>
+          <p:cNvPr id="171" name="Google Shape;171;g2f404573549_0_48:notes">
+            <a:extLst>
+              <a:ext uri="{FF2B5EF4-FFF2-40B4-BE49-F238E27FC236}">
+                <a16:creationId xmlns:a16="http://schemas.microsoft.com/office/drawing/2014/main" id="{9E1C465D-2A3B-1862-449F-F75F82C9B5B2}"/>
+              </a:ext>
+            </a:extLst>
+          </p:cNvPr>
+          <p:cNvSpPr txBox="1">
+            <a:spLocks noGrp="1"/>
+          </p:cNvSpPr>
           <p:nvPr>
-            <p:ph idx="1" type="body"/>
+            <p:ph type="body" idx="1"/>
           </p:nvPr>
         </p:nvSpPr>
         <p:spPr>
@@ -2067,12 +2197,12 @@
           </a:prstGeom>
         </p:spPr>
         <p:txBody>
-          <a:bodyPr anchorCtr="0" anchor="t" bIns="91425" lIns="91425" spcFirstLastPara="1" rIns="91425" wrap="square" tIns="91425">
+          <a:bodyPr spcFirstLastPara="1" wrap="square" lIns="91425" tIns="91425" rIns="91425" bIns="91425" anchor="t" anchorCtr="0">
             <a:noAutofit/>
           </a:bodyPr>
           <a:lstStyle/>
           <a:p>
-            <a:pPr indent="0" lvl="0" marL="0" rtl="0" algn="l">
+            <a:pPr marL="0" lvl="0" indent="0" algn="l" rtl="0">
               <a:spcBef>
                 <a:spcPts val="0"/>
               </a:spcBef>
@@ -2081,14 +2211,16 @@
               </a:spcAft>
               <a:buNone/>
             </a:pPr>
-            <a:r>
-              <a:t/>
-            </a:r>
             <a:endParaRPr/>
           </a:p>
         </p:txBody>
       </p:sp>
     </p:spTree>
+    <p:extLst>
+      <p:ext uri="{BB962C8B-B14F-4D97-AF65-F5344CB8AC3E}">
+        <p14:creationId xmlns:p14="http://schemas.microsoft.com/office/powerpoint/2010/main" val="423587993"/>
+      </p:ext>
+    </p:extLst>
   </p:cSld>
   <p:clrMapOvr>
     <a:masterClrMapping/>
@@ -2097,11 +2229,11 @@
 </file>
 
 <file path=ppt/notesSlides/notesSlide22.xml><?xml version="1.0" encoding="utf-8"?>
-<p:notes xmlns:a="http://schemas.openxmlformats.org/drawingml/2006/main" xmlns:r="http://schemas.openxmlformats.org/officeDocument/2006/relationships" xmlns:mc="http://schemas.openxmlformats.org/markup-compatibility/2006" xmlns:mv="urn:schemas-microsoft-com:mac:vml" xmlns:p="http://schemas.openxmlformats.org/presentationml/2006/main" xmlns:c="http://schemas.openxmlformats.org/drawingml/2006/chart" xmlns:dgm="http://schemas.openxmlformats.org/drawingml/2006/diagram" xmlns:o="urn:schemas-microsoft-com:office:office" xmlns:v="urn:schemas-microsoft-com:vml" xmlns:pvml="urn:schemas-microsoft-com:office:powerpoint" xmlns:com="http://schemas.openxmlformats.org/drawingml/2006/compatibility" xmlns:p14="http://schemas.microsoft.com/office/powerpoint/2010/main" xmlns:p15="http://schemas.microsoft.com/office/powerpoint/2012/main" xmlns:ahyp="http://schemas.microsoft.com/office/drawing/2018/hyperlinkcolor" showMasterPhAnim="0" showMasterSp="0">
+<p:notes xmlns:a="http://schemas.openxmlformats.org/drawingml/2006/main" xmlns:r="http://schemas.openxmlformats.org/officeDocument/2006/relationships" xmlns:p="http://schemas.openxmlformats.org/presentationml/2006/main" showMasterSp="0" showMasterPhAnim="0">
   <p:cSld>
     <p:spTree>
       <p:nvGrpSpPr>
-        <p:cNvPr id="175" name="Shape 175"/>
+        <p:cNvPr id="1" name="Shape 175"/>
         <p:cNvGrpSpPr/>
         <p:nvPr/>
       </p:nvGrpSpPr>
@@ -2116,20 +2248,26 @@
       <p:sp>
         <p:nvSpPr>
           <p:cNvPr id="176" name="Google Shape;176;g2f404573549_0_77:notes"/>
-          <p:cNvSpPr/>
+          <p:cNvSpPr>
+            <a:spLocks noGrp="1" noRot="1" noChangeAspect="1"/>
+          </p:cNvSpPr>
           <p:nvPr>
-            <p:ph idx="2" type="sldImg"/>
+            <p:ph type="sldImg" idx="2"/>
           </p:nvPr>
         </p:nvSpPr>
         <p:spPr>
           <a:xfrm>
-            <a:off x="381300" y="685800"/>
+            <a:off x="381000" y="685800"/>
             <a:ext cx="6096000" cy="3429000"/>
           </a:xfrm>
           <a:custGeom>
-            <a:rect b="b" l="l" r="r" t="t"/>
+            <a:avLst/>
+            <a:gdLst/>
+            <a:ahLst/>
+            <a:cxnLst/>
+            <a:rect l="l" t="t" r="r" b="b"/>
             <a:pathLst>
-              <a:path extrusionOk="0" h="120000" w="120000">
+              <a:path w="120000" h="120000" extrusionOk="0">
                 <a:moveTo>
                   <a:pt x="0" y="0"/>
                 </a:moveTo>
@@ -2151,9 +2289,11 @@
       <p:sp>
         <p:nvSpPr>
           <p:cNvPr id="177" name="Google Shape;177;g2f404573549_0_77:notes"/>
-          <p:cNvSpPr txBox="1"/>
+          <p:cNvSpPr txBox="1">
+            <a:spLocks noGrp="1"/>
+          </p:cNvSpPr>
           <p:nvPr>
-            <p:ph idx="1" type="body"/>
+            <p:ph type="body" idx="1"/>
           </p:nvPr>
         </p:nvSpPr>
         <p:spPr>
@@ -2166,12 +2306,12 @@
           </a:prstGeom>
         </p:spPr>
         <p:txBody>
-          <a:bodyPr anchorCtr="0" anchor="t" bIns="91425" lIns="91425" spcFirstLastPara="1" rIns="91425" wrap="square" tIns="91425">
+          <a:bodyPr spcFirstLastPara="1" wrap="square" lIns="91425" tIns="91425" rIns="91425" bIns="91425" anchor="t" anchorCtr="0">
             <a:noAutofit/>
           </a:bodyPr>
           <a:lstStyle/>
           <a:p>
-            <a:pPr indent="0" lvl="0" marL="0" rtl="0" algn="l">
+            <a:pPr marL="0" lvl="0" indent="0" algn="l" rtl="0">
               <a:spcBef>
                 <a:spcPts val="0"/>
               </a:spcBef>
@@ -2180,9 +2320,6 @@
               </a:spcAft>
               <a:buNone/>
             </a:pPr>
-            <a:r>
-              <a:t/>
-            </a:r>
             <a:endParaRPr/>
           </a:p>
         </p:txBody>
@@ -2196,11 +2333,11 @@
 </file>
 
 <file path=ppt/notesSlides/notesSlide23.xml><?xml version="1.0" encoding="utf-8"?>
-<p:notes xmlns:a="http://schemas.openxmlformats.org/drawingml/2006/main" xmlns:r="http://schemas.openxmlformats.org/officeDocument/2006/relationships" xmlns:mc="http://schemas.openxmlformats.org/markup-compatibility/2006" xmlns:mv="urn:schemas-microsoft-com:mac:vml" xmlns:p="http://schemas.openxmlformats.org/presentationml/2006/main" xmlns:c="http://schemas.openxmlformats.org/drawingml/2006/chart" xmlns:dgm="http://schemas.openxmlformats.org/drawingml/2006/diagram" xmlns:o="urn:schemas-microsoft-com:office:office" xmlns:v="urn:schemas-microsoft-com:vml" xmlns:pvml="urn:schemas-microsoft-com:office:powerpoint" xmlns:com="http://schemas.openxmlformats.org/drawingml/2006/compatibility" xmlns:p14="http://schemas.microsoft.com/office/powerpoint/2010/main" xmlns:p15="http://schemas.microsoft.com/office/powerpoint/2012/main" xmlns:ahyp="http://schemas.microsoft.com/office/drawing/2018/hyperlinkcolor" showMasterPhAnim="0" showMasterSp="0">
+<p:notes xmlns:a="http://schemas.openxmlformats.org/drawingml/2006/main" xmlns:r="http://schemas.openxmlformats.org/officeDocument/2006/relationships" xmlns:p="http://schemas.openxmlformats.org/presentationml/2006/main" showMasterSp="0" showMasterPhAnim="0">
   <p:cSld>
     <p:spTree>
       <p:nvGrpSpPr>
-        <p:cNvPr id="181" name="Shape 181"/>
+        <p:cNvPr id="1" name="Shape 181"/>
         <p:cNvGrpSpPr/>
         <p:nvPr/>
       </p:nvGrpSpPr>
@@ -2215,9 +2352,11 @@
       <p:sp>
         <p:nvSpPr>
           <p:cNvPr id="182" name="Google Shape;182;g2f404573549_0_54:notes"/>
-          <p:cNvSpPr/>
+          <p:cNvSpPr>
+            <a:spLocks noGrp="1" noRot="1" noChangeAspect="1"/>
+          </p:cNvSpPr>
           <p:nvPr>
-            <p:ph idx="2" type="sldImg"/>
+            <p:ph type="sldImg" idx="2"/>
           </p:nvPr>
         </p:nvSpPr>
         <p:spPr>
@@ -2226,9 +2365,13 @@
             <a:ext cx="6096000" cy="3429000"/>
           </a:xfrm>
           <a:custGeom>
-            <a:rect b="b" l="l" r="r" t="t"/>
+            <a:avLst/>
+            <a:gdLst/>
+            <a:ahLst/>
+            <a:cxnLst/>
+            <a:rect l="l" t="t" r="r" b="b"/>
             <a:pathLst>
-              <a:path extrusionOk="0" h="120000" w="120000">
+              <a:path w="120000" h="120000" extrusionOk="0">
                 <a:moveTo>
                   <a:pt x="0" y="0"/>
                 </a:moveTo>
@@ -2250,9 +2393,11 @@
       <p:sp>
         <p:nvSpPr>
           <p:cNvPr id="183" name="Google Shape;183;g2f404573549_0_54:notes"/>
-          <p:cNvSpPr txBox="1"/>
+          <p:cNvSpPr txBox="1">
+            <a:spLocks noGrp="1"/>
+          </p:cNvSpPr>
           <p:nvPr>
-            <p:ph idx="1" type="body"/>
+            <p:ph type="body" idx="1"/>
           </p:nvPr>
         </p:nvSpPr>
         <p:spPr>
@@ -2265,12 +2410,12 @@
           </a:prstGeom>
         </p:spPr>
         <p:txBody>
-          <a:bodyPr anchorCtr="0" anchor="t" bIns="91425" lIns="91425" spcFirstLastPara="1" rIns="91425" wrap="square" tIns="91425">
+          <a:bodyPr spcFirstLastPara="1" wrap="square" lIns="91425" tIns="91425" rIns="91425" bIns="91425" anchor="t" anchorCtr="0">
             <a:noAutofit/>
           </a:bodyPr>
           <a:lstStyle/>
           <a:p>
-            <a:pPr indent="0" lvl="0" marL="0" rtl="0" algn="l">
+            <a:pPr marL="0" lvl="0" indent="0" algn="l" rtl="0">
               <a:spcBef>
                 <a:spcPts val="0"/>
               </a:spcBef>
@@ -2279,9 +2424,6 @@
               </a:spcAft>
               <a:buNone/>
             </a:pPr>
-            <a:r>
-              <a:t/>
-            </a:r>
             <a:endParaRPr/>
           </a:p>
         </p:txBody>
@@ -2295,11 +2437,11 @@
 </file>
 
 <file path=ppt/notesSlides/notesSlide24.xml><?xml version="1.0" encoding="utf-8"?>
-<p:notes xmlns:a="http://schemas.openxmlformats.org/drawingml/2006/main" xmlns:r="http://schemas.openxmlformats.org/officeDocument/2006/relationships" xmlns:mc="http://schemas.openxmlformats.org/markup-compatibility/2006" xmlns:mv="urn:schemas-microsoft-com:mac:vml" xmlns:p="http://schemas.openxmlformats.org/presentationml/2006/main" xmlns:c="http://schemas.openxmlformats.org/drawingml/2006/chart" xmlns:dgm="http://schemas.openxmlformats.org/drawingml/2006/diagram" xmlns:o="urn:schemas-microsoft-com:office:office" xmlns:v="urn:schemas-microsoft-com:vml" xmlns:pvml="urn:schemas-microsoft-com:office:powerpoint" xmlns:com="http://schemas.openxmlformats.org/drawingml/2006/compatibility" xmlns:p14="http://schemas.microsoft.com/office/powerpoint/2010/main" xmlns:p15="http://schemas.microsoft.com/office/powerpoint/2012/main" xmlns:ahyp="http://schemas.microsoft.com/office/drawing/2018/hyperlinkcolor" showMasterPhAnim="0" showMasterSp="0">
+<p:notes xmlns:a="http://schemas.openxmlformats.org/drawingml/2006/main" xmlns:r="http://schemas.openxmlformats.org/officeDocument/2006/relationships" xmlns:p="http://schemas.openxmlformats.org/presentationml/2006/main" showMasterSp="0" showMasterPhAnim="0">
   <p:cSld>
     <p:spTree>
       <p:nvGrpSpPr>
-        <p:cNvPr id="187" name="Shape 187"/>
+        <p:cNvPr id="1" name="Shape 187"/>
         <p:cNvGrpSpPr/>
         <p:nvPr/>
       </p:nvGrpSpPr>
@@ -2314,20 +2456,26 @@
       <p:sp>
         <p:nvSpPr>
           <p:cNvPr id="188" name="Google Shape;188;g2f404573549_0_59:notes"/>
-          <p:cNvSpPr/>
+          <p:cNvSpPr>
+            <a:spLocks noGrp="1" noRot="1" noChangeAspect="1"/>
+          </p:cNvSpPr>
           <p:nvPr>
-            <p:ph idx="2" type="sldImg"/>
+            <p:ph type="sldImg" idx="2"/>
           </p:nvPr>
         </p:nvSpPr>
         <p:spPr>
           <a:xfrm>
-            <a:off x="381300" y="685800"/>
+            <a:off x="381000" y="685800"/>
             <a:ext cx="6096000" cy="3429000"/>
           </a:xfrm>
           <a:custGeom>
-            <a:rect b="b" l="l" r="r" t="t"/>
+            <a:avLst/>
+            <a:gdLst/>
+            <a:ahLst/>
+            <a:cxnLst/>
+            <a:rect l="l" t="t" r="r" b="b"/>
             <a:pathLst>
-              <a:path extrusionOk="0" h="120000" w="120000">
+              <a:path w="120000" h="120000" extrusionOk="0">
                 <a:moveTo>
                   <a:pt x="0" y="0"/>
                 </a:moveTo>
@@ -2349,9 +2497,11 @@
       <p:sp>
         <p:nvSpPr>
           <p:cNvPr id="189" name="Google Shape;189;g2f404573549_0_59:notes"/>
-          <p:cNvSpPr txBox="1"/>
+          <p:cNvSpPr txBox="1">
+            <a:spLocks noGrp="1"/>
+          </p:cNvSpPr>
           <p:nvPr>
-            <p:ph idx="1" type="body"/>
+            <p:ph type="body" idx="1"/>
           </p:nvPr>
         </p:nvSpPr>
         <p:spPr>
@@ -2364,12 +2514,12 @@
           </a:prstGeom>
         </p:spPr>
         <p:txBody>
-          <a:bodyPr anchorCtr="0" anchor="t" bIns="91425" lIns="91425" spcFirstLastPara="1" rIns="91425" wrap="square" tIns="91425">
+          <a:bodyPr spcFirstLastPara="1" wrap="square" lIns="91425" tIns="91425" rIns="91425" bIns="91425" anchor="t" anchorCtr="0">
             <a:noAutofit/>
           </a:bodyPr>
           <a:lstStyle/>
           <a:p>
-            <a:pPr indent="0" lvl="0" marL="0" rtl="0" algn="l">
+            <a:pPr marL="0" lvl="0" indent="0" algn="l" rtl="0">
               <a:spcBef>
                 <a:spcPts val="0"/>
               </a:spcBef>
@@ -2378,9 +2528,6 @@
               </a:spcAft>
               <a:buNone/>
             </a:pPr>
-            <a:r>
-              <a:t/>
-            </a:r>
             <a:endParaRPr/>
           </a:p>
         </p:txBody>
@@ -2394,11 +2541,11 @@
 </file>
 
 <file path=ppt/notesSlides/notesSlide25.xml><?xml version="1.0" encoding="utf-8"?>
-<p:notes xmlns:a="http://schemas.openxmlformats.org/drawingml/2006/main" xmlns:r="http://schemas.openxmlformats.org/officeDocument/2006/relationships" xmlns:mc="http://schemas.openxmlformats.org/markup-compatibility/2006" xmlns:mv="urn:schemas-microsoft-com:mac:vml" xmlns:p="http://schemas.openxmlformats.org/presentationml/2006/main" xmlns:c="http://schemas.openxmlformats.org/drawingml/2006/chart" xmlns:dgm="http://schemas.openxmlformats.org/drawingml/2006/diagram" xmlns:o="urn:schemas-microsoft-com:office:office" xmlns:v="urn:schemas-microsoft-com:vml" xmlns:pvml="urn:schemas-microsoft-com:office:powerpoint" xmlns:com="http://schemas.openxmlformats.org/drawingml/2006/compatibility" xmlns:p14="http://schemas.microsoft.com/office/powerpoint/2010/main" xmlns:p15="http://schemas.microsoft.com/office/powerpoint/2012/main" xmlns:ahyp="http://schemas.microsoft.com/office/drawing/2018/hyperlinkcolor" showMasterPhAnim="0" showMasterSp="0">
+<p:notes xmlns:a="http://schemas.openxmlformats.org/drawingml/2006/main" xmlns:r="http://schemas.openxmlformats.org/officeDocument/2006/relationships" xmlns:p="http://schemas.openxmlformats.org/presentationml/2006/main" showMasterSp="0" showMasterPhAnim="0">
   <p:cSld>
     <p:spTree>
       <p:nvGrpSpPr>
-        <p:cNvPr id="193" name="Shape 193"/>
+        <p:cNvPr id="1" name="Shape 193"/>
         <p:cNvGrpSpPr/>
         <p:nvPr/>
       </p:nvGrpSpPr>
@@ -2413,9 +2560,11 @@
       <p:sp>
         <p:nvSpPr>
           <p:cNvPr id="194" name="Google Shape;194;g2f404573549_0_65:notes"/>
-          <p:cNvSpPr/>
+          <p:cNvSpPr>
+            <a:spLocks noGrp="1" noRot="1" noChangeAspect="1"/>
+          </p:cNvSpPr>
           <p:nvPr>
-            <p:ph idx="2" type="sldImg"/>
+            <p:ph type="sldImg" idx="2"/>
           </p:nvPr>
         </p:nvSpPr>
         <p:spPr>
@@ -2424,9 +2573,13 @@
             <a:ext cx="6096000" cy="3429000"/>
           </a:xfrm>
           <a:custGeom>
-            <a:rect b="b" l="l" r="r" t="t"/>
+            <a:avLst/>
+            <a:gdLst/>
+            <a:ahLst/>
+            <a:cxnLst/>
+            <a:rect l="l" t="t" r="r" b="b"/>
             <a:pathLst>
-              <a:path extrusionOk="0" h="120000" w="120000">
+              <a:path w="120000" h="120000" extrusionOk="0">
                 <a:moveTo>
                   <a:pt x="0" y="0"/>
                 </a:moveTo>
@@ -2448,9 +2601,11 @@
       <p:sp>
         <p:nvSpPr>
           <p:cNvPr id="195" name="Google Shape;195;g2f404573549_0_65:notes"/>
-          <p:cNvSpPr txBox="1"/>
+          <p:cNvSpPr txBox="1">
+            <a:spLocks noGrp="1"/>
+          </p:cNvSpPr>
           <p:nvPr>
-            <p:ph idx="1" type="body"/>
+            <p:ph type="body" idx="1"/>
           </p:nvPr>
         </p:nvSpPr>
         <p:spPr>
@@ -2463,12 +2618,12 @@
           </a:prstGeom>
         </p:spPr>
         <p:txBody>
-          <a:bodyPr anchorCtr="0" anchor="t" bIns="91425" lIns="91425" spcFirstLastPara="1" rIns="91425" wrap="square" tIns="91425">
+          <a:bodyPr spcFirstLastPara="1" wrap="square" lIns="91425" tIns="91425" rIns="91425" bIns="91425" anchor="t" anchorCtr="0">
             <a:noAutofit/>
           </a:bodyPr>
           <a:lstStyle/>
           <a:p>
-            <a:pPr indent="0" lvl="0" marL="0" rtl="0" algn="l">
+            <a:pPr marL="0" lvl="0" indent="0" algn="l" rtl="0">
               <a:spcBef>
                 <a:spcPts val="0"/>
               </a:spcBef>
@@ -2477,9 +2632,6 @@
               </a:spcAft>
               <a:buNone/>
             </a:pPr>
-            <a:r>
-              <a:t/>
-            </a:r>
             <a:endParaRPr/>
           </a:p>
         </p:txBody>
@@ -2493,11 +2645,11 @@
 </file>
 
 <file path=ppt/notesSlides/notesSlide3.xml><?xml version="1.0" encoding="utf-8"?>
-<p:notes xmlns:a="http://schemas.openxmlformats.org/drawingml/2006/main" xmlns:r="http://schemas.openxmlformats.org/officeDocument/2006/relationships" xmlns:mc="http://schemas.openxmlformats.org/markup-compatibility/2006" xmlns:mv="urn:schemas-microsoft-com:mac:vml" xmlns:p="http://schemas.openxmlformats.org/presentationml/2006/main" xmlns:c="http://schemas.openxmlformats.org/drawingml/2006/chart" xmlns:dgm="http://schemas.openxmlformats.org/drawingml/2006/diagram" xmlns:o="urn:schemas-microsoft-com:office:office" xmlns:v="urn:schemas-microsoft-com:vml" xmlns:pvml="urn:schemas-microsoft-com:office:powerpoint" xmlns:com="http://schemas.openxmlformats.org/drawingml/2006/compatibility" xmlns:p14="http://schemas.microsoft.com/office/powerpoint/2010/main" xmlns:p15="http://schemas.microsoft.com/office/powerpoint/2012/main" xmlns:ahyp="http://schemas.microsoft.com/office/drawing/2018/hyperlinkcolor" showMasterPhAnim="0" showMasterSp="0">
+<p:notes xmlns:a="http://schemas.openxmlformats.org/drawingml/2006/main" xmlns:r="http://schemas.openxmlformats.org/officeDocument/2006/relationships" xmlns:p="http://schemas.openxmlformats.org/presentationml/2006/main" showMasterSp="0" showMasterPhAnim="0">
   <p:cSld>
     <p:spTree>
       <p:nvGrpSpPr>
-        <p:cNvPr id="62" name="Shape 62"/>
+        <p:cNvPr id="1" name="Shape 62"/>
         <p:cNvGrpSpPr/>
         <p:nvPr/>
       </p:nvGrpSpPr>
@@ -2512,9 +2664,11 @@
       <p:sp>
         <p:nvSpPr>
           <p:cNvPr id="63" name="Google Shape;63;g2f404573549_0_10:notes"/>
-          <p:cNvSpPr/>
+          <p:cNvSpPr>
+            <a:spLocks noGrp="1" noRot="1" noChangeAspect="1"/>
+          </p:cNvSpPr>
           <p:nvPr>
-            <p:ph idx="2" type="sldImg"/>
+            <p:ph type="sldImg" idx="2"/>
           </p:nvPr>
         </p:nvSpPr>
         <p:spPr>
@@ -2523,9 +2677,13 @@
             <a:ext cx="6096000" cy="3429000"/>
           </a:xfrm>
           <a:custGeom>
-            <a:rect b="b" l="l" r="r" t="t"/>
+            <a:avLst/>
+            <a:gdLst/>
+            <a:ahLst/>
+            <a:cxnLst/>
+            <a:rect l="l" t="t" r="r" b="b"/>
             <a:pathLst>
-              <a:path extrusionOk="0" h="120000" w="120000">
+              <a:path w="120000" h="120000" extrusionOk="0">
                 <a:moveTo>
                   <a:pt x="0" y="0"/>
                 </a:moveTo>
@@ -2547,9 +2705,11 @@
       <p:sp>
         <p:nvSpPr>
           <p:cNvPr id="64" name="Google Shape;64;g2f404573549_0_10:notes"/>
-          <p:cNvSpPr txBox="1"/>
+          <p:cNvSpPr txBox="1">
+            <a:spLocks noGrp="1"/>
+          </p:cNvSpPr>
           <p:nvPr>
-            <p:ph idx="1" type="body"/>
+            <p:ph type="body" idx="1"/>
           </p:nvPr>
         </p:nvSpPr>
         <p:spPr>
@@ -2562,12 +2722,12 @@
           </a:prstGeom>
         </p:spPr>
         <p:txBody>
-          <a:bodyPr anchorCtr="0" anchor="t" bIns="91425" lIns="91425" spcFirstLastPara="1" rIns="91425" wrap="square" tIns="91425">
+          <a:bodyPr spcFirstLastPara="1" wrap="square" lIns="91425" tIns="91425" rIns="91425" bIns="91425" anchor="t" anchorCtr="0">
             <a:noAutofit/>
           </a:bodyPr>
           <a:lstStyle/>
           <a:p>
-            <a:pPr indent="0" lvl="0" marL="0" rtl="0" algn="l">
+            <a:pPr marL="0" lvl="0" indent="0" algn="l" rtl="0">
               <a:spcBef>
                 <a:spcPts val="0"/>
               </a:spcBef>
@@ -2576,9 +2736,6 @@
               </a:spcAft>
               <a:buNone/>
             </a:pPr>
-            <a:r>
-              <a:t/>
-            </a:r>
             <a:endParaRPr/>
           </a:p>
         </p:txBody>
@@ -2592,11 +2749,11 @@
 </file>
 
 <file path=ppt/notesSlides/notesSlide4.xml><?xml version="1.0" encoding="utf-8"?>
-<p:notes xmlns:a="http://schemas.openxmlformats.org/drawingml/2006/main" xmlns:r="http://schemas.openxmlformats.org/officeDocument/2006/relationships" xmlns:mc="http://schemas.openxmlformats.org/markup-compatibility/2006" xmlns:mv="urn:schemas-microsoft-com:mac:vml" xmlns:p="http://schemas.openxmlformats.org/presentationml/2006/main" xmlns:c="http://schemas.openxmlformats.org/drawingml/2006/chart" xmlns:dgm="http://schemas.openxmlformats.org/drawingml/2006/diagram" xmlns:o="urn:schemas-microsoft-com:office:office" xmlns:v="urn:schemas-microsoft-com:vml" xmlns:pvml="urn:schemas-microsoft-com:office:powerpoint" xmlns:com="http://schemas.openxmlformats.org/drawingml/2006/compatibility" xmlns:p14="http://schemas.microsoft.com/office/powerpoint/2010/main" xmlns:p15="http://schemas.microsoft.com/office/powerpoint/2012/main" xmlns:ahyp="http://schemas.microsoft.com/office/drawing/2018/hyperlinkcolor" showMasterPhAnim="0" showMasterSp="0">
+<p:notes xmlns:a="http://schemas.openxmlformats.org/drawingml/2006/main" xmlns:r="http://schemas.openxmlformats.org/officeDocument/2006/relationships" xmlns:p="http://schemas.openxmlformats.org/presentationml/2006/main" showMasterSp="0" showMasterPhAnim="0">
   <p:cSld>
     <p:spTree>
       <p:nvGrpSpPr>
-        <p:cNvPr id="68" name="Shape 68"/>
+        <p:cNvPr id="1" name="Shape 68"/>
         <p:cNvGrpSpPr/>
         <p:nvPr/>
       </p:nvGrpSpPr>
@@ -2611,9 +2768,11 @@
       <p:sp>
         <p:nvSpPr>
           <p:cNvPr id="69" name="Google Shape;69;g2f404573549_0_16:notes"/>
-          <p:cNvSpPr/>
+          <p:cNvSpPr>
+            <a:spLocks noGrp="1" noRot="1" noChangeAspect="1"/>
+          </p:cNvSpPr>
           <p:nvPr>
-            <p:ph idx="2" type="sldImg"/>
+            <p:ph type="sldImg" idx="2"/>
           </p:nvPr>
         </p:nvSpPr>
         <p:spPr>
@@ -2622,9 +2781,13 @@
             <a:ext cx="6096000" cy="3429000"/>
           </a:xfrm>
           <a:custGeom>
-            <a:rect b="b" l="l" r="r" t="t"/>
+            <a:avLst/>
+            <a:gdLst/>
+            <a:ahLst/>
+            <a:cxnLst/>
+            <a:rect l="l" t="t" r="r" b="b"/>
             <a:pathLst>
-              <a:path extrusionOk="0" h="120000" w="120000">
+              <a:path w="120000" h="120000" extrusionOk="0">
                 <a:moveTo>
                   <a:pt x="0" y="0"/>
                 </a:moveTo>
@@ -2646,9 +2809,11 @@
       <p:sp>
         <p:nvSpPr>
           <p:cNvPr id="70" name="Google Shape;70;g2f404573549_0_16:notes"/>
-          <p:cNvSpPr txBox="1"/>
+          <p:cNvSpPr txBox="1">
+            <a:spLocks noGrp="1"/>
+          </p:cNvSpPr>
           <p:nvPr>
-            <p:ph idx="1" type="body"/>
+            <p:ph type="body" idx="1"/>
           </p:nvPr>
         </p:nvSpPr>
         <p:spPr>
@@ -2661,12 +2826,12 @@
           </a:prstGeom>
         </p:spPr>
         <p:txBody>
-          <a:bodyPr anchorCtr="0" anchor="t" bIns="91425" lIns="91425" spcFirstLastPara="1" rIns="91425" wrap="square" tIns="91425">
+          <a:bodyPr spcFirstLastPara="1" wrap="square" lIns="91425" tIns="91425" rIns="91425" bIns="91425" anchor="t" anchorCtr="0">
             <a:noAutofit/>
           </a:bodyPr>
           <a:lstStyle/>
           <a:p>
-            <a:pPr indent="0" lvl="0" marL="0" rtl="0" algn="l">
+            <a:pPr marL="0" lvl="0" indent="0" algn="l" rtl="0">
               <a:spcBef>
                 <a:spcPts val="0"/>
               </a:spcBef>
@@ -2675,9 +2840,6 @@
               </a:spcAft>
               <a:buNone/>
             </a:pPr>
-            <a:r>
-              <a:t/>
-            </a:r>
             <a:endParaRPr/>
           </a:p>
         </p:txBody>
@@ -2691,11 +2853,11 @@
 </file>
 
 <file path=ppt/notesSlides/notesSlide5.xml><?xml version="1.0" encoding="utf-8"?>
-<p:notes xmlns:a="http://schemas.openxmlformats.org/drawingml/2006/main" xmlns:r="http://schemas.openxmlformats.org/officeDocument/2006/relationships" xmlns:mc="http://schemas.openxmlformats.org/markup-compatibility/2006" xmlns:mv="urn:schemas-microsoft-com:mac:vml" xmlns:p="http://schemas.openxmlformats.org/presentationml/2006/main" xmlns:c="http://schemas.openxmlformats.org/drawingml/2006/chart" xmlns:dgm="http://schemas.openxmlformats.org/drawingml/2006/diagram" xmlns:o="urn:schemas-microsoft-com:office:office" xmlns:v="urn:schemas-microsoft-com:vml" xmlns:pvml="urn:schemas-microsoft-com:office:powerpoint" xmlns:com="http://schemas.openxmlformats.org/drawingml/2006/compatibility" xmlns:p14="http://schemas.microsoft.com/office/powerpoint/2010/main" xmlns:p15="http://schemas.microsoft.com/office/powerpoint/2012/main" xmlns:ahyp="http://schemas.microsoft.com/office/drawing/2018/hyperlinkcolor" showMasterPhAnim="0" showMasterSp="0">
+<p:notes xmlns:a="http://schemas.openxmlformats.org/drawingml/2006/main" xmlns:r="http://schemas.openxmlformats.org/officeDocument/2006/relationships" xmlns:p="http://schemas.openxmlformats.org/presentationml/2006/main" showMasterSp="0" showMasterPhAnim="0">
   <p:cSld>
     <p:spTree>
       <p:nvGrpSpPr>
-        <p:cNvPr id="74" name="Shape 74"/>
+        <p:cNvPr id="1" name="Shape 74"/>
         <p:cNvGrpSpPr/>
         <p:nvPr/>
       </p:nvGrpSpPr>
@@ -2710,20 +2872,26 @@
       <p:sp>
         <p:nvSpPr>
           <p:cNvPr id="75" name="Google Shape;75;g2f2e30799d5_1_0:notes"/>
-          <p:cNvSpPr/>
+          <p:cNvSpPr>
+            <a:spLocks noGrp="1" noRot="1" noChangeAspect="1"/>
+          </p:cNvSpPr>
           <p:nvPr>
-            <p:ph idx="2" type="sldImg"/>
+            <p:ph type="sldImg" idx="2"/>
           </p:nvPr>
         </p:nvSpPr>
         <p:spPr>
           <a:xfrm>
-            <a:off x="381300" y="685800"/>
+            <a:off x="381000" y="685800"/>
             <a:ext cx="6096000" cy="3429000"/>
           </a:xfrm>
           <a:custGeom>
-            <a:rect b="b" l="l" r="r" t="t"/>
+            <a:avLst/>
+            <a:gdLst/>
+            <a:ahLst/>
+            <a:cxnLst/>
+            <a:rect l="l" t="t" r="r" b="b"/>
             <a:pathLst>
-              <a:path extrusionOk="0" h="120000" w="120000">
+              <a:path w="120000" h="120000" extrusionOk="0">
                 <a:moveTo>
                   <a:pt x="0" y="0"/>
                 </a:moveTo>
@@ -2745,9 +2913,11 @@
       <p:sp>
         <p:nvSpPr>
           <p:cNvPr id="76" name="Google Shape;76;g2f2e30799d5_1_0:notes"/>
-          <p:cNvSpPr txBox="1"/>
+          <p:cNvSpPr txBox="1">
+            <a:spLocks noGrp="1"/>
+          </p:cNvSpPr>
           <p:nvPr>
-            <p:ph idx="1" type="body"/>
+            <p:ph type="body" idx="1"/>
           </p:nvPr>
         </p:nvSpPr>
         <p:spPr>
@@ -2760,12 +2930,12 @@
           </a:prstGeom>
         </p:spPr>
         <p:txBody>
-          <a:bodyPr anchorCtr="0" anchor="t" bIns="91425" lIns="91425" spcFirstLastPara="1" rIns="91425" wrap="square" tIns="91425">
+          <a:bodyPr spcFirstLastPara="1" wrap="square" lIns="91425" tIns="91425" rIns="91425" bIns="91425" anchor="t" anchorCtr="0">
             <a:noAutofit/>
           </a:bodyPr>
           <a:lstStyle/>
           <a:p>
-            <a:pPr indent="0" lvl="0" marL="0" rtl="0" algn="l">
+            <a:pPr marL="0" lvl="0" indent="0" algn="l" rtl="0">
               <a:spcBef>
                 <a:spcPts val="0"/>
               </a:spcBef>
@@ -2774,9 +2944,6 @@
               </a:spcAft>
               <a:buNone/>
             </a:pPr>
-            <a:r>
-              <a:t/>
-            </a:r>
             <a:endParaRPr/>
           </a:p>
         </p:txBody>
@@ -2790,11 +2957,11 @@
 </file>
 
 <file path=ppt/notesSlides/notesSlide6.xml><?xml version="1.0" encoding="utf-8"?>
-<p:notes xmlns:a="http://schemas.openxmlformats.org/drawingml/2006/main" xmlns:r="http://schemas.openxmlformats.org/officeDocument/2006/relationships" xmlns:mc="http://schemas.openxmlformats.org/markup-compatibility/2006" xmlns:mv="urn:schemas-microsoft-com:mac:vml" xmlns:p="http://schemas.openxmlformats.org/presentationml/2006/main" xmlns:c="http://schemas.openxmlformats.org/drawingml/2006/chart" xmlns:dgm="http://schemas.openxmlformats.org/drawingml/2006/diagram" xmlns:o="urn:schemas-microsoft-com:office:office" xmlns:v="urn:schemas-microsoft-com:vml" xmlns:pvml="urn:schemas-microsoft-com:office:powerpoint" xmlns:com="http://schemas.openxmlformats.org/drawingml/2006/compatibility" xmlns:p14="http://schemas.microsoft.com/office/powerpoint/2010/main" xmlns:p15="http://schemas.microsoft.com/office/powerpoint/2012/main" xmlns:ahyp="http://schemas.microsoft.com/office/drawing/2018/hyperlinkcolor" showMasterPhAnim="0" showMasterSp="0">
+<p:notes xmlns:a="http://schemas.openxmlformats.org/drawingml/2006/main" xmlns:r="http://schemas.openxmlformats.org/officeDocument/2006/relationships" xmlns:p="http://schemas.openxmlformats.org/presentationml/2006/main" showMasterSp="0" showMasterPhAnim="0">
   <p:cSld>
     <p:spTree>
       <p:nvGrpSpPr>
-        <p:cNvPr id="81" name="Shape 81"/>
+        <p:cNvPr id="1" name="Shape 81"/>
         <p:cNvGrpSpPr/>
         <p:nvPr/>
       </p:nvGrpSpPr>
@@ -2809,9 +2976,11 @@
       <p:sp>
         <p:nvSpPr>
           <p:cNvPr id="82" name="Google Shape;82;g2f2e30799d5_1_6:notes"/>
-          <p:cNvSpPr/>
+          <p:cNvSpPr>
+            <a:spLocks noGrp="1" noRot="1" noChangeAspect="1"/>
+          </p:cNvSpPr>
           <p:nvPr>
-            <p:ph idx="2" type="sldImg"/>
+            <p:ph type="sldImg" idx="2"/>
           </p:nvPr>
         </p:nvSpPr>
         <p:spPr>
@@ -2820,9 +2989,13 @@
             <a:ext cx="6096000" cy="3429000"/>
           </a:xfrm>
           <a:custGeom>
-            <a:rect b="b" l="l" r="r" t="t"/>
+            <a:avLst/>
+            <a:gdLst/>
+            <a:ahLst/>
+            <a:cxnLst/>
+            <a:rect l="l" t="t" r="r" b="b"/>
             <a:pathLst>
-              <a:path extrusionOk="0" h="120000" w="120000">
+              <a:path w="120000" h="120000" extrusionOk="0">
                 <a:moveTo>
                   <a:pt x="0" y="0"/>
                 </a:moveTo>
@@ -2844,9 +3017,11 @@
       <p:sp>
         <p:nvSpPr>
           <p:cNvPr id="83" name="Google Shape;83;g2f2e30799d5_1_6:notes"/>
-          <p:cNvSpPr txBox="1"/>
+          <p:cNvSpPr txBox="1">
+            <a:spLocks noGrp="1"/>
+          </p:cNvSpPr>
           <p:nvPr>
-            <p:ph idx="1" type="body"/>
+            <p:ph type="body" idx="1"/>
           </p:nvPr>
         </p:nvSpPr>
         <p:spPr>
@@ -2859,12 +3034,12 @@
           </a:prstGeom>
         </p:spPr>
         <p:txBody>
-          <a:bodyPr anchorCtr="0" anchor="t" bIns="91425" lIns="91425" spcFirstLastPara="1" rIns="91425" wrap="square" tIns="91425">
+          <a:bodyPr spcFirstLastPara="1" wrap="square" lIns="91425" tIns="91425" rIns="91425" bIns="91425" anchor="t" anchorCtr="0">
             <a:noAutofit/>
           </a:bodyPr>
           <a:lstStyle/>
           <a:p>
-            <a:pPr indent="0" lvl="0" marL="0" rtl="0" algn="l">
+            <a:pPr marL="0" lvl="0" indent="0" algn="l" rtl="0">
               <a:spcBef>
                 <a:spcPts val="0"/>
               </a:spcBef>
@@ -2873,9 +3048,6 @@
               </a:spcAft>
               <a:buNone/>
             </a:pPr>
-            <a:r>
-              <a:t/>
-            </a:r>
             <a:endParaRPr/>
           </a:p>
         </p:txBody>
@@ -2889,11 +3061,11 @@
 </file>
 
 <file path=ppt/notesSlides/notesSlide7.xml><?xml version="1.0" encoding="utf-8"?>
-<p:notes xmlns:a="http://schemas.openxmlformats.org/drawingml/2006/main" xmlns:r="http://schemas.openxmlformats.org/officeDocument/2006/relationships" xmlns:mc="http://schemas.openxmlformats.org/markup-compatibility/2006" xmlns:mv="urn:schemas-microsoft-com:mac:vml" xmlns:p="http://schemas.openxmlformats.org/presentationml/2006/main" xmlns:c="http://schemas.openxmlformats.org/drawingml/2006/chart" xmlns:dgm="http://schemas.openxmlformats.org/drawingml/2006/diagram" xmlns:o="urn:schemas-microsoft-com:office:office" xmlns:v="urn:schemas-microsoft-com:vml" xmlns:pvml="urn:schemas-microsoft-com:office:powerpoint" xmlns:com="http://schemas.openxmlformats.org/drawingml/2006/compatibility" xmlns:p14="http://schemas.microsoft.com/office/powerpoint/2010/main" xmlns:p15="http://schemas.microsoft.com/office/powerpoint/2012/main" xmlns:ahyp="http://schemas.microsoft.com/office/drawing/2018/hyperlinkcolor" showMasterPhAnim="0" showMasterSp="0">
+<p:notes xmlns:a="http://schemas.openxmlformats.org/drawingml/2006/main" xmlns:r="http://schemas.openxmlformats.org/officeDocument/2006/relationships" xmlns:p="http://schemas.openxmlformats.org/presentationml/2006/main" showMasterSp="0" showMasterPhAnim="0">
   <p:cSld>
     <p:spTree>
       <p:nvGrpSpPr>
-        <p:cNvPr id="86" name="Shape 86"/>
+        <p:cNvPr id="1" name="Shape 86"/>
         <p:cNvGrpSpPr/>
         <p:nvPr/>
       </p:nvGrpSpPr>
@@ -2908,20 +3080,26 @@
       <p:sp>
         <p:nvSpPr>
           <p:cNvPr id="87" name="Google Shape;87;g2f18b88e6dd_0_0:notes"/>
-          <p:cNvSpPr/>
+          <p:cNvSpPr>
+            <a:spLocks noGrp="1" noRot="1" noChangeAspect="1"/>
+          </p:cNvSpPr>
           <p:nvPr>
-            <p:ph idx="2" type="sldImg"/>
+            <p:ph type="sldImg" idx="2"/>
           </p:nvPr>
         </p:nvSpPr>
         <p:spPr>
           <a:xfrm>
-            <a:off x="381300" y="685800"/>
+            <a:off x="381000" y="685800"/>
             <a:ext cx="6096000" cy="3429000"/>
           </a:xfrm>
           <a:custGeom>
-            <a:rect b="b" l="l" r="r" t="t"/>
+            <a:avLst/>
+            <a:gdLst/>
+            <a:ahLst/>
+            <a:cxnLst/>
+            <a:rect l="l" t="t" r="r" b="b"/>
             <a:pathLst>
-              <a:path extrusionOk="0" h="120000" w="120000">
+              <a:path w="120000" h="120000" extrusionOk="0">
                 <a:moveTo>
                   <a:pt x="0" y="0"/>
                 </a:moveTo>
@@ -2943,9 +3121,11 @@
       <p:sp>
         <p:nvSpPr>
           <p:cNvPr id="88" name="Google Shape;88;g2f18b88e6dd_0_0:notes"/>
-          <p:cNvSpPr txBox="1"/>
+          <p:cNvSpPr txBox="1">
+            <a:spLocks noGrp="1"/>
+          </p:cNvSpPr>
           <p:nvPr>
-            <p:ph idx="1" type="body"/>
+            <p:ph type="body" idx="1"/>
           </p:nvPr>
         </p:nvSpPr>
         <p:spPr>
@@ -2958,12 +3138,12 @@
           </a:prstGeom>
         </p:spPr>
         <p:txBody>
-          <a:bodyPr anchorCtr="0" anchor="t" bIns="91425" lIns="91425" spcFirstLastPara="1" rIns="91425" wrap="square" tIns="91425">
+          <a:bodyPr spcFirstLastPara="1" wrap="square" lIns="91425" tIns="91425" rIns="91425" bIns="91425" anchor="t" anchorCtr="0">
             <a:noAutofit/>
           </a:bodyPr>
           <a:lstStyle/>
           <a:p>
-            <a:pPr indent="0" lvl="0" marL="0" rtl="0" algn="l">
+            <a:pPr marL="0" lvl="0" indent="0" algn="l" rtl="0">
               <a:spcBef>
                 <a:spcPts val="0"/>
               </a:spcBef>
@@ -2972,9 +3152,6 @@
               </a:spcAft>
               <a:buNone/>
             </a:pPr>
-            <a:r>
-              <a:t/>
-            </a:r>
             <a:endParaRPr/>
           </a:p>
         </p:txBody>
@@ -2988,11 +3165,11 @@
 </file>
 
 <file path=ppt/notesSlides/notesSlide8.xml><?xml version="1.0" encoding="utf-8"?>
-<p:notes xmlns:a="http://schemas.openxmlformats.org/drawingml/2006/main" xmlns:r="http://schemas.openxmlformats.org/officeDocument/2006/relationships" xmlns:mc="http://schemas.openxmlformats.org/markup-compatibility/2006" xmlns:mv="urn:schemas-microsoft-com:mac:vml" xmlns:p="http://schemas.openxmlformats.org/presentationml/2006/main" xmlns:c="http://schemas.openxmlformats.org/drawingml/2006/chart" xmlns:dgm="http://schemas.openxmlformats.org/drawingml/2006/diagram" xmlns:o="urn:schemas-microsoft-com:office:office" xmlns:v="urn:schemas-microsoft-com:vml" xmlns:pvml="urn:schemas-microsoft-com:office:powerpoint" xmlns:com="http://schemas.openxmlformats.org/drawingml/2006/compatibility" xmlns:p14="http://schemas.microsoft.com/office/powerpoint/2010/main" xmlns:p15="http://schemas.microsoft.com/office/powerpoint/2012/main" xmlns:ahyp="http://schemas.microsoft.com/office/drawing/2018/hyperlinkcolor" showMasterPhAnim="0" showMasterSp="0">
+<p:notes xmlns:a="http://schemas.openxmlformats.org/drawingml/2006/main" xmlns:r="http://schemas.openxmlformats.org/officeDocument/2006/relationships" xmlns:p="http://schemas.openxmlformats.org/presentationml/2006/main" showMasterSp="0" showMasterPhAnim="0">
   <p:cSld>
     <p:spTree>
       <p:nvGrpSpPr>
-        <p:cNvPr id="92" name="Shape 92"/>
+        <p:cNvPr id="1" name="Shape 92"/>
         <p:cNvGrpSpPr/>
         <p:nvPr/>
       </p:nvGrpSpPr>
@@ -3007,9 +3184,11 @@
       <p:sp>
         <p:nvSpPr>
           <p:cNvPr id="93" name="Google Shape;93;g2f18b88e6dd_0_16:notes"/>
-          <p:cNvSpPr/>
+          <p:cNvSpPr>
+            <a:spLocks noGrp="1" noRot="1" noChangeAspect="1"/>
+          </p:cNvSpPr>
           <p:nvPr>
-            <p:ph idx="2" type="sldImg"/>
+            <p:ph type="sldImg" idx="2"/>
           </p:nvPr>
         </p:nvSpPr>
         <p:spPr>
@@ -3018,9 +3197,13 @@
             <a:ext cx="6096000" cy="3429000"/>
           </a:xfrm>
           <a:custGeom>
-            <a:rect b="b" l="l" r="r" t="t"/>
+            <a:avLst/>
+            <a:gdLst/>
+            <a:ahLst/>
+            <a:cxnLst/>
+            <a:rect l="l" t="t" r="r" b="b"/>
             <a:pathLst>
-              <a:path extrusionOk="0" h="120000" w="120000">
+              <a:path w="120000" h="120000" extrusionOk="0">
                 <a:moveTo>
                   <a:pt x="0" y="0"/>
                 </a:moveTo>
@@ -3042,9 +3225,11 @@
       <p:sp>
         <p:nvSpPr>
           <p:cNvPr id="94" name="Google Shape;94;g2f18b88e6dd_0_16:notes"/>
-          <p:cNvSpPr txBox="1"/>
+          <p:cNvSpPr txBox="1">
+            <a:spLocks noGrp="1"/>
+          </p:cNvSpPr>
           <p:nvPr>
-            <p:ph idx="1" type="body"/>
+            <p:ph type="body" idx="1"/>
           </p:nvPr>
         </p:nvSpPr>
         <p:spPr>
@@ -3057,12 +3242,12 @@
           </a:prstGeom>
         </p:spPr>
         <p:txBody>
-          <a:bodyPr anchorCtr="0" anchor="t" bIns="91425" lIns="91425" spcFirstLastPara="1" rIns="91425" wrap="square" tIns="91425">
+          <a:bodyPr spcFirstLastPara="1" wrap="square" lIns="91425" tIns="91425" rIns="91425" bIns="91425" anchor="t" anchorCtr="0">
             <a:noAutofit/>
           </a:bodyPr>
           <a:lstStyle/>
           <a:p>
-            <a:pPr indent="0" lvl="0" marL="0" rtl="0" algn="l">
+            <a:pPr marL="0" lvl="0" indent="0" algn="l" rtl="0">
               <a:spcBef>
                 <a:spcPts val="0"/>
               </a:spcBef>
@@ -3071,9 +3256,6 @@
               </a:spcAft>
               <a:buNone/>
             </a:pPr>
-            <a:r>
-              <a:t/>
-            </a:r>
             <a:endParaRPr/>
           </a:p>
         </p:txBody>
@@ -3087,11 +3269,11 @@
 </file>
 
 <file path=ppt/notesSlides/notesSlide9.xml><?xml version="1.0" encoding="utf-8"?>
-<p:notes xmlns:a="http://schemas.openxmlformats.org/drawingml/2006/main" xmlns:r="http://schemas.openxmlformats.org/officeDocument/2006/relationships" xmlns:mc="http://schemas.openxmlformats.org/markup-compatibility/2006" xmlns:mv="urn:schemas-microsoft-com:mac:vml" xmlns:p="http://schemas.openxmlformats.org/presentationml/2006/main" xmlns:c="http://schemas.openxmlformats.org/drawingml/2006/chart" xmlns:dgm="http://schemas.openxmlformats.org/drawingml/2006/diagram" xmlns:o="urn:schemas-microsoft-com:office:office" xmlns:v="urn:schemas-microsoft-com:vml" xmlns:pvml="urn:schemas-microsoft-com:office:powerpoint" xmlns:com="http://schemas.openxmlformats.org/drawingml/2006/compatibility" xmlns:p14="http://schemas.microsoft.com/office/powerpoint/2010/main" xmlns:p15="http://schemas.microsoft.com/office/powerpoint/2012/main" xmlns:ahyp="http://schemas.microsoft.com/office/drawing/2018/hyperlinkcolor" showMasterPhAnim="0" showMasterSp="0">
+<p:notes xmlns:a="http://schemas.openxmlformats.org/drawingml/2006/main" xmlns:r="http://schemas.openxmlformats.org/officeDocument/2006/relationships" xmlns:p="http://schemas.openxmlformats.org/presentationml/2006/main" showMasterSp="0" showMasterPhAnim="0">
   <p:cSld>
     <p:spTree>
       <p:nvGrpSpPr>
-        <p:cNvPr id="98" name="Shape 98"/>
+        <p:cNvPr id="1" name="Shape 98"/>
         <p:cNvGrpSpPr/>
         <p:nvPr/>
       </p:nvGrpSpPr>
@@ -3106,9 +3288,11 @@
       <p:sp>
         <p:nvSpPr>
           <p:cNvPr id="99" name="Google Shape;99;g2f2e30799d5_1_14:notes"/>
-          <p:cNvSpPr/>
+          <p:cNvSpPr>
+            <a:spLocks noGrp="1" noRot="1" noChangeAspect="1"/>
+          </p:cNvSpPr>
           <p:nvPr>
-            <p:ph idx="2" type="sldImg"/>
+            <p:ph type="sldImg" idx="2"/>
           </p:nvPr>
         </p:nvSpPr>
         <p:spPr>
@@ -3117,9 +3301,13 @@
             <a:ext cx="6096000" cy="3429000"/>
           </a:xfrm>
           <a:custGeom>
-            <a:rect b="b" l="l" r="r" t="t"/>
+            <a:avLst/>
+            <a:gdLst/>
+            <a:ahLst/>
+            <a:cxnLst/>
+            <a:rect l="l" t="t" r="r" b="b"/>
             <a:pathLst>
-              <a:path extrusionOk="0" h="120000" w="120000">
+              <a:path w="120000" h="120000" extrusionOk="0">
                 <a:moveTo>
                   <a:pt x="0" y="0"/>
                 </a:moveTo>
@@ -3141,9 +3329,11 @@
       <p:sp>
         <p:nvSpPr>
           <p:cNvPr id="100" name="Google Shape;100;g2f2e30799d5_1_14:notes"/>
-          <p:cNvSpPr txBox="1"/>
+          <p:cNvSpPr txBox="1">
+            <a:spLocks noGrp="1"/>
+          </p:cNvSpPr>
           <p:nvPr>
-            <p:ph idx="1" type="body"/>
+            <p:ph type="body" idx="1"/>
           </p:nvPr>
         </p:nvSpPr>
         <p:spPr>
@@ -3156,12 +3346,12 @@
           </a:prstGeom>
         </p:spPr>
         <p:txBody>
-          <a:bodyPr anchorCtr="0" anchor="t" bIns="91425" lIns="91425" spcFirstLastPara="1" rIns="91425" wrap="square" tIns="91425">
+          <a:bodyPr spcFirstLastPara="1" wrap="square" lIns="91425" tIns="91425" rIns="91425" bIns="91425" anchor="t" anchorCtr="0">
             <a:noAutofit/>
           </a:bodyPr>
           <a:lstStyle/>
           <a:p>
-            <a:pPr indent="0" lvl="0" marL="0" rtl="0" algn="l">
+            <a:pPr marL="0" lvl="0" indent="0" algn="l" rtl="0">
               <a:spcBef>
                 <a:spcPts val="0"/>
               </a:spcBef>
@@ -3170,9 +3360,6 @@
               </a:spcAft>
               <a:buNone/>
             </a:pPr>
-            <a:r>
-              <a:t/>
-            </a:r>
             <a:endParaRPr/>
           </a:p>
         </p:txBody>
@@ -3186,11 +3373,11 @@
 </file>
 
 <file path=ppt/slideLayouts/slideLayout1.xml><?xml version="1.0" encoding="utf-8"?>
-<p:sldLayout xmlns:a="http://schemas.openxmlformats.org/drawingml/2006/main" xmlns:r="http://schemas.openxmlformats.org/officeDocument/2006/relationships" xmlns:mc="http://schemas.openxmlformats.org/markup-compatibility/2006" xmlns:mv="urn:schemas-microsoft-com:mac:vml" xmlns:p="http://schemas.openxmlformats.org/presentationml/2006/main" xmlns:c="http://schemas.openxmlformats.org/drawingml/2006/chart" xmlns:dgm="http://schemas.openxmlformats.org/drawingml/2006/diagram" xmlns:o="urn:schemas-microsoft-com:office:office" xmlns:v="urn:schemas-microsoft-com:vml" xmlns:pvml="urn:schemas-microsoft-com:office:powerpoint" xmlns:com="http://schemas.openxmlformats.org/drawingml/2006/compatibility" xmlns:p14="http://schemas.microsoft.com/office/powerpoint/2010/main" xmlns:p15="http://schemas.microsoft.com/office/powerpoint/2012/main" xmlns:ahyp="http://schemas.microsoft.com/office/drawing/2018/hyperlinkcolor" matchingName="Title slide" type="title">
+<p:sldLayout xmlns:a="http://schemas.openxmlformats.org/drawingml/2006/main" xmlns:r="http://schemas.openxmlformats.org/officeDocument/2006/relationships" xmlns:p="http://schemas.openxmlformats.org/presentationml/2006/main" matchingName="Title slide" type="title">
   <p:cSld name="TITLE">
     <p:spTree>
       <p:nvGrpSpPr>
-        <p:cNvPr id="9" name="Shape 9"/>
+        <p:cNvPr id="1" name="Shape 9"/>
         <p:cNvGrpSpPr/>
         <p:nvPr/>
       </p:nvGrpSpPr>
@@ -3205,7 +3392,9 @@
       <p:sp>
         <p:nvSpPr>
           <p:cNvPr id="10" name="Google Shape;10;p2"/>
-          <p:cNvSpPr txBox="1"/>
+          <p:cNvSpPr txBox="1">
+            <a:spLocks noGrp="1"/>
+          </p:cNvSpPr>
           <p:nvPr>
             <p:ph type="ctrTitle"/>
           </p:nvPr>
@@ -3220,7 +3409,7 @@
           </a:prstGeom>
         </p:spPr>
         <p:txBody>
-          <a:bodyPr anchorCtr="0" anchor="b" bIns="91425" lIns="91425" spcFirstLastPara="1" rIns="91425" wrap="square" tIns="91425">
+          <a:bodyPr spcFirstLastPara="1" wrap="square" lIns="91425" tIns="91425" rIns="91425" bIns="91425" anchor="b" anchorCtr="0">
             <a:normAutofit/>
           </a:bodyPr>
           <a:lstStyle>
@@ -3324,15 +3513,19 @@
               <a:defRPr sz="5200"/>
             </a:lvl9pPr>
           </a:lstStyle>
-          <a:p/>
+          <a:p>
+            <a:endParaRPr/>
+          </a:p>
         </p:txBody>
       </p:sp>
       <p:sp>
         <p:nvSpPr>
           <p:cNvPr id="11" name="Google Shape;11;p2"/>
-          <p:cNvSpPr txBox="1"/>
+          <p:cNvSpPr txBox="1">
+            <a:spLocks noGrp="1"/>
+          </p:cNvSpPr>
           <p:nvPr>
-            <p:ph idx="1" type="subTitle"/>
+            <p:ph type="subTitle" idx="1"/>
           </p:nvPr>
         </p:nvSpPr>
         <p:spPr>
@@ -3345,7 +3538,7 @@
           </a:prstGeom>
         </p:spPr>
         <p:txBody>
-          <a:bodyPr anchorCtr="0" anchor="t" bIns="91425" lIns="91425" spcFirstLastPara="1" rIns="91425" wrap="square" tIns="91425">
+          <a:bodyPr spcFirstLastPara="1" wrap="square" lIns="91425" tIns="91425" rIns="91425" bIns="91425" anchor="t" anchorCtr="0">
             <a:normAutofit/>
           </a:bodyPr>
           <a:lstStyle>
@@ -3476,15 +3669,19 @@
               <a:defRPr sz="2800"/>
             </a:lvl9pPr>
           </a:lstStyle>
-          <a:p/>
+          <a:p>
+            <a:endParaRPr/>
+          </a:p>
         </p:txBody>
       </p:sp>
       <p:sp>
         <p:nvSpPr>
           <p:cNvPr id="12" name="Google Shape;12;p2"/>
-          <p:cNvSpPr txBox="1"/>
+          <p:cNvSpPr txBox="1">
+            <a:spLocks noGrp="1"/>
+          </p:cNvSpPr>
           <p:nvPr>
-            <p:ph idx="12" type="sldNum"/>
+            <p:ph type="sldNum" idx="12"/>
           </p:nvPr>
         </p:nvSpPr>
         <p:spPr>
@@ -3497,7 +3694,7 @@
           </a:prstGeom>
         </p:spPr>
         <p:txBody>
-          <a:bodyPr anchorCtr="0" anchor="ctr" bIns="91425" lIns="91425" spcFirstLastPara="1" rIns="91425" wrap="square" tIns="91425">
+          <a:bodyPr spcFirstLastPara="1" wrap="square" lIns="91425" tIns="91425" rIns="91425" bIns="91425" anchor="ctr" anchorCtr="0">
             <a:normAutofit/>
           </a:bodyPr>
           <a:lstStyle>
@@ -3539,7 +3736,7 @@
             </a:lvl9pPr>
           </a:lstStyle>
           <a:p>
-            <a:pPr indent="0" lvl="0" marL="0" rtl="0" algn="r">
+            <a:pPr marL="0" lvl="0" indent="0" algn="r" rtl="0">
               <a:spcBef>
                 <a:spcPts val="0"/>
               </a:spcBef>
@@ -3565,11 +3762,11 @@
 </file>
 
 <file path=ppt/slideLayouts/slideLayout10.xml><?xml version="1.0" encoding="utf-8"?>
-<p:sldLayout xmlns:a="http://schemas.openxmlformats.org/drawingml/2006/main" xmlns:r="http://schemas.openxmlformats.org/officeDocument/2006/relationships" xmlns:mc="http://schemas.openxmlformats.org/markup-compatibility/2006" xmlns:mv="urn:schemas-microsoft-com:mac:vml" xmlns:p="http://schemas.openxmlformats.org/presentationml/2006/main" xmlns:c="http://schemas.openxmlformats.org/drawingml/2006/chart" xmlns:dgm="http://schemas.openxmlformats.org/drawingml/2006/diagram" xmlns:o="urn:schemas-microsoft-com:office:office" xmlns:v="urn:schemas-microsoft-com:vml" xmlns:pvml="urn:schemas-microsoft-com:office:powerpoint" xmlns:com="http://schemas.openxmlformats.org/drawingml/2006/compatibility" xmlns:p14="http://schemas.microsoft.com/office/powerpoint/2010/main" xmlns:p15="http://schemas.microsoft.com/office/powerpoint/2012/main" xmlns:ahyp="http://schemas.microsoft.com/office/drawing/2018/hyperlinkcolor" matchingName="Big number">
+<p:sldLayout xmlns:a="http://schemas.openxmlformats.org/drawingml/2006/main" xmlns:r="http://schemas.openxmlformats.org/officeDocument/2006/relationships" xmlns:p="http://schemas.openxmlformats.org/presentationml/2006/main" matchingName="Big number">
   <p:cSld name="BIG_NUMBER">
     <p:spTree>
       <p:nvGrpSpPr>
-        <p:cNvPr id="44" name="Shape 44"/>
+        <p:cNvPr id="1" name="Shape 44"/>
         <p:cNvGrpSpPr/>
         <p:nvPr/>
       </p:nvGrpSpPr>
@@ -3584,9 +3781,11 @@
       <p:sp>
         <p:nvSpPr>
           <p:cNvPr id="45" name="Google Shape;45;p11"/>
-          <p:cNvSpPr txBox="1"/>
+          <p:cNvSpPr txBox="1">
+            <a:spLocks noGrp="1"/>
+          </p:cNvSpPr>
           <p:nvPr>
-            <p:ph hasCustomPrompt="1" type="title"/>
+            <p:ph type="title" hasCustomPrompt="1"/>
           </p:nvPr>
         </p:nvSpPr>
         <p:spPr>
@@ -3599,7 +3798,7 @@
           </a:prstGeom>
         </p:spPr>
         <p:txBody>
-          <a:bodyPr anchorCtr="0" anchor="b" bIns="91425" lIns="91425" spcFirstLastPara="1" rIns="91425" wrap="square" tIns="91425">
+          <a:bodyPr spcFirstLastPara="1" wrap="square" lIns="91425" tIns="91425" rIns="91425" bIns="91425" anchor="b" anchorCtr="0">
             <a:normAutofit/>
           </a:bodyPr>
           <a:lstStyle>
@@ -3713,9 +3912,11 @@
       <p:sp>
         <p:nvSpPr>
           <p:cNvPr id="46" name="Google Shape;46;p11"/>
-          <p:cNvSpPr txBox="1"/>
+          <p:cNvSpPr txBox="1">
+            <a:spLocks noGrp="1"/>
+          </p:cNvSpPr>
           <p:nvPr>
-            <p:ph idx="1" type="body"/>
+            <p:ph type="body" idx="1"/>
           </p:nvPr>
         </p:nvSpPr>
         <p:spPr>
@@ -3728,11 +3929,11 @@
           </a:prstGeom>
         </p:spPr>
         <p:txBody>
-          <a:bodyPr anchorCtr="0" anchor="t" bIns="91425" lIns="91425" spcFirstLastPara="1" rIns="91425" wrap="square" tIns="91425">
+          <a:bodyPr spcFirstLastPara="1" wrap="square" lIns="91425" tIns="91425" rIns="91425" bIns="91425" anchor="t" anchorCtr="0">
             <a:normAutofit/>
           </a:bodyPr>
           <a:lstStyle>
-            <a:lvl1pPr indent="-342900" lvl="0" marL="457200" algn="ctr">
+            <a:lvl1pPr marL="457200" lvl="0" indent="-342900" algn="ctr">
               <a:spcBef>
                 <a:spcPts val="0"/>
               </a:spcBef>
@@ -3743,7 +3944,7 @@
               <a:buChar char="●"/>
               <a:defRPr/>
             </a:lvl1pPr>
-            <a:lvl2pPr indent="-317500" lvl="1" marL="914400" algn="ctr">
+            <a:lvl2pPr marL="914400" lvl="1" indent="-317500" algn="ctr">
               <a:spcBef>
                 <a:spcPts val="0"/>
               </a:spcBef>
@@ -3754,7 +3955,7 @@
               <a:buChar char="○"/>
               <a:defRPr/>
             </a:lvl2pPr>
-            <a:lvl3pPr indent="-317500" lvl="2" marL="1371600" algn="ctr">
+            <a:lvl3pPr marL="1371600" lvl="2" indent="-317500" algn="ctr">
               <a:spcBef>
                 <a:spcPts val="0"/>
               </a:spcBef>
@@ -3765,7 +3966,7 @@
               <a:buChar char="■"/>
               <a:defRPr/>
             </a:lvl3pPr>
-            <a:lvl4pPr indent="-317500" lvl="3" marL="1828800" algn="ctr">
+            <a:lvl4pPr marL="1828800" lvl="3" indent="-317500" algn="ctr">
               <a:spcBef>
                 <a:spcPts val="0"/>
               </a:spcBef>
@@ -3776,7 +3977,7 @@
               <a:buChar char="●"/>
               <a:defRPr/>
             </a:lvl4pPr>
-            <a:lvl5pPr indent="-317500" lvl="4" marL="2286000" algn="ctr">
+            <a:lvl5pPr marL="2286000" lvl="4" indent="-317500" algn="ctr">
               <a:spcBef>
                 <a:spcPts val="0"/>
               </a:spcBef>
@@ -3787,7 +3988,7 @@
               <a:buChar char="○"/>
               <a:defRPr/>
             </a:lvl5pPr>
-            <a:lvl6pPr indent="-317500" lvl="5" marL="2743200" algn="ctr">
+            <a:lvl6pPr marL="2743200" lvl="5" indent="-317500" algn="ctr">
               <a:spcBef>
                 <a:spcPts val="0"/>
               </a:spcBef>
@@ -3798,7 +3999,7 @@
               <a:buChar char="■"/>
               <a:defRPr/>
             </a:lvl6pPr>
-            <a:lvl7pPr indent="-317500" lvl="6" marL="3200400" algn="ctr">
+            <a:lvl7pPr marL="3200400" lvl="6" indent="-317500" algn="ctr">
               <a:spcBef>
                 <a:spcPts val="0"/>
               </a:spcBef>
@@ -3809,7 +4010,7 @@
               <a:buChar char="●"/>
               <a:defRPr/>
             </a:lvl7pPr>
-            <a:lvl8pPr indent="-317500" lvl="7" marL="3657600" algn="ctr">
+            <a:lvl8pPr marL="3657600" lvl="7" indent="-317500" algn="ctr">
               <a:spcBef>
                 <a:spcPts val="0"/>
               </a:spcBef>
@@ -3820,7 +4021,7 @@
               <a:buChar char="○"/>
               <a:defRPr/>
             </a:lvl8pPr>
-            <a:lvl9pPr indent="-317500" lvl="8" marL="4114800" algn="ctr">
+            <a:lvl9pPr marL="4114800" lvl="8" indent="-317500" algn="ctr">
               <a:spcBef>
                 <a:spcPts val="0"/>
               </a:spcBef>
@@ -3832,15 +4033,19 @@
               <a:defRPr/>
             </a:lvl9pPr>
           </a:lstStyle>
-          <a:p/>
+          <a:p>
+            <a:endParaRPr/>
+          </a:p>
         </p:txBody>
       </p:sp>
       <p:sp>
         <p:nvSpPr>
           <p:cNvPr id="47" name="Google Shape;47;p11"/>
-          <p:cNvSpPr txBox="1"/>
+          <p:cNvSpPr txBox="1">
+            <a:spLocks noGrp="1"/>
+          </p:cNvSpPr>
           <p:nvPr>
-            <p:ph idx="12" type="sldNum"/>
+            <p:ph type="sldNum" idx="12"/>
           </p:nvPr>
         </p:nvSpPr>
         <p:spPr>
@@ -3853,7 +4058,7 @@
           </a:prstGeom>
         </p:spPr>
         <p:txBody>
-          <a:bodyPr anchorCtr="0" anchor="ctr" bIns="91425" lIns="91425" spcFirstLastPara="1" rIns="91425" wrap="square" tIns="91425">
+          <a:bodyPr spcFirstLastPara="1" wrap="square" lIns="91425" tIns="91425" rIns="91425" bIns="91425" anchor="ctr" anchorCtr="0">
             <a:normAutofit/>
           </a:bodyPr>
           <a:lstStyle>
@@ -3895,7 +4100,7 @@
             </a:lvl9pPr>
           </a:lstStyle>
           <a:p>
-            <a:pPr indent="0" lvl="0" marL="0" rtl="0" algn="r">
+            <a:pPr marL="0" lvl="0" indent="0" algn="r" rtl="0">
               <a:spcBef>
                 <a:spcPts val="0"/>
               </a:spcBef>
@@ -3921,11 +4126,11 @@
 </file>
 
 <file path=ppt/slideLayouts/slideLayout11.xml><?xml version="1.0" encoding="utf-8"?>
-<p:sldLayout xmlns:a="http://schemas.openxmlformats.org/drawingml/2006/main" xmlns:r="http://schemas.openxmlformats.org/officeDocument/2006/relationships" xmlns:mc="http://schemas.openxmlformats.org/markup-compatibility/2006" xmlns:mv="urn:schemas-microsoft-com:mac:vml" xmlns:p="http://schemas.openxmlformats.org/presentationml/2006/main" xmlns:c="http://schemas.openxmlformats.org/drawingml/2006/chart" xmlns:dgm="http://schemas.openxmlformats.org/drawingml/2006/diagram" xmlns:o="urn:schemas-microsoft-com:office:office" xmlns:v="urn:schemas-microsoft-com:vml" xmlns:pvml="urn:schemas-microsoft-com:office:powerpoint" xmlns:com="http://schemas.openxmlformats.org/drawingml/2006/compatibility" xmlns:p14="http://schemas.microsoft.com/office/powerpoint/2010/main" xmlns:p15="http://schemas.microsoft.com/office/powerpoint/2012/main" xmlns:ahyp="http://schemas.microsoft.com/office/drawing/2018/hyperlinkcolor" matchingName="Blank" type="blank">
+<p:sldLayout xmlns:a="http://schemas.openxmlformats.org/drawingml/2006/main" xmlns:r="http://schemas.openxmlformats.org/officeDocument/2006/relationships" xmlns:p="http://schemas.openxmlformats.org/presentationml/2006/main" matchingName="Blank" type="blank">
   <p:cSld name="BLANK">
     <p:spTree>
       <p:nvGrpSpPr>
-        <p:cNvPr id="48" name="Shape 48"/>
+        <p:cNvPr id="1" name="Shape 48"/>
         <p:cNvGrpSpPr/>
         <p:nvPr/>
       </p:nvGrpSpPr>
@@ -3940,9 +4145,11 @@
       <p:sp>
         <p:nvSpPr>
           <p:cNvPr id="49" name="Google Shape;49;p12"/>
-          <p:cNvSpPr txBox="1"/>
+          <p:cNvSpPr txBox="1">
+            <a:spLocks noGrp="1"/>
+          </p:cNvSpPr>
           <p:nvPr>
-            <p:ph idx="12" type="sldNum"/>
+            <p:ph type="sldNum" idx="12"/>
           </p:nvPr>
         </p:nvSpPr>
         <p:spPr>
@@ -3955,7 +4162,7 @@
           </a:prstGeom>
         </p:spPr>
         <p:txBody>
-          <a:bodyPr anchorCtr="0" anchor="ctr" bIns="91425" lIns="91425" spcFirstLastPara="1" rIns="91425" wrap="square" tIns="91425">
+          <a:bodyPr spcFirstLastPara="1" wrap="square" lIns="91425" tIns="91425" rIns="91425" bIns="91425" anchor="ctr" anchorCtr="0">
             <a:normAutofit/>
           </a:bodyPr>
           <a:lstStyle>
@@ -3997,7 +4204,7 @@
             </a:lvl9pPr>
           </a:lstStyle>
           <a:p>
-            <a:pPr indent="0" lvl="0" marL="0" rtl="0" algn="r">
+            <a:pPr marL="0" lvl="0" indent="0" algn="r" rtl="0">
               <a:spcBef>
                 <a:spcPts val="0"/>
               </a:spcBef>
@@ -4023,11 +4230,11 @@
 </file>
 
 <file path=ppt/slideLayouts/slideLayout2.xml><?xml version="1.0" encoding="utf-8"?>
-<p:sldLayout xmlns:a="http://schemas.openxmlformats.org/drawingml/2006/main" xmlns:r="http://schemas.openxmlformats.org/officeDocument/2006/relationships" xmlns:mc="http://schemas.openxmlformats.org/markup-compatibility/2006" xmlns:mv="urn:schemas-microsoft-com:mac:vml" xmlns:p="http://schemas.openxmlformats.org/presentationml/2006/main" xmlns:c="http://schemas.openxmlformats.org/drawingml/2006/chart" xmlns:dgm="http://schemas.openxmlformats.org/drawingml/2006/diagram" xmlns:o="urn:schemas-microsoft-com:office:office" xmlns:v="urn:schemas-microsoft-com:vml" xmlns:pvml="urn:schemas-microsoft-com:office:powerpoint" xmlns:com="http://schemas.openxmlformats.org/drawingml/2006/compatibility" xmlns:p14="http://schemas.microsoft.com/office/powerpoint/2010/main" xmlns:p15="http://schemas.microsoft.com/office/powerpoint/2012/main" xmlns:ahyp="http://schemas.microsoft.com/office/drawing/2018/hyperlinkcolor" matchingName="Section header" type="secHead">
+<p:sldLayout xmlns:a="http://schemas.openxmlformats.org/drawingml/2006/main" xmlns:r="http://schemas.openxmlformats.org/officeDocument/2006/relationships" xmlns:p="http://schemas.openxmlformats.org/presentationml/2006/main" matchingName="Section header" type="secHead">
   <p:cSld name="SECTION_HEADER">
     <p:spTree>
       <p:nvGrpSpPr>
-        <p:cNvPr id="13" name="Shape 13"/>
+        <p:cNvPr id="1" name="Shape 13"/>
         <p:cNvGrpSpPr/>
         <p:nvPr/>
       </p:nvGrpSpPr>
@@ -4042,7 +4249,9 @@
       <p:sp>
         <p:nvSpPr>
           <p:cNvPr id="14" name="Google Shape;14;p3"/>
-          <p:cNvSpPr txBox="1"/>
+          <p:cNvSpPr txBox="1">
+            <a:spLocks noGrp="1"/>
+          </p:cNvSpPr>
           <p:nvPr>
             <p:ph type="title"/>
           </p:nvPr>
@@ -4057,7 +4266,7 @@
           </a:prstGeom>
         </p:spPr>
         <p:txBody>
-          <a:bodyPr anchorCtr="0" anchor="ctr" bIns="91425" lIns="91425" spcFirstLastPara="1" rIns="91425" wrap="square" tIns="91425">
+          <a:bodyPr spcFirstLastPara="1" wrap="square" lIns="91425" tIns="91425" rIns="91425" bIns="91425" anchor="ctr" anchorCtr="0">
             <a:normAutofit/>
           </a:bodyPr>
           <a:lstStyle>
@@ -4161,15 +4370,19 @@
               <a:defRPr sz="3600"/>
             </a:lvl9pPr>
           </a:lstStyle>
-          <a:p/>
+          <a:p>
+            <a:endParaRPr/>
+          </a:p>
         </p:txBody>
       </p:sp>
       <p:sp>
         <p:nvSpPr>
           <p:cNvPr id="15" name="Google Shape;15;p3"/>
-          <p:cNvSpPr txBox="1"/>
+          <p:cNvSpPr txBox="1">
+            <a:spLocks noGrp="1"/>
+          </p:cNvSpPr>
           <p:nvPr>
-            <p:ph idx="12" type="sldNum"/>
+            <p:ph type="sldNum" idx="12"/>
           </p:nvPr>
         </p:nvSpPr>
         <p:spPr>
@@ -4182,7 +4395,7 @@
           </a:prstGeom>
         </p:spPr>
         <p:txBody>
-          <a:bodyPr anchorCtr="0" anchor="ctr" bIns="91425" lIns="91425" spcFirstLastPara="1" rIns="91425" wrap="square" tIns="91425">
+          <a:bodyPr spcFirstLastPara="1" wrap="square" lIns="91425" tIns="91425" rIns="91425" bIns="91425" anchor="ctr" anchorCtr="0">
             <a:normAutofit/>
           </a:bodyPr>
           <a:lstStyle>
@@ -4224,7 +4437,7 @@
             </a:lvl9pPr>
           </a:lstStyle>
           <a:p>
-            <a:pPr indent="0" lvl="0" marL="0" rtl="0" algn="r">
+            <a:pPr marL="0" lvl="0" indent="0" algn="r" rtl="0">
               <a:spcBef>
                 <a:spcPts val="0"/>
               </a:spcBef>
@@ -4250,11 +4463,11 @@
 </file>
 
 <file path=ppt/slideLayouts/slideLayout3.xml><?xml version="1.0" encoding="utf-8"?>
-<p:sldLayout xmlns:a="http://schemas.openxmlformats.org/drawingml/2006/main" xmlns:r="http://schemas.openxmlformats.org/officeDocument/2006/relationships" xmlns:mc="http://schemas.openxmlformats.org/markup-compatibility/2006" xmlns:mv="urn:schemas-microsoft-com:mac:vml" xmlns:p="http://schemas.openxmlformats.org/presentationml/2006/main" xmlns:c="http://schemas.openxmlformats.org/drawingml/2006/chart" xmlns:dgm="http://schemas.openxmlformats.org/drawingml/2006/diagram" xmlns:o="urn:schemas-microsoft-com:office:office" xmlns:v="urn:schemas-microsoft-com:vml" xmlns:pvml="urn:schemas-microsoft-com:office:powerpoint" xmlns:com="http://schemas.openxmlformats.org/drawingml/2006/compatibility" xmlns:p14="http://schemas.microsoft.com/office/powerpoint/2010/main" xmlns:p15="http://schemas.microsoft.com/office/powerpoint/2012/main" xmlns:ahyp="http://schemas.microsoft.com/office/drawing/2018/hyperlinkcolor" matchingName="Title and body" type="tx">
+<p:sldLayout xmlns:a="http://schemas.openxmlformats.org/drawingml/2006/main" xmlns:r="http://schemas.openxmlformats.org/officeDocument/2006/relationships" xmlns:p="http://schemas.openxmlformats.org/presentationml/2006/main" matchingName="Title and body" type="tx">
   <p:cSld name="TITLE_AND_BODY">
     <p:spTree>
       <p:nvGrpSpPr>
-        <p:cNvPr id="16" name="Shape 16"/>
+        <p:cNvPr id="1" name="Shape 16"/>
         <p:cNvGrpSpPr/>
         <p:nvPr/>
       </p:nvGrpSpPr>
@@ -4269,7 +4482,9 @@
       <p:sp>
         <p:nvSpPr>
           <p:cNvPr id="17" name="Google Shape;17;p4"/>
-          <p:cNvSpPr txBox="1"/>
+          <p:cNvSpPr txBox="1">
+            <a:spLocks noGrp="1"/>
+          </p:cNvSpPr>
           <p:nvPr>
             <p:ph type="title"/>
           </p:nvPr>
@@ -4284,7 +4499,7 @@
           </a:prstGeom>
         </p:spPr>
         <p:txBody>
-          <a:bodyPr anchorCtr="0" anchor="t" bIns="91425" lIns="91425" spcFirstLastPara="1" rIns="91425" wrap="square" tIns="91425">
+          <a:bodyPr spcFirstLastPara="1" wrap="square" lIns="91425" tIns="91425" rIns="91425" bIns="91425" anchor="t" anchorCtr="0">
             <a:normAutofit/>
           </a:bodyPr>
           <a:lstStyle>
@@ -4388,15 +4603,19 @@
               <a:defRPr/>
             </a:lvl9pPr>
           </a:lstStyle>
-          <a:p/>
+          <a:p>
+            <a:endParaRPr/>
+          </a:p>
         </p:txBody>
       </p:sp>
       <p:sp>
         <p:nvSpPr>
           <p:cNvPr id="18" name="Google Shape;18;p4"/>
-          <p:cNvSpPr txBox="1"/>
+          <p:cNvSpPr txBox="1">
+            <a:spLocks noGrp="1"/>
+          </p:cNvSpPr>
           <p:nvPr>
-            <p:ph idx="1" type="body"/>
+            <p:ph type="body" idx="1"/>
           </p:nvPr>
         </p:nvSpPr>
         <p:spPr>
@@ -4409,11 +4628,11 @@
           </a:prstGeom>
         </p:spPr>
         <p:txBody>
-          <a:bodyPr anchorCtr="0" anchor="t" bIns="91425" lIns="91425" spcFirstLastPara="1" rIns="91425" wrap="square" tIns="91425">
+          <a:bodyPr spcFirstLastPara="1" wrap="square" lIns="91425" tIns="91425" rIns="91425" bIns="91425" anchor="t" anchorCtr="0">
             <a:normAutofit/>
           </a:bodyPr>
           <a:lstStyle>
-            <a:lvl1pPr indent="-342900" lvl="0" marL="457200">
+            <a:lvl1pPr marL="457200" lvl="0" indent="-342900">
               <a:spcBef>
                 <a:spcPts val="0"/>
               </a:spcBef>
@@ -4424,7 +4643,7 @@
               <a:buChar char="●"/>
               <a:defRPr/>
             </a:lvl1pPr>
-            <a:lvl2pPr indent="-317500" lvl="1" marL="914400">
+            <a:lvl2pPr marL="914400" lvl="1" indent="-317500">
               <a:spcBef>
                 <a:spcPts val="0"/>
               </a:spcBef>
@@ -4435,7 +4654,7 @@
               <a:buChar char="○"/>
               <a:defRPr/>
             </a:lvl2pPr>
-            <a:lvl3pPr indent="-317500" lvl="2" marL="1371600">
+            <a:lvl3pPr marL="1371600" lvl="2" indent="-317500">
               <a:spcBef>
                 <a:spcPts val="0"/>
               </a:spcBef>
@@ -4446,7 +4665,7 @@
               <a:buChar char="■"/>
               <a:defRPr/>
             </a:lvl3pPr>
-            <a:lvl4pPr indent="-317500" lvl="3" marL="1828800">
+            <a:lvl4pPr marL="1828800" lvl="3" indent="-317500">
               <a:spcBef>
                 <a:spcPts val="0"/>
               </a:spcBef>
@@ -4457,7 +4676,7 @@
               <a:buChar char="●"/>
               <a:defRPr/>
             </a:lvl4pPr>
-            <a:lvl5pPr indent="-317500" lvl="4" marL="2286000">
+            <a:lvl5pPr marL="2286000" lvl="4" indent="-317500">
               <a:spcBef>
                 <a:spcPts val="0"/>
               </a:spcBef>
@@ -4468,7 +4687,7 @@
               <a:buChar char="○"/>
               <a:defRPr/>
             </a:lvl5pPr>
-            <a:lvl6pPr indent="-317500" lvl="5" marL="2743200">
+            <a:lvl6pPr marL="2743200" lvl="5" indent="-317500">
               <a:spcBef>
                 <a:spcPts val="0"/>
               </a:spcBef>
@@ -4479,7 +4698,7 @@
               <a:buChar char="■"/>
               <a:defRPr/>
             </a:lvl6pPr>
-            <a:lvl7pPr indent="-317500" lvl="6" marL="3200400">
+            <a:lvl7pPr marL="3200400" lvl="6" indent="-317500">
               <a:spcBef>
                 <a:spcPts val="0"/>
               </a:spcBef>
@@ -4490,7 +4709,7 @@
               <a:buChar char="●"/>
               <a:defRPr/>
             </a:lvl7pPr>
-            <a:lvl8pPr indent="-317500" lvl="7" marL="3657600">
+            <a:lvl8pPr marL="3657600" lvl="7" indent="-317500">
               <a:spcBef>
                 <a:spcPts val="0"/>
               </a:spcBef>
@@ -4501,7 +4720,7 @@
               <a:buChar char="○"/>
               <a:defRPr/>
             </a:lvl8pPr>
-            <a:lvl9pPr indent="-317500" lvl="8" marL="4114800">
+            <a:lvl9pPr marL="4114800" lvl="8" indent="-317500">
               <a:spcBef>
                 <a:spcPts val="0"/>
               </a:spcBef>
@@ -4513,15 +4732,19 @@
               <a:defRPr/>
             </a:lvl9pPr>
           </a:lstStyle>
-          <a:p/>
+          <a:p>
+            <a:endParaRPr/>
+          </a:p>
         </p:txBody>
       </p:sp>
       <p:sp>
         <p:nvSpPr>
           <p:cNvPr id="19" name="Google Shape;19;p4"/>
-          <p:cNvSpPr txBox="1"/>
+          <p:cNvSpPr txBox="1">
+            <a:spLocks noGrp="1"/>
+          </p:cNvSpPr>
           <p:nvPr>
-            <p:ph idx="12" type="sldNum"/>
+            <p:ph type="sldNum" idx="12"/>
           </p:nvPr>
         </p:nvSpPr>
         <p:spPr>
@@ -4534,7 +4757,7 @@
           </a:prstGeom>
         </p:spPr>
         <p:txBody>
-          <a:bodyPr anchorCtr="0" anchor="ctr" bIns="91425" lIns="91425" spcFirstLastPara="1" rIns="91425" wrap="square" tIns="91425">
+          <a:bodyPr spcFirstLastPara="1" wrap="square" lIns="91425" tIns="91425" rIns="91425" bIns="91425" anchor="ctr" anchorCtr="0">
             <a:normAutofit/>
           </a:bodyPr>
           <a:lstStyle>
@@ -4576,7 +4799,7 @@
             </a:lvl9pPr>
           </a:lstStyle>
           <a:p>
-            <a:pPr indent="0" lvl="0" marL="0" rtl="0" algn="r">
+            <a:pPr marL="0" lvl="0" indent="0" algn="r" rtl="0">
               <a:spcBef>
                 <a:spcPts val="0"/>
               </a:spcBef>
@@ -4602,11 +4825,11 @@
 </file>
 
 <file path=ppt/slideLayouts/slideLayout4.xml><?xml version="1.0" encoding="utf-8"?>
-<p:sldLayout xmlns:a="http://schemas.openxmlformats.org/drawingml/2006/main" xmlns:r="http://schemas.openxmlformats.org/officeDocument/2006/relationships" xmlns:mc="http://schemas.openxmlformats.org/markup-compatibility/2006" xmlns:mv="urn:schemas-microsoft-com:mac:vml" xmlns:p="http://schemas.openxmlformats.org/presentationml/2006/main" xmlns:c="http://schemas.openxmlformats.org/drawingml/2006/chart" xmlns:dgm="http://schemas.openxmlformats.org/drawingml/2006/diagram" xmlns:o="urn:schemas-microsoft-com:office:office" xmlns:v="urn:schemas-microsoft-com:vml" xmlns:pvml="urn:schemas-microsoft-com:office:powerpoint" xmlns:com="http://schemas.openxmlformats.org/drawingml/2006/compatibility" xmlns:p14="http://schemas.microsoft.com/office/powerpoint/2010/main" xmlns:p15="http://schemas.microsoft.com/office/powerpoint/2012/main" xmlns:ahyp="http://schemas.microsoft.com/office/drawing/2018/hyperlinkcolor" matchingName="Title and two columns" type="twoColTx">
+<p:sldLayout xmlns:a="http://schemas.openxmlformats.org/drawingml/2006/main" xmlns:r="http://schemas.openxmlformats.org/officeDocument/2006/relationships" xmlns:p="http://schemas.openxmlformats.org/presentationml/2006/main" matchingName="Title and two columns" type="twoColTx">
   <p:cSld name="TITLE_AND_TWO_COLUMNS">
     <p:spTree>
       <p:nvGrpSpPr>
-        <p:cNvPr id="20" name="Shape 20"/>
+        <p:cNvPr id="1" name="Shape 20"/>
         <p:cNvGrpSpPr/>
         <p:nvPr/>
       </p:nvGrpSpPr>
@@ -4621,7 +4844,9 @@
       <p:sp>
         <p:nvSpPr>
           <p:cNvPr id="21" name="Google Shape;21;p5"/>
-          <p:cNvSpPr txBox="1"/>
+          <p:cNvSpPr txBox="1">
+            <a:spLocks noGrp="1"/>
+          </p:cNvSpPr>
           <p:nvPr>
             <p:ph type="title"/>
           </p:nvPr>
@@ -4636,7 +4861,7 @@
           </a:prstGeom>
         </p:spPr>
         <p:txBody>
-          <a:bodyPr anchorCtr="0" anchor="t" bIns="91425" lIns="91425" spcFirstLastPara="1" rIns="91425" wrap="square" tIns="91425">
+          <a:bodyPr spcFirstLastPara="1" wrap="square" lIns="91425" tIns="91425" rIns="91425" bIns="91425" anchor="t" anchorCtr="0">
             <a:normAutofit/>
           </a:bodyPr>
           <a:lstStyle>
@@ -4740,15 +4965,19 @@
               <a:defRPr/>
             </a:lvl9pPr>
           </a:lstStyle>
-          <a:p/>
+          <a:p>
+            <a:endParaRPr/>
+          </a:p>
         </p:txBody>
       </p:sp>
       <p:sp>
         <p:nvSpPr>
           <p:cNvPr id="22" name="Google Shape;22;p5"/>
-          <p:cNvSpPr txBox="1"/>
+          <p:cNvSpPr txBox="1">
+            <a:spLocks noGrp="1"/>
+          </p:cNvSpPr>
           <p:nvPr>
-            <p:ph idx="1" type="body"/>
+            <p:ph type="body" idx="1"/>
           </p:nvPr>
         </p:nvSpPr>
         <p:spPr>
@@ -4761,11 +4990,11 @@
           </a:prstGeom>
         </p:spPr>
         <p:txBody>
-          <a:bodyPr anchorCtr="0" anchor="t" bIns="91425" lIns="91425" spcFirstLastPara="1" rIns="91425" wrap="square" tIns="91425">
+          <a:bodyPr spcFirstLastPara="1" wrap="square" lIns="91425" tIns="91425" rIns="91425" bIns="91425" anchor="t" anchorCtr="0">
             <a:normAutofit/>
           </a:bodyPr>
           <a:lstStyle>
-            <a:lvl1pPr indent="-317500" lvl="0" marL="457200">
+            <a:lvl1pPr marL="457200" lvl="0" indent="-317500">
               <a:spcBef>
                 <a:spcPts val="0"/>
               </a:spcBef>
@@ -4776,7 +5005,7 @@
               <a:buChar char="●"/>
               <a:defRPr sz="1400"/>
             </a:lvl1pPr>
-            <a:lvl2pPr indent="-304800" lvl="1" marL="914400">
+            <a:lvl2pPr marL="914400" lvl="1" indent="-304800">
               <a:spcBef>
                 <a:spcPts val="0"/>
               </a:spcBef>
@@ -4787,7 +5016,7 @@
               <a:buChar char="○"/>
               <a:defRPr sz="1200"/>
             </a:lvl2pPr>
-            <a:lvl3pPr indent="-304800" lvl="2" marL="1371600">
+            <a:lvl3pPr marL="1371600" lvl="2" indent="-304800">
               <a:spcBef>
                 <a:spcPts val="0"/>
               </a:spcBef>
@@ -4798,7 +5027,7 @@
               <a:buChar char="■"/>
               <a:defRPr sz="1200"/>
             </a:lvl3pPr>
-            <a:lvl4pPr indent="-304800" lvl="3" marL="1828800">
+            <a:lvl4pPr marL="1828800" lvl="3" indent="-304800">
               <a:spcBef>
                 <a:spcPts val="0"/>
               </a:spcBef>
@@ -4809,7 +5038,7 @@
               <a:buChar char="●"/>
               <a:defRPr sz="1200"/>
             </a:lvl4pPr>
-            <a:lvl5pPr indent="-304800" lvl="4" marL="2286000">
+            <a:lvl5pPr marL="2286000" lvl="4" indent="-304800">
               <a:spcBef>
                 <a:spcPts val="0"/>
               </a:spcBef>
@@ -4820,7 +5049,7 @@
               <a:buChar char="○"/>
               <a:defRPr sz="1200"/>
             </a:lvl5pPr>
-            <a:lvl6pPr indent="-304800" lvl="5" marL="2743200">
+            <a:lvl6pPr marL="2743200" lvl="5" indent="-304800">
               <a:spcBef>
                 <a:spcPts val="0"/>
               </a:spcBef>
@@ -4831,7 +5060,7 @@
               <a:buChar char="■"/>
               <a:defRPr sz="1200"/>
             </a:lvl6pPr>
-            <a:lvl7pPr indent="-304800" lvl="6" marL="3200400">
+            <a:lvl7pPr marL="3200400" lvl="6" indent="-304800">
               <a:spcBef>
                 <a:spcPts val="0"/>
               </a:spcBef>
@@ -4842,7 +5071,7 @@
               <a:buChar char="●"/>
               <a:defRPr sz="1200"/>
             </a:lvl7pPr>
-            <a:lvl8pPr indent="-304800" lvl="7" marL="3657600">
+            <a:lvl8pPr marL="3657600" lvl="7" indent="-304800">
               <a:spcBef>
                 <a:spcPts val="0"/>
               </a:spcBef>
@@ -4853,7 +5082,7 @@
               <a:buChar char="○"/>
               <a:defRPr sz="1200"/>
             </a:lvl8pPr>
-            <a:lvl9pPr indent="-304800" lvl="8" marL="4114800">
+            <a:lvl9pPr marL="4114800" lvl="8" indent="-304800">
               <a:spcBef>
                 <a:spcPts val="0"/>
               </a:spcBef>
@@ -4865,15 +5094,19 @@
               <a:defRPr sz="1200"/>
             </a:lvl9pPr>
           </a:lstStyle>
-          <a:p/>
+          <a:p>
+            <a:endParaRPr/>
+          </a:p>
         </p:txBody>
       </p:sp>
       <p:sp>
         <p:nvSpPr>
           <p:cNvPr id="23" name="Google Shape;23;p5"/>
-          <p:cNvSpPr txBox="1"/>
+          <p:cNvSpPr txBox="1">
+            <a:spLocks noGrp="1"/>
+          </p:cNvSpPr>
           <p:nvPr>
-            <p:ph idx="2" type="body"/>
+            <p:ph type="body" idx="2"/>
           </p:nvPr>
         </p:nvSpPr>
         <p:spPr>
@@ -4886,11 +5119,11 @@
           </a:prstGeom>
         </p:spPr>
         <p:txBody>
-          <a:bodyPr anchorCtr="0" anchor="t" bIns="91425" lIns="91425" spcFirstLastPara="1" rIns="91425" wrap="square" tIns="91425">
+          <a:bodyPr spcFirstLastPara="1" wrap="square" lIns="91425" tIns="91425" rIns="91425" bIns="91425" anchor="t" anchorCtr="0">
             <a:normAutofit/>
           </a:bodyPr>
           <a:lstStyle>
-            <a:lvl1pPr indent="-317500" lvl="0" marL="457200">
+            <a:lvl1pPr marL="457200" lvl="0" indent="-317500">
               <a:spcBef>
                 <a:spcPts val="0"/>
               </a:spcBef>
@@ -4901,7 +5134,7 @@
               <a:buChar char="●"/>
               <a:defRPr sz="1400"/>
             </a:lvl1pPr>
-            <a:lvl2pPr indent="-304800" lvl="1" marL="914400">
+            <a:lvl2pPr marL="914400" lvl="1" indent="-304800">
               <a:spcBef>
                 <a:spcPts val="0"/>
               </a:spcBef>
@@ -4912,7 +5145,7 @@
               <a:buChar char="○"/>
               <a:defRPr sz="1200"/>
             </a:lvl2pPr>
-            <a:lvl3pPr indent="-304800" lvl="2" marL="1371600">
+            <a:lvl3pPr marL="1371600" lvl="2" indent="-304800">
               <a:spcBef>
                 <a:spcPts val="0"/>
               </a:spcBef>
@@ -4923,7 +5156,7 @@
               <a:buChar char="■"/>
               <a:defRPr sz="1200"/>
             </a:lvl3pPr>
-            <a:lvl4pPr indent="-304800" lvl="3" marL="1828800">
+            <a:lvl4pPr marL="1828800" lvl="3" indent="-304800">
               <a:spcBef>
                 <a:spcPts val="0"/>
               </a:spcBef>
@@ -4934,7 +5167,7 @@
               <a:buChar char="●"/>
               <a:defRPr sz="1200"/>
             </a:lvl4pPr>
-            <a:lvl5pPr indent="-304800" lvl="4" marL="2286000">
+            <a:lvl5pPr marL="2286000" lvl="4" indent="-304800">
               <a:spcBef>
                 <a:spcPts val="0"/>
               </a:spcBef>
@@ -4945,7 +5178,7 @@
               <a:buChar char="○"/>
               <a:defRPr sz="1200"/>
             </a:lvl5pPr>
-            <a:lvl6pPr indent="-304800" lvl="5" marL="2743200">
+            <a:lvl6pPr marL="2743200" lvl="5" indent="-304800">
               <a:spcBef>
                 <a:spcPts val="0"/>
               </a:spcBef>
@@ -4956,7 +5189,7 @@
               <a:buChar char="■"/>
               <a:defRPr sz="1200"/>
             </a:lvl6pPr>
-            <a:lvl7pPr indent="-304800" lvl="6" marL="3200400">
+            <a:lvl7pPr marL="3200400" lvl="6" indent="-304800">
               <a:spcBef>
                 <a:spcPts val="0"/>
               </a:spcBef>
@@ -4967,7 +5200,7 @@
               <a:buChar char="●"/>
               <a:defRPr sz="1200"/>
             </a:lvl7pPr>
-            <a:lvl8pPr indent="-304800" lvl="7" marL="3657600">
+            <a:lvl8pPr marL="3657600" lvl="7" indent="-304800">
               <a:spcBef>
                 <a:spcPts val="0"/>
               </a:spcBef>
@@ -4978,7 +5211,7 @@
               <a:buChar char="○"/>
               <a:defRPr sz="1200"/>
             </a:lvl8pPr>
-            <a:lvl9pPr indent="-304800" lvl="8" marL="4114800">
+            <a:lvl9pPr marL="4114800" lvl="8" indent="-304800">
               <a:spcBef>
                 <a:spcPts val="0"/>
               </a:spcBef>
@@ -4990,15 +5223,19 @@
               <a:defRPr sz="1200"/>
             </a:lvl9pPr>
           </a:lstStyle>
-          <a:p/>
+          <a:p>
+            <a:endParaRPr/>
+          </a:p>
         </p:txBody>
       </p:sp>
       <p:sp>
         <p:nvSpPr>
           <p:cNvPr id="24" name="Google Shape;24;p5"/>
-          <p:cNvSpPr txBox="1"/>
+          <p:cNvSpPr txBox="1">
+            <a:spLocks noGrp="1"/>
+          </p:cNvSpPr>
           <p:nvPr>
-            <p:ph idx="12" type="sldNum"/>
+            <p:ph type="sldNum" idx="12"/>
           </p:nvPr>
         </p:nvSpPr>
         <p:spPr>
@@ -5011,7 +5248,7 @@
           </a:prstGeom>
         </p:spPr>
         <p:txBody>
-          <a:bodyPr anchorCtr="0" anchor="ctr" bIns="91425" lIns="91425" spcFirstLastPara="1" rIns="91425" wrap="square" tIns="91425">
+          <a:bodyPr spcFirstLastPara="1" wrap="square" lIns="91425" tIns="91425" rIns="91425" bIns="91425" anchor="ctr" anchorCtr="0">
             <a:normAutofit/>
           </a:bodyPr>
           <a:lstStyle>
@@ -5053,7 +5290,7 @@
             </a:lvl9pPr>
           </a:lstStyle>
           <a:p>
-            <a:pPr indent="0" lvl="0" marL="0" rtl="0" algn="r">
+            <a:pPr marL="0" lvl="0" indent="0" algn="r" rtl="0">
               <a:spcBef>
                 <a:spcPts val="0"/>
               </a:spcBef>
@@ -5079,11 +5316,11 @@
 </file>
 
 <file path=ppt/slideLayouts/slideLayout5.xml><?xml version="1.0" encoding="utf-8"?>
-<p:sldLayout xmlns:a="http://schemas.openxmlformats.org/drawingml/2006/main" xmlns:r="http://schemas.openxmlformats.org/officeDocument/2006/relationships" xmlns:mc="http://schemas.openxmlformats.org/markup-compatibility/2006" xmlns:mv="urn:schemas-microsoft-com:mac:vml" xmlns:p="http://schemas.openxmlformats.org/presentationml/2006/main" xmlns:c="http://schemas.openxmlformats.org/drawingml/2006/chart" xmlns:dgm="http://schemas.openxmlformats.org/drawingml/2006/diagram" xmlns:o="urn:schemas-microsoft-com:office:office" xmlns:v="urn:schemas-microsoft-com:vml" xmlns:pvml="urn:schemas-microsoft-com:office:powerpoint" xmlns:com="http://schemas.openxmlformats.org/drawingml/2006/compatibility" xmlns:p14="http://schemas.microsoft.com/office/powerpoint/2010/main" xmlns:p15="http://schemas.microsoft.com/office/powerpoint/2012/main" xmlns:ahyp="http://schemas.microsoft.com/office/drawing/2018/hyperlinkcolor" matchingName="Title only" type="titleOnly">
+<p:sldLayout xmlns:a="http://schemas.openxmlformats.org/drawingml/2006/main" xmlns:r="http://schemas.openxmlformats.org/officeDocument/2006/relationships" xmlns:p="http://schemas.openxmlformats.org/presentationml/2006/main" matchingName="Title only" type="titleOnly">
   <p:cSld name="TITLE_ONLY">
     <p:spTree>
       <p:nvGrpSpPr>
-        <p:cNvPr id="25" name="Shape 25"/>
+        <p:cNvPr id="1" name="Shape 25"/>
         <p:cNvGrpSpPr/>
         <p:nvPr/>
       </p:nvGrpSpPr>
@@ -5098,7 +5335,9 @@
       <p:sp>
         <p:nvSpPr>
           <p:cNvPr id="26" name="Google Shape;26;p6"/>
-          <p:cNvSpPr txBox="1"/>
+          <p:cNvSpPr txBox="1">
+            <a:spLocks noGrp="1"/>
+          </p:cNvSpPr>
           <p:nvPr>
             <p:ph type="title"/>
           </p:nvPr>
@@ -5113,7 +5352,7 @@
           </a:prstGeom>
         </p:spPr>
         <p:txBody>
-          <a:bodyPr anchorCtr="0" anchor="t" bIns="91425" lIns="91425" spcFirstLastPara="1" rIns="91425" wrap="square" tIns="91425">
+          <a:bodyPr spcFirstLastPara="1" wrap="square" lIns="91425" tIns="91425" rIns="91425" bIns="91425" anchor="t" anchorCtr="0">
             <a:normAutofit/>
           </a:bodyPr>
           <a:lstStyle>
@@ -5217,15 +5456,19 @@
               <a:defRPr/>
             </a:lvl9pPr>
           </a:lstStyle>
-          <a:p/>
+          <a:p>
+            <a:endParaRPr/>
+          </a:p>
         </p:txBody>
       </p:sp>
       <p:sp>
         <p:nvSpPr>
           <p:cNvPr id="27" name="Google Shape;27;p6"/>
-          <p:cNvSpPr txBox="1"/>
+          <p:cNvSpPr txBox="1">
+            <a:spLocks noGrp="1"/>
+          </p:cNvSpPr>
           <p:nvPr>
-            <p:ph idx="12" type="sldNum"/>
+            <p:ph type="sldNum" idx="12"/>
           </p:nvPr>
         </p:nvSpPr>
         <p:spPr>
@@ -5238,7 +5481,7 @@
           </a:prstGeom>
         </p:spPr>
         <p:txBody>
-          <a:bodyPr anchorCtr="0" anchor="ctr" bIns="91425" lIns="91425" spcFirstLastPara="1" rIns="91425" wrap="square" tIns="91425">
+          <a:bodyPr spcFirstLastPara="1" wrap="square" lIns="91425" tIns="91425" rIns="91425" bIns="91425" anchor="ctr" anchorCtr="0">
             <a:normAutofit/>
           </a:bodyPr>
           <a:lstStyle>
@@ -5280,7 +5523,7 @@
             </a:lvl9pPr>
           </a:lstStyle>
           <a:p>
-            <a:pPr indent="0" lvl="0" marL="0" rtl="0" algn="r">
+            <a:pPr marL="0" lvl="0" indent="0" algn="r" rtl="0">
               <a:spcBef>
                 <a:spcPts val="0"/>
               </a:spcBef>
@@ -5306,11 +5549,11 @@
 </file>
 
 <file path=ppt/slideLayouts/slideLayout6.xml><?xml version="1.0" encoding="utf-8"?>
-<p:sldLayout xmlns:a="http://schemas.openxmlformats.org/drawingml/2006/main" xmlns:r="http://schemas.openxmlformats.org/officeDocument/2006/relationships" xmlns:mc="http://schemas.openxmlformats.org/markup-compatibility/2006" xmlns:mv="urn:schemas-microsoft-com:mac:vml" xmlns:p="http://schemas.openxmlformats.org/presentationml/2006/main" xmlns:c="http://schemas.openxmlformats.org/drawingml/2006/chart" xmlns:dgm="http://schemas.openxmlformats.org/drawingml/2006/diagram" xmlns:o="urn:schemas-microsoft-com:office:office" xmlns:v="urn:schemas-microsoft-com:vml" xmlns:pvml="urn:schemas-microsoft-com:office:powerpoint" xmlns:com="http://schemas.openxmlformats.org/drawingml/2006/compatibility" xmlns:p14="http://schemas.microsoft.com/office/powerpoint/2010/main" xmlns:p15="http://schemas.microsoft.com/office/powerpoint/2012/main" xmlns:ahyp="http://schemas.microsoft.com/office/drawing/2018/hyperlinkcolor" matchingName="One column text">
+<p:sldLayout xmlns:a="http://schemas.openxmlformats.org/drawingml/2006/main" xmlns:r="http://schemas.openxmlformats.org/officeDocument/2006/relationships" xmlns:p="http://schemas.openxmlformats.org/presentationml/2006/main" matchingName="One column text">
   <p:cSld name="ONE_COLUMN_TEXT">
     <p:spTree>
       <p:nvGrpSpPr>
-        <p:cNvPr id="28" name="Shape 28"/>
+        <p:cNvPr id="1" name="Shape 28"/>
         <p:cNvGrpSpPr/>
         <p:nvPr/>
       </p:nvGrpSpPr>
@@ -5325,7 +5568,9 @@
       <p:sp>
         <p:nvSpPr>
           <p:cNvPr id="29" name="Google Shape;29;p7"/>
-          <p:cNvSpPr txBox="1"/>
+          <p:cNvSpPr txBox="1">
+            <a:spLocks noGrp="1"/>
+          </p:cNvSpPr>
           <p:nvPr>
             <p:ph type="title"/>
           </p:nvPr>
@@ -5340,7 +5585,7 @@
           </a:prstGeom>
         </p:spPr>
         <p:txBody>
-          <a:bodyPr anchorCtr="0" anchor="b" bIns="91425" lIns="91425" spcFirstLastPara="1" rIns="91425" wrap="square" tIns="91425">
+          <a:bodyPr spcFirstLastPara="1" wrap="square" lIns="91425" tIns="91425" rIns="91425" bIns="91425" anchor="b" anchorCtr="0">
             <a:normAutofit/>
           </a:bodyPr>
           <a:lstStyle>
@@ -5444,15 +5689,19 @@
               <a:defRPr sz="2400"/>
             </a:lvl9pPr>
           </a:lstStyle>
-          <a:p/>
+          <a:p>
+            <a:endParaRPr/>
+          </a:p>
         </p:txBody>
       </p:sp>
       <p:sp>
         <p:nvSpPr>
           <p:cNvPr id="30" name="Google Shape;30;p7"/>
-          <p:cNvSpPr txBox="1"/>
+          <p:cNvSpPr txBox="1">
+            <a:spLocks noGrp="1"/>
+          </p:cNvSpPr>
           <p:nvPr>
-            <p:ph idx="1" type="body"/>
+            <p:ph type="body" idx="1"/>
           </p:nvPr>
         </p:nvSpPr>
         <p:spPr>
@@ -5465,11 +5714,11 @@
           </a:prstGeom>
         </p:spPr>
         <p:txBody>
-          <a:bodyPr anchorCtr="0" anchor="t" bIns="91425" lIns="91425" spcFirstLastPara="1" rIns="91425" wrap="square" tIns="91425">
+          <a:bodyPr spcFirstLastPara="1" wrap="square" lIns="91425" tIns="91425" rIns="91425" bIns="91425" anchor="t" anchorCtr="0">
             <a:normAutofit/>
           </a:bodyPr>
           <a:lstStyle>
-            <a:lvl1pPr indent="-304800" lvl="0" marL="457200">
+            <a:lvl1pPr marL="457200" lvl="0" indent="-304800">
               <a:spcBef>
                 <a:spcPts val="0"/>
               </a:spcBef>
@@ -5480,7 +5729,7 @@
               <a:buChar char="●"/>
               <a:defRPr sz="1200"/>
             </a:lvl1pPr>
-            <a:lvl2pPr indent="-304800" lvl="1" marL="914400">
+            <a:lvl2pPr marL="914400" lvl="1" indent="-304800">
               <a:spcBef>
                 <a:spcPts val="0"/>
               </a:spcBef>
@@ -5491,7 +5740,7 @@
               <a:buChar char="○"/>
               <a:defRPr sz="1200"/>
             </a:lvl2pPr>
-            <a:lvl3pPr indent="-304800" lvl="2" marL="1371600">
+            <a:lvl3pPr marL="1371600" lvl="2" indent="-304800">
               <a:spcBef>
                 <a:spcPts val="0"/>
               </a:spcBef>
@@ -5502,7 +5751,7 @@
               <a:buChar char="■"/>
               <a:defRPr sz="1200"/>
             </a:lvl3pPr>
-            <a:lvl4pPr indent="-304800" lvl="3" marL="1828800">
+            <a:lvl4pPr marL="1828800" lvl="3" indent="-304800">
               <a:spcBef>
                 <a:spcPts val="0"/>
               </a:spcBef>
@@ -5513,7 +5762,7 @@
               <a:buChar char="●"/>
               <a:defRPr sz="1200"/>
             </a:lvl4pPr>
-            <a:lvl5pPr indent="-304800" lvl="4" marL="2286000">
+            <a:lvl5pPr marL="2286000" lvl="4" indent="-304800">
               <a:spcBef>
                 <a:spcPts val="0"/>
               </a:spcBef>
@@ -5524,7 +5773,7 @@
               <a:buChar char="○"/>
               <a:defRPr sz="1200"/>
             </a:lvl5pPr>
-            <a:lvl6pPr indent="-304800" lvl="5" marL="2743200">
+            <a:lvl6pPr marL="2743200" lvl="5" indent="-304800">
               <a:spcBef>
                 <a:spcPts val="0"/>
               </a:spcBef>
@@ -5535,7 +5784,7 @@
               <a:buChar char="■"/>
               <a:defRPr sz="1200"/>
             </a:lvl6pPr>
-            <a:lvl7pPr indent="-304800" lvl="6" marL="3200400">
+            <a:lvl7pPr marL="3200400" lvl="6" indent="-304800">
               <a:spcBef>
                 <a:spcPts val="0"/>
               </a:spcBef>
@@ -5546,7 +5795,7 @@
               <a:buChar char="●"/>
               <a:defRPr sz="1200"/>
             </a:lvl7pPr>
-            <a:lvl8pPr indent="-304800" lvl="7" marL="3657600">
+            <a:lvl8pPr marL="3657600" lvl="7" indent="-304800">
               <a:spcBef>
                 <a:spcPts val="0"/>
               </a:spcBef>
@@ -5557,7 +5806,7 @@
               <a:buChar char="○"/>
               <a:defRPr sz="1200"/>
             </a:lvl8pPr>
-            <a:lvl9pPr indent="-304800" lvl="8" marL="4114800">
+            <a:lvl9pPr marL="4114800" lvl="8" indent="-304800">
               <a:spcBef>
                 <a:spcPts val="0"/>
               </a:spcBef>
@@ -5569,15 +5818,19 @@
               <a:defRPr sz="1200"/>
             </a:lvl9pPr>
           </a:lstStyle>
-          <a:p/>
+          <a:p>
+            <a:endParaRPr/>
+          </a:p>
         </p:txBody>
       </p:sp>
       <p:sp>
         <p:nvSpPr>
           <p:cNvPr id="31" name="Google Shape;31;p7"/>
-          <p:cNvSpPr txBox="1"/>
+          <p:cNvSpPr txBox="1">
+            <a:spLocks noGrp="1"/>
+          </p:cNvSpPr>
           <p:nvPr>
-            <p:ph idx="12" type="sldNum"/>
+            <p:ph type="sldNum" idx="12"/>
           </p:nvPr>
         </p:nvSpPr>
         <p:spPr>
@@ -5590,7 +5843,7 @@
           </a:prstGeom>
         </p:spPr>
         <p:txBody>
-          <a:bodyPr anchorCtr="0" anchor="ctr" bIns="91425" lIns="91425" spcFirstLastPara="1" rIns="91425" wrap="square" tIns="91425">
+          <a:bodyPr spcFirstLastPara="1" wrap="square" lIns="91425" tIns="91425" rIns="91425" bIns="91425" anchor="ctr" anchorCtr="0">
             <a:normAutofit/>
           </a:bodyPr>
           <a:lstStyle>
@@ -5632,7 +5885,7 @@
             </a:lvl9pPr>
           </a:lstStyle>
           <a:p>
-            <a:pPr indent="0" lvl="0" marL="0" rtl="0" algn="r">
+            <a:pPr marL="0" lvl="0" indent="0" algn="r" rtl="0">
               <a:spcBef>
                 <a:spcPts val="0"/>
               </a:spcBef>
@@ -5658,11 +5911,11 @@
 </file>
 
 <file path=ppt/slideLayouts/slideLayout7.xml><?xml version="1.0" encoding="utf-8"?>
-<p:sldLayout xmlns:a="http://schemas.openxmlformats.org/drawingml/2006/main" xmlns:r="http://schemas.openxmlformats.org/officeDocument/2006/relationships" xmlns:mc="http://schemas.openxmlformats.org/markup-compatibility/2006" xmlns:mv="urn:schemas-microsoft-com:mac:vml" xmlns:p="http://schemas.openxmlformats.org/presentationml/2006/main" xmlns:c="http://schemas.openxmlformats.org/drawingml/2006/chart" xmlns:dgm="http://schemas.openxmlformats.org/drawingml/2006/diagram" xmlns:o="urn:schemas-microsoft-com:office:office" xmlns:v="urn:schemas-microsoft-com:vml" xmlns:pvml="urn:schemas-microsoft-com:office:powerpoint" xmlns:com="http://schemas.openxmlformats.org/drawingml/2006/compatibility" xmlns:p14="http://schemas.microsoft.com/office/powerpoint/2010/main" xmlns:p15="http://schemas.microsoft.com/office/powerpoint/2012/main" xmlns:ahyp="http://schemas.microsoft.com/office/drawing/2018/hyperlinkcolor" matchingName="Main point">
+<p:sldLayout xmlns:a="http://schemas.openxmlformats.org/drawingml/2006/main" xmlns:r="http://schemas.openxmlformats.org/officeDocument/2006/relationships" xmlns:p="http://schemas.openxmlformats.org/presentationml/2006/main" matchingName="Main point">
   <p:cSld name="MAIN_POINT">
     <p:spTree>
       <p:nvGrpSpPr>
-        <p:cNvPr id="32" name="Shape 32"/>
+        <p:cNvPr id="1" name="Shape 32"/>
         <p:cNvGrpSpPr/>
         <p:nvPr/>
       </p:nvGrpSpPr>
@@ -5677,7 +5930,9 @@
       <p:sp>
         <p:nvSpPr>
           <p:cNvPr id="33" name="Google Shape;33;p8"/>
-          <p:cNvSpPr txBox="1"/>
+          <p:cNvSpPr txBox="1">
+            <a:spLocks noGrp="1"/>
+          </p:cNvSpPr>
           <p:nvPr>
             <p:ph type="title"/>
           </p:nvPr>
@@ -5692,7 +5947,7 @@
           </a:prstGeom>
         </p:spPr>
         <p:txBody>
-          <a:bodyPr anchorCtr="0" anchor="ctr" bIns="91425" lIns="91425" spcFirstLastPara="1" rIns="91425" wrap="square" tIns="91425">
+          <a:bodyPr spcFirstLastPara="1" wrap="square" lIns="91425" tIns="91425" rIns="91425" bIns="91425" anchor="ctr" anchorCtr="0">
             <a:normAutofit/>
           </a:bodyPr>
           <a:lstStyle>
@@ -5796,15 +6051,19 @@
               <a:defRPr sz="4800"/>
             </a:lvl9pPr>
           </a:lstStyle>
-          <a:p/>
+          <a:p>
+            <a:endParaRPr/>
+          </a:p>
         </p:txBody>
       </p:sp>
       <p:sp>
         <p:nvSpPr>
           <p:cNvPr id="34" name="Google Shape;34;p8"/>
-          <p:cNvSpPr txBox="1"/>
+          <p:cNvSpPr txBox="1">
+            <a:spLocks noGrp="1"/>
+          </p:cNvSpPr>
           <p:nvPr>
-            <p:ph idx="12" type="sldNum"/>
+            <p:ph type="sldNum" idx="12"/>
           </p:nvPr>
         </p:nvSpPr>
         <p:spPr>
@@ -5817,7 +6076,7 @@
           </a:prstGeom>
         </p:spPr>
         <p:txBody>
-          <a:bodyPr anchorCtr="0" anchor="ctr" bIns="91425" lIns="91425" spcFirstLastPara="1" rIns="91425" wrap="square" tIns="91425">
+          <a:bodyPr spcFirstLastPara="1" wrap="square" lIns="91425" tIns="91425" rIns="91425" bIns="91425" anchor="ctr" anchorCtr="0">
             <a:normAutofit/>
           </a:bodyPr>
           <a:lstStyle>
@@ -5859,7 +6118,7 @@
             </a:lvl9pPr>
           </a:lstStyle>
           <a:p>
-            <a:pPr indent="0" lvl="0" marL="0" rtl="0" algn="r">
+            <a:pPr marL="0" lvl="0" indent="0" algn="r" rtl="0">
               <a:spcBef>
                 <a:spcPts val="0"/>
               </a:spcBef>
@@ -5885,11 +6144,11 @@
 </file>
 
 <file path=ppt/slideLayouts/slideLayout8.xml><?xml version="1.0" encoding="utf-8"?>
-<p:sldLayout xmlns:a="http://schemas.openxmlformats.org/drawingml/2006/main" xmlns:r="http://schemas.openxmlformats.org/officeDocument/2006/relationships" xmlns:mc="http://schemas.openxmlformats.org/markup-compatibility/2006" xmlns:mv="urn:schemas-microsoft-com:mac:vml" xmlns:p="http://schemas.openxmlformats.org/presentationml/2006/main" xmlns:c="http://schemas.openxmlformats.org/drawingml/2006/chart" xmlns:dgm="http://schemas.openxmlformats.org/drawingml/2006/diagram" xmlns:o="urn:schemas-microsoft-com:office:office" xmlns:v="urn:schemas-microsoft-com:vml" xmlns:pvml="urn:schemas-microsoft-com:office:powerpoint" xmlns:com="http://schemas.openxmlformats.org/drawingml/2006/compatibility" xmlns:p14="http://schemas.microsoft.com/office/powerpoint/2010/main" xmlns:p15="http://schemas.microsoft.com/office/powerpoint/2012/main" xmlns:ahyp="http://schemas.microsoft.com/office/drawing/2018/hyperlinkcolor" matchingName="Section title and description">
+<p:sldLayout xmlns:a="http://schemas.openxmlformats.org/drawingml/2006/main" xmlns:r="http://schemas.openxmlformats.org/officeDocument/2006/relationships" xmlns:p="http://schemas.openxmlformats.org/presentationml/2006/main" matchingName="Section title and description">
   <p:cSld name="SECTION_TITLE_AND_DESCRIPTION">
     <p:spTree>
       <p:nvGrpSpPr>
-        <p:cNvPr id="35" name="Shape 35"/>
+        <p:cNvPr id="1" name="Shape 35"/>
         <p:cNvGrpSpPr/>
         <p:nvPr/>
       </p:nvGrpSpPr>
@@ -5923,12 +6182,12 @@
           </a:ln>
         </p:spPr>
         <p:txBody>
-          <a:bodyPr anchorCtr="0" anchor="ctr" bIns="91425" lIns="91425" spcFirstLastPara="1" rIns="91425" wrap="square" tIns="91425">
+          <a:bodyPr spcFirstLastPara="1" wrap="square" lIns="91425" tIns="91425" rIns="91425" bIns="91425" anchor="ctr" anchorCtr="0">
             <a:noAutofit/>
           </a:bodyPr>
           <a:lstStyle/>
           <a:p>
-            <a:pPr indent="0" lvl="0" marL="0" rtl="0" algn="l">
+            <a:pPr marL="0" lvl="0" indent="0" algn="l" rtl="0">
               <a:spcBef>
                 <a:spcPts val="0"/>
               </a:spcBef>
@@ -5937,9 +6196,6 @@
               </a:spcAft>
               <a:buNone/>
             </a:pPr>
-            <a:r>
-              <a:t/>
-            </a:r>
             <a:endParaRPr/>
           </a:p>
         </p:txBody>
@@ -5947,7 +6203,9 @@
       <p:sp>
         <p:nvSpPr>
           <p:cNvPr id="37" name="Google Shape;37;p9"/>
-          <p:cNvSpPr txBox="1"/>
+          <p:cNvSpPr txBox="1">
+            <a:spLocks noGrp="1"/>
+          </p:cNvSpPr>
           <p:nvPr>
             <p:ph type="title"/>
           </p:nvPr>
@@ -5962,7 +6220,7 @@
           </a:prstGeom>
         </p:spPr>
         <p:txBody>
-          <a:bodyPr anchorCtr="0" anchor="b" bIns="91425" lIns="91425" spcFirstLastPara="1" rIns="91425" wrap="square" tIns="91425">
+          <a:bodyPr spcFirstLastPara="1" wrap="square" lIns="91425" tIns="91425" rIns="91425" bIns="91425" anchor="b" anchorCtr="0">
             <a:normAutofit/>
           </a:bodyPr>
           <a:lstStyle>
@@ -6066,15 +6324,19 @@
               <a:defRPr sz="4200"/>
             </a:lvl9pPr>
           </a:lstStyle>
-          <a:p/>
+          <a:p>
+            <a:endParaRPr/>
+          </a:p>
         </p:txBody>
       </p:sp>
       <p:sp>
         <p:nvSpPr>
           <p:cNvPr id="38" name="Google Shape;38;p9"/>
-          <p:cNvSpPr txBox="1"/>
+          <p:cNvSpPr txBox="1">
+            <a:spLocks noGrp="1"/>
+          </p:cNvSpPr>
           <p:nvPr>
-            <p:ph idx="1" type="subTitle"/>
+            <p:ph type="subTitle" idx="1"/>
           </p:nvPr>
         </p:nvSpPr>
         <p:spPr>
@@ -6087,7 +6349,7 @@
           </a:prstGeom>
         </p:spPr>
         <p:txBody>
-          <a:bodyPr anchorCtr="0" anchor="t" bIns="91425" lIns="91425" spcFirstLastPara="1" rIns="91425" wrap="square" tIns="91425">
+          <a:bodyPr spcFirstLastPara="1" wrap="square" lIns="91425" tIns="91425" rIns="91425" bIns="91425" anchor="t" anchorCtr="0">
             <a:normAutofit/>
           </a:bodyPr>
           <a:lstStyle>
@@ -6218,15 +6480,19 @@
               <a:defRPr sz="2100"/>
             </a:lvl9pPr>
           </a:lstStyle>
-          <a:p/>
+          <a:p>
+            <a:endParaRPr/>
+          </a:p>
         </p:txBody>
       </p:sp>
       <p:sp>
         <p:nvSpPr>
           <p:cNvPr id="39" name="Google Shape;39;p9"/>
-          <p:cNvSpPr txBox="1"/>
+          <p:cNvSpPr txBox="1">
+            <a:spLocks noGrp="1"/>
+          </p:cNvSpPr>
           <p:nvPr>
-            <p:ph idx="2" type="body"/>
+            <p:ph type="body" idx="2"/>
           </p:nvPr>
         </p:nvSpPr>
         <p:spPr>
@@ -6239,11 +6505,11 @@
           </a:prstGeom>
         </p:spPr>
         <p:txBody>
-          <a:bodyPr anchorCtr="0" anchor="ctr" bIns="91425" lIns="91425" spcFirstLastPara="1" rIns="91425" wrap="square" tIns="91425">
+          <a:bodyPr spcFirstLastPara="1" wrap="square" lIns="91425" tIns="91425" rIns="91425" bIns="91425" anchor="ctr" anchorCtr="0">
             <a:normAutofit/>
           </a:bodyPr>
           <a:lstStyle>
-            <a:lvl1pPr indent="-342900" lvl="0" marL="457200">
+            <a:lvl1pPr marL="457200" lvl="0" indent="-342900">
               <a:spcBef>
                 <a:spcPts val="0"/>
               </a:spcBef>
@@ -6254,7 +6520,7 @@
               <a:buChar char="●"/>
               <a:defRPr/>
             </a:lvl1pPr>
-            <a:lvl2pPr indent="-317500" lvl="1" marL="914400">
+            <a:lvl2pPr marL="914400" lvl="1" indent="-317500">
               <a:spcBef>
                 <a:spcPts val="0"/>
               </a:spcBef>
@@ -6265,7 +6531,7 @@
               <a:buChar char="○"/>
               <a:defRPr/>
             </a:lvl2pPr>
-            <a:lvl3pPr indent="-317500" lvl="2" marL="1371600">
+            <a:lvl3pPr marL="1371600" lvl="2" indent="-317500">
               <a:spcBef>
                 <a:spcPts val="0"/>
               </a:spcBef>
@@ -6276,7 +6542,7 @@
               <a:buChar char="■"/>
               <a:defRPr/>
             </a:lvl3pPr>
-            <a:lvl4pPr indent="-317500" lvl="3" marL="1828800">
+            <a:lvl4pPr marL="1828800" lvl="3" indent="-317500">
               <a:spcBef>
                 <a:spcPts val="0"/>
               </a:spcBef>
@@ -6287,7 +6553,7 @@
               <a:buChar char="●"/>
               <a:defRPr/>
             </a:lvl4pPr>
-            <a:lvl5pPr indent="-317500" lvl="4" marL="2286000">
+            <a:lvl5pPr marL="2286000" lvl="4" indent="-317500">
               <a:spcBef>
                 <a:spcPts val="0"/>
               </a:spcBef>
@@ -6298,7 +6564,7 @@
               <a:buChar char="○"/>
               <a:defRPr/>
             </a:lvl5pPr>
-            <a:lvl6pPr indent="-317500" lvl="5" marL="2743200">
+            <a:lvl6pPr marL="2743200" lvl="5" indent="-317500">
               <a:spcBef>
                 <a:spcPts val="0"/>
               </a:spcBef>
@@ -6309,7 +6575,7 @@
               <a:buChar char="■"/>
               <a:defRPr/>
             </a:lvl6pPr>
-            <a:lvl7pPr indent="-317500" lvl="6" marL="3200400">
+            <a:lvl7pPr marL="3200400" lvl="6" indent="-317500">
               <a:spcBef>
                 <a:spcPts val="0"/>
               </a:spcBef>
@@ -6320,7 +6586,7 @@
               <a:buChar char="●"/>
               <a:defRPr/>
             </a:lvl7pPr>
-            <a:lvl8pPr indent="-317500" lvl="7" marL="3657600">
+            <a:lvl8pPr marL="3657600" lvl="7" indent="-317500">
               <a:spcBef>
                 <a:spcPts val="0"/>
               </a:spcBef>
@@ -6331,7 +6597,7 @@
               <a:buChar char="○"/>
               <a:defRPr/>
             </a:lvl8pPr>
-            <a:lvl9pPr indent="-317500" lvl="8" marL="4114800">
+            <a:lvl9pPr marL="4114800" lvl="8" indent="-317500">
               <a:spcBef>
                 <a:spcPts val="0"/>
               </a:spcBef>
@@ -6343,15 +6609,19 @@
               <a:defRPr/>
             </a:lvl9pPr>
           </a:lstStyle>
-          <a:p/>
+          <a:p>
+            <a:endParaRPr/>
+          </a:p>
         </p:txBody>
       </p:sp>
       <p:sp>
         <p:nvSpPr>
           <p:cNvPr id="40" name="Google Shape;40;p9"/>
-          <p:cNvSpPr txBox="1"/>
+          <p:cNvSpPr txBox="1">
+            <a:spLocks noGrp="1"/>
+          </p:cNvSpPr>
           <p:nvPr>
-            <p:ph idx="12" type="sldNum"/>
+            <p:ph type="sldNum" idx="12"/>
           </p:nvPr>
         </p:nvSpPr>
         <p:spPr>
@@ -6364,7 +6634,7 @@
           </a:prstGeom>
         </p:spPr>
         <p:txBody>
-          <a:bodyPr anchorCtr="0" anchor="ctr" bIns="91425" lIns="91425" spcFirstLastPara="1" rIns="91425" wrap="square" tIns="91425">
+          <a:bodyPr spcFirstLastPara="1" wrap="square" lIns="91425" tIns="91425" rIns="91425" bIns="91425" anchor="ctr" anchorCtr="0">
             <a:normAutofit/>
           </a:bodyPr>
           <a:lstStyle>
@@ -6406,7 +6676,7 @@
             </a:lvl9pPr>
           </a:lstStyle>
           <a:p>
-            <a:pPr indent="0" lvl="0" marL="0" rtl="0" algn="r">
+            <a:pPr marL="0" lvl="0" indent="0" algn="r" rtl="0">
               <a:spcBef>
                 <a:spcPts val="0"/>
               </a:spcBef>
@@ -6432,11 +6702,11 @@
 </file>
 
 <file path=ppt/slideLayouts/slideLayout9.xml><?xml version="1.0" encoding="utf-8"?>
-<p:sldLayout xmlns:a="http://schemas.openxmlformats.org/drawingml/2006/main" xmlns:r="http://schemas.openxmlformats.org/officeDocument/2006/relationships" xmlns:mc="http://schemas.openxmlformats.org/markup-compatibility/2006" xmlns:mv="urn:schemas-microsoft-com:mac:vml" xmlns:p="http://schemas.openxmlformats.org/presentationml/2006/main" xmlns:c="http://schemas.openxmlformats.org/drawingml/2006/chart" xmlns:dgm="http://schemas.openxmlformats.org/drawingml/2006/diagram" xmlns:o="urn:schemas-microsoft-com:office:office" xmlns:v="urn:schemas-microsoft-com:vml" xmlns:pvml="urn:schemas-microsoft-com:office:powerpoint" xmlns:com="http://schemas.openxmlformats.org/drawingml/2006/compatibility" xmlns:p14="http://schemas.microsoft.com/office/powerpoint/2010/main" xmlns:p15="http://schemas.microsoft.com/office/powerpoint/2012/main" xmlns:ahyp="http://schemas.microsoft.com/office/drawing/2018/hyperlinkcolor" matchingName="Caption">
+<p:sldLayout xmlns:a="http://schemas.openxmlformats.org/drawingml/2006/main" xmlns:r="http://schemas.openxmlformats.org/officeDocument/2006/relationships" xmlns:p="http://schemas.openxmlformats.org/presentationml/2006/main" matchingName="Caption">
   <p:cSld name="CAPTION_ONLY">
     <p:spTree>
       <p:nvGrpSpPr>
-        <p:cNvPr id="41" name="Shape 41"/>
+        <p:cNvPr id="1" name="Shape 41"/>
         <p:cNvGrpSpPr/>
         <p:nvPr/>
       </p:nvGrpSpPr>
@@ -6451,9 +6721,11 @@
       <p:sp>
         <p:nvSpPr>
           <p:cNvPr id="42" name="Google Shape;42;p10"/>
-          <p:cNvSpPr txBox="1"/>
+          <p:cNvSpPr txBox="1">
+            <a:spLocks noGrp="1"/>
+          </p:cNvSpPr>
           <p:nvPr>
-            <p:ph idx="1" type="body"/>
+            <p:ph type="body" idx="1"/>
           </p:nvPr>
         </p:nvSpPr>
         <p:spPr>
@@ -6466,11 +6738,11 @@
           </a:prstGeom>
         </p:spPr>
         <p:txBody>
-          <a:bodyPr anchorCtr="0" anchor="ctr" bIns="91425" lIns="91425" spcFirstLastPara="1" rIns="91425" wrap="square" tIns="91425">
+          <a:bodyPr spcFirstLastPara="1" wrap="square" lIns="91425" tIns="91425" rIns="91425" bIns="91425" anchor="ctr" anchorCtr="0">
             <a:normAutofit/>
           </a:bodyPr>
           <a:lstStyle>
-            <a:lvl1pPr indent="-228600" lvl="0" marL="457200">
+            <a:lvl1pPr marL="457200" lvl="0" indent="-228600">
               <a:lnSpc>
                 <a:spcPct val="100000"/>
               </a:lnSpc>
@@ -6485,15 +6757,19 @@
               <a:defRPr/>
             </a:lvl1pPr>
           </a:lstStyle>
-          <a:p/>
+          <a:p>
+            <a:endParaRPr/>
+          </a:p>
         </p:txBody>
       </p:sp>
       <p:sp>
         <p:nvSpPr>
           <p:cNvPr id="43" name="Google Shape;43;p10"/>
-          <p:cNvSpPr txBox="1"/>
+          <p:cNvSpPr txBox="1">
+            <a:spLocks noGrp="1"/>
+          </p:cNvSpPr>
           <p:nvPr>
-            <p:ph idx="12" type="sldNum"/>
+            <p:ph type="sldNum" idx="12"/>
           </p:nvPr>
         </p:nvSpPr>
         <p:spPr>
@@ -6506,7 +6782,7 @@
           </a:prstGeom>
         </p:spPr>
         <p:txBody>
-          <a:bodyPr anchorCtr="0" anchor="ctr" bIns="91425" lIns="91425" spcFirstLastPara="1" rIns="91425" wrap="square" tIns="91425">
+          <a:bodyPr spcFirstLastPara="1" wrap="square" lIns="91425" tIns="91425" rIns="91425" bIns="91425" anchor="ctr" anchorCtr="0">
             <a:normAutofit/>
           </a:bodyPr>
           <a:lstStyle>
@@ -6548,7 +6824,7 @@
             </a:lvl9pPr>
           </a:lstStyle>
           <a:p>
-            <a:pPr indent="0" lvl="0" marL="0" rtl="0" algn="r">
+            <a:pPr marL="0" lvl="0" indent="0" algn="r" rtl="0">
               <a:spcBef>
                 <a:spcPts val="0"/>
               </a:spcBef>
@@ -6574,18 +6850,19 @@
 </file>
 
 <file path=ppt/slideMasters/slideMaster1.xml><?xml version="1.0" encoding="utf-8"?>
-<p:sldMaster xmlns:a="http://schemas.openxmlformats.org/drawingml/2006/main" xmlns:r="http://schemas.openxmlformats.org/officeDocument/2006/relationships" xmlns:mc="http://schemas.openxmlformats.org/markup-compatibility/2006" xmlns:mv="urn:schemas-microsoft-com:mac:vml" xmlns:p="http://schemas.openxmlformats.org/presentationml/2006/main" xmlns:c="http://schemas.openxmlformats.org/drawingml/2006/chart" xmlns:dgm="http://schemas.openxmlformats.org/drawingml/2006/diagram" xmlns:o="urn:schemas-microsoft-com:office:office" xmlns:v="urn:schemas-microsoft-com:vml" xmlns:pvml="urn:schemas-microsoft-com:office:powerpoint" xmlns:com="http://schemas.openxmlformats.org/drawingml/2006/compatibility" xmlns:p14="http://schemas.microsoft.com/office/powerpoint/2010/main" xmlns:p15="http://schemas.microsoft.com/office/powerpoint/2012/main" xmlns:ahyp="http://schemas.microsoft.com/office/drawing/2018/hyperlinkcolor">
+<p:sldMaster xmlns:a="http://schemas.openxmlformats.org/drawingml/2006/main" xmlns:r="http://schemas.openxmlformats.org/officeDocument/2006/relationships" xmlns:p="http://schemas.openxmlformats.org/presentationml/2006/main">
   <p:cSld name="simple-light-2">
     <p:bg>
       <p:bgPr>
         <a:solidFill>
           <a:schemeClr val="lt1"/>
         </a:solidFill>
+        <a:effectLst/>
       </p:bgPr>
     </p:bg>
     <p:spTree>
       <p:nvGrpSpPr>
-        <p:cNvPr id="5" name="Shape 5"/>
+        <p:cNvPr id="1" name="Shape 5"/>
         <p:cNvGrpSpPr/>
         <p:nvPr/>
       </p:nvGrpSpPr>
@@ -6600,7 +6877,9 @@
       <p:sp>
         <p:nvSpPr>
           <p:cNvPr id="6" name="Google Shape;6;p1"/>
-          <p:cNvSpPr txBox="1"/>
+          <p:cNvSpPr txBox="1">
+            <a:spLocks noGrp="1"/>
+          </p:cNvSpPr>
           <p:nvPr>
             <p:ph type="title"/>
           </p:nvPr>
@@ -6619,7 +6898,7 @@
           </a:ln>
         </p:spPr>
         <p:txBody>
-          <a:bodyPr anchorCtr="0" anchor="t" bIns="91425" lIns="91425" spcFirstLastPara="1" rIns="91425" wrap="square" tIns="91425">
+          <a:bodyPr spcFirstLastPara="1" wrap="square" lIns="91425" tIns="91425" rIns="91425" bIns="91425" anchor="t" anchorCtr="0">
             <a:normAutofit/>
           </a:bodyPr>
           <a:lstStyle>
@@ -6786,15 +7065,19 @@
               </a:defRPr>
             </a:lvl9pPr>
           </a:lstStyle>
-          <a:p/>
+          <a:p>
+            <a:endParaRPr/>
+          </a:p>
         </p:txBody>
       </p:sp>
       <p:sp>
         <p:nvSpPr>
           <p:cNvPr id="7" name="Google Shape;7;p1"/>
-          <p:cNvSpPr txBox="1"/>
+          <p:cNvSpPr txBox="1">
+            <a:spLocks noGrp="1"/>
+          </p:cNvSpPr>
           <p:nvPr>
-            <p:ph idx="1" type="body"/>
+            <p:ph type="body" idx="1"/>
           </p:nvPr>
         </p:nvSpPr>
         <p:spPr>
@@ -6811,11 +7094,11 @@
           </a:ln>
         </p:spPr>
         <p:txBody>
-          <a:bodyPr anchorCtr="0" anchor="t" bIns="91425" lIns="91425" spcFirstLastPara="1" rIns="91425" wrap="square" tIns="91425">
+          <a:bodyPr spcFirstLastPara="1" wrap="square" lIns="91425" tIns="91425" rIns="91425" bIns="91425" anchor="t" anchorCtr="0">
             <a:normAutofit/>
           </a:bodyPr>
           <a:lstStyle>
-            <a:lvl1pPr indent="-342900" lvl="0" marL="457200">
+            <a:lvl1pPr marL="457200" lvl="0" indent="-342900">
               <a:lnSpc>
                 <a:spcPct val="115000"/>
               </a:lnSpc>
@@ -6836,7 +7119,7 @@
                 </a:solidFill>
               </a:defRPr>
             </a:lvl1pPr>
-            <a:lvl2pPr indent="-317500" lvl="1" marL="914400">
+            <a:lvl2pPr marL="914400" lvl="1" indent="-317500">
               <a:lnSpc>
                 <a:spcPct val="115000"/>
               </a:lnSpc>
@@ -6857,7 +7140,7 @@
                 </a:solidFill>
               </a:defRPr>
             </a:lvl2pPr>
-            <a:lvl3pPr indent="-317500" lvl="2" marL="1371600">
+            <a:lvl3pPr marL="1371600" lvl="2" indent="-317500">
               <a:lnSpc>
                 <a:spcPct val="115000"/>
               </a:lnSpc>
@@ -6878,7 +7161,7 @@
                 </a:solidFill>
               </a:defRPr>
             </a:lvl3pPr>
-            <a:lvl4pPr indent="-317500" lvl="3" marL="1828800">
+            <a:lvl4pPr marL="1828800" lvl="3" indent="-317500">
               <a:lnSpc>
                 <a:spcPct val="115000"/>
               </a:lnSpc>
@@ -6899,7 +7182,7 @@
                 </a:solidFill>
               </a:defRPr>
             </a:lvl4pPr>
-            <a:lvl5pPr indent="-317500" lvl="4" marL="2286000">
+            <a:lvl5pPr marL="2286000" lvl="4" indent="-317500">
               <a:lnSpc>
                 <a:spcPct val="115000"/>
               </a:lnSpc>
@@ -6920,7 +7203,7 @@
                 </a:solidFill>
               </a:defRPr>
             </a:lvl5pPr>
-            <a:lvl6pPr indent="-317500" lvl="5" marL="2743200">
+            <a:lvl6pPr marL="2743200" lvl="5" indent="-317500">
               <a:lnSpc>
                 <a:spcPct val="115000"/>
               </a:lnSpc>
@@ -6941,7 +7224,7 @@
                 </a:solidFill>
               </a:defRPr>
             </a:lvl6pPr>
-            <a:lvl7pPr indent="-317500" lvl="6" marL="3200400">
+            <a:lvl7pPr marL="3200400" lvl="6" indent="-317500">
               <a:lnSpc>
                 <a:spcPct val="115000"/>
               </a:lnSpc>
@@ -6962,7 +7245,7 @@
                 </a:solidFill>
               </a:defRPr>
             </a:lvl7pPr>
-            <a:lvl8pPr indent="-317500" lvl="7" marL="3657600">
+            <a:lvl8pPr marL="3657600" lvl="7" indent="-317500">
               <a:lnSpc>
                 <a:spcPct val="115000"/>
               </a:lnSpc>
@@ -6983,7 +7266,7 @@
                 </a:solidFill>
               </a:defRPr>
             </a:lvl8pPr>
-            <a:lvl9pPr indent="-317500" lvl="8" marL="4114800">
+            <a:lvl9pPr marL="4114800" lvl="8" indent="-317500">
               <a:lnSpc>
                 <a:spcPct val="115000"/>
               </a:lnSpc>
@@ -7005,15 +7288,19 @@
               </a:defRPr>
             </a:lvl9pPr>
           </a:lstStyle>
-          <a:p/>
+          <a:p>
+            <a:endParaRPr/>
+          </a:p>
         </p:txBody>
       </p:sp>
       <p:sp>
         <p:nvSpPr>
           <p:cNvPr id="8" name="Google Shape;8;p1"/>
-          <p:cNvSpPr txBox="1"/>
+          <p:cNvSpPr txBox="1">
+            <a:spLocks noGrp="1"/>
+          </p:cNvSpPr>
           <p:nvPr>
-            <p:ph idx="12" type="sldNum"/>
+            <p:ph type="sldNum" idx="12"/>
           </p:nvPr>
         </p:nvSpPr>
         <p:spPr>
@@ -7030,7 +7317,7 @@
           </a:ln>
         </p:spPr>
         <p:txBody>
-          <a:bodyPr anchorCtr="0" anchor="ctr" bIns="91425" lIns="91425" spcFirstLastPara="1" rIns="91425" wrap="square" tIns="91425">
+          <a:bodyPr spcFirstLastPara="1" wrap="square" lIns="91425" tIns="91425" rIns="91425" bIns="91425" anchor="ctr" anchorCtr="0">
             <a:normAutofit/>
           </a:bodyPr>
           <a:lstStyle>
@@ -7108,7 +7395,7 @@
             </a:lvl9pPr>
           </a:lstStyle>
           <a:p>
-            <a:pPr indent="0" lvl="0" marL="0" rtl="0" algn="r">
+            <a:pPr marL="0" lvl="0" indent="0" algn="r" rtl="0">
               <a:spcBef>
                 <a:spcPts val="0"/>
               </a:spcBef>
@@ -7127,7 +7414,7 @@
       </p:sp>
     </p:spTree>
   </p:cSld>
-  <p:clrMap accent1="accent1" accent2="accent2" accent3="accent3" accent4="accent4" accent5="accent5" accent6="accent6" bg1="lt1" bg2="dk2" tx1="dk1" tx2="lt2" folHlink="folHlink" hlink="hlink"/>
+  <p:clrMap bg1="lt1" tx1="dk1" bg2="dk2" tx2="lt2" accent1="accent1" accent2="accent2" accent3="accent3" accent4="accent4" accent5="accent5" accent6="accent6" hlink="hlink" folHlink="folHlink"/>
   <p:sldLayoutIdLst>
     <p:sldLayoutId id="2147483648" r:id="rId1"/>
     <p:sldLayoutId id="2147483649" r:id="rId2"/>
@@ -7141,10 +7428,10 @@
     <p:sldLayoutId id="2147483657" r:id="rId10"/>
     <p:sldLayoutId id="2147483658" r:id="rId11"/>
   </p:sldLayoutIdLst>
-  <p:hf dt="0" ftr="0" hdr="0" sldNum="0"/>
+  <p:hf sldNum="0" hdr="0" ftr="0" dt="0"/>
   <p:txStyles>
     <p:titleStyle>
-      <a:defPPr lvl="0" marR="0" rtl="0" algn="l">
+      <a:defPPr marR="0" lvl="0" algn="l" rtl="0">
         <a:lnSpc>
           <a:spcPct val="100000"/>
         </a:lnSpc>
@@ -7155,7 +7442,7 @@
           <a:spcPts val="0"/>
         </a:spcAft>
       </a:defPPr>
-      <a:lvl1pPr lvl="0" marR="0" rtl="0" algn="l">
+      <a:lvl1pPr marR="0" lvl="0" algn="l" rtl="0">
         <a:lnSpc>
           <a:spcPct val="100000"/>
         </a:lnSpc>
@@ -7169,7 +7456,7 @@
           <a:srgbClr val="000000"/>
         </a:buClr>
         <a:buFont typeface="Arial"/>
-        <a:defRPr b="0" i="0" sz="1400" u="none" cap="none" strike="noStrike">
+        <a:defRPr sz="1400" b="0" i="0" u="none" strike="noStrike" cap="none">
           <a:solidFill>
             <a:srgbClr val="000000"/>
           </a:solidFill>
@@ -7179,7 +7466,7 @@
           <a:sym typeface="Arial"/>
         </a:defRPr>
       </a:lvl1pPr>
-      <a:lvl2pPr lvl="1" marR="0" rtl="0" algn="l">
+      <a:lvl2pPr marR="0" lvl="1" algn="l" rtl="0">
         <a:lnSpc>
           <a:spcPct val="100000"/>
         </a:lnSpc>
@@ -7193,7 +7480,7 @@
           <a:srgbClr val="000000"/>
         </a:buClr>
         <a:buFont typeface="Arial"/>
-        <a:defRPr b="0" i="0" sz="1400" u="none" cap="none" strike="noStrike">
+        <a:defRPr sz="1400" b="0" i="0" u="none" strike="noStrike" cap="none">
           <a:solidFill>
             <a:srgbClr val="000000"/>
           </a:solidFill>
@@ -7203,7 +7490,7 @@
           <a:sym typeface="Arial"/>
         </a:defRPr>
       </a:lvl2pPr>
-      <a:lvl3pPr lvl="2" marR="0" rtl="0" algn="l">
+      <a:lvl3pPr marR="0" lvl="2" algn="l" rtl="0">
         <a:lnSpc>
           <a:spcPct val="100000"/>
         </a:lnSpc>
@@ -7217,7 +7504,7 @@
           <a:srgbClr val="000000"/>
         </a:buClr>
         <a:buFont typeface="Arial"/>
-        <a:defRPr b="0" i="0" sz="1400" u="none" cap="none" strike="noStrike">
+        <a:defRPr sz="1400" b="0" i="0" u="none" strike="noStrike" cap="none">
           <a:solidFill>
             <a:srgbClr val="000000"/>
           </a:solidFill>
@@ -7227,7 +7514,7 @@
           <a:sym typeface="Arial"/>
         </a:defRPr>
       </a:lvl3pPr>
-      <a:lvl4pPr lvl="3" marR="0" rtl="0" algn="l">
+      <a:lvl4pPr marR="0" lvl="3" algn="l" rtl="0">
         <a:lnSpc>
           <a:spcPct val="100000"/>
         </a:lnSpc>
@@ -7241,7 +7528,7 @@
           <a:srgbClr val="000000"/>
         </a:buClr>
         <a:buFont typeface="Arial"/>
-        <a:defRPr b="0" i="0" sz="1400" u="none" cap="none" strike="noStrike">
+        <a:defRPr sz="1400" b="0" i="0" u="none" strike="noStrike" cap="none">
           <a:solidFill>
             <a:srgbClr val="000000"/>
           </a:solidFill>
@@ -7251,7 +7538,7 @@
           <a:sym typeface="Arial"/>
         </a:defRPr>
       </a:lvl4pPr>
-      <a:lvl5pPr lvl="4" marR="0" rtl="0" algn="l">
+      <a:lvl5pPr marR="0" lvl="4" algn="l" rtl="0">
         <a:lnSpc>
           <a:spcPct val="100000"/>
         </a:lnSpc>
@@ -7265,7 +7552,7 @@
           <a:srgbClr val="000000"/>
         </a:buClr>
         <a:buFont typeface="Arial"/>
-        <a:defRPr b="0" i="0" sz="1400" u="none" cap="none" strike="noStrike">
+        <a:defRPr sz="1400" b="0" i="0" u="none" strike="noStrike" cap="none">
           <a:solidFill>
             <a:srgbClr val="000000"/>
           </a:solidFill>
@@ -7275,7 +7562,7 @@
           <a:sym typeface="Arial"/>
         </a:defRPr>
       </a:lvl5pPr>
-      <a:lvl6pPr lvl="5" marR="0" rtl="0" algn="l">
+      <a:lvl6pPr marR="0" lvl="5" algn="l" rtl="0">
         <a:lnSpc>
           <a:spcPct val="100000"/>
         </a:lnSpc>
@@ -7289,7 +7576,7 @@
           <a:srgbClr val="000000"/>
         </a:buClr>
         <a:buFont typeface="Arial"/>
-        <a:defRPr b="0" i="0" sz="1400" u="none" cap="none" strike="noStrike">
+        <a:defRPr sz="1400" b="0" i="0" u="none" strike="noStrike" cap="none">
           <a:solidFill>
             <a:srgbClr val="000000"/>
           </a:solidFill>
@@ -7299,7 +7586,7 @@
           <a:sym typeface="Arial"/>
         </a:defRPr>
       </a:lvl6pPr>
-      <a:lvl7pPr lvl="6" marR="0" rtl="0" algn="l">
+      <a:lvl7pPr marR="0" lvl="6" algn="l" rtl="0">
         <a:lnSpc>
           <a:spcPct val="100000"/>
         </a:lnSpc>
@@ -7313,7 +7600,7 @@
           <a:srgbClr val="000000"/>
         </a:buClr>
         <a:buFont typeface="Arial"/>
-        <a:defRPr b="0" i="0" sz="1400" u="none" cap="none" strike="noStrike">
+        <a:defRPr sz="1400" b="0" i="0" u="none" strike="noStrike" cap="none">
           <a:solidFill>
             <a:srgbClr val="000000"/>
           </a:solidFill>
@@ -7323,7 +7610,7 @@
           <a:sym typeface="Arial"/>
         </a:defRPr>
       </a:lvl7pPr>
-      <a:lvl8pPr lvl="7" marR="0" rtl="0" algn="l">
+      <a:lvl8pPr marR="0" lvl="7" algn="l" rtl="0">
         <a:lnSpc>
           <a:spcPct val="100000"/>
         </a:lnSpc>
@@ -7337,7 +7624,7 @@
           <a:srgbClr val="000000"/>
         </a:buClr>
         <a:buFont typeface="Arial"/>
-        <a:defRPr b="0" i="0" sz="1400" u="none" cap="none" strike="noStrike">
+        <a:defRPr sz="1400" b="0" i="0" u="none" strike="noStrike" cap="none">
           <a:solidFill>
             <a:srgbClr val="000000"/>
           </a:solidFill>
@@ -7347,7 +7634,7 @@
           <a:sym typeface="Arial"/>
         </a:defRPr>
       </a:lvl8pPr>
-      <a:lvl9pPr lvl="8" marR="0" rtl="0" algn="l">
+      <a:lvl9pPr marR="0" lvl="8" algn="l" rtl="0">
         <a:lnSpc>
           <a:spcPct val="100000"/>
         </a:lnSpc>
@@ -7361,7 +7648,7 @@
           <a:srgbClr val="000000"/>
         </a:buClr>
         <a:buFont typeface="Arial"/>
-        <a:defRPr b="0" i="0" sz="1400" u="none" cap="none" strike="noStrike">
+        <a:defRPr sz="1400" b="0" i="0" u="none" strike="noStrike" cap="none">
           <a:solidFill>
             <a:srgbClr val="000000"/>
           </a:solidFill>
@@ -7373,7 +7660,7 @@
       </a:lvl9pPr>
     </p:titleStyle>
     <p:bodyStyle>
-      <a:defPPr lvl="0" marR="0" rtl="0" algn="l">
+      <a:defPPr marR="0" lvl="0" algn="l" rtl="0">
         <a:lnSpc>
           <a:spcPct val="100000"/>
         </a:lnSpc>
@@ -7384,7 +7671,7 @@
           <a:spcPts val="0"/>
         </a:spcAft>
       </a:defPPr>
-      <a:lvl1pPr lvl="0" marR="0" rtl="0" algn="l">
+      <a:lvl1pPr marR="0" lvl="0" algn="l" rtl="0">
         <a:lnSpc>
           <a:spcPct val="100000"/>
         </a:lnSpc>
@@ -7398,7 +7685,7 @@
           <a:srgbClr val="000000"/>
         </a:buClr>
         <a:buFont typeface="Arial"/>
-        <a:defRPr b="0" i="0" sz="1400" u="none" cap="none" strike="noStrike">
+        <a:defRPr sz="1400" b="0" i="0" u="none" strike="noStrike" cap="none">
           <a:solidFill>
             <a:srgbClr val="000000"/>
           </a:solidFill>
@@ -7408,7 +7695,7 @@
           <a:sym typeface="Arial"/>
         </a:defRPr>
       </a:lvl1pPr>
-      <a:lvl2pPr lvl="1" marR="0" rtl="0" algn="l">
+      <a:lvl2pPr marR="0" lvl="1" algn="l" rtl="0">
         <a:lnSpc>
           <a:spcPct val="100000"/>
         </a:lnSpc>
@@ -7422,7 +7709,7 @@
           <a:srgbClr val="000000"/>
         </a:buClr>
         <a:buFont typeface="Arial"/>
-        <a:defRPr b="0" i="0" sz="1400" u="none" cap="none" strike="noStrike">
+        <a:defRPr sz="1400" b="0" i="0" u="none" strike="noStrike" cap="none">
           <a:solidFill>
             <a:srgbClr val="000000"/>
           </a:solidFill>
@@ -7432,7 +7719,7 @@
           <a:sym typeface="Arial"/>
         </a:defRPr>
       </a:lvl2pPr>
-      <a:lvl3pPr lvl="2" marR="0" rtl="0" algn="l">
+      <a:lvl3pPr marR="0" lvl="2" algn="l" rtl="0">
         <a:lnSpc>
           <a:spcPct val="100000"/>
         </a:lnSpc>
@@ -7446,7 +7733,7 @@
           <a:srgbClr val="000000"/>
         </a:buClr>
         <a:buFont typeface="Arial"/>
-        <a:defRPr b="0" i="0" sz="1400" u="none" cap="none" strike="noStrike">
+        <a:defRPr sz="1400" b="0" i="0" u="none" strike="noStrike" cap="none">
           <a:solidFill>
             <a:srgbClr val="000000"/>
           </a:solidFill>
@@ -7456,7 +7743,7 @@
           <a:sym typeface="Arial"/>
         </a:defRPr>
       </a:lvl3pPr>
-      <a:lvl4pPr lvl="3" marR="0" rtl="0" algn="l">
+      <a:lvl4pPr marR="0" lvl="3" algn="l" rtl="0">
         <a:lnSpc>
           <a:spcPct val="100000"/>
         </a:lnSpc>
@@ -7470,7 +7757,7 @@
           <a:srgbClr val="000000"/>
         </a:buClr>
         <a:buFont typeface="Arial"/>
-        <a:defRPr b="0" i="0" sz="1400" u="none" cap="none" strike="noStrike">
+        <a:defRPr sz="1400" b="0" i="0" u="none" strike="noStrike" cap="none">
           <a:solidFill>
             <a:srgbClr val="000000"/>
           </a:solidFill>
@@ -7480,7 +7767,7 @@
           <a:sym typeface="Arial"/>
         </a:defRPr>
       </a:lvl4pPr>
-      <a:lvl5pPr lvl="4" marR="0" rtl="0" algn="l">
+      <a:lvl5pPr marR="0" lvl="4" algn="l" rtl="0">
         <a:lnSpc>
           <a:spcPct val="100000"/>
         </a:lnSpc>
@@ -7494,7 +7781,7 @@
           <a:srgbClr val="000000"/>
         </a:buClr>
         <a:buFont typeface="Arial"/>
-        <a:defRPr b="0" i="0" sz="1400" u="none" cap="none" strike="noStrike">
+        <a:defRPr sz="1400" b="0" i="0" u="none" strike="noStrike" cap="none">
           <a:solidFill>
             <a:srgbClr val="000000"/>
           </a:solidFill>
@@ -7504,7 +7791,7 @@
           <a:sym typeface="Arial"/>
         </a:defRPr>
       </a:lvl5pPr>
-      <a:lvl6pPr lvl="5" marR="0" rtl="0" algn="l">
+      <a:lvl6pPr marR="0" lvl="5" algn="l" rtl="0">
         <a:lnSpc>
           <a:spcPct val="100000"/>
         </a:lnSpc>
@@ -7518,7 +7805,7 @@
           <a:srgbClr val="000000"/>
         </a:buClr>
         <a:buFont typeface="Arial"/>
-        <a:defRPr b="0" i="0" sz="1400" u="none" cap="none" strike="noStrike">
+        <a:defRPr sz="1400" b="0" i="0" u="none" strike="noStrike" cap="none">
           <a:solidFill>
             <a:srgbClr val="000000"/>
           </a:solidFill>
@@ -7528,7 +7815,7 @@
           <a:sym typeface="Arial"/>
         </a:defRPr>
       </a:lvl6pPr>
-      <a:lvl7pPr lvl="6" marR="0" rtl="0" algn="l">
+      <a:lvl7pPr marR="0" lvl="6" algn="l" rtl="0">
         <a:lnSpc>
           <a:spcPct val="100000"/>
         </a:lnSpc>
@@ -7542,7 +7829,7 @@
           <a:srgbClr val="000000"/>
         </a:buClr>
         <a:buFont typeface="Arial"/>
-        <a:defRPr b="0" i="0" sz="1400" u="none" cap="none" strike="noStrike">
+        <a:defRPr sz="1400" b="0" i="0" u="none" strike="noStrike" cap="none">
           <a:solidFill>
             <a:srgbClr val="000000"/>
           </a:solidFill>
@@ -7552,7 +7839,7 @@
           <a:sym typeface="Arial"/>
         </a:defRPr>
       </a:lvl7pPr>
-      <a:lvl8pPr lvl="7" marR="0" rtl="0" algn="l">
+      <a:lvl8pPr marR="0" lvl="7" algn="l" rtl="0">
         <a:lnSpc>
           <a:spcPct val="100000"/>
         </a:lnSpc>
@@ -7566,7 +7853,7 @@
           <a:srgbClr val="000000"/>
         </a:buClr>
         <a:buFont typeface="Arial"/>
-        <a:defRPr b="0" i="0" sz="1400" u="none" cap="none" strike="noStrike">
+        <a:defRPr sz="1400" b="0" i="0" u="none" strike="noStrike" cap="none">
           <a:solidFill>
             <a:srgbClr val="000000"/>
           </a:solidFill>
@@ -7576,7 +7863,7 @@
           <a:sym typeface="Arial"/>
         </a:defRPr>
       </a:lvl8pPr>
-      <a:lvl9pPr lvl="8" marR="0" rtl="0" algn="l">
+      <a:lvl9pPr marR="0" lvl="8" algn="l" rtl="0">
         <a:lnSpc>
           <a:spcPct val="100000"/>
         </a:lnSpc>
@@ -7590,7 +7877,7 @@
           <a:srgbClr val="000000"/>
         </a:buClr>
         <a:buFont typeface="Arial"/>
-        <a:defRPr b="0" i="0" sz="1400" u="none" cap="none" strike="noStrike">
+        <a:defRPr sz="1400" b="0" i="0" u="none" strike="noStrike" cap="none">
           <a:solidFill>
             <a:srgbClr val="000000"/>
           </a:solidFill>
@@ -7602,7 +7889,7 @@
       </a:lvl9pPr>
     </p:bodyStyle>
     <p:otherStyle>
-      <a:defPPr lvl="0" marR="0" rtl="0" algn="l">
+      <a:defPPr marR="0" lvl="0" algn="l" rtl="0">
         <a:lnSpc>
           <a:spcPct val="100000"/>
         </a:lnSpc>
@@ -7613,7 +7900,7 @@
           <a:spcPts val="0"/>
         </a:spcAft>
       </a:defPPr>
-      <a:lvl1pPr lvl="0" marR="0" rtl="0" algn="l">
+      <a:lvl1pPr marR="0" lvl="0" algn="l" rtl="0">
         <a:lnSpc>
           <a:spcPct val="100000"/>
         </a:lnSpc>
@@ -7627,7 +7914,7 @@
           <a:srgbClr val="000000"/>
         </a:buClr>
         <a:buFont typeface="Arial"/>
-        <a:defRPr b="0" i="0" sz="1400" u="none" cap="none" strike="noStrike">
+        <a:defRPr sz="1400" b="0" i="0" u="none" strike="noStrike" cap="none">
           <a:solidFill>
             <a:srgbClr val="000000"/>
           </a:solidFill>
@@ -7637,7 +7924,7 @@
           <a:sym typeface="Arial"/>
         </a:defRPr>
       </a:lvl1pPr>
-      <a:lvl2pPr lvl="1" marR="0" rtl="0" algn="l">
+      <a:lvl2pPr marR="0" lvl="1" algn="l" rtl="0">
         <a:lnSpc>
           <a:spcPct val="100000"/>
         </a:lnSpc>
@@ -7651,7 +7938,7 @@
           <a:srgbClr val="000000"/>
         </a:buClr>
         <a:buFont typeface="Arial"/>
-        <a:defRPr b="0" i="0" sz="1400" u="none" cap="none" strike="noStrike">
+        <a:defRPr sz="1400" b="0" i="0" u="none" strike="noStrike" cap="none">
           <a:solidFill>
             <a:srgbClr val="000000"/>
           </a:solidFill>
@@ -7661,7 +7948,7 @@
           <a:sym typeface="Arial"/>
         </a:defRPr>
       </a:lvl2pPr>
-      <a:lvl3pPr lvl="2" marR="0" rtl="0" algn="l">
+      <a:lvl3pPr marR="0" lvl="2" algn="l" rtl="0">
         <a:lnSpc>
           <a:spcPct val="100000"/>
         </a:lnSpc>
@@ -7675,7 +7962,7 @@
           <a:srgbClr val="000000"/>
         </a:buClr>
         <a:buFont typeface="Arial"/>
-        <a:defRPr b="0" i="0" sz="1400" u="none" cap="none" strike="noStrike">
+        <a:defRPr sz="1400" b="0" i="0" u="none" strike="noStrike" cap="none">
           <a:solidFill>
             <a:srgbClr val="000000"/>
           </a:solidFill>
@@ -7685,7 +7972,7 @@
           <a:sym typeface="Arial"/>
         </a:defRPr>
       </a:lvl3pPr>
-      <a:lvl4pPr lvl="3" marR="0" rtl="0" algn="l">
+      <a:lvl4pPr marR="0" lvl="3" algn="l" rtl="0">
         <a:lnSpc>
           <a:spcPct val="100000"/>
         </a:lnSpc>
@@ -7699,7 +7986,7 @@
           <a:srgbClr val="000000"/>
         </a:buClr>
         <a:buFont typeface="Arial"/>
-        <a:defRPr b="0" i="0" sz="1400" u="none" cap="none" strike="noStrike">
+        <a:defRPr sz="1400" b="0" i="0" u="none" strike="noStrike" cap="none">
           <a:solidFill>
             <a:srgbClr val="000000"/>
           </a:solidFill>
@@ -7709,7 +7996,7 @@
           <a:sym typeface="Arial"/>
         </a:defRPr>
       </a:lvl4pPr>
-      <a:lvl5pPr lvl="4" marR="0" rtl="0" algn="l">
+      <a:lvl5pPr marR="0" lvl="4" algn="l" rtl="0">
         <a:lnSpc>
           <a:spcPct val="100000"/>
         </a:lnSpc>
@@ -7723,7 +8010,7 @@
           <a:srgbClr val="000000"/>
         </a:buClr>
         <a:buFont typeface="Arial"/>
-        <a:defRPr b="0" i="0" sz="1400" u="none" cap="none" strike="noStrike">
+        <a:defRPr sz="1400" b="0" i="0" u="none" strike="noStrike" cap="none">
           <a:solidFill>
             <a:srgbClr val="000000"/>
           </a:solidFill>
@@ -7733,7 +8020,7 @@
           <a:sym typeface="Arial"/>
         </a:defRPr>
       </a:lvl5pPr>
-      <a:lvl6pPr lvl="5" marR="0" rtl="0" algn="l">
+      <a:lvl6pPr marR="0" lvl="5" algn="l" rtl="0">
         <a:lnSpc>
           <a:spcPct val="100000"/>
         </a:lnSpc>
@@ -7747,7 +8034,7 @@
           <a:srgbClr val="000000"/>
         </a:buClr>
         <a:buFont typeface="Arial"/>
-        <a:defRPr b="0" i="0" sz="1400" u="none" cap="none" strike="noStrike">
+        <a:defRPr sz="1400" b="0" i="0" u="none" strike="noStrike" cap="none">
           <a:solidFill>
             <a:srgbClr val="000000"/>
           </a:solidFill>
@@ -7757,7 +8044,7 @@
           <a:sym typeface="Arial"/>
         </a:defRPr>
       </a:lvl6pPr>
-      <a:lvl7pPr lvl="6" marR="0" rtl="0" algn="l">
+      <a:lvl7pPr marR="0" lvl="6" algn="l" rtl="0">
         <a:lnSpc>
           <a:spcPct val="100000"/>
         </a:lnSpc>
@@ -7771,7 +8058,7 @@
           <a:srgbClr val="000000"/>
         </a:buClr>
         <a:buFont typeface="Arial"/>
-        <a:defRPr b="0" i="0" sz="1400" u="none" cap="none" strike="noStrike">
+        <a:defRPr sz="1400" b="0" i="0" u="none" strike="noStrike" cap="none">
           <a:solidFill>
             <a:srgbClr val="000000"/>
           </a:solidFill>
@@ -7781,7 +8068,7 @@
           <a:sym typeface="Arial"/>
         </a:defRPr>
       </a:lvl7pPr>
-      <a:lvl8pPr lvl="7" marR="0" rtl="0" algn="l">
+      <a:lvl8pPr marR="0" lvl="7" algn="l" rtl="0">
         <a:lnSpc>
           <a:spcPct val="100000"/>
         </a:lnSpc>
@@ -7795,7 +8082,7 @@
           <a:srgbClr val="000000"/>
         </a:buClr>
         <a:buFont typeface="Arial"/>
-        <a:defRPr b="0" i="0" sz="1400" u="none" cap="none" strike="noStrike">
+        <a:defRPr sz="1400" b="0" i="0" u="none" strike="noStrike" cap="none">
           <a:solidFill>
             <a:srgbClr val="000000"/>
           </a:solidFill>
@@ -7805,7 +8092,7 @@
           <a:sym typeface="Arial"/>
         </a:defRPr>
       </a:lvl8pPr>
-      <a:lvl9pPr lvl="8" marR="0" rtl="0" algn="l">
+      <a:lvl9pPr marR="0" lvl="8" algn="l" rtl="0">
         <a:lnSpc>
           <a:spcPct val="100000"/>
         </a:lnSpc>
@@ -7819,7 +8106,7 @@
           <a:srgbClr val="000000"/>
         </a:buClr>
         <a:buFont typeface="Arial"/>
-        <a:defRPr b="0" i="0" sz="1400" u="none" cap="none" strike="noStrike">
+        <a:defRPr sz="1400" b="0" i="0" u="none" strike="noStrike" cap="none">
           <a:solidFill>
             <a:srgbClr val="000000"/>
           </a:solidFill>
@@ -7835,11 +8122,11 @@
 </file>
 
 <file path=ppt/slides/slide1.xml><?xml version="1.0" encoding="utf-8"?>
-<p:sld xmlns:a="http://schemas.openxmlformats.org/drawingml/2006/main" xmlns:r="http://schemas.openxmlformats.org/officeDocument/2006/relationships" xmlns:mc="http://schemas.openxmlformats.org/markup-compatibility/2006" xmlns:mv="urn:schemas-microsoft-com:mac:vml" xmlns:p="http://schemas.openxmlformats.org/presentationml/2006/main" xmlns:c="http://schemas.openxmlformats.org/drawingml/2006/chart" xmlns:dgm="http://schemas.openxmlformats.org/drawingml/2006/diagram" xmlns:o="urn:schemas-microsoft-com:office:office" xmlns:v="urn:schemas-microsoft-com:vml" xmlns:pvml="urn:schemas-microsoft-com:office:powerpoint" xmlns:com="http://schemas.openxmlformats.org/drawingml/2006/compatibility" xmlns:p14="http://schemas.microsoft.com/office/powerpoint/2010/main" xmlns:p15="http://schemas.microsoft.com/office/powerpoint/2012/main" xmlns:ahyp="http://schemas.microsoft.com/office/drawing/2018/hyperlinkcolor">
+<p:sld xmlns:a="http://schemas.openxmlformats.org/drawingml/2006/main" xmlns:r="http://schemas.openxmlformats.org/officeDocument/2006/relationships" xmlns:p="http://schemas.openxmlformats.org/presentationml/2006/main">
   <p:cSld>
     <p:spTree>
       <p:nvGrpSpPr>
-        <p:cNvPr id="53" name="Shape 53"/>
+        <p:cNvPr id="1" name="Shape 53"/>
         <p:cNvGrpSpPr/>
         <p:nvPr/>
       </p:nvGrpSpPr>
@@ -7854,7 +8141,9 @@
       <p:sp>
         <p:nvSpPr>
           <p:cNvPr id="54" name="Google Shape;54;p13"/>
-          <p:cNvSpPr txBox="1"/>
+          <p:cNvSpPr txBox="1">
+            <a:spLocks noGrp="1"/>
+          </p:cNvSpPr>
           <p:nvPr>
             <p:ph type="ctrTitle"/>
           </p:nvPr>
@@ -7869,12 +8158,12 @@
           </a:prstGeom>
         </p:spPr>
         <p:txBody>
-          <a:bodyPr anchorCtr="0" anchor="b" bIns="91425" lIns="91425" spcFirstLastPara="1" rIns="91425" wrap="square" tIns="91425">
+          <a:bodyPr spcFirstLastPara="1" wrap="square" lIns="91425" tIns="91425" rIns="91425" bIns="91425" anchor="b" anchorCtr="0">
             <a:normAutofit/>
           </a:bodyPr>
           <a:lstStyle/>
           <a:p>
-            <a:pPr indent="0" lvl="0" marL="0" rtl="0" algn="ctr">
+            <a:pPr marL="0" lvl="0" indent="0" algn="ctr" rtl="0">
               <a:spcBef>
                 <a:spcPts val="0"/>
               </a:spcBef>
@@ -7894,9 +8183,11 @@
       <p:sp>
         <p:nvSpPr>
           <p:cNvPr id="55" name="Google Shape;55;p13"/>
-          <p:cNvSpPr txBox="1"/>
+          <p:cNvSpPr txBox="1">
+            <a:spLocks noGrp="1"/>
+          </p:cNvSpPr>
           <p:nvPr>
-            <p:ph idx="1" type="subTitle"/>
+            <p:ph type="subTitle" idx="1"/>
           </p:nvPr>
         </p:nvSpPr>
         <p:spPr>
@@ -7909,12 +8200,12 @@
           </a:prstGeom>
         </p:spPr>
         <p:txBody>
-          <a:bodyPr anchorCtr="0" anchor="t" bIns="91425" lIns="91425" spcFirstLastPara="1" rIns="91425" wrap="square" tIns="91425">
+          <a:bodyPr spcFirstLastPara="1" wrap="square" lIns="91425" tIns="91425" rIns="91425" bIns="91425" anchor="t" anchorCtr="0">
             <a:normAutofit/>
           </a:bodyPr>
           <a:lstStyle/>
           <a:p>
-            <a:pPr indent="0" lvl="0" marL="0" rtl="0" algn="ctr">
+            <a:pPr marL="0" lvl="0" indent="0" algn="ctr" rtl="0">
               <a:spcBef>
                 <a:spcPts val="0"/>
               </a:spcBef>
@@ -7940,11 +8231,11 @@
 </file>
 
 <file path=ppt/slides/slide10.xml><?xml version="1.0" encoding="utf-8"?>
-<p:sld xmlns:a="http://schemas.openxmlformats.org/drawingml/2006/main" xmlns:r="http://schemas.openxmlformats.org/officeDocument/2006/relationships" xmlns:mc="http://schemas.openxmlformats.org/markup-compatibility/2006" xmlns:mv="urn:schemas-microsoft-com:mac:vml" xmlns:p="http://schemas.openxmlformats.org/presentationml/2006/main" xmlns:c="http://schemas.openxmlformats.org/drawingml/2006/chart" xmlns:dgm="http://schemas.openxmlformats.org/drawingml/2006/diagram" xmlns:o="urn:schemas-microsoft-com:office:office" xmlns:v="urn:schemas-microsoft-com:vml" xmlns:pvml="urn:schemas-microsoft-com:office:powerpoint" xmlns:com="http://schemas.openxmlformats.org/drawingml/2006/compatibility" xmlns:p14="http://schemas.microsoft.com/office/powerpoint/2010/main" xmlns:p15="http://schemas.microsoft.com/office/powerpoint/2012/main" xmlns:ahyp="http://schemas.microsoft.com/office/drawing/2018/hyperlinkcolor">
+<p:sld xmlns:a="http://schemas.openxmlformats.org/drawingml/2006/main" xmlns:r="http://schemas.openxmlformats.org/officeDocument/2006/relationships" xmlns:p="http://schemas.openxmlformats.org/presentationml/2006/main">
   <p:cSld>
     <p:spTree>
       <p:nvGrpSpPr>
-        <p:cNvPr id="107" name="Shape 107"/>
+        <p:cNvPr id="1" name="Shape 107"/>
         <p:cNvGrpSpPr/>
         <p:nvPr/>
       </p:nvGrpSpPr>
@@ -7959,7 +8250,9 @@
       <p:sp>
         <p:nvSpPr>
           <p:cNvPr id="108" name="Google Shape;108;p22"/>
-          <p:cNvSpPr txBox="1"/>
+          <p:cNvSpPr txBox="1">
+            <a:spLocks noGrp="1"/>
+          </p:cNvSpPr>
           <p:nvPr>
             <p:ph type="title"/>
           </p:nvPr>
@@ -7974,12 +8267,12 @@
           </a:prstGeom>
         </p:spPr>
         <p:txBody>
-          <a:bodyPr anchorCtr="0" anchor="t" bIns="91425" lIns="91425" spcFirstLastPara="1" rIns="91425" wrap="square" tIns="91425">
+          <a:bodyPr spcFirstLastPara="1" wrap="square" lIns="91425" tIns="91425" rIns="91425" bIns="91425" anchor="t" anchorCtr="0">
             <a:normAutofit fontScale="90000"/>
           </a:bodyPr>
           <a:lstStyle/>
           <a:p>
-            <a:pPr indent="0" lvl="0" marL="0" rtl="0" algn="l">
+            <a:pPr marL="0" lvl="0" indent="0" algn="l" rtl="0">
               <a:spcBef>
                 <a:spcPts val="0"/>
               </a:spcBef>
@@ -8033,11 +8326,11 @@
 </file>
 
 <file path=ppt/slides/slide11.xml><?xml version="1.0" encoding="utf-8"?>
-<p:sld xmlns:a="http://schemas.openxmlformats.org/drawingml/2006/main" xmlns:r="http://schemas.openxmlformats.org/officeDocument/2006/relationships" xmlns:mc="http://schemas.openxmlformats.org/markup-compatibility/2006" xmlns:mv="urn:schemas-microsoft-com:mac:vml" xmlns:p="http://schemas.openxmlformats.org/presentationml/2006/main" xmlns:c="http://schemas.openxmlformats.org/drawingml/2006/chart" xmlns:dgm="http://schemas.openxmlformats.org/drawingml/2006/diagram" xmlns:o="urn:schemas-microsoft-com:office:office" xmlns:v="urn:schemas-microsoft-com:vml" xmlns:pvml="urn:schemas-microsoft-com:office:powerpoint" xmlns:com="http://schemas.openxmlformats.org/drawingml/2006/compatibility" xmlns:p14="http://schemas.microsoft.com/office/powerpoint/2010/main" xmlns:p15="http://schemas.microsoft.com/office/powerpoint/2012/main" xmlns:ahyp="http://schemas.microsoft.com/office/drawing/2018/hyperlinkcolor">
+<p:sld xmlns:a="http://schemas.openxmlformats.org/drawingml/2006/main" xmlns:r="http://schemas.openxmlformats.org/officeDocument/2006/relationships" xmlns:p="http://schemas.openxmlformats.org/presentationml/2006/main">
   <p:cSld>
     <p:spTree>
       <p:nvGrpSpPr>
-        <p:cNvPr id="113" name="Shape 113"/>
+        <p:cNvPr id="1" name="Shape 113"/>
         <p:cNvGrpSpPr/>
         <p:nvPr/>
       </p:nvGrpSpPr>
@@ -8052,7 +8345,9 @@
       <p:sp>
         <p:nvSpPr>
           <p:cNvPr id="114" name="Google Shape;114;p23"/>
-          <p:cNvSpPr txBox="1"/>
+          <p:cNvSpPr txBox="1">
+            <a:spLocks noGrp="1"/>
+          </p:cNvSpPr>
           <p:nvPr>
             <p:ph type="title"/>
           </p:nvPr>
@@ -8067,12 +8362,12 @@
           </a:prstGeom>
         </p:spPr>
         <p:txBody>
-          <a:bodyPr anchorCtr="0" anchor="t" bIns="91425" lIns="91425" spcFirstLastPara="1" rIns="91425" wrap="square" tIns="91425">
+          <a:bodyPr spcFirstLastPara="1" wrap="square" lIns="91425" tIns="91425" rIns="91425" bIns="91425" anchor="t" anchorCtr="0">
             <a:normAutofit fontScale="90000"/>
           </a:bodyPr>
           <a:lstStyle/>
           <a:p>
-            <a:pPr indent="0" lvl="0" marL="0" rtl="0" algn="l">
+            <a:pPr marL="0" lvl="0" indent="0" algn="l" rtl="0">
               <a:spcBef>
                 <a:spcPts val="0"/>
               </a:spcBef>
@@ -8092,9 +8387,11 @@
       <p:sp>
         <p:nvSpPr>
           <p:cNvPr id="115" name="Google Shape;115;p23"/>
-          <p:cNvSpPr txBox="1"/>
+          <p:cNvSpPr txBox="1">
+            <a:spLocks noGrp="1"/>
+          </p:cNvSpPr>
           <p:nvPr>
-            <p:ph idx="1" type="body"/>
+            <p:ph type="body" idx="1"/>
           </p:nvPr>
         </p:nvSpPr>
         <p:spPr>
@@ -8107,12 +8404,12 @@
           </a:prstGeom>
         </p:spPr>
         <p:txBody>
-          <a:bodyPr anchorCtr="0" anchor="t" bIns="91425" lIns="91425" spcFirstLastPara="1" rIns="91425" wrap="square" tIns="91425">
+          <a:bodyPr spcFirstLastPara="1" wrap="square" lIns="91425" tIns="91425" rIns="91425" bIns="91425" anchor="t" anchorCtr="0">
             <a:normAutofit/>
           </a:bodyPr>
           <a:lstStyle/>
           <a:p>
-            <a:pPr indent="-342900" lvl="0" marL="457200" rtl="0" algn="l">
+            <a:pPr marL="457200" lvl="0" indent="-342900" algn="l" rtl="0">
               <a:spcBef>
                 <a:spcPts val="0"/>
               </a:spcBef>
@@ -8123,13 +8420,13 @@
               <a:buChar char="●"/>
             </a:pPr>
             <a:r>
-              <a:rPr lang="en"/>
-              <a:t>Supports up to 5.1 channels</a:t>
+              <a:rPr lang="en" dirty="0"/>
+              <a:t>Supports up to 5.1 channels.</a:t>
             </a:r>
-            <a:endParaRPr/>
-          </a:p>
-          <a:p>
-            <a:pPr indent="-342900" lvl="0" marL="457200" rtl="0" algn="l">
+            <a:endParaRPr dirty="0"/>
+          </a:p>
+          <a:p>
+            <a:pPr marL="457200" lvl="0" indent="-342900" algn="l" rtl="0">
               <a:spcBef>
                 <a:spcPts val="0"/>
               </a:spcBef>
@@ -8140,21 +8437,21 @@
               <a:buChar char="●"/>
             </a:pPr>
             <a:r>
-              <a:rPr lang="en"/>
-              <a:t>AAC follows the same basic coding paradigm as Layer-3 (high frequency resolution filterbank, non-uniform quantization, Huffman coding, iteration loop structure using analysis-by-synthesis), but improves on Layer-3 in a lot of details and uses new coding tools for improved quality at low </a:t>
+              <a:rPr lang="en" dirty="0"/>
+              <a:t>AAC follows the same basic coding paradigm as Layer-3 (high frequency resolution </a:t>
             </a:r>
             <a:r>
-              <a:rPr lang="en"/>
-              <a:t>bitrates</a:t>
+              <a:rPr lang="en" dirty="0" err="1"/>
+              <a:t>filterbank</a:t>
             </a:r>
             <a:r>
-              <a:rPr lang="en"/>
-              <a:t>.</a:t>
+              <a:rPr lang="en" dirty="0"/>
+              <a:t>, non-uniform quantization, Huffman coding, iteration loop structure using analysis-by-synthesis), but improves on Layer-3 in a lot of details and uses new coding tools for improved quality at low bitrates.</a:t>
             </a:r>
-            <a:endParaRPr/>
-          </a:p>
-          <a:p>
-            <a:pPr indent="-317500" lvl="1" marL="914400" rtl="0" algn="l">
+            <a:endParaRPr dirty="0"/>
+          </a:p>
+          <a:p>
+            <a:pPr marL="914400" lvl="1" indent="-317500" algn="l" rtl="0">
               <a:spcBef>
                 <a:spcPts val="0"/>
               </a:spcBef>
@@ -8165,13 +8462,13 @@
               <a:buChar char="○"/>
             </a:pPr>
             <a:r>
-              <a:rPr lang="en"/>
+              <a:rPr lang="en" dirty="0"/>
               <a:t>Higher frequency resolution (1024 frequency lines)</a:t>
             </a:r>
-            <a:endParaRPr/>
-          </a:p>
-          <a:p>
-            <a:pPr indent="-317500" lvl="1" marL="914400" rtl="0" algn="l">
+            <a:endParaRPr dirty="0"/>
+          </a:p>
+          <a:p>
+            <a:pPr marL="914400" lvl="1" indent="-317500" algn="l" rtl="0">
               <a:spcBef>
                 <a:spcPts val="0"/>
               </a:spcBef>
@@ -8182,13 +8479,13 @@
               <a:buChar char="○"/>
             </a:pPr>
             <a:r>
-              <a:rPr lang="en"/>
+              <a:rPr lang="en" dirty="0"/>
               <a:t>Improved joint stereo coding</a:t>
             </a:r>
-            <a:endParaRPr/>
-          </a:p>
-          <a:p>
-            <a:pPr indent="-317500" lvl="1" marL="914400" rtl="0" algn="l">
+            <a:endParaRPr dirty="0"/>
+          </a:p>
+          <a:p>
+            <a:pPr marL="914400" lvl="1" indent="-317500" algn="l" rtl="0">
               <a:spcBef>
                 <a:spcPts val="0"/>
               </a:spcBef>
@@ -8199,13 +8496,13 @@
               <a:buChar char="○"/>
             </a:pPr>
             <a:r>
-              <a:rPr lang="en"/>
+              <a:rPr lang="en" dirty="0"/>
               <a:t>Improved Huffman coding</a:t>
             </a:r>
-            <a:endParaRPr/>
-          </a:p>
-          <a:p>
-            <a:pPr indent="-317500" lvl="1" marL="914400" rtl="0" algn="l">
+            <a:endParaRPr dirty="0"/>
+          </a:p>
+          <a:p>
+            <a:pPr marL="914400" lvl="1" indent="-317500" algn="l" rtl="0">
               <a:spcBef>
                 <a:spcPts val="0"/>
               </a:spcBef>
@@ -8216,13 +8513,13 @@
               <a:buChar char="○"/>
             </a:pPr>
             <a:r>
-              <a:rPr lang="en"/>
+              <a:rPr lang="en" dirty="0"/>
               <a:t>Enhanced block switching</a:t>
             </a:r>
-            <a:endParaRPr/>
-          </a:p>
-          <a:p>
-            <a:pPr indent="-317500" lvl="1" marL="914400" rtl="0" algn="l">
+            <a:endParaRPr dirty="0"/>
+          </a:p>
+          <a:p>
+            <a:pPr marL="914400" lvl="1" indent="-317500" algn="l" rtl="0">
               <a:spcBef>
                 <a:spcPts val="0"/>
               </a:spcBef>
@@ -8233,13 +8530,13 @@
               <a:buChar char="○"/>
             </a:pPr>
             <a:r>
-              <a:rPr lang="en"/>
+              <a:rPr lang="en" dirty="0"/>
               <a:t>…</a:t>
             </a:r>
-            <a:endParaRPr/>
-          </a:p>
-          <a:p>
-            <a:pPr indent="0" lvl="0" marL="0" rtl="0" algn="l">
+            <a:endParaRPr dirty="0"/>
+          </a:p>
+          <a:p>
+            <a:pPr marL="0" lvl="0" indent="0" algn="l" rtl="0">
               <a:spcBef>
                 <a:spcPts val="1200"/>
               </a:spcBef>
@@ -8248,10 +8545,7 @@
               </a:spcAft>
               <a:buNone/>
             </a:pPr>
-            <a:r>
-              <a:t/>
-            </a:r>
-            <a:endParaRPr/>
+            <a:endParaRPr dirty="0"/>
           </a:p>
         </p:txBody>
       </p:sp>
@@ -8264,11 +8558,11 @@
 </file>
 
 <file path=ppt/slides/slide12.xml><?xml version="1.0" encoding="utf-8"?>
-<p:sld xmlns:a="http://schemas.openxmlformats.org/drawingml/2006/main" xmlns:r="http://schemas.openxmlformats.org/officeDocument/2006/relationships" xmlns:mc="http://schemas.openxmlformats.org/markup-compatibility/2006" xmlns:mv="urn:schemas-microsoft-com:mac:vml" xmlns:p="http://schemas.openxmlformats.org/presentationml/2006/main" xmlns:c="http://schemas.openxmlformats.org/drawingml/2006/chart" xmlns:dgm="http://schemas.openxmlformats.org/drawingml/2006/diagram" xmlns:o="urn:schemas-microsoft-com:office:office" xmlns:v="urn:schemas-microsoft-com:vml" xmlns:pvml="urn:schemas-microsoft-com:office:powerpoint" xmlns:com="http://schemas.openxmlformats.org/drawingml/2006/compatibility" xmlns:p14="http://schemas.microsoft.com/office/powerpoint/2010/main" xmlns:p15="http://schemas.microsoft.com/office/powerpoint/2012/main" xmlns:ahyp="http://schemas.microsoft.com/office/drawing/2018/hyperlinkcolor">
+<p:sld xmlns:a="http://schemas.openxmlformats.org/drawingml/2006/main" xmlns:r="http://schemas.openxmlformats.org/officeDocument/2006/relationships" xmlns:p="http://schemas.openxmlformats.org/presentationml/2006/main">
   <p:cSld>
     <p:spTree>
       <p:nvGrpSpPr>
-        <p:cNvPr id="119" name="Shape 119"/>
+        <p:cNvPr id="1" name="Shape 119"/>
         <p:cNvGrpSpPr/>
         <p:nvPr/>
       </p:nvGrpSpPr>
@@ -8283,7 +8577,9 @@
       <p:sp>
         <p:nvSpPr>
           <p:cNvPr id="120" name="Google Shape;120;p24"/>
-          <p:cNvSpPr txBox="1"/>
+          <p:cNvSpPr txBox="1">
+            <a:spLocks noGrp="1"/>
+          </p:cNvSpPr>
           <p:nvPr>
             <p:ph type="title"/>
           </p:nvPr>
@@ -8298,12 +8594,12 @@
           </a:prstGeom>
         </p:spPr>
         <p:txBody>
-          <a:bodyPr anchorCtr="0" anchor="t" bIns="91425" lIns="91425" spcFirstLastPara="1" rIns="91425" wrap="square" tIns="91425">
+          <a:bodyPr spcFirstLastPara="1" wrap="square" lIns="91425" tIns="91425" rIns="91425" bIns="91425" anchor="t" anchorCtr="0">
             <a:normAutofit fontScale="90000"/>
           </a:bodyPr>
           <a:lstStyle/>
           <a:p>
-            <a:pPr indent="0" lvl="0" marL="0" rtl="0" algn="l">
+            <a:pPr marL="0" lvl="0" indent="0" algn="l" rtl="0">
               <a:spcBef>
                 <a:spcPts val="0"/>
               </a:spcBef>
@@ -8357,11 +8653,11 @@
 </file>
 
 <file path=ppt/slides/slide13.xml><?xml version="1.0" encoding="utf-8"?>
-<p:sld xmlns:a="http://schemas.openxmlformats.org/drawingml/2006/main" xmlns:r="http://schemas.openxmlformats.org/officeDocument/2006/relationships" xmlns:mc="http://schemas.openxmlformats.org/markup-compatibility/2006" xmlns:mv="urn:schemas-microsoft-com:mac:vml" xmlns:p="http://schemas.openxmlformats.org/presentationml/2006/main" xmlns:c="http://schemas.openxmlformats.org/drawingml/2006/chart" xmlns:dgm="http://schemas.openxmlformats.org/drawingml/2006/diagram" xmlns:o="urn:schemas-microsoft-com:office:office" xmlns:v="urn:schemas-microsoft-com:vml" xmlns:pvml="urn:schemas-microsoft-com:office:powerpoint" xmlns:com="http://schemas.openxmlformats.org/drawingml/2006/compatibility" xmlns:p14="http://schemas.microsoft.com/office/powerpoint/2010/main" xmlns:p15="http://schemas.microsoft.com/office/powerpoint/2012/main" xmlns:ahyp="http://schemas.microsoft.com/office/drawing/2018/hyperlinkcolor">
+<p:sld xmlns:a="http://schemas.openxmlformats.org/drawingml/2006/main" xmlns:r="http://schemas.openxmlformats.org/officeDocument/2006/relationships" xmlns:p="http://schemas.openxmlformats.org/presentationml/2006/main">
   <p:cSld>
     <p:spTree>
       <p:nvGrpSpPr>
-        <p:cNvPr id="125" name="Shape 125"/>
+        <p:cNvPr id="1" name="Shape 125"/>
         <p:cNvGrpSpPr/>
         <p:nvPr/>
       </p:nvGrpSpPr>
@@ -8376,7 +8672,9 @@
       <p:sp>
         <p:nvSpPr>
           <p:cNvPr id="126" name="Google Shape;126;p25"/>
-          <p:cNvSpPr txBox="1"/>
+          <p:cNvSpPr txBox="1">
+            <a:spLocks noGrp="1"/>
+          </p:cNvSpPr>
           <p:nvPr>
             <p:ph type="title"/>
           </p:nvPr>
@@ -8391,12 +8689,12 @@
           </a:prstGeom>
         </p:spPr>
         <p:txBody>
-          <a:bodyPr anchorCtr="0" anchor="t" bIns="91425" lIns="91425" spcFirstLastPara="1" rIns="91425" wrap="square" tIns="91425">
+          <a:bodyPr spcFirstLastPara="1" wrap="square" lIns="91425" tIns="91425" rIns="91425" bIns="91425" anchor="t" anchorCtr="0">
             <a:normAutofit fontScale="90000"/>
           </a:bodyPr>
           <a:lstStyle/>
           <a:p>
-            <a:pPr indent="0" lvl="0" marL="0" rtl="0" algn="l">
+            <a:pPr marL="0" lvl="0" indent="0" algn="l" rtl="0">
               <a:spcBef>
                 <a:spcPts val="0"/>
               </a:spcBef>
@@ -8405,9 +8703,6 @@
               </a:spcAft>
               <a:buNone/>
             </a:pPr>
-            <a:r>
-              <a:t/>
-            </a:r>
             <a:endParaRPr/>
           </a:p>
         </p:txBody>
@@ -8415,9 +8710,11 @@
       <p:sp>
         <p:nvSpPr>
           <p:cNvPr id="127" name="Google Shape;127;p25"/>
-          <p:cNvSpPr txBox="1"/>
+          <p:cNvSpPr txBox="1">
+            <a:spLocks noGrp="1"/>
+          </p:cNvSpPr>
           <p:nvPr>
-            <p:ph idx="1" type="body"/>
+            <p:ph type="body" idx="1"/>
           </p:nvPr>
         </p:nvSpPr>
         <p:spPr>
@@ -8430,12 +8727,12 @@
           </a:prstGeom>
         </p:spPr>
         <p:txBody>
-          <a:bodyPr anchorCtr="0" anchor="t" bIns="91425" lIns="91425" spcFirstLastPara="1" rIns="91425" wrap="square" tIns="91425">
+          <a:bodyPr spcFirstLastPara="1" wrap="square" lIns="91425" tIns="91425" rIns="91425" bIns="91425" anchor="t" anchorCtr="0">
             <a:normAutofit/>
           </a:bodyPr>
           <a:lstStyle/>
           <a:p>
-            <a:pPr indent="-342900" lvl="0" marL="457200" rtl="0" algn="l">
+            <a:pPr marL="457200" lvl="0" indent="-342900" algn="l" rtl="0">
               <a:spcBef>
                 <a:spcPts val="0"/>
               </a:spcBef>
@@ -8452,7 +8749,7 @@
             <a:endParaRPr/>
           </a:p>
           <a:p>
-            <a:pPr indent="-342900" lvl="0" marL="457200" rtl="0" algn="l">
+            <a:pPr marL="457200" lvl="0" indent="-342900" algn="l" rtl="0">
               <a:spcBef>
                 <a:spcPts val="0"/>
               </a:spcBef>
@@ -8469,7 +8766,7 @@
             <a:endParaRPr/>
           </a:p>
           <a:p>
-            <a:pPr indent="-342900" lvl="0" marL="457200" rtl="0" algn="l">
+            <a:pPr marL="457200" lvl="0" indent="-342900" algn="l" rtl="0">
               <a:spcBef>
                 <a:spcPts val="0"/>
               </a:spcBef>
@@ -8486,7 +8783,7 @@
             <a:endParaRPr/>
           </a:p>
           <a:p>
-            <a:pPr indent="-342900" lvl="0" marL="457200" rtl="0" algn="l">
+            <a:pPr marL="457200" lvl="0" indent="-342900" algn="l" rtl="0">
               <a:spcBef>
                 <a:spcPts val="0"/>
               </a:spcBef>
@@ -8513,11 +8810,11 @@
 </file>
 
 <file path=ppt/slides/slide14.xml><?xml version="1.0" encoding="utf-8"?>
-<p:sld xmlns:a="http://schemas.openxmlformats.org/drawingml/2006/main" xmlns:r="http://schemas.openxmlformats.org/officeDocument/2006/relationships" xmlns:mc="http://schemas.openxmlformats.org/markup-compatibility/2006" xmlns:mv="urn:schemas-microsoft-com:mac:vml" xmlns:p="http://schemas.openxmlformats.org/presentationml/2006/main" xmlns:c="http://schemas.openxmlformats.org/drawingml/2006/chart" xmlns:dgm="http://schemas.openxmlformats.org/drawingml/2006/diagram" xmlns:o="urn:schemas-microsoft-com:office:office" xmlns:v="urn:schemas-microsoft-com:vml" xmlns:pvml="urn:schemas-microsoft-com:office:powerpoint" xmlns:com="http://schemas.openxmlformats.org/drawingml/2006/compatibility" xmlns:p14="http://schemas.microsoft.com/office/powerpoint/2010/main" xmlns:p15="http://schemas.microsoft.com/office/powerpoint/2012/main" xmlns:ahyp="http://schemas.microsoft.com/office/drawing/2018/hyperlinkcolor">
+<p:sld xmlns:a="http://schemas.openxmlformats.org/drawingml/2006/main" xmlns:r="http://schemas.openxmlformats.org/officeDocument/2006/relationships" xmlns:p="http://schemas.openxmlformats.org/presentationml/2006/main">
   <p:cSld>
     <p:spTree>
       <p:nvGrpSpPr>
-        <p:cNvPr id="131" name="Shape 131"/>
+        <p:cNvPr id="1" name="Shape 131"/>
         <p:cNvGrpSpPr/>
         <p:nvPr/>
       </p:nvGrpSpPr>
@@ -8532,7 +8829,9 @@
       <p:sp>
         <p:nvSpPr>
           <p:cNvPr id="132" name="Google Shape;132;p26"/>
-          <p:cNvSpPr txBox="1"/>
+          <p:cNvSpPr txBox="1">
+            <a:spLocks noGrp="1"/>
+          </p:cNvSpPr>
           <p:nvPr>
             <p:ph type="title"/>
           </p:nvPr>
@@ -8547,12 +8846,12 @@
           </a:prstGeom>
         </p:spPr>
         <p:txBody>
-          <a:bodyPr anchorCtr="0" anchor="t" bIns="91425" lIns="91425" spcFirstLastPara="1" rIns="91425" wrap="square" tIns="91425">
+          <a:bodyPr spcFirstLastPara="1" wrap="square" lIns="91425" tIns="91425" rIns="91425" bIns="91425" anchor="t" anchorCtr="0">
             <a:normAutofit fontScale="90000"/>
           </a:bodyPr>
           <a:lstStyle/>
           <a:p>
-            <a:pPr indent="0" lvl="0" marL="0" rtl="0" algn="l">
+            <a:pPr marL="0" lvl="0" indent="0" algn="l" rtl="0">
               <a:spcBef>
                 <a:spcPts val="0"/>
               </a:spcBef>
@@ -8572,9 +8871,11 @@
       <p:sp>
         <p:nvSpPr>
           <p:cNvPr id="133" name="Google Shape;133;p26"/>
-          <p:cNvSpPr txBox="1"/>
+          <p:cNvSpPr txBox="1">
+            <a:spLocks noGrp="1"/>
+          </p:cNvSpPr>
           <p:nvPr>
-            <p:ph idx="1" type="body"/>
+            <p:ph type="body" idx="1"/>
           </p:nvPr>
         </p:nvSpPr>
         <p:spPr>
@@ -8587,12 +8888,12 @@
           </a:prstGeom>
         </p:spPr>
         <p:txBody>
-          <a:bodyPr anchorCtr="0" anchor="t" bIns="91425" lIns="91425" spcFirstLastPara="1" rIns="91425" wrap="square" tIns="91425">
+          <a:bodyPr spcFirstLastPara="1" wrap="square" lIns="91425" tIns="91425" rIns="91425" bIns="91425" anchor="t" anchorCtr="0">
             <a:normAutofit/>
           </a:bodyPr>
           <a:lstStyle/>
           <a:p>
-            <a:pPr indent="-342900" lvl="0" marL="457200" rtl="0" algn="l">
+            <a:pPr marL="457200" lvl="0" indent="-342900" algn="l" rtl="0">
               <a:spcBef>
                 <a:spcPts val="0"/>
               </a:spcBef>
@@ -8603,13 +8904,13 @@
               <a:buChar char="●"/>
             </a:pPr>
             <a:r>
-              <a:rPr lang="en"/>
-              <a:t>Extensive scalability and object-based representations</a:t>
+              <a:rPr lang="en" dirty="0"/>
+              <a:t>Extensive scalability and object-based representations.</a:t>
             </a:r>
-            <a:endParaRPr/>
-          </a:p>
-          <a:p>
-            <a:pPr indent="-342900" lvl="0" marL="457200" rtl="0" algn="l">
+            <a:endParaRPr dirty="0"/>
+          </a:p>
+          <a:p>
+            <a:pPr marL="457200" lvl="0" indent="-342900" algn="l" rtl="0">
               <a:spcBef>
                 <a:spcPts val="0"/>
               </a:spcBef>
@@ -8620,13 +8921,13 @@
               <a:buChar char="●"/>
             </a:pPr>
             <a:r>
-              <a:rPr lang="en"/>
-              <a:t>Variety of applications </a:t>
+              <a:rPr lang="en" dirty="0"/>
+              <a:t>Variety of applications.</a:t>
             </a:r>
-            <a:endParaRPr/>
-          </a:p>
-          <a:p>
-            <a:pPr indent="-317500" lvl="1" marL="914400" rtl="0" algn="l">
+            <a:endParaRPr dirty="0"/>
+          </a:p>
+          <a:p>
+            <a:pPr marL="914400" lvl="1" indent="-317500" algn="l" rtl="0">
               <a:spcBef>
                 <a:spcPts val="0"/>
               </a:spcBef>
@@ -8637,13 +8938,13 @@
               <a:buChar char="○"/>
             </a:pPr>
             <a:r>
-              <a:rPr lang="en"/>
+              <a:rPr lang="en" dirty="0"/>
               <a:t>General audio signals</a:t>
             </a:r>
-            <a:endParaRPr/>
-          </a:p>
-          <a:p>
-            <a:pPr indent="-317500" lvl="1" marL="914400" rtl="0" algn="l">
+            <a:endParaRPr dirty="0"/>
+          </a:p>
+          <a:p>
+            <a:pPr marL="914400" lvl="1" indent="-317500" algn="l" rtl="0">
               <a:spcBef>
                 <a:spcPts val="0"/>
               </a:spcBef>
@@ -8654,13 +8955,13 @@
               <a:buChar char="○"/>
             </a:pPr>
             <a:r>
-              <a:rPr lang="en"/>
+              <a:rPr lang="en" dirty="0"/>
               <a:t>Speech signals</a:t>
             </a:r>
-            <a:endParaRPr/>
-          </a:p>
-          <a:p>
-            <a:pPr indent="-317500" lvl="1" marL="914400" rtl="0" algn="l">
+            <a:endParaRPr dirty="0"/>
+          </a:p>
+          <a:p>
+            <a:pPr marL="914400" lvl="1" indent="-317500" algn="l" rtl="0">
               <a:spcBef>
                 <a:spcPts val="0"/>
               </a:spcBef>
@@ -8671,13 +8972,13 @@
               <a:buChar char="○"/>
             </a:pPr>
             <a:r>
-              <a:rPr lang="en"/>
+              <a:rPr lang="en" dirty="0"/>
               <a:t>Synthetic audio</a:t>
             </a:r>
-            <a:endParaRPr/>
-          </a:p>
-          <a:p>
-            <a:pPr indent="-317500" lvl="1" marL="914400" rtl="0" algn="l">
+            <a:endParaRPr dirty="0"/>
+          </a:p>
+          <a:p>
+            <a:pPr marL="914400" lvl="1" indent="-317500" algn="l" rtl="0">
               <a:spcBef>
                 <a:spcPts val="0"/>
               </a:spcBef>
@@ -8688,13 +8989,13 @@
               <a:buChar char="○"/>
             </a:pPr>
             <a:r>
-              <a:rPr lang="en"/>
+              <a:rPr lang="en" dirty="0"/>
               <a:t>Synthesized speech (structured audio)</a:t>
             </a:r>
-            <a:endParaRPr/>
-          </a:p>
-          <a:p>
-            <a:pPr indent="-342900" lvl="0" marL="457200" rtl="0" algn="l">
+            <a:endParaRPr dirty="0"/>
+          </a:p>
+          <a:p>
+            <a:pPr marL="457200" lvl="0" indent="-342900" algn="l" rtl="0">
               <a:spcBef>
                 <a:spcPts val="0"/>
               </a:spcBef>
@@ -8705,13 +9006,13 @@
               <a:buChar char="●"/>
             </a:pPr>
             <a:r>
-              <a:rPr lang="en"/>
-              <a:t>More sample frequencies (8-96 kHz)</a:t>
+              <a:rPr lang="en" dirty="0"/>
+              <a:t>More sample frequencies (8-96 kHz).</a:t>
             </a:r>
-            <a:endParaRPr/>
-          </a:p>
-          <a:p>
-            <a:pPr indent="-342900" lvl="0" marL="457200" rtl="0" algn="l">
+            <a:endParaRPr dirty="0"/>
+          </a:p>
+          <a:p>
+            <a:pPr marL="457200" lvl="0" indent="-342900" algn="l" rtl="0">
               <a:spcBef>
                 <a:spcPts val="0"/>
               </a:spcBef>
@@ -8722,13 +9023,13 @@
               <a:buChar char="●"/>
             </a:pPr>
             <a:r>
-              <a:rPr lang="en"/>
-              <a:t>Arbitrary bit rates and variable frame length</a:t>
+              <a:rPr lang="en" dirty="0"/>
+              <a:t>Arbitrary bit rates and variable frame length.</a:t>
             </a:r>
-            <a:endParaRPr/>
-          </a:p>
-          <a:p>
-            <a:pPr indent="-342900" lvl="0" marL="457200" rtl="0" algn="l">
+            <a:endParaRPr dirty="0"/>
+          </a:p>
+          <a:p>
+            <a:pPr marL="457200" lvl="0" indent="-342900" algn="l" rtl="0">
               <a:spcBef>
                 <a:spcPts val="0"/>
               </a:spcBef>
@@ -8739,13 +9040,21 @@
               <a:buChar char="●"/>
             </a:pPr>
             <a:r>
-              <a:rPr lang="en"/>
-              <a:t>Higher efficiency and simpler filterbank</a:t>
+              <a:rPr lang="en" dirty="0"/>
+              <a:t>Higher efficiency and simpler </a:t>
             </a:r>
-            <a:endParaRPr/>
-          </a:p>
-          <a:p>
-            <a:pPr indent="-317500" lvl="1" marL="914400" rtl="0" algn="l">
+            <a:r>
+              <a:rPr lang="en" dirty="0" err="1"/>
+              <a:t>filterbank</a:t>
+            </a:r>
+            <a:r>
+              <a:rPr lang="en" dirty="0"/>
+              <a:t>.</a:t>
+            </a:r>
+            <a:endParaRPr dirty="0"/>
+          </a:p>
+          <a:p>
+            <a:pPr marL="914400" lvl="1" indent="-317500" algn="l" rtl="0">
               <a:spcBef>
                 <a:spcPts val="0"/>
               </a:spcBef>
@@ -8756,13 +9065,13 @@
               <a:buChar char="○"/>
             </a:pPr>
             <a:r>
-              <a:rPr lang="en"/>
+              <a:rPr lang="en" dirty="0"/>
               <a:t>Uses pure MDCT (modified discrete cosine transform)</a:t>
             </a:r>
-            <a:endParaRPr/>
-          </a:p>
-          <a:p>
-            <a:pPr indent="-317500" lvl="1" marL="914400" rtl="0" algn="l">
+            <a:endParaRPr dirty="0"/>
+          </a:p>
+          <a:p>
+            <a:pPr marL="914400" lvl="1" indent="-317500" algn="l" rtl="0">
               <a:spcBef>
                 <a:spcPts val="0"/>
               </a:spcBef>
@@ -8773,10 +9082,10 @@
               <a:buChar char="○"/>
             </a:pPr>
             <a:r>
-              <a:rPr lang="en"/>
+              <a:rPr lang="en" dirty="0"/>
               <a:t>Used in Windows Media Audio</a:t>
             </a:r>
-            <a:endParaRPr/>
+            <a:endParaRPr dirty="0"/>
           </a:p>
         </p:txBody>
       </p:sp>
@@ -8789,11 +9098,11 @@
 </file>
 
 <file path=ppt/slides/slide15.xml><?xml version="1.0" encoding="utf-8"?>
-<p:sld xmlns:a="http://schemas.openxmlformats.org/drawingml/2006/main" xmlns:r="http://schemas.openxmlformats.org/officeDocument/2006/relationships" xmlns:mc="http://schemas.openxmlformats.org/markup-compatibility/2006" xmlns:mv="urn:schemas-microsoft-com:mac:vml" xmlns:p="http://schemas.openxmlformats.org/presentationml/2006/main" xmlns:c="http://schemas.openxmlformats.org/drawingml/2006/chart" xmlns:dgm="http://schemas.openxmlformats.org/drawingml/2006/diagram" xmlns:o="urn:schemas-microsoft-com:office:office" xmlns:v="urn:schemas-microsoft-com:vml" xmlns:pvml="urn:schemas-microsoft-com:office:powerpoint" xmlns:com="http://schemas.openxmlformats.org/drawingml/2006/compatibility" xmlns:p14="http://schemas.microsoft.com/office/powerpoint/2010/main" xmlns:p15="http://schemas.microsoft.com/office/powerpoint/2012/main" xmlns:ahyp="http://schemas.microsoft.com/office/drawing/2018/hyperlinkcolor">
+<p:sld xmlns:a="http://schemas.openxmlformats.org/drawingml/2006/main" xmlns:r="http://schemas.openxmlformats.org/officeDocument/2006/relationships" xmlns:p="http://schemas.openxmlformats.org/presentationml/2006/main">
   <p:cSld>
     <p:spTree>
       <p:nvGrpSpPr>
-        <p:cNvPr id="137" name="Shape 137"/>
+        <p:cNvPr id="1" name="Shape 137"/>
         <p:cNvGrpSpPr/>
         <p:nvPr/>
       </p:nvGrpSpPr>
@@ -8842,11 +9151,11 @@
 </file>
 
 <file path=ppt/slides/slide16.xml><?xml version="1.0" encoding="utf-8"?>
-<p:sld xmlns:a="http://schemas.openxmlformats.org/drawingml/2006/main" xmlns:r="http://schemas.openxmlformats.org/officeDocument/2006/relationships" xmlns:mc="http://schemas.openxmlformats.org/markup-compatibility/2006" xmlns:mv="urn:schemas-microsoft-com:mac:vml" xmlns:p="http://schemas.openxmlformats.org/presentationml/2006/main" xmlns:c="http://schemas.openxmlformats.org/drawingml/2006/chart" xmlns:dgm="http://schemas.openxmlformats.org/drawingml/2006/diagram" xmlns:o="urn:schemas-microsoft-com:office:office" xmlns:v="urn:schemas-microsoft-com:vml" xmlns:pvml="urn:schemas-microsoft-com:office:powerpoint" xmlns:com="http://schemas.openxmlformats.org/drawingml/2006/compatibility" xmlns:p14="http://schemas.microsoft.com/office/powerpoint/2010/main" xmlns:p15="http://schemas.microsoft.com/office/powerpoint/2012/main" xmlns:ahyp="http://schemas.microsoft.com/office/drawing/2018/hyperlinkcolor">
+<p:sld xmlns:a="http://schemas.openxmlformats.org/drawingml/2006/main" xmlns:r="http://schemas.openxmlformats.org/officeDocument/2006/relationships" xmlns:p="http://schemas.openxmlformats.org/presentationml/2006/main">
   <p:cSld>
     <p:spTree>
       <p:nvGrpSpPr>
-        <p:cNvPr id="142" name="Shape 142"/>
+        <p:cNvPr id="1" name="Shape 142"/>
         <p:cNvGrpSpPr/>
         <p:nvPr/>
       </p:nvGrpSpPr>
@@ -8861,7 +9170,9 @@
       <p:sp>
         <p:nvSpPr>
           <p:cNvPr id="143" name="Google Shape;143;p28"/>
-          <p:cNvSpPr txBox="1"/>
+          <p:cNvSpPr txBox="1">
+            <a:spLocks noGrp="1"/>
+          </p:cNvSpPr>
           <p:nvPr>
             <p:ph type="title"/>
           </p:nvPr>
@@ -8876,12 +9187,12 @@
           </a:prstGeom>
         </p:spPr>
         <p:txBody>
-          <a:bodyPr anchorCtr="0" anchor="t" bIns="91425" lIns="91425" spcFirstLastPara="1" rIns="91425" wrap="square" tIns="91425">
+          <a:bodyPr spcFirstLastPara="1" wrap="square" lIns="91425" tIns="91425" rIns="91425" bIns="91425" anchor="t" anchorCtr="0">
             <a:normAutofit fontScale="90000"/>
           </a:bodyPr>
           <a:lstStyle/>
           <a:p>
-            <a:pPr indent="0" lvl="0" marL="0" rtl="0" algn="l">
+            <a:pPr marL="0" lvl="0" indent="0" algn="l" rtl="0">
               <a:spcBef>
                 <a:spcPts val="0"/>
               </a:spcBef>
@@ -8935,11 +9246,11 @@
 </file>
 
 <file path=ppt/slides/slide17.xml><?xml version="1.0" encoding="utf-8"?>
-<p:sld xmlns:a="http://schemas.openxmlformats.org/drawingml/2006/main" xmlns:r="http://schemas.openxmlformats.org/officeDocument/2006/relationships" xmlns:mc="http://schemas.openxmlformats.org/markup-compatibility/2006" xmlns:mv="urn:schemas-microsoft-com:mac:vml" xmlns:p="http://schemas.openxmlformats.org/presentationml/2006/main" xmlns:c="http://schemas.openxmlformats.org/drawingml/2006/chart" xmlns:dgm="http://schemas.openxmlformats.org/drawingml/2006/diagram" xmlns:o="urn:schemas-microsoft-com:office:office" xmlns:v="urn:schemas-microsoft-com:vml" xmlns:pvml="urn:schemas-microsoft-com:office:powerpoint" xmlns:com="http://schemas.openxmlformats.org/drawingml/2006/compatibility" xmlns:p14="http://schemas.microsoft.com/office/powerpoint/2010/main" xmlns:p15="http://schemas.microsoft.com/office/powerpoint/2012/main" xmlns:ahyp="http://schemas.microsoft.com/office/drawing/2018/hyperlinkcolor">
+<p:sld xmlns:a="http://schemas.openxmlformats.org/drawingml/2006/main" xmlns:r="http://schemas.openxmlformats.org/officeDocument/2006/relationships" xmlns:p="http://schemas.openxmlformats.org/presentationml/2006/main">
   <p:cSld>
     <p:spTree>
       <p:nvGrpSpPr>
-        <p:cNvPr id="148" name="Shape 148"/>
+        <p:cNvPr id="1" name="Shape 148"/>
         <p:cNvGrpSpPr/>
         <p:nvPr/>
       </p:nvGrpSpPr>
@@ -8954,14 +9265,16 @@
       <p:sp>
         <p:nvSpPr>
           <p:cNvPr id="149" name="Google Shape;149;p29"/>
-          <p:cNvSpPr txBox="1"/>
+          <p:cNvSpPr txBox="1">
+            <a:spLocks noGrp="1"/>
+          </p:cNvSpPr>
           <p:nvPr>
             <p:ph type="title"/>
           </p:nvPr>
         </p:nvSpPr>
         <p:spPr>
           <a:xfrm>
-            <a:off x="311700" y="225275"/>
+            <a:off x="311700" y="136545"/>
             <a:ext cx="8520600" cy="572700"/>
           </a:xfrm>
           <a:prstGeom prst="rect">
@@ -8969,12 +9282,12 @@
           </a:prstGeom>
         </p:spPr>
         <p:txBody>
-          <a:bodyPr anchorCtr="0" anchor="t" bIns="91425" lIns="91425" spcFirstLastPara="1" rIns="91425" wrap="square" tIns="91425">
+          <a:bodyPr spcFirstLastPara="1" wrap="square" lIns="91425" tIns="91425" rIns="91425" bIns="91425" anchor="t" anchorCtr="0">
             <a:normAutofit fontScale="90000"/>
           </a:bodyPr>
           <a:lstStyle/>
           <a:p>
-            <a:pPr indent="0" lvl="0" marL="0" rtl="0" algn="l">
+            <a:pPr marL="0" lvl="0" indent="0" algn="l" rtl="0">
               <a:spcBef>
                 <a:spcPts val="0"/>
               </a:spcBef>
@@ -8984,16 +9297,88 @@
               <a:buNone/>
             </a:pPr>
             <a:r>
-              <a:rPr lang="en"/>
+              <a:rPr lang="en" dirty="0"/>
               <a:t>MPEG-4 General Audio coder</a:t>
             </a:r>
-            <a:endParaRPr/>
+            <a:endParaRPr dirty="0"/>
+          </a:p>
+        </p:txBody>
+      </p:sp>
+      <p:sp>
+        <p:nvSpPr>
+          <p:cNvPr id="2" name="Google Shape;156;p30">
+            <a:extLst>
+              <a:ext uri="{FF2B5EF4-FFF2-40B4-BE49-F238E27FC236}">
+                <a16:creationId xmlns:a16="http://schemas.microsoft.com/office/drawing/2014/main" id="{81B76084-F139-2E64-BB6F-6D12B213F590}"/>
+              </a:ext>
+            </a:extLst>
+          </p:cNvPr>
+          <p:cNvSpPr txBox="1">
+            <a:spLocks noGrp="1"/>
+          </p:cNvSpPr>
+          <p:nvPr>
+            <p:ph type="body" idx="1"/>
+          </p:nvPr>
+        </p:nvSpPr>
+        <p:spPr>
+          <a:xfrm>
+            <a:off x="182924" y="709246"/>
+            <a:ext cx="8706633" cy="1358098"/>
+          </a:xfrm>
+          <a:prstGeom prst="rect">
+            <a:avLst/>
+          </a:prstGeom>
+        </p:spPr>
+        <p:txBody>
+          <a:bodyPr spcFirstLastPara="1" wrap="square" lIns="91425" tIns="91425" rIns="91425" bIns="91425" anchor="t" anchorCtr="0">
+            <a:normAutofit lnSpcReduction="10000"/>
+          </a:bodyPr>
+          <a:lstStyle/>
+          <a:p>
+            <a:pPr marL="457200" lvl="0" indent="-342900" algn="l" rtl="0">
+              <a:spcBef>
+                <a:spcPts val="0"/>
+              </a:spcBef>
+              <a:spcAft>
+                <a:spcPts val="0"/>
+              </a:spcAft>
+              <a:buSzPts val="1800"/>
+              <a:buChar char="●"/>
+            </a:pPr>
+            <a:r>
+              <a:rPr lang="en" dirty="0"/>
+              <a:t>Built around MPEG-2 AAC.</a:t>
+            </a:r>
+            <a:endParaRPr dirty="0"/>
+          </a:p>
+          <a:p>
+            <a:pPr marL="457200" lvl="0" indent="-342900" algn="l" rtl="0">
+              <a:spcBef>
+                <a:spcPts val="0"/>
+              </a:spcBef>
+              <a:spcAft>
+                <a:spcPts val="0"/>
+              </a:spcAft>
+              <a:buSzPts val="1800"/>
+              <a:buChar char="●"/>
+            </a:pPr>
+            <a:r>
+              <a:rPr lang="en" dirty="0"/>
+              <a:t>Extended features and coder configurations given by the perceptual noise substitution (PNS), long term predictions (LTP), Twin VQ coding, and scalability.</a:t>
+            </a:r>
+            <a:endParaRPr dirty="0"/>
           </a:p>
         </p:txBody>
       </p:sp>
       <p:pic>
         <p:nvPicPr>
-          <p:cNvPr id="150" name="Google Shape;150;p29"/>
+          <p:cNvPr id="3" name="Google Shape;150;p29">
+            <a:extLst>
+              <a:ext uri="{FF2B5EF4-FFF2-40B4-BE49-F238E27FC236}">
+                <a16:creationId xmlns:a16="http://schemas.microsoft.com/office/drawing/2014/main" id="{BA0BF2FE-23C9-5621-6453-B30644D99F9E}"/>
+              </a:ext>
+            </a:extLst>
+          </p:cNvPr>
           <p:cNvPicPr preferRelativeResize="0"/>
           <p:nvPr/>
         </p:nvPicPr>
@@ -9007,8 +9392,8 @@
         </p:blipFill>
         <p:spPr>
           <a:xfrm rot="5400000">
-            <a:off x="3028614" y="-1645662"/>
-            <a:ext cx="3193225" cy="8778148"/>
+            <a:off x="3065726" y="-686683"/>
+            <a:ext cx="3012548" cy="8520600"/>
           </a:xfrm>
           <a:prstGeom prst="rect">
             <a:avLst/>
@@ -9028,586 +9413,11 @@
 </file>
 
 <file path=ppt/slides/slide18.xml><?xml version="1.0" encoding="utf-8"?>
-<p:sld xmlns:a="http://schemas.openxmlformats.org/drawingml/2006/main" xmlns:r="http://schemas.openxmlformats.org/officeDocument/2006/relationships" xmlns:mc="http://schemas.openxmlformats.org/markup-compatibility/2006" xmlns:mv="urn:schemas-microsoft-com:mac:vml" xmlns:p="http://schemas.openxmlformats.org/presentationml/2006/main" xmlns:c="http://schemas.openxmlformats.org/drawingml/2006/chart" xmlns:dgm="http://schemas.openxmlformats.org/drawingml/2006/diagram" xmlns:o="urn:schemas-microsoft-com:office:office" xmlns:v="urn:schemas-microsoft-com:vml" xmlns:pvml="urn:schemas-microsoft-com:office:powerpoint" xmlns:com="http://schemas.openxmlformats.org/drawingml/2006/compatibility" xmlns:p14="http://schemas.microsoft.com/office/powerpoint/2010/main" xmlns:p15="http://schemas.microsoft.com/office/powerpoint/2012/main" xmlns:ahyp="http://schemas.microsoft.com/office/drawing/2018/hyperlinkcolor">
+<p:sld xmlns:a="http://schemas.openxmlformats.org/drawingml/2006/main" xmlns:r="http://schemas.openxmlformats.org/officeDocument/2006/relationships" xmlns:p="http://schemas.openxmlformats.org/presentationml/2006/main">
   <p:cSld>
     <p:spTree>
       <p:nvGrpSpPr>
-        <p:cNvPr id="154" name="Shape 154"/>
-        <p:cNvGrpSpPr/>
-        <p:nvPr/>
-      </p:nvGrpSpPr>
-      <p:grpSpPr>
-        <a:xfrm>
-          <a:off x="0" y="0"/>
-          <a:ext cx="0" cy="0"/>
-          <a:chOff x="0" y="0"/>
-          <a:chExt cx="0" cy="0"/>
-        </a:xfrm>
-      </p:grpSpPr>
-      <p:sp>
-        <p:nvSpPr>
-          <p:cNvPr id="155" name="Google Shape;155;p30"/>
-          <p:cNvSpPr txBox="1"/>
-          <p:nvPr>
-            <p:ph type="title"/>
-          </p:nvPr>
-        </p:nvSpPr>
-        <p:spPr>
-          <a:xfrm>
-            <a:off x="311700" y="445025"/>
-            <a:ext cx="8520600" cy="572700"/>
-          </a:xfrm>
-          <a:prstGeom prst="rect">
-            <a:avLst/>
-          </a:prstGeom>
-        </p:spPr>
-        <p:txBody>
-          <a:bodyPr anchorCtr="0" anchor="t" bIns="91425" lIns="91425" spcFirstLastPara="1" rIns="91425" wrap="square" tIns="91425">
-            <a:normAutofit fontScale="90000"/>
-          </a:bodyPr>
-          <a:lstStyle/>
-          <a:p>
-            <a:pPr indent="0" lvl="0" marL="0" rtl="0" algn="l">
-              <a:spcBef>
-                <a:spcPts val="0"/>
-              </a:spcBef>
-              <a:spcAft>
-                <a:spcPts val="0"/>
-              </a:spcAft>
-              <a:buNone/>
-            </a:pPr>
-            <a:r>
-              <a:t/>
-            </a:r>
-            <a:endParaRPr/>
-          </a:p>
-        </p:txBody>
-      </p:sp>
-      <p:sp>
-        <p:nvSpPr>
-          <p:cNvPr id="156" name="Google Shape;156;p30"/>
-          <p:cNvSpPr txBox="1"/>
-          <p:nvPr>
-            <p:ph idx="1" type="body"/>
-          </p:nvPr>
-        </p:nvSpPr>
-        <p:spPr>
-          <a:xfrm>
-            <a:off x="311700" y="1152475"/>
-            <a:ext cx="8520600" cy="3416400"/>
-          </a:xfrm>
-          <a:prstGeom prst="rect">
-            <a:avLst/>
-          </a:prstGeom>
-        </p:spPr>
-        <p:txBody>
-          <a:bodyPr anchorCtr="0" anchor="t" bIns="91425" lIns="91425" spcFirstLastPara="1" rIns="91425" wrap="square" tIns="91425">
-            <a:normAutofit/>
-          </a:bodyPr>
-          <a:lstStyle/>
-          <a:p>
-            <a:pPr indent="-342900" lvl="0" marL="457200" rtl="0" algn="l">
-              <a:spcBef>
-                <a:spcPts val="0"/>
-              </a:spcBef>
-              <a:spcAft>
-                <a:spcPts val="0"/>
-              </a:spcAft>
-              <a:buSzPts val="1800"/>
-              <a:buChar char="●"/>
-            </a:pPr>
-            <a:r>
-              <a:rPr lang="en"/>
-              <a:t>Built around MPEG-2 AAC</a:t>
-            </a:r>
-            <a:endParaRPr/>
-          </a:p>
-          <a:p>
-            <a:pPr indent="-342900" lvl="0" marL="457200" rtl="0" algn="l">
-              <a:spcBef>
-                <a:spcPts val="0"/>
-              </a:spcBef>
-              <a:spcAft>
-                <a:spcPts val="0"/>
-              </a:spcAft>
-              <a:buSzPts val="1800"/>
-              <a:buChar char="●"/>
-            </a:pPr>
-            <a:r>
-              <a:rPr lang="en"/>
-              <a:t>Extended features and coder </a:t>
-            </a:r>
-            <a:r>
-              <a:rPr lang="en"/>
-              <a:t>configurations</a:t>
-            </a:r>
-            <a:r>
-              <a:rPr lang="en"/>
-              <a:t> given by the perceptual noise substitution (PNS), </a:t>
-            </a:r>
-            <a:r>
-              <a:rPr lang="en"/>
-              <a:t>long</a:t>
-            </a:r>
-            <a:r>
-              <a:rPr lang="en"/>
-              <a:t> term predictions (LTP), Twin VQ coding, and scalability.</a:t>
-            </a:r>
-            <a:endParaRPr/>
-          </a:p>
-        </p:txBody>
-      </p:sp>
-    </p:spTree>
-  </p:cSld>
-  <p:clrMapOvr>
-    <a:masterClrMapping/>
-  </p:clrMapOvr>
-</p:sld>
-</file>
-
-<file path=ppt/slides/slide19.xml><?xml version="1.0" encoding="utf-8"?>
-<p:sld xmlns:a="http://schemas.openxmlformats.org/drawingml/2006/main" xmlns:r="http://schemas.openxmlformats.org/officeDocument/2006/relationships" xmlns:mc="http://schemas.openxmlformats.org/markup-compatibility/2006" xmlns:mv="urn:schemas-microsoft-com:mac:vml" xmlns:p="http://schemas.openxmlformats.org/presentationml/2006/main" xmlns:c="http://schemas.openxmlformats.org/drawingml/2006/chart" xmlns:dgm="http://schemas.openxmlformats.org/drawingml/2006/diagram" xmlns:o="urn:schemas-microsoft-com:office:office" xmlns:v="urn:schemas-microsoft-com:vml" xmlns:pvml="urn:schemas-microsoft-com:office:powerpoint" xmlns:com="http://schemas.openxmlformats.org/drawingml/2006/compatibility" xmlns:p14="http://schemas.microsoft.com/office/powerpoint/2010/main" xmlns:p15="http://schemas.microsoft.com/office/powerpoint/2012/main" xmlns:ahyp="http://schemas.microsoft.com/office/drawing/2018/hyperlinkcolor">
-  <p:cSld>
-    <p:spTree>
-      <p:nvGrpSpPr>
-        <p:cNvPr id="160" name="Shape 160"/>
-        <p:cNvGrpSpPr/>
-        <p:nvPr/>
-      </p:nvGrpSpPr>
-      <p:grpSpPr>
-        <a:xfrm>
-          <a:off x="0" y="0"/>
-          <a:ext cx="0" cy="0"/>
-          <a:chOff x="0" y="0"/>
-          <a:chExt cx="0" cy="0"/>
-        </a:xfrm>
-      </p:grpSpPr>
-      <p:sp>
-        <p:nvSpPr>
-          <p:cNvPr id="161" name="Google Shape;161;p31"/>
-          <p:cNvSpPr txBox="1"/>
-          <p:nvPr>
-            <p:ph type="title"/>
-          </p:nvPr>
-        </p:nvSpPr>
-        <p:spPr>
-          <a:xfrm>
-            <a:off x="311700" y="445025"/>
-            <a:ext cx="8520600" cy="572700"/>
-          </a:xfrm>
-          <a:prstGeom prst="rect">
-            <a:avLst/>
-          </a:prstGeom>
-        </p:spPr>
-        <p:txBody>
-          <a:bodyPr anchorCtr="0" anchor="t" bIns="91425" lIns="91425" spcFirstLastPara="1" rIns="91425" wrap="square" tIns="91425">
-            <a:normAutofit fontScale="90000"/>
-          </a:bodyPr>
-          <a:lstStyle/>
-          <a:p>
-            <a:pPr indent="0" lvl="0" marL="0" rtl="0" algn="l">
-              <a:spcBef>
-                <a:spcPts val="0"/>
-              </a:spcBef>
-              <a:spcAft>
-                <a:spcPts val="0"/>
-              </a:spcAft>
-              <a:buNone/>
-            </a:pPr>
-            <a:r>
-              <a:rPr lang="en"/>
-              <a:t>MPEG-4 Twin VQ in GA coder</a:t>
-            </a:r>
-            <a:endParaRPr/>
-          </a:p>
-        </p:txBody>
-      </p:sp>
-      <p:sp>
-        <p:nvSpPr>
-          <p:cNvPr id="162" name="Google Shape;162;p31"/>
-          <p:cNvSpPr txBox="1"/>
-          <p:nvPr>
-            <p:ph idx="1" type="body"/>
-          </p:nvPr>
-        </p:nvSpPr>
-        <p:spPr>
-          <a:xfrm>
-            <a:off x="311700" y="1152475"/>
-            <a:ext cx="8520600" cy="3416400"/>
-          </a:xfrm>
-          <a:prstGeom prst="rect">
-            <a:avLst/>
-          </a:prstGeom>
-        </p:spPr>
-        <p:txBody>
-          <a:bodyPr anchorCtr="0" anchor="t" bIns="91425" lIns="91425" spcFirstLastPara="1" rIns="91425" wrap="square" tIns="91425">
-            <a:normAutofit/>
-          </a:bodyPr>
-          <a:lstStyle/>
-          <a:p>
-            <a:pPr indent="-342900" lvl="0" marL="457200" rtl="0" algn="l">
-              <a:spcBef>
-                <a:spcPts val="0"/>
-              </a:spcBef>
-              <a:spcAft>
-                <a:spcPts val="0"/>
-              </a:spcAft>
-              <a:buSzPts val="1800"/>
-              <a:buChar char="●"/>
-            </a:pPr>
-            <a:r>
-              <a:rPr lang="en"/>
-              <a:t>Called MP4 with Extension .mp4</a:t>
-            </a:r>
-            <a:endParaRPr/>
-          </a:p>
-          <a:p>
-            <a:pPr indent="-342900" lvl="0" marL="457200" rtl="0" algn="l">
-              <a:spcBef>
-                <a:spcPts val="0"/>
-              </a:spcBef>
-              <a:spcAft>
-                <a:spcPts val="0"/>
-              </a:spcAft>
-              <a:buSzPts val="1800"/>
-              <a:buChar char="●"/>
-            </a:pPr>
-            <a:r>
-              <a:rPr lang="en"/>
-              <a:t>Multimedia container format</a:t>
-            </a:r>
-            <a:endParaRPr/>
-          </a:p>
-          <a:p>
-            <a:pPr indent="-342900" lvl="0" marL="457200" rtl="0" algn="l">
-              <a:spcBef>
-                <a:spcPts val="0"/>
-              </a:spcBef>
-              <a:spcAft>
-                <a:spcPts val="0"/>
-              </a:spcAft>
-              <a:buSzPts val="1800"/>
-              <a:buChar char="●"/>
-            </a:pPr>
-            <a:r>
-              <a:rPr lang="en"/>
-              <a:t>Stores digital video and audio streams and allows streaming over Internet</a:t>
-            </a:r>
-            <a:endParaRPr/>
-          </a:p>
-          <a:p>
-            <a:pPr indent="-342900" lvl="0" marL="457200" rtl="0" algn="l">
-              <a:spcBef>
-                <a:spcPts val="0"/>
-              </a:spcBef>
-              <a:spcAft>
-                <a:spcPts val="0"/>
-              </a:spcAft>
-              <a:buSzPts val="1800"/>
-              <a:buChar char="●"/>
-            </a:pPr>
-            <a:r>
-              <a:rPr lang="en"/>
-              <a:t>Container or wrapper format</a:t>
-            </a:r>
-            <a:endParaRPr/>
-          </a:p>
-          <a:p>
-            <a:pPr indent="-317500" lvl="1" marL="914400" rtl="0" algn="l">
-              <a:spcBef>
-                <a:spcPts val="0"/>
-              </a:spcBef>
-              <a:spcAft>
-                <a:spcPts val="0"/>
-              </a:spcAft>
-              <a:buSzPts val="1400"/>
-              <a:buChar char="○"/>
-            </a:pPr>
-            <a:r>
-              <a:rPr lang="en"/>
-              <a:t>meta-file format whose spec describes how different data elements and metadata coexist in computer file</a:t>
-            </a:r>
-            <a:endParaRPr/>
-          </a:p>
-          <a:p>
-            <a:pPr indent="0" lvl="0" marL="0" rtl="0" algn="l">
-              <a:spcBef>
-                <a:spcPts val="1200"/>
-              </a:spcBef>
-              <a:spcAft>
-                <a:spcPts val="1200"/>
-              </a:spcAft>
-              <a:buNone/>
-            </a:pPr>
-            <a:r>
-              <a:t/>
-            </a:r>
-            <a:endParaRPr/>
-          </a:p>
-        </p:txBody>
-      </p:sp>
-    </p:spTree>
-  </p:cSld>
-  <p:clrMapOvr>
-    <a:masterClrMapping/>
-  </p:clrMapOvr>
-</p:sld>
-</file>
-
-<file path=ppt/slides/slide2.xml><?xml version="1.0" encoding="utf-8"?>
-<p:sld xmlns:a="http://schemas.openxmlformats.org/drawingml/2006/main" xmlns:r="http://schemas.openxmlformats.org/officeDocument/2006/relationships" xmlns:mc="http://schemas.openxmlformats.org/markup-compatibility/2006" xmlns:mv="urn:schemas-microsoft-com:mac:vml" xmlns:p="http://schemas.openxmlformats.org/presentationml/2006/main" xmlns:c="http://schemas.openxmlformats.org/drawingml/2006/chart" xmlns:dgm="http://schemas.openxmlformats.org/drawingml/2006/diagram" xmlns:o="urn:schemas-microsoft-com:office:office" xmlns:v="urn:schemas-microsoft-com:vml" xmlns:pvml="urn:schemas-microsoft-com:office:powerpoint" xmlns:com="http://schemas.openxmlformats.org/drawingml/2006/compatibility" xmlns:p14="http://schemas.microsoft.com/office/powerpoint/2010/main" xmlns:p15="http://schemas.microsoft.com/office/powerpoint/2012/main" xmlns:ahyp="http://schemas.microsoft.com/office/drawing/2018/hyperlinkcolor">
-  <p:cSld>
-    <p:spTree>
-      <p:nvGrpSpPr>
-        <p:cNvPr id="59" name="Shape 59"/>
-        <p:cNvGrpSpPr/>
-        <p:nvPr/>
-      </p:nvGrpSpPr>
-      <p:grpSpPr>
-        <a:xfrm>
-          <a:off x="0" y="0"/>
-          <a:ext cx="0" cy="0"/>
-          <a:chOff x="0" y="0"/>
-          <a:chExt cx="0" cy="0"/>
-        </a:xfrm>
-      </p:grpSpPr>
-      <p:sp>
-        <p:nvSpPr>
-          <p:cNvPr id="60" name="Google Shape;60;p14"/>
-          <p:cNvSpPr txBox="1"/>
-          <p:nvPr>
-            <p:ph type="title"/>
-          </p:nvPr>
-        </p:nvSpPr>
-        <p:spPr>
-          <a:xfrm>
-            <a:off x="311700" y="445025"/>
-            <a:ext cx="8520600" cy="572700"/>
-          </a:xfrm>
-          <a:prstGeom prst="rect">
-            <a:avLst/>
-          </a:prstGeom>
-        </p:spPr>
-        <p:txBody>
-          <a:bodyPr anchorCtr="0" anchor="t" bIns="91425" lIns="91425" spcFirstLastPara="1" rIns="91425" wrap="square" tIns="91425">
-            <a:normAutofit fontScale="90000"/>
-          </a:bodyPr>
-          <a:lstStyle/>
-          <a:p>
-            <a:pPr indent="0" lvl="0" marL="0" rtl="0" algn="l">
-              <a:spcBef>
-                <a:spcPts val="0"/>
-              </a:spcBef>
-              <a:spcAft>
-                <a:spcPts val="0"/>
-              </a:spcAft>
-              <a:buNone/>
-            </a:pPr>
-            <a:r>
-              <a:rPr lang="en"/>
-              <a:t>Index</a:t>
-            </a:r>
-            <a:endParaRPr/>
-          </a:p>
-        </p:txBody>
-      </p:sp>
-      <p:sp>
-        <p:nvSpPr>
-          <p:cNvPr id="61" name="Google Shape;61;p14"/>
-          <p:cNvSpPr txBox="1"/>
-          <p:nvPr>
-            <p:ph idx="1" type="body"/>
-          </p:nvPr>
-        </p:nvSpPr>
-        <p:spPr>
-          <a:xfrm>
-            <a:off x="311700" y="1152475"/>
-            <a:ext cx="8520600" cy="3416400"/>
-          </a:xfrm>
-          <a:prstGeom prst="rect">
-            <a:avLst/>
-          </a:prstGeom>
-        </p:spPr>
-        <p:txBody>
-          <a:bodyPr anchorCtr="0" anchor="t" bIns="91425" lIns="91425" spcFirstLastPara="1" rIns="91425" wrap="square" tIns="91425">
-            <a:normAutofit/>
-          </a:bodyPr>
-          <a:lstStyle/>
-          <a:p>
-            <a:pPr indent="-342900" lvl="0" marL="457200" rtl="0" algn="l">
-              <a:spcBef>
-                <a:spcPts val="0"/>
-              </a:spcBef>
-              <a:spcAft>
-                <a:spcPts val="0"/>
-              </a:spcAft>
-              <a:buSzPts val="1800"/>
-              <a:buChar char="●"/>
-            </a:pPr>
-            <a:r>
-              <a:rPr lang="en"/>
-              <a:t>MIDI vs Audio</a:t>
-            </a:r>
-            <a:endParaRPr/>
-          </a:p>
-          <a:p>
-            <a:pPr indent="-342900" lvl="0" marL="457200" rtl="0" algn="l">
-              <a:spcBef>
-                <a:spcPts val="0"/>
-              </a:spcBef>
-              <a:spcAft>
-                <a:spcPts val="0"/>
-              </a:spcAft>
-              <a:buSzPts val="1800"/>
-              <a:buChar char="●"/>
-            </a:pPr>
-            <a:r>
-              <a:rPr lang="en"/>
-              <a:t>Mono, Stereo and Surround Sound formats</a:t>
-            </a:r>
-            <a:endParaRPr/>
-          </a:p>
-          <a:p>
-            <a:pPr indent="-342900" lvl="0" marL="457200" rtl="0" algn="l">
-              <a:spcBef>
-                <a:spcPts val="0"/>
-              </a:spcBef>
-              <a:spcAft>
-                <a:spcPts val="0"/>
-              </a:spcAft>
-              <a:buSzPts val="1800"/>
-              <a:buChar char="●"/>
-            </a:pPr>
-            <a:r>
-              <a:rPr lang="en"/>
-              <a:t>MPEG audio standards</a:t>
-            </a:r>
-            <a:endParaRPr/>
-          </a:p>
-          <a:p>
-            <a:pPr indent="-342900" lvl="0" marL="457200" rtl="0" algn="l">
-              <a:spcBef>
-                <a:spcPts val="0"/>
-              </a:spcBef>
-              <a:spcAft>
-                <a:spcPts val="0"/>
-              </a:spcAft>
-              <a:buSzPts val="1800"/>
-              <a:buChar char="●"/>
-            </a:pPr>
-            <a:r>
-              <a:rPr lang="en"/>
-              <a:t>MPEG-1 Layer 3 (MP3)</a:t>
-            </a:r>
-            <a:endParaRPr/>
-          </a:p>
-          <a:p>
-            <a:pPr indent="-342900" lvl="0" marL="457200" rtl="0" algn="l">
-              <a:spcBef>
-                <a:spcPts val="0"/>
-              </a:spcBef>
-              <a:spcAft>
-                <a:spcPts val="0"/>
-              </a:spcAft>
-              <a:buSzPts val="1800"/>
-              <a:buChar char="●"/>
-            </a:pPr>
-            <a:r>
-              <a:rPr lang="en"/>
-              <a:t>MPEG-2 </a:t>
-            </a:r>
-            <a:r>
-              <a:rPr lang="en"/>
-              <a:t>Advanced</a:t>
-            </a:r>
-            <a:r>
-              <a:rPr lang="en"/>
-              <a:t> Audio Coding (AAC)</a:t>
-            </a:r>
-            <a:endParaRPr/>
-          </a:p>
-          <a:p>
-            <a:pPr indent="-342900" lvl="0" marL="457200" rtl="0" algn="l">
-              <a:spcBef>
-                <a:spcPts val="0"/>
-              </a:spcBef>
-              <a:spcAft>
-                <a:spcPts val="0"/>
-              </a:spcAft>
-              <a:buSzPts val="1800"/>
-              <a:buChar char="●"/>
-            </a:pPr>
-            <a:r>
-              <a:rPr lang="en"/>
-              <a:t>MPEG-4</a:t>
-            </a:r>
-            <a:endParaRPr/>
-          </a:p>
-          <a:p>
-            <a:pPr indent="-342900" lvl="0" marL="457200" rtl="0" algn="l">
-              <a:spcBef>
-                <a:spcPts val="0"/>
-              </a:spcBef>
-              <a:spcAft>
-                <a:spcPts val="0"/>
-              </a:spcAft>
-              <a:buSzPts val="1800"/>
-              <a:buChar char="●"/>
-            </a:pPr>
-            <a:r>
-              <a:rPr lang="en"/>
-              <a:t>Dolby Digital (AC3)</a:t>
-            </a:r>
-            <a:endParaRPr/>
-          </a:p>
-          <a:p>
-            <a:pPr indent="-342900" lvl="0" marL="457200" rtl="0" algn="l">
-              <a:spcBef>
-                <a:spcPts val="0"/>
-              </a:spcBef>
-              <a:spcAft>
-                <a:spcPts val="0"/>
-              </a:spcAft>
-              <a:buSzPts val="1800"/>
-              <a:buChar char="●"/>
-            </a:pPr>
-            <a:r>
-              <a:rPr lang="en"/>
-              <a:t>Lossless audio coding</a:t>
-            </a:r>
-            <a:endParaRPr/>
-          </a:p>
-          <a:p>
-            <a:pPr indent="0" lvl="0" marL="0" rtl="0" algn="l">
-              <a:spcBef>
-                <a:spcPts val="1200"/>
-              </a:spcBef>
-              <a:spcAft>
-                <a:spcPts val="1200"/>
-              </a:spcAft>
-              <a:buNone/>
-            </a:pPr>
-            <a:r>
-              <a:t/>
-            </a:r>
-            <a:endParaRPr/>
-          </a:p>
-        </p:txBody>
-      </p:sp>
-    </p:spTree>
-  </p:cSld>
-  <p:clrMapOvr>
-    <a:masterClrMapping/>
-  </p:clrMapOvr>
-</p:sld>
-</file>
-
-<file path=ppt/slides/slide20.xml><?xml version="1.0" encoding="utf-8"?>
-<p:sld xmlns:a="http://schemas.openxmlformats.org/drawingml/2006/main" xmlns:r="http://schemas.openxmlformats.org/officeDocument/2006/relationships" xmlns:mc="http://schemas.openxmlformats.org/markup-compatibility/2006" xmlns:mv="urn:schemas-microsoft-com:mac:vml" xmlns:p="http://schemas.openxmlformats.org/presentationml/2006/main" xmlns:c="http://schemas.openxmlformats.org/drawingml/2006/chart" xmlns:dgm="http://schemas.openxmlformats.org/drawingml/2006/diagram" xmlns:o="urn:schemas-microsoft-com:office:office" xmlns:v="urn:schemas-microsoft-com:vml" xmlns:pvml="urn:schemas-microsoft-com:office:powerpoint" xmlns:com="http://schemas.openxmlformats.org/drawingml/2006/compatibility" xmlns:p14="http://schemas.microsoft.com/office/powerpoint/2010/main" xmlns:p15="http://schemas.microsoft.com/office/powerpoint/2012/main" xmlns:ahyp="http://schemas.microsoft.com/office/drawing/2018/hyperlinkcolor">
-  <p:cSld>
-    <p:spTree>
-      <p:nvGrpSpPr>
-        <p:cNvPr id="166" name="Shape 166"/>
+        <p:cNvPr id="1" name="Shape 166"/>
         <p:cNvGrpSpPr/>
         <p:nvPr/>
       </p:nvGrpSpPr>
@@ -9622,7 +9432,9 @@
       <p:sp>
         <p:nvSpPr>
           <p:cNvPr id="167" name="Google Shape;167;p32"/>
-          <p:cNvSpPr txBox="1"/>
+          <p:cNvSpPr txBox="1">
+            <a:spLocks noGrp="1"/>
+          </p:cNvSpPr>
           <p:nvPr>
             <p:ph type="title"/>
           </p:nvPr>
@@ -9637,12 +9449,12 @@
           </a:prstGeom>
         </p:spPr>
         <p:txBody>
-          <a:bodyPr anchorCtr="0" anchor="t" bIns="91425" lIns="91425" spcFirstLastPara="1" rIns="91425" wrap="square" tIns="91425">
+          <a:bodyPr spcFirstLastPara="1" wrap="square" lIns="91425" tIns="91425" rIns="91425" bIns="91425" anchor="t" anchorCtr="0">
             <a:normAutofit fontScale="90000"/>
           </a:bodyPr>
           <a:lstStyle/>
           <a:p>
-            <a:pPr indent="0" lvl="0" marL="0" rtl="0" algn="l">
+            <a:pPr marL="0" lvl="0" indent="0" algn="l" rtl="0">
               <a:spcBef>
                 <a:spcPts val="0"/>
               </a:spcBef>
@@ -9675,7 +9487,7 @@
         </p:blipFill>
         <p:spPr>
           <a:xfrm rot="5400000">
-            <a:off x="1870288" y="428636"/>
+            <a:off x="4287485" y="442363"/>
             <a:ext cx="4540774" cy="4861501"/>
           </a:xfrm>
           <a:prstGeom prst="rect">
@@ -9687,6 +9499,99 @@
           </a:ln>
         </p:spPr>
       </p:pic>
+      <p:sp>
+        <p:nvSpPr>
+          <p:cNvPr id="2" name="Google Shape;162;p31">
+            <a:extLst>
+              <a:ext uri="{FF2B5EF4-FFF2-40B4-BE49-F238E27FC236}">
+                <a16:creationId xmlns:a16="http://schemas.microsoft.com/office/drawing/2014/main" id="{585A37EE-78D8-E808-3410-1AF445FCA790}"/>
+              </a:ext>
+            </a:extLst>
+          </p:cNvPr>
+          <p:cNvSpPr txBox="1">
+            <a:spLocks noGrp="1"/>
+          </p:cNvSpPr>
+          <p:nvPr>
+            <p:ph type="body" idx="1"/>
+          </p:nvPr>
+        </p:nvSpPr>
+        <p:spPr>
+          <a:xfrm>
+            <a:off x="248484" y="1009351"/>
+            <a:ext cx="3878637" cy="3416400"/>
+          </a:xfrm>
+          <a:prstGeom prst="rect">
+            <a:avLst/>
+          </a:prstGeom>
+        </p:spPr>
+        <p:txBody>
+          <a:bodyPr spcFirstLastPara="1" wrap="square" lIns="91425" tIns="91425" rIns="91425" bIns="91425" anchor="t" anchorCtr="0">
+            <a:normAutofit/>
+          </a:bodyPr>
+          <a:lstStyle/>
+          <a:p>
+            <a:pPr marL="457200" lvl="0" indent="-342900" algn="l" rtl="0">
+              <a:spcBef>
+                <a:spcPts val="0"/>
+              </a:spcBef>
+              <a:spcAft>
+                <a:spcPts val="0"/>
+              </a:spcAft>
+              <a:buSzPts val="1800"/>
+              <a:buChar char="●"/>
+            </a:pPr>
+            <a:r>
+              <a:rPr lang="en-US" noProof="0" dirty="0"/>
+              <a:t>Transform-domain Weighted Interleave Vector Quantization.</a:t>
+            </a:r>
+          </a:p>
+          <a:p>
+            <a:pPr marL="457200" lvl="0" indent="-342900" algn="l" rtl="0">
+              <a:spcBef>
+                <a:spcPts val="0"/>
+              </a:spcBef>
+              <a:spcAft>
+                <a:spcPts val="0"/>
+              </a:spcAft>
+              <a:buSzPts val="1800"/>
+              <a:buChar char="●"/>
+            </a:pPr>
+            <a:r>
+              <a:rPr lang="en-US" noProof="0" dirty="0"/>
+              <a:t>Vector quantization of the transformed spectral coefficients.</a:t>
+            </a:r>
+          </a:p>
+          <a:p>
+            <a:pPr marL="457200" lvl="0" indent="-342900" algn="l" rtl="0">
+              <a:spcBef>
+                <a:spcPts val="0"/>
+              </a:spcBef>
+              <a:spcAft>
+                <a:spcPts val="0"/>
+              </a:spcAft>
+              <a:buSzPts val="1800"/>
+              <a:buChar char="●"/>
+            </a:pPr>
+            <a:r>
+              <a:rPr lang="en-US" dirty="0"/>
+              <a:t>Low bit rates (6-8kb/s).</a:t>
+            </a:r>
+            <a:endParaRPr lang="en-US" noProof="0" dirty="0"/>
+          </a:p>
+          <a:p>
+            <a:pPr marL="0" lvl="0" indent="0" algn="l" rtl="0">
+              <a:spcBef>
+                <a:spcPts val="1200"/>
+              </a:spcBef>
+              <a:spcAft>
+                <a:spcPts val="1200"/>
+              </a:spcAft>
+              <a:buNone/>
+            </a:pPr>
+            <a:endParaRPr dirty="0"/>
+          </a:p>
+        </p:txBody>
+      </p:sp>
     </p:spTree>
   </p:cSld>
   <p:clrMapOvr>
@@ -9695,12 +9600,12 @@
 </p:sld>
 </file>
 
-<file path=ppt/slides/slide21.xml><?xml version="1.0" encoding="utf-8"?>
-<p:sld xmlns:a="http://schemas.openxmlformats.org/drawingml/2006/main" xmlns:r="http://schemas.openxmlformats.org/officeDocument/2006/relationships" xmlns:mc="http://schemas.openxmlformats.org/markup-compatibility/2006" xmlns:mv="urn:schemas-microsoft-com:mac:vml" xmlns:p="http://schemas.openxmlformats.org/presentationml/2006/main" xmlns:c="http://schemas.openxmlformats.org/drawingml/2006/chart" xmlns:dgm="http://schemas.openxmlformats.org/drawingml/2006/diagram" xmlns:o="urn:schemas-microsoft-com:office:office" xmlns:v="urn:schemas-microsoft-com:vml" xmlns:pvml="urn:schemas-microsoft-com:office:powerpoint" xmlns:com="http://schemas.openxmlformats.org/drawingml/2006/compatibility" xmlns:p14="http://schemas.microsoft.com/office/powerpoint/2010/main" xmlns:p15="http://schemas.microsoft.com/office/powerpoint/2012/main" xmlns:ahyp="http://schemas.microsoft.com/office/drawing/2018/hyperlinkcolor">
+<file path=ppt/slides/slide19.xml><?xml version="1.0" encoding="utf-8"?>
+<p:sld xmlns:a="http://schemas.openxmlformats.org/drawingml/2006/main" xmlns:r="http://schemas.openxmlformats.org/officeDocument/2006/relationships" xmlns:p="http://schemas.openxmlformats.org/presentationml/2006/main">
   <p:cSld>
     <p:spTree>
       <p:nvGrpSpPr>
-        <p:cNvPr id="172" name="Shape 172"/>
+        <p:cNvPr id="1" name="Shape 172"/>
         <p:cNvGrpSpPr/>
         <p:nvPr/>
       </p:nvGrpSpPr>
@@ -9715,14 +9620,16 @@
       <p:sp>
         <p:nvSpPr>
           <p:cNvPr id="173" name="Google Shape;173;p33"/>
-          <p:cNvSpPr txBox="1"/>
+          <p:cNvSpPr txBox="1">
+            <a:spLocks noGrp="1"/>
+          </p:cNvSpPr>
           <p:nvPr>
             <p:ph type="title"/>
           </p:nvPr>
         </p:nvSpPr>
         <p:spPr>
           <a:xfrm>
-            <a:off x="311700" y="445025"/>
+            <a:off x="311700" y="238291"/>
             <a:ext cx="8520600" cy="572700"/>
           </a:xfrm>
           <a:prstGeom prst="rect">
@@ -9730,12 +9637,12 @@
           </a:prstGeom>
         </p:spPr>
         <p:txBody>
-          <a:bodyPr anchorCtr="0" anchor="t" bIns="91425" lIns="91425" spcFirstLastPara="1" rIns="91425" wrap="square" tIns="91425">
+          <a:bodyPr spcFirstLastPara="1" wrap="square" lIns="91425" tIns="91425" rIns="91425" bIns="91425" anchor="t" anchorCtr="0">
             <a:normAutofit fontScale="90000"/>
           </a:bodyPr>
           <a:lstStyle/>
           <a:p>
-            <a:pPr indent="0" lvl="0" marL="0" rtl="0" algn="l">
+            <a:pPr marL="0" lvl="0" indent="0" algn="l" rtl="0">
               <a:spcBef>
                 <a:spcPts val="0"/>
               </a:spcBef>
@@ -9745,10 +9652,10 @@
               <a:buNone/>
             </a:pPr>
             <a:r>
-              <a:rPr lang="en"/>
+              <a:rPr lang="en" dirty="0"/>
               <a:t>MPEG-4 Scalable audio coding</a:t>
             </a:r>
-            <a:endParaRPr/>
+            <a:endParaRPr dirty="0"/>
           </a:p>
         </p:txBody>
       </p:sp>
@@ -9768,7 +9675,7 @@
         </p:blipFill>
         <p:spPr>
           <a:xfrm rot="5400000">
-            <a:off x="2968813" y="-1767063"/>
+            <a:off x="2968812" y="-1146953"/>
             <a:ext cx="3083350" cy="9020974"/>
           </a:xfrm>
           <a:prstGeom prst="rect">
@@ -9780,6 +9687,59 @@
           </a:ln>
         </p:spPr>
       </p:pic>
+      <p:sp>
+        <p:nvSpPr>
+          <p:cNvPr id="2" name="Google Shape;162;p31">
+            <a:extLst>
+              <a:ext uri="{FF2B5EF4-FFF2-40B4-BE49-F238E27FC236}">
+                <a16:creationId xmlns:a16="http://schemas.microsoft.com/office/drawing/2014/main" id="{162FD516-2227-265C-5EF0-2F3E6FF6FA4C}"/>
+              </a:ext>
+            </a:extLst>
+          </p:cNvPr>
+          <p:cNvSpPr txBox="1">
+            <a:spLocks noGrp="1"/>
+          </p:cNvSpPr>
+          <p:nvPr>
+            <p:ph type="body" idx="1"/>
+          </p:nvPr>
+        </p:nvSpPr>
+        <p:spPr>
+          <a:xfrm>
+            <a:off x="224630" y="810991"/>
+            <a:ext cx="8346876" cy="811498"/>
+          </a:xfrm>
+          <a:prstGeom prst="rect">
+            <a:avLst/>
+          </a:prstGeom>
+        </p:spPr>
+        <p:txBody>
+          <a:bodyPr spcFirstLastPara="1" wrap="square" lIns="91425" tIns="91425" rIns="91425" bIns="91425" anchor="t" anchorCtr="0">
+            <a:normAutofit fontScale="92500"/>
+          </a:bodyPr>
+          <a:lstStyle/>
+          <a:p>
+            <a:r>
+              <a:rPr lang="en-US" noProof="0" dirty="0"/>
+              <a:t>Variable rate </a:t>
+            </a:r>
+            <a:r>
+              <a:rPr lang="en-US" noProof="0" dirty="0" err="1"/>
+              <a:t>enconding</a:t>
+            </a:r>
+            <a:r>
+              <a:rPr lang="en-US" noProof="0" dirty="0"/>
+              <a:t>/decoding depending on transmission channel capacity. </a:t>
+            </a:r>
+          </a:p>
+          <a:p>
+            <a:r>
+              <a:rPr lang="en-US" dirty="0"/>
+              <a:t>Decoding at low bit rates (16, 32, or 64 kb/s within high-rate code (64 kb/s).</a:t>
+            </a:r>
+            <a:endParaRPr dirty="0"/>
+          </a:p>
+        </p:txBody>
+      </p:sp>
     </p:spTree>
   </p:cSld>
   <p:clrMapOvr>
@@ -9788,12 +9748,585 @@
 </p:sld>
 </file>
 
-<file path=ppt/slides/slide22.xml><?xml version="1.0" encoding="utf-8"?>
-<p:sld xmlns:a="http://schemas.openxmlformats.org/drawingml/2006/main" xmlns:r="http://schemas.openxmlformats.org/officeDocument/2006/relationships" xmlns:mc="http://schemas.openxmlformats.org/markup-compatibility/2006" xmlns:mv="urn:schemas-microsoft-com:mac:vml" xmlns:p="http://schemas.openxmlformats.org/presentationml/2006/main" xmlns:c="http://schemas.openxmlformats.org/drawingml/2006/chart" xmlns:dgm="http://schemas.openxmlformats.org/drawingml/2006/diagram" xmlns:o="urn:schemas-microsoft-com:office:office" xmlns:v="urn:schemas-microsoft-com:vml" xmlns:pvml="urn:schemas-microsoft-com:office:powerpoint" xmlns:com="http://schemas.openxmlformats.org/drawingml/2006/compatibility" xmlns:p14="http://schemas.microsoft.com/office/powerpoint/2010/main" xmlns:p15="http://schemas.microsoft.com/office/powerpoint/2012/main" xmlns:ahyp="http://schemas.microsoft.com/office/drawing/2018/hyperlinkcolor">
+<file path=ppt/slides/slide2.xml><?xml version="1.0" encoding="utf-8"?>
+<p:sld xmlns:a="http://schemas.openxmlformats.org/drawingml/2006/main" xmlns:r="http://schemas.openxmlformats.org/officeDocument/2006/relationships" xmlns:p="http://schemas.openxmlformats.org/presentationml/2006/main">
   <p:cSld>
     <p:spTree>
       <p:nvGrpSpPr>
-        <p:cNvPr id="178" name="Shape 178"/>
+        <p:cNvPr id="1" name="Shape 59"/>
+        <p:cNvGrpSpPr/>
+        <p:nvPr/>
+      </p:nvGrpSpPr>
+      <p:grpSpPr>
+        <a:xfrm>
+          <a:off x="0" y="0"/>
+          <a:ext cx="0" cy="0"/>
+          <a:chOff x="0" y="0"/>
+          <a:chExt cx="0" cy="0"/>
+        </a:xfrm>
+      </p:grpSpPr>
+      <p:sp>
+        <p:nvSpPr>
+          <p:cNvPr id="60" name="Google Shape;60;p14"/>
+          <p:cNvSpPr txBox="1">
+            <a:spLocks noGrp="1"/>
+          </p:cNvSpPr>
+          <p:nvPr>
+            <p:ph type="title"/>
+          </p:nvPr>
+        </p:nvSpPr>
+        <p:spPr>
+          <a:xfrm>
+            <a:off x="311700" y="445025"/>
+            <a:ext cx="8520600" cy="572700"/>
+          </a:xfrm>
+          <a:prstGeom prst="rect">
+            <a:avLst/>
+          </a:prstGeom>
+        </p:spPr>
+        <p:txBody>
+          <a:bodyPr spcFirstLastPara="1" wrap="square" lIns="91425" tIns="91425" rIns="91425" bIns="91425" anchor="t" anchorCtr="0">
+            <a:normAutofit fontScale="90000"/>
+          </a:bodyPr>
+          <a:lstStyle/>
+          <a:p>
+            <a:pPr marL="0" lvl="0" indent="0" algn="l" rtl="0">
+              <a:spcBef>
+                <a:spcPts val="0"/>
+              </a:spcBef>
+              <a:spcAft>
+                <a:spcPts val="0"/>
+              </a:spcAft>
+              <a:buNone/>
+            </a:pPr>
+            <a:r>
+              <a:rPr lang="en"/>
+              <a:t>Index</a:t>
+            </a:r>
+            <a:endParaRPr/>
+          </a:p>
+        </p:txBody>
+      </p:sp>
+      <p:sp>
+        <p:nvSpPr>
+          <p:cNvPr id="61" name="Google Shape;61;p14"/>
+          <p:cNvSpPr txBox="1">
+            <a:spLocks noGrp="1"/>
+          </p:cNvSpPr>
+          <p:nvPr>
+            <p:ph type="body" idx="1"/>
+          </p:nvPr>
+        </p:nvSpPr>
+        <p:spPr>
+          <a:xfrm>
+            <a:off x="311700" y="1152475"/>
+            <a:ext cx="8520600" cy="3416400"/>
+          </a:xfrm>
+          <a:prstGeom prst="rect">
+            <a:avLst/>
+          </a:prstGeom>
+        </p:spPr>
+        <p:txBody>
+          <a:bodyPr spcFirstLastPara="1" wrap="square" lIns="91425" tIns="91425" rIns="91425" bIns="91425" anchor="t" anchorCtr="0">
+            <a:normAutofit/>
+          </a:bodyPr>
+          <a:lstStyle/>
+          <a:p>
+            <a:pPr marL="457200" lvl="0" indent="-342900" algn="l" rtl="0">
+              <a:spcBef>
+                <a:spcPts val="0"/>
+              </a:spcBef>
+              <a:spcAft>
+                <a:spcPts val="0"/>
+              </a:spcAft>
+              <a:buSzPts val="1800"/>
+              <a:buChar char="●"/>
+            </a:pPr>
+            <a:r>
+              <a:rPr lang="en" dirty="0"/>
+              <a:t>MIDI format</a:t>
+            </a:r>
+            <a:endParaRPr dirty="0"/>
+          </a:p>
+          <a:p>
+            <a:pPr marL="457200" lvl="0" indent="-342900" algn="l" rtl="0">
+              <a:spcBef>
+                <a:spcPts val="0"/>
+              </a:spcBef>
+              <a:spcAft>
+                <a:spcPts val="0"/>
+              </a:spcAft>
+              <a:buSzPts val="1800"/>
+              <a:buChar char="●"/>
+            </a:pPr>
+            <a:r>
+              <a:rPr lang="en" dirty="0"/>
+              <a:t>Mono, Stereo and Surround Sound formats</a:t>
+            </a:r>
+            <a:endParaRPr dirty="0"/>
+          </a:p>
+          <a:p>
+            <a:pPr marL="457200" lvl="0" indent="-342900" algn="l" rtl="0">
+              <a:spcBef>
+                <a:spcPts val="0"/>
+              </a:spcBef>
+              <a:spcAft>
+                <a:spcPts val="0"/>
+              </a:spcAft>
+              <a:buSzPts val="1800"/>
+              <a:buChar char="●"/>
+            </a:pPr>
+            <a:r>
+              <a:rPr lang="en" dirty="0"/>
+              <a:t>MPEG audio standards</a:t>
+            </a:r>
+            <a:endParaRPr dirty="0"/>
+          </a:p>
+          <a:p>
+            <a:pPr marL="457200" lvl="0" indent="-342900" algn="l" rtl="0">
+              <a:spcBef>
+                <a:spcPts val="0"/>
+              </a:spcBef>
+              <a:spcAft>
+                <a:spcPts val="0"/>
+              </a:spcAft>
+              <a:buSzPts val="1800"/>
+              <a:buChar char="●"/>
+            </a:pPr>
+            <a:r>
+              <a:rPr lang="en" dirty="0"/>
+              <a:t>MPEG-1 Layer 3 (MP3)</a:t>
+            </a:r>
+            <a:endParaRPr dirty="0"/>
+          </a:p>
+          <a:p>
+            <a:pPr marL="457200" lvl="0" indent="-342900" algn="l" rtl="0">
+              <a:spcBef>
+                <a:spcPts val="0"/>
+              </a:spcBef>
+              <a:spcAft>
+                <a:spcPts val="0"/>
+              </a:spcAft>
+              <a:buSzPts val="1800"/>
+              <a:buChar char="●"/>
+            </a:pPr>
+            <a:r>
+              <a:rPr lang="en" dirty="0"/>
+              <a:t>MPEG-2 Advanced Audio Coding (AAC)</a:t>
+            </a:r>
+            <a:endParaRPr dirty="0"/>
+          </a:p>
+          <a:p>
+            <a:pPr marL="457200" lvl="0" indent="-342900" algn="l" rtl="0">
+              <a:spcBef>
+                <a:spcPts val="0"/>
+              </a:spcBef>
+              <a:spcAft>
+                <a:spcPts val="0"/>
+              </a:spcAft>
+              <a:buSzPts val="1800"/>
+              <a:buChar char="●"/>
+            </a:pPr>
+            <a:r>
+              <a:rPr lang="en" dirty="0"/>
+              <a:t>MPEG-4</a:t>
+            </a:r>
+            <a:endParaRPr dirty="0"/>
+          </a:p>
+          <a:p>
+            <a:pPr marL="457200" lvl="0" indent="-342900" algn="l" rtl="0">
+              <a:spcBef>
+                <a:spcPts val="0"/>
+              </a:spcBef>
+              <a:spcAft>
+                <a:spcPts val="0"/>
+              </a:spcAft>
+              <a:buSzPts val="1800"/>
+              <a:buChar char="●"/>
+            </a:pPr>
+            <a:r>
+              <a:rPr lang="en" dirty="0"/>
+              <a:t>Dolby Digital (AC3)</a:t>
+            </a:r>
+            <a:endParaRPr dirty="0"/>
+          </a:p>
+          <a:p>
+            <a:pPr marL="457200" lvl="0" indent="-342900" algn="l" rtl="0">
+              <a:spcBef>
+                <a:spcPts val="0"/>
+              </a:spcBef>
+              <a:spcAft>
+                <a:spcPts val="0"/>
+              </a:spcAft>
+              <a:buSzPts val="1800"/>
+              <a:buChar char="●"/>
+            </a:pPr>
+            <a:r>
+              <a:rPr lang="en" dirty="0"/>
+              <a:t>Lossless audio coding</a:t>
+            </a:r>
+            <a:endParaRPr dirty="0"/>
+          </a:p>
+          <a:p>
+            <a:pPr marL="0" lvl="0" indent="0" algn="l" rtl="0">
+              <a:spcBef>
+                <a:spcPts val="1200"/>
+              </a:spcBef>
+              <a:spcAft>
+                <a:spcPts val="1200"/>
+              </a:spcAft>
+              <a:buNone/>
+            </a:pPr>
+            <a:endParaRPr dirty="0"/>
+          </a:p>
+        </p:txBody>
+      </p:sp>
+    </p:spTree>
+  </p:cSld>
+  <p:clrMapOvr>
+    <a:masterClrMapping/>
+  </p:clrMapOvr>
+</p:sld>
+</file>
+
+<file path=ppt/slides/slide20.xml><?xml version="1.0" encoding="utf-8"?>
+<p:sld xmlns:a="http://schemas.openxmlformats.org/drawingml/2006/main" xmlns:r="http://schemas.openxmlformats.org/officeDocument/2006/relationships" xmlns:p="http://schemas.openxmlformats.org/presentationml/2006/main">
+  <p:cSld>
+    <p:spTree>
+      <p:nvGrpSpPr>
+        <p:cNvPr id="1" name="Shape 172">
+          <a:extLst>
+            <a:ext uri="{FF2B5EF4-FFF2-40B4-BE49-F238E27FC236}">
+              <a16:creationId xmlns:a16="http://schemas.microsoft.com/office/drawing/2014/main" id="{918EE368-9A2D-F370-353E-05D95EE6A4F1}"/>
+            </a:ext>
+          </a:extLst>
+        </p:cNvPr>
+        <p:cNvGrpSpPr/>
+        <p:nvPr/>
+      </p:nvGrpSpPr>
+      <p:grpSpPr>
+        <a:xfrm>
+          <a:off x="0" y="0"/>
+          <a:ext cx="0" cy="0"/>
+          <a:chOff x="0" y="0"/>
+          <a:chExt cx="0" cy="0"/>
+        </a:xfrm>
+      </p:grpSpPr>
+      <p:sp>
+        <p:nvSpPr>
+          <p:cNvPr id="173" name="Google Shape;173;p33">
+            <a:extLst>
+              <a:ext uri="{FF2B5EF4-FFF2-40B4-BE49-F238E27FC236}">
+                <a16:creationId xmlns:a16="http://schemas.microsoft.com/office/drawing/2014/main" id="{964EAD7C-8B54-AEE0-1AD5-A37CB49F7B46}"/>
+              </a:ext>
+            </a:extLst>
+          </p:cNvPr>
+          <p:cNvSpPr txBox="1">
+            <a:spLocks noGrp="1"/>
+          </p:cNvSpPr>
+          <p:nvPr>
+            <p:ph type="title"/>
+          </p:nvPr>
+        </p:nvSpPr>
+        <p:spPr>
+          <a:xfrm>
+            <a:off x="311700" y="238291"/>
+            <a:ext cx="8520600" cy="572700"/>
+          </a:xfrm>
+          <a:prstGeom prst="rect">
+            <a:avLst/>
+          </a:prstGeom>
+        </p:spPr>
+        <p:txBody>
+          <a:bodyPr spcFirstLastPara="1" wrap="square" lIns="91425" tIns="91425" rIns="91425" bIns="91425" anchor="t" anchorCtr="0">
+            <a:normAutofit fontScale="90000"/>
+          </a:bodyPr>
+          <a:lstStyle/>
+          <a:p>
+            <a:pPr marL="0" lvl="0" indent="0" algn="l" rtl="0">
+              <a:spcBef>
+                <a:spcPts val="0"/>
+              </a:spcBef>
+              <a:spcAft>
+                <a:spcPts val="0"/>
+              </a:spcAft>
+              <a:buNone/>
+            </a:pPr>
+            <a:r>
+              <a:rPr lang="en" dirty="0"/>
+              <a:t>MPEG-4 Speech Coding</a:t>
+            </a:r>
+            <a:endParaRPr dirty="0"/>
+          </a:p>
+        </p:txBody>
+      </p:sp>
+      <p:sp>
+        <p:nvSpPr>
+          <p:cNvPr id="2" name="Google Shape;162;p31">
+            <a:extLst>
+              <a:ext uri="{FF2B5EF4-FFF2-40B4-BE49-F238E27FC236}">
+                <a16:creationId xmlns:a16="http://schemas.microsoft.com/office/drawing/2014/main" id="{B30D44A8-61F1-B08E-537C-1107B5C51C11}"/>
+              </a:ext>
+            </a:extLst>
+          </p:cNvPr>
+          <p:cNvSpPr txBox="1">
+            <a:spLocks noGrp="1"/>
+          </p:cNvSpPr>
+          <p:nvPr>
+            <p:ph type="body" idx="1"/>
+          </p:nvPr>
+        </p:nvSpPr>
+        <p:spPr>
+          <a:xfrm>
+            <a:off x="224629" y="810990"/>
+            <a:ext cx="8720587" cy="938297"/>
+          </a:xfrm>
+          <a:prstGeom prst="rect">
+            <a:avLst/>
+          </a:prstGeom>
+        </p:spPr>
+        <p:txBody>
+          <a:bodyPr spcFirstLastPara="1" wrap="square" lIns="91425" tIns="91425" rIns="91425" bIns="91425" anchor="t" anchorCtr="0">
+            <a:normAutofit fontScale="92500" lnSpcReduction="20000"/>
+          </a:bodyPr>
+          <a:lstStyle/>
+          <a:p>
+            <a:r>
+              <a:rPr lang="en-US" noProof="0" dirty="0"/>
+              <a:t>Bit rates between 2 kb/s and 24 kb/s.</a:t>
+            </a:r>
+          </a:p>
+          <a:p>
+            <a:r>
+              <a:rPr lang="en-US" dirty="0"/>
+              <a:t>Based on harmonic vector excitation coding (HVXC) and code excited predictive coding (CELP).</a:t>
+            </a:r>
+            <a:endParaRPr dirty="0"/>
+          </a:p>
+        </p:txBody>
+      </p:sp>
+      <p:pic>
+        <p:nvPicPr>
+          <p:cNvPr id="4" name="Picture 3" descr="A diagram of a speech language&#10;&#10;Description automatically generated">
+            <a:extLst>
+              <a:ext uri="{FF2B5EF4-FFF2-40B4-BE49-F238E27FC236}">
+                <a16:creationId xmlns:a16="http://schemas.microsoft.com/office/drawing/2014/main" id="{FE112DD3-1E15-D408-5776-57113D300937}"/>
+              </a:ext>
+            </a:extLst>
+          </p:cNvPr>
+          <p:cNvPicPr>
+            <a:picLocks noChangeAspect="1"/>
+          </p:cNvPicPr>
+          <p:nvPr/>
+        </p:nvPicPr>
+        <p:blipFill>
+          <a:blip r:embed="rId3"/>
+          <a:stretch>
+            <a:fillRect/>
+          </a:stretch>
+        </p:blipFill>
+        <p:spPr>
+          <a:xfrm rot="5400000">
+            <a:off x="3117685" y="341936"/>
+            <a:ext cx="3083558" cy="6042990"/>
+          </a:xfrm>
+          <a:prstGeom prst="rect">
+            <a:avLst/>
+          </a:prstGeom>
+        </p:spPr>
+      </p:pic>
+    </p:spTree>
+    <p:extLst>
+      <p:ext uri="{BB962C8B-B14F-4D97-AF65-F5344CB8AC3E}">
+        <p14:creationId xmlns:p14="http://schemas.microsoft.com/office/powerpoint/2010/main" val="272300182"/>
+      </p:ext>
+    </p:extLst>
+  </p:cSld>
+  <p:clrMapOvr>
+    <a:masterClrMapping/>
+  </p:clrMapOvr>
+</p:sld>
+</file>
+
+<file path=ppt/slides/slide21.xml><?xml version="1.0" encoding="utf-8"?>
+<p:sld xmlns:a="http://schemas.openxmlformats.org/drawingml/2006/main" xmlns:r="http://schemas.openxmlformats.org/officeDocument/2006/relationships" xmlns:p="http://schemas.openxmlformats.org/presentationml/2006/main">
+  <p:cSld>
+    <p:spTree>
+      <p:nvGrpSpPr>
+        <p:cNvPr id="1" name="Shape 172">
+          <a:extLst>
+            <a:ext uri="{FF2B5EF4-FFF2-40B4-BE49-F238E27FC236}">
+              <a16:creationId xmlns:a16="http://schemas.microsoft.com/office/drawing/2014/main" id="{E134795C-1FD9-BC93-BB69-87BED8373A89}"/>
+            </a:ext>
+          </a:extLst>
+        </p:cNvPr>
+        <p:cNvGrpSpPr/>
+        <p:nvPr/>
+      </p:nvGrpSpPr>
+      <p:grpSpPr>
+        <a:xfrm>
+          <a:off x="0" y="0"/>
+          <a:ext cx="0" cy="0"/>
+          <a:chOff x="0" y="0"/>
+          <a:chExt cx="0" cy="0"/>
+        </a:xfrm>
+      </p:grpSpPr>
+      <p:sp>
+        <p:nvSpPr>
+          <p:cNvPr id="173" name="Google Shape;173;p33">
+            <a:extLst>
+              <a:ext uri="{FF2B5EF4-FFF2-40B4-BE49-F238E27FC236}">
+                <a16:creationId xmlns:a16="http://schemas.microsoft.com/office/drawing/2014/main" id="{1FC8D9BA-7DA8-569F-BA99-C526E595405A}"/>
+              </a:ext>
+            </a:extLst>
+          </p:cNvPr>
+          <p:cNvSpPr txBox="1">
+            <a:spLocks noGrp="1"/>
+          </p:cNvSpPr>
+          <p:nvPr>
+            <p:ph type="title"/>
+          </p:nvPr>
+        </p:nvSpPr>
+        <p:spPr>
+          <a:xfrm>
+            <a:off x="311700" y="238291"/>
+            <a:ext cx="8520600" cy="572700"/>
+          </a:xfrm>
+          <a:prstGeom prst="rect">
+            <a:avLst/>
+          </a:prstGeom>
+        </p:spPr>
+        <p:txBody>
+          <a:bodyPr spcFirstLastPara="1" wrap="square" lIns="91425" tIns="91425" rIns="91425" bIns="91425" anchor="t" anchorCtr="0">
+            <a:normAutofit fontScale="90000"/>
+          </a:bodyPr>
+          <a:lstStyle/>
+          <a:p>
+            <a:pPr marL="0" lvl="0" indent="0" algn="l" rtl="0">
+              <a:spcBef>
+                <a:spcPts val="0"/>
+              </a:spcBef>
+              <a:spcAft>
+                <a:spcPts val="0"/>
+              </a:spcAft>
+              <a:buNone/>
+            </a:pPr>
+            <a:r>
+              <a:rPr lang="en" dirty="0"/>
+              <a:t>MPEG-4 Structured Audio Coding</a:t>
+            </a:r>
+            <a:endParaRPr dirty="0"/>
+          </a:p>
+        </p:txBody>
+      </p:sp>
+      <p:sp>
+        <p:nvSpPr>
+          <p:cNvPr id="2" name="Google Shape;162;p31">
+            <a:extLst>
+              <a:ext uri="{FF2B5EF4-FFF2-40B4-BE49-F238E27FC236}">
+                <a16:creationId xmlns:a16="http://schemas.microsoft.com/office/drawing/2014/main" id="{4BCC6B85-ED42-0461-F79F-F1F0954DC873}"/>
+              </a:ext>
+            </a:extLst>
+          </p:cNvPr>
+          <p:cNvSpPr txBox="1">
+            <a:spLocks noGrp="1"/>
+          </p:cNvSpPr>
+          <p:nvPr>
+            <p:ph type="body" idx="1"/>
+          </p:nvPr>
+        </p:nvSpPr>
+        <p:spPr>
+          <a:xfrm>
+            <a:off x="224629" y="810990"/>
+            <a:ext cx="8720588" cy="1153506"/>
+          </a:xfrm>
+          <a:prstGeom prst="rect">
+            <a:avLst/>
+          </a:prstGeom>
+        </p:spPr>
+        <p:txBody>
+          <a:bodyPr spcFirstLastPara="1" wrap="square" lIns="91425" tIns="91425" rIns="91425" bIns="91425" anchor="t" anchorCtr="0">
+            <a:normAutofit fontScale="85000" lnSpcReduction="10000"/>
+          </a:bodyPr>
+          <a:lstStyle/>
+          <a:p>
+            <a:r>
+              <a:rPr lang="en-US" noProof="0" dirty="0"/>
+              <a:t>Ability to represent and encode efficiently synthetic audio and multimedia content.</a:t>
+            </a:r>
+          </a:p>
+          <a:p>
+            <a:r>
+              <a:rPr lang="en-US" noProof="0" dirty="0"/>
+              <a:t>Based on the synthesizer-description language called </a:t>
+            </a:r>
+            <a:r>
+              <a:rPr lang="en-US" i="1" noProof="0" dirty="0" err="1"/>
+              <a:t>Csound</a:t>
+            </a:r>
+            <a:r>
+              <a:rPr lang="en-US" noProof="0" dirty="0"/>
+              <a:t>.</a:t>
+            </a:r>
+          </a:p>
+          <a:p>
+            <a:r>
+              <a:rPr lang="en-US" dirty="0"/>
+              <a:t>Defines a set of syntax and semantic rules corresponding to the Structured Audio orchestra Language (SAOL).</a:t>
+            </a:r>
+            <a:endParaRPr lang="en-US" noProof="0" dirty="0"/>
+          </a:p>
+        </p:txBody>
+      </p:sp>
+      <p:pic>
+        <p:nvPicPr>
+          <p:cNvPr id="5" name="Picture 4" descr="A diagram of a data processing process&#10;&#10;Description automatically generated">
+            <a:extLst>
+              <a:ext uri="{FF2B5EF4-FFF2-40B4-BE49-F238E27FC236}">
+                <a16:creationId xmlns:a16="http://schemas.microsoft.com/office/drawing/2014/main" id="{01DC7858-FE9B-424D-C2E1-B3BFDDEC93ED}"/>
+              </a:ext>
+            </a:extLst>
+          </p:cNvPr>
+          <p:cNvPicPr>
+            <a:picLocks noChangeAspect="1"/>
+          </p:cNvPicPr>
+          <p:nvPr/>
+        </p:nvPicPr>
+        <p:blipFill>
+          <a:blip r:embed="rId3"/>
+          <a:stretch>
+            <a:fillRect/>
+          </a:stretch>
+        </p:blipFill>
+        <p:spPr>
+          <a:xfrm>
+            <a:off x="2080081" y="2036058"/>
+            <a:ext cx="5324470" cy="3012275"/>
+          </a:xfrm>
+          <a:prstGeom prst="rect">
+            <a:avLst/>
+          </a:prstGeom>
+        </p:spPr>
+      </p:pic>
+    </p:spTree>
+    <p:extLst>
+      <p:ext uri="{BB962C8B-B14F-4D97-AF65-F5344CB8AC3E}">
+        <p14:creationId xmlns:p14="http://schemas.microsoft.com/office/powerpoint/2010/main" val="703058909"/>
+      </p:ext>
+    </p:extLst>
+  </p:cSld>
+  <p:clrMapOvr>
+    <a:masterClrMapping/>
+  </p:clrMapOvr>
+</p:sld>
+</file>
+
+<file path=ppt/slides/slide22.xml><?xml version="1.0" encoding="utf-8"?>
+<p:sld xmlns:a="http://schemas.openxmlformats.org/drawingml/2006/main" xmlns:r="http://schemas.openxmlformats.org/officeDocument/2006/relationships" xmlns:p="http://schemas.openxmlformats.org/presentationml/2006/main">
+  <p:cSld>
+    <p:spTree>
+      <p:nvGrpSpPr>
+        <p:cNvPr id="1" name="Shape 178"/>
         <p:cNvGrpSpPr/>
         <p:nvPr/>
       </p:nvGrpSpPr>
@@ -9808,7 +10341,9 @@
       <p:sp>
         <p:nvSpPr>
           <p:cNvPr id="179" name="Google Shape;179;p34"/>
-          <p:cNvSpPr txBox="1"/>
+          <p:cNvSpPr txBox="1">
+            <a:spLocks noGrp="1"/>
+          </p:cNvSpPr>
           <p:nvPr>
             <p:ph type="title"/>
           </p:nvPr>
@@ -9823,12 +10358,12 @@
           </a:prstGeom>
         </p:spPr>
         <p:txBody>
-          <a:bodyPr anchorCtr="0" anchor="t" bIns="91425" lIns="91425" spcFirstLastPara="1" rIns="91425" wrap="square" tIns="91425">
+          <a:bodyPr spcFirstLastPara="1" wrap="square" lIns="91425" tIns="91425" rIns="91425" bIns="91425" anchor="t" anchorCtr="0">
             <a:normAutofit fontScale="90000"/>
           </a:bodyPr>
           <a:lstStyle/>
           <a:p>
-            <a:pPr indent="0" lvl="0" marL="0" rtl="0" algn="l">
+            <a:pPr marL="0" lvl="0" indent="0" algn="l" rtl="0">
               <a:spcBef>
                 <a:spcPts val="0"/>
               </a:spcBef>
@@ -9848,9 +10383,11 @@
       <p:sp>
         <p:nvSpPr>
           <p:cNvPr id="180" name="Google Shape;180;p34"/>
-          <p:cNvSpPr txBox="1"/>
+          <p:cNvSpPr txBox="1">
+            <a:spLocks noGrp="1"/>
+          </p:cNvSpPr>
           <p:nvPr>
-            <p:ph idx="1" type="body"/>
+            <p:ph type="body" idx="1"/>
           </p:nvPr>
         </p:nvSpPr>
         <p:spPr>
@@ -9863,12 +10400,32 @@
           </a:prstGeom>
         </p:spPr>
         <p:txBody>
-          <a:bodyPr anchorCtr="0" anchor="t" bIns="91425" lIns="91425" spcFirstLastPara="1" rIns="91425" wrap="square" tIns="91425">
+          <a:bodyPr spcFirstLastPara="1" wrap="square" lIns="91425" tIns="91425" rIns="91425" bIns="91425" anchor="t" anchorCtr="0">
             <a:normAutofit/>
           </a:bodyPr>
           <a:lstStyle/>
           <a:p>
-            <a:pPr indent="-342900" lvl="0" marL="457200" rtl="0" algn="l">
+            <a:pPr marL="114300" lvl="0" indent="0" algn="l" rtl="0">
+              <a:spcBef>
+                <a:spcPts val="0"/>
+              </a:spcBef>
+              <a:spcAft>
+                <a:spcPts val="0"/>
+              </a:spcAft>
+              <a:buSzPts val="1800"/>
+              <a:buNone/>
+            </a:pPr>
+            <a:r>
+              <a:rPr lang="en" dirty="0"/>
+              <a:t>De factor standard in most movie houses and home theaters.</a:t>
+            </a:r>
+            <a:br>
+              <a:rPr lang="en" dirty="0"/>
+            </a:br>
+            <a:endParaRPr lang="en" dirty="0"/>
+          </a:p>
+          <a:p>
+            <a:pPr marL="457200" lvl="0" indent="-342900" algn="l" rtl="0">
               <a:spcBef>
                 <a:spcPts val="0"/>
               </a:spcBef>
@@ -9879,13 +10436,13 @@
               <a:buChar char="●"/>
             </a:pPr>
             <a:r>
-              <a:rPr lang="en"/>
+              <a:rPr lang="en" dirty="0"/>
               <a:t>Sample rates: 32, 44.1, and 48 kHz</a:t>
             </a:r>
-            <a:endParaRPr/>
-          </a:p>
-          <a:p>
-            <a:pPr indent="-342900" lvl="0" marL="457200" rtl="0" algn="l">
+            <a:endParaRPr dirty="0"/>
+          </a:p>
+          <a:p>
+            <a:pPr marL="457200" lvl="0" indent="-342900" algn="l" rtl="0">
               <a:spcBef>
                 <a:spcPts val="0"/>
               </a:spcBef>
@@ -9896,13 +10453,13 @@
               <a:buChar char="●"/>
             </a:pPr>
             <a:r>
-              <a:rPr lang="en"/>
+              <a:rPr lang="en" dirty="0"/>
               <a:t>Bit rates: 32–640 kb/s, variable</a:t>
             </a:r>
-            <a:endParaRPr/>
-          </a:p>
-          <a:p>
-            <a:pPr indent="-342900" lvl="0" marL="457200" rtl="0" algn="l">
+            <a:endParaRPr dirty="0"/>
+          </a:p>
+          <a:p>
+            <a:pPr marL="457200" lvl="0" indent="-342900" algn="l" rtl="0">
               <a:spcBef>
                 <a:spcPts val="0"/>
               </a:spcBef>
@@ -9913,13 +10470,13 @@
               <a:buChar char="●"/>
             </a:pPr>
             <a:r>
-              <a:rPr lang="en"/>
+              <a:rPr lang="en" dirty="0"/>
               <a:t>High-quality output at 64 kb/s per channel</a:t>
             </a:r>
-            <a:endParaRPr/>
-          </a:p>
-          <a:p>
-            <a:pPr indent="-342900" lvl="0" marL="457200" rtl="0" algn="l">
+            <a:endParaRPr dirty="0"/>
+          </a:p>
+          <a:p>
+            <a:pPr marL="457200" lvl="0" indent="-342900" algn="l" rtl="0">
               <a:spcBef>
                 <a:spcPts val="0"/>
               </a:spcBef>
@@ -9930,13 +10487,17 @@
               <a:buChar char="●"/>
             </a:pPr>
             <a:r>
-              <a:rPr lang="en"/>
-              <a:t>Delay roughly 100 ms</a:t>
+              <a:rPr lang="en" dirty="0"/>
+              <a:t>Delay roughly 100 </a:t>
             </a:r>
-            <a:endParaRPr/>
-          </a:p>
-          <a:p>
-            <a:pPr indent="-342900" lvl="0" marL="457200" rtl="0" algn="l">
+            <a:r>
+              <a:rPr lang="en" dirty="0" err="1"/>
+              <a:t>ms</a:t>
+            </a:r>
+            <a:endParaRPr dirty="0"/>
+          </a:p>
+          <a:p>
+            <a:pPr marL="457200" lvl="0" indent="-342900" algn="l" rtl="0">
               <a:spcBef>
                 <a:spcPts val="0"/>
               </a:spcBef>
@@ -9947,13 +10508,12 @@
               <a:buChar char="●"/>
             </a:pPr>
             <a:r>
-              <a:rPr lang="en"/>
-              <a:t>Multiple channels processed as an ensemble</a:t>
+              <a:rPr lang="en" dirty="0"/>
+              <a:t>MCDT filter bank</a:t>
             </a:r>
-            <a:endParaRPr/>
-          </a:p>
-          <a:p>
-            <a:pPr indent="-342900" lvl="0" marL="457200" rtl="0" algn="l">
+          </a:p>
+          <a:p>
+            <a:pPr marL="457200" lvl="0" indent="-342900" algn="l" rtl="0">
               <a:spcBef>
                 <a:spcPts val="0"/>
               </a:spcBef>
@@ -9964,13 +10524,30 @@
               <a:buChar char="●"/>
             </a:pPr>
             <a:r>
-              <a:rPr lang="en"/>
+              <a:rPr lang="en" dirty="0"/>
+              <a:t>Multiple channels processed as an ensemble</a:t>
+            </a:r>
+            <a:endParaRPr dirty="0"/>
+          </a:p>
+          <a:p>
+            <a:pPr marL="457200" lvl="0" indent="-342900" algn="l" rtl="0">
+              <a:spcBef>
+                <a:spcPts val="0"/>
+              </a:spcBef>
+              <a:spcAft>
+                <a:spcPts val="0"/>
+              </a:spcAft>
+              <a:buSzPts val="1800"/>
+              <a:buChar char="●"/>
+            </a:pPr>
+            <a:r>
+              <a:rPr lang="en" dirty="0"/>
               <a:t>Robust decoder downmix functionality from 5.1 to fewer channels</a:t>
             </a:r>
-            <a:endParaRPr/>
-          </a:p>
-          <a:p>
-            <a:pPr indent="0" lvl="0" marL="0" rtl="0" algn="l">
+            <a:endParaRPr dirty="0"/>
+          </a:p>
+          <a:p>
+            <a:pPr marL="0" lvl="0" indent="0" algn="l" rtl="0">
               <a:spcBef>
                 <a:spcPts val="1200"/>
               </a:spcBef>
@@ -9979,10 +10556,7 @@
               </a:spcAft>
               <a:buNone/>
             </a:pPr>
-            <a:r>
-              <a:t/>
-            </a:r>
-            <a:endParaRPr/>
+            <a:endParaRPr dirty="0"/>
           </a:p>
         </p:txBody>
       </p:sp>
@@ -9995,11 +10569,11 @@
 </file>
 
 <file path=ppt/slides/slide23.xml><?xml version="1.0" encoding="utf-8"?>
-<p:sld xmlns:a="http://schemas.openxmlformats.org/drawingml/2006/main" xmlns:r="http://schemas.openxmlformats.org/officeDocument/2006/relationships" xmlns:mc="http://schemas.openxmlformats.org/markup-compatibility/2006" xmlns:mv="urn:schemas-microsoft-com:mac:vml" xmlns:p="http://schemas.openxmlformats.org/presentationml/2006/main" xmlns:c="http://schemas.openxmlformats.org/drawingml/2006/chart" xmlns:dgm="http://schemas.openxmlformats.org/drawingml/2006/diagram" xmlns:o="urn:schemas-microsoft-com:office:office" xmlns:v="urn:schemas-microsoft-com:vml" xmlns:pvml="urn:schemas-microsoft-com:office:powerpoint" xmlns:com="http://schemas.openxmlformats.org/drawingml/2006/compatibility" xmlns:p14="http://schemas.microsoft.com/office/powerpoint/2010/main" xmlns:p15="http://schemas.microsoft.com/office/powerpoint/2012/main" xmlns:ahyp="http://schemas.microsoft.com/office/drawing/2018/hyperlinkcolor">
+<p:sld xmlns:a="http://schemas.openxmlformats.org/drawingml/2006/main" xmlns:r="http://schemas.openxmlformats.org/officeDocument/2006/relationships" xmlns:p="http://schemas.openxmlformats.org/presentationml/2006/main">
   <p:cSld>
     <p:spTree>
       <p:nvGrpSpPr>
-        <p:cNvPr id="184" name="Shape 184"/>
+        <p:cNvPr id="1" name="Shape 184"/>
         <p:cNvGrpSpPr/>
         <p:nvPr/>
       </p:nvGrpSpPr>
@@ -10014,7 +10588,9 @@
       <p:sp>
         <p:nvSpPr>
           <p:cNvPr id="185" name="Google Shape;185;p35"/>
-          <p:cNvSpPr txBox="1"/>
+          <p:cNvSpPr txBox="1">
+            <a:spLocks noGrp="1"/>
+          </p:cNvSpPr>
           <p:nvPr>
             <p:ph type="title"/>
           </p:nvPr>
@@ -10029,12 +10605,12 @@
           </a:prstGeom>
         </p:spPr>
         <p:txBody>
-          <a:bodyPr anchorCtr="0" anchor="t" bIns="91425" lIns="91425" spcFirstLastPara="1" rIns="91425" wrap="square" tIns="91425">
+          <a:bodyPr spcFirstLastPara="1" wrap="square" lIns="91425" tIns="91425" rIns="91425" bIns="91425" anchor="t" anchorCtr="0">
             <a:normAutofit fontScale="90000"/>
           </a:bodyPr>
           <a:lstStyle/>
           <a:p>
-            <a:pPr indent="0" lvl="0" marL="0" rtl="0" algn="l">
+            <a:pPr marL="0" lvl="0" indent="0" algn="l" rtl="0">
               <a:spcBef>
                 <a:spcPts val="0"/>
               </a:spcBef>
@@ -10088,11 +10664,11 @@
 </file>
 
 <file path=ppt/slides/slide24.xml><?xml version="1.0" encoding="utf-8"?>
-<p:sld xmlns:a="http://schemas.openxmlformats.org/drawingml/2006/main" xmlns:r="http://schemas.openxmlformats.org/officeDocument/2006/relationships" xmlns:mc="http://schemas.openxmlformats.org/markup-compatibility/2006" xmlns:mv="urn:schemas-microsoft-com:mac:vml" xmlns:p="http://schemas.openxmlformats.org/presentationml/2006/main" xmlns:c="http://schemas.openxmlformats.org/drawingml/2006/chart" xmlns:dgm="http://schemas.openxmlformats.org/drawingml/2006/diagram" xmlns:o="urn:schemas-microsoft-com:office:office" xmlns:v="urn:schemas-microsoft-com:vml" xmlns:pvml="urn:schemas-microsoft-com:office:powerpoint" xmlns:com="http://schemas.openxmlformats.org/drawingml/2006/compatibility" xmlns:p14="http://schemas.microsoft.com/office/powerpoint/2010/main" xmlns:p15="http://schemas.microsoft.com/office/powerpoint/2012/main" xmlns:ahyp="http://schemas.microsoft.com/office/drawing/2018/hyperlinkcolor">
+<p:sld xmlns:a="http://schemas.openxmlformats.org/drawingml/2006/main" xmlns:r="http://schemas.openxmlformats.org/officeDocument/2006/relationships" xmlns:p="http://schemas.openxmlformats.org/presentationml/2006/main">
   <p:cSld>
     <p:spTree>
       <p:nvGrpSpPr>
-        <p:cNvPr id="190" name="Shape 190"/>
+        <p:cNvPr id="1" name="Shape 190"/>
         <p:cNvGrpSpPr/>
         <p:nvPr/>
       </p:nvGrpSpPr>
@@ -10107,7 +10683,9 @@
       <p:sp>
         <p:nvSpPr>
           <p:cNvPr id="191" name="Google Shape;191;p36"/>
-          <p:cNvSpPr txBox="1"/>
+          <p:cNvSpPr txBox="1">
+            <a:spLocks noGrp="1"/>
+          </p:cNvSpPr>
           <p:nvPr>
             <p:ph type="title"/>
           </p:nvPr>
@@ -10122,12 +10700,12 @@
           </a:prstGeom>
         </p:spPr>
         <p:txBody>
-          <a:bodyPr anchorCtr="0" anchor="t" bIns="91425" lIns="91425" spcFirstLastPara="1" rIns="91425" wrap="square" tIns="91425">
+          <a:bodyPr spcFirstLastPara="1" wrap="square" lIns="91425" tIns="91425" rIns="91425" bIns="91425" anchor="t" anchorCtr="0">
             <a:normAutofit fontScale="90000"/>
           </a:bodyPr>
           <a:lstStyle/>
           <a:p>
-            <a:pPr indent="0" lvl="0" marL="0" rtl="0" algn="l">
+            <a:pPr marL="0" lvl="0" indent="0" algn="l" rtl="0">
               <a:spcBef>
                 <a:spcPts val="0"/>
               </a:spcBef>
@@ -10137,10 +10715,18 @@
               <a:buNone/>
             </a:pPr>
             <a:r>
-              <a:rPr lang="en"/>
-              <a:t>Lossless Audio coding algorithms</a:t>
+              <a:rPr lang="en" dirty="0"/>
+              <a:t>Lossless audio coding algorithms (L</a:t>
             </a:r>
-            <a:endParaRPr/>
+            <a:r>
+              <a:rPr lang="en" baseline="30000" dirty="0"/>
+              <a:t>2</a:t>
+            </a:r>
+            <a:r>
+              <a:rPr lang="en" dirty="0"/>
+              <a:t>AC)</a:t>
+            </a:r>
+            <a:endParaRPr dirty="0"/>
           </a:p>
         </p:txBody>
       </p:sp>
@@ -10160,7 +10746,7 @@
         </p:blipFill>
         <p:spPr>
           <a:xfrm>
-            <a:off x="2025825" y="598850"/>
+            <a:off x="4212434" y="560323"/>
             <a:ext cx="4357851" cy="4495252"/>
           </a:xfrm>
           <a:prstGeom prst="rect">
@@ -10172,6 +10758,66 @@
           </a:ln>
         </p:spPr>
       </p:pic>
+      <p:sp>
+        <p:nvSpPr>
+          <p:cNvPr id="2" name="Google Shape;180;p34">
+            <a:extLst>
+              <a:ext uri="{FF2B5EF4-FFF2-40B4-BE49-F238E27FC236}">
+                <a16:creationId xmlns:a16="http://schemas.microsoft.com/office/drawing/2014/main" id="{761F6B78-6C23-F39A-C27C-C54DAAC75B9C}"/>
+              </a:ext>
+            </a:extLst>
+          </p:cNvPr>
+          <p:cNvSpPr txBox="1">
+            <a:spLocks noGrp="1"/>
+          </p:cNvSpPr>
+          <p:nvPr>
+            <p:ph type="body" idx="1"/>
+          </p:nvPr>
+        </p:nvSpPr>
+        <p:spPr>
+          <a:xfrm>
+            <a:off x="311004" y="863550"/>
+            <a:ext cx="3901429" cy="3416400"/>
+          </a:xfrm>
+          <a:prstGeom prst="rect">
+            <a:avLst/>
+          </a:prstGeom>
+        </p:spPr>
+        <p:txBody>
+          <a:bodyPr spcFirstLastPara="1" wrap="square" lIns="91425" tIns="91425" rIns="91425" bIns="91425" anchor="t" anchorCtr="0">
+            <a:normAutofit/>
+          </a:bodyPr>
+          <a:lstStyle/>
+          <a:p>
+            <a:r>
+              <a:rPr lang="en" dirty="0"/>
+              <a:t>High-quality audio without any artifacts.</a:t>
+            </a:r>
+          </a:p>
+          <a:p>
+            <a:r>
+              <a:rPr lang="en" dirty="0"/>
+              <a:t>Compression ratios of 2:1 – 4:1.</a:t>
+            </a:r>
+          </a:p>
+          <a:p>
+            <a:r>
+              <a:rPr lang="en" dirty="0"/>
+              <a:t>Not used in real-time and Internet streaming applications.</a:t>
+            </a:r>
+          </a:p>
+          <a:p>
+            <a:r>
+              <a:rPr lang="en" dirty="0"/>
+              <a:t>Employ psychoacoustic principles and time-frequency mapping (not exact replica)</a:t>
+            </a:r>
+            <a:br>
+              <a:rPr lang="en" dirty="0"/>
+            </a:br>
+            <a:endParaRPr dirty="0"/>
+          </a:p>
+        </p:txBody>
+      </p:sp>
     </p:spTree>
   </p:cSld>
   <p:clrMapOvr>
@@ -10181,11 +10827,11 @@
 </file>
 
 <file path=ppt/slides/slide25.xml><?xml version="1.0" encoding="utf-8"?>
-<p:sld xmlns:a="http://schemas.openxmlformats.org/drawingml/2006/main" xmlns:r="http://schemas.openxmlformats.org/officeDocument/2006/relationships" xmlns:mc="http://schemas.openxmlformats.org/markup-compatibility/2006" xmlns:mv="urn:schemas-microsoft-com:mac:vml" xmlns:p="http://schemas.openxmlformats.org/presentationml/2006/main" xmlns:c="http://schemas.openxmlformats.org/drawingml/2006/chart" xmlns:dgm="http://schemas.openxmlformats.org/drawingml/2006/diagram" xmlns:o="urn:schemas-microsoft-com:office:office" xmlns:v="urn:schemas-microsoft-com:vml" xmlns:pvml="urn:schemas-microsoft-com:office:powerpoint" xmlns:com="http://schemas.openxmlformats.org/drawingml/2006/compatibility" xmlns:p14="http://schemas.microsoft.com/office/powerpoint/2010/main" xmlns:p15="http://schemas.microsoft.com/office/powerpoint/2012/main" xmlns:ahyp="http://schemas.microsoft.com/office/drawing/2018/hyperlinkcolor">
+<p:sld xmlns:a="http://schemas.openxmlformats.org/drawingml/2006/main" xmlns:r="http://schemas.openxmlformats.org/officeDocument/2006/relationships" xmlns:p="http://schemas.openxmlformats.org/presentationml/2006/main">
   <p:cSld>
     <p:spTree>
       <p:nvGrpSpPr>
-        <p:cNvPr id="196" name="Shape 196"/>
+        <p:cNvPr id="1" name="Shape 196"/>
         <p:cNvGrpSpPr/>
         <p:nvPr/>
       </p:nvGrpSpPr>
@@ -10200,7 +10846,9 @@
       <p:sp>
         <p:nvSpPr>
           <p:cNvPr id="197" name="Google Shape;197;p37"/>
-          <p:cNvSpPr txBox="1"/>
+          <p:cNvSpPr txBox="1">
+            <a:spLocks noGrp="1"/>
+          </p:cNvSpPr>
           <p:nvPr>
             <p:ph type="title"/>
           </p:nvPr>
@@ -10215,12 +10863,12 @@
           </a:prstGeom>
         </p:spPr>
         <p:txBody>
-          <a:bodyPr anchorCtr="0" anchor="t" bIns="91425" lIns="91425" spcFirstLastPara="1" rIns="91425" wrap="square" tIns="91425">
+          <a:bodyPr spcFirstLastPara="1" wrap="square" lIns="91425" tIns="91425" rIns="91425" bIns="91425" anchor="t" anchorCtr="0">
             <a:normAutofit fontScale="90000"/>
           </a:bodyPr>
           <a:lstStyle/>
           <a:p>
-            <a:pPr indent="0" lvl="0" marL="0" rtl="0" algn="l">
+            <a:pPr marL="0" lvl="0" indent="0" algn="l" rtl="0">
               <a:spcBef>
                 <a:spcPts val="0"/>
               </a:spcBef>
@@ -10231,15 +10879,7 @@
             </a:pPr>
             <a:r>
               <a:rPr lang="en"/>
-              <a:t>Lossless </a:t>
-            </a:r>
-            <a:r>
-              <a:rPr lang="en"/>
-              <a:t>audio</a:t>
-            </a:r>
-            <a:r>
-              <a:rPr lang="en"/>
-              <a:t> based on lossy audio scheme</a:t>
+              <a:t>Lossless audio based on lossy audio scheme</a:t>
             </a:r>
             <a:endParaRPr/>
           </a:p>
@@ -10281,12 +10921,131 @@
 </p:sld>
 </file>
 
-<file path=ppt/slides/slide3.xml><?xml version="1.0" encoding="utf-8"?>
-<p:sld xmlns:a="http://schemas.openxmlformats.org/drawingml/2006/main" xmlns:r="http://schemas.openxmlformats.org/officeDocument/2006/relationships" xmlns:mc="http://schemas.openxmlformats.org/markup-compatibility/2006" xmlns:mv="urn:schemas-microsoft-com:mac:vml" xmlns:p="http://schemas.openxmlformats.org/presentationml/2006/main" xmlns:c="http://schemas.openxmlformats.org/drawingml/2006/chart" xmlns:dgm="http://schemas.openxmlformats.org/drawingml/2006/diagram" xmlns:o="urn:schemas-microsoft-com:office:office" xmlns:v="urn:schemas-microsoft-com:vml" xmlns:pvml="urn:schemas-microsoft-com:office:powerpoint" xmlns:com="http://schemas.openxmlformats.org/drawingml/2006/compatibility" xmlns:p14="http://schemas.microsoft.com/office/powerpoint/2010/main" xmlns:p15="http://schemas.microsoft.com/office/powerpoint/2012/main" xmlns:ahyp="http://schemas.microsoft.com/office/drawing/2018/hyperlinkcolor">
+<file path=ppt/slides/slide26.xml><?xml version="1.0" encoding="utf-8"?>
+<p:sld xmlns:a="http://schemas.openxmlformats.org/drawingml/2006/main" xmlns:r="http://schemas.openxmlformats.org/officeDocument/2006/relationships" xmlns:p="http://schemas.openxmlformats.org/presentationml/2006/main">
   <p:cSld>
     <p:spTree>
       <p:nvGrpSpPr>
-        <p:cNvPr id="65" name="Shape 65"/>
+        <p:cNvPr id="1" name=""/>
+        <p:cNvGrpSpPr/>
+        <p:nvPr/>
+      </p:nvGrpSpPr>
+      <p:grpSpPr>
+        <a:xfrm>
+          <a:off x="0" y="0"/>
+          <a:ext cx="0" cy="0"/>
+          <a:chOff x="0" y="0"/>
+          <a:chExt cx="0" cy="0"/>
+        </a:xfrm>
+      </p:grpSpPr>
+      <p:sp>
+        <p:nvSpPr>
+          <p:cNvPr id="2" name="Title 1">
+            <a:extLst>
+              <a:ext uri="{FF2B5EF4-FFF2-40B4-BE49-F238E27FC236}">
+                <a16:creationId xmlns:a16="http://schemas.microsoft.com/office/drawing/2014/main" id="{E6D435AE-5225-CB51-5EE4-9734452C8390}"/>
+              </a:ext>
+            </a:extLst>
+          </p:cNvPr>
+          <p:cNvSpPr>
+            <a:spLocks noGrp="1"/>
+          </p:cNvSpPr>
+          <p:nvPr>
+            <p:ph type="title"/>
+          </p:nvPr>
+        </p:nvSpPr>
+        <p:spPr/>
+        <p:txBody>
+          <a:bodyPr>
+            <a:normAutofit fontScale="90000"/>
+          </a:bodyPr>
+          <a:lstStyle/>
+          <a:p>
+            <a:r>
+              <a:rPr lang="en-US" dirty="0"/>
+              <a:t>References</a:t>
+            </a:r>
+          </a:p>
+        </p:txBody>
+      </p:sp>
+      <p:sp>
+        <p:nvSpPr>
+          <p:cNvPr id="3" name="Text Placeholder 2">
+            <a:extLst>
+              <a:ext uri="{FF2B5EF4-FFF2-40B4-BE49-F238E27FC236}">
+                <a16:creationId xmlns:a16="http://schemas.microsoft.com/office/drawing/2014/main" id="{AF301F5F-C0E3-E44A-F5F8-D1BA5BE1E7C6}"/>
+              </a:ext>
+            </a:extLst>
+          </p:cNvPr>
+          <p:cNvSpPr>
+            <a:spLocks noGrp="1"/>
+          </p:cNvSpPr>
+          <p:nvPr>
+            <p:ph type="body" idx="1"/>
+          </p:nvPr>
+        </p:nvSpPr>
+        <p:spPr/>
+        <p:txBody>
+          <a:bodyPr/>
+          <a:lstStyle/>
+          <a:p>
+            <a:r>
+              <a:rPr lang="en-US" dirty="0"/>
+              <a:t>“Chapter 10: Audio coding standards and algorithms” in Andreas </a:t>
+            </a:r>
+            <a:r>
+              <a:rPr lang="en-US" dirty="0" err="1"/>
+              <a:t>Spanias</a:t>
+            </a:r>
+            <a:r>
+              <a:rPr lang="en-US" dirty="0"/>
+              <a:t>, Ted Painter, and Venkatraman Atti (2007). Audio Signal Processing and Coding. John Wiley &amp; Sons, Inc.</a:t>
+            </a:r>
+          </a:p>
+          <a:p>
+            <a:r>
+              <a:rPr lang="en-US" dirty="0"/>
+              <a:t>“Chapter 11: Lossless audio coding and digital watermarking” in Andreas </a:t>
+            </a:r>
+            <a:r>
+              <a:rPr lang="en-US" dirty="0" err="1"/>
+              <a:t>Spanias</a:t>
+            </a:r>
+            <a:r>
+              <a:rPr lang="en-US" dirty="0"/>
+              <a:t>, Ted Painter, and Venkatraman Atti (2007). Audio Signal Processing and Coding. John Wiley &amp; Sons, Inc.</a:t>
+            </a:r>
+          </a:p>
+          <a:p>
+            <a:endParaRPr lang="en-US" dirty="0"/>
+          </a:p>
+          <a:p>
+            <a:pPr marL="114300" indent="0">
+              <a:buNone/>
+            </a:pPr>
+            <a:endParaRPr lang="en-US" dirty="0"/>
+          </a:p>
+        </p:txBody>
+      </p:sp>
+    </p:spTree>
+    <p:extLst>
+      <p:ext uri="{BB962C8B-B14F-4D97-AF65-F5344CB8AC3E}">
+        <p14:creationId xmlns:p14="http://schemas.microsoft.com/office/powerpoint/2010/main" val="911984047"/>
+      </p:ext>
+    </p:extLst>
+  </p:cSld>
+  <p:clrMapOvr>
+    <a:masterClrMapping/>
+  </p:clrMapOvr>
+</p:sld>
+</file>
+
+<file path=ppt/slides/slide3.xml><?xml version="1.0" encoding="utf-8"?>
+<p:sld xmlns:a="http://schemas.openxmlformats.org/drawingml/2006/main" xmlns:r="http://schemas.openxmlformats.org/officeDocument/2006/relationships" xmlns:p="http://schemas.openxmlformats.org/presentationml/2006/main">
+  <p:cSld>
+    <p:spTree>
+      <p:nvGrpSpPr>
+        <p:cNvPr id="1" name="Shape 65"/>
         <p:cNvGrpSpPr/>
         <p:nvPr/>
       </p:nvGrpSpPr>
@@ -10301,7 +11060,9 @@
       <p:sp>
         <p:nvSpPr>
           <p:cNvPr id="66" name="Google Shape;66;p15"/>
-          <p:cNvSpPr txBox="1"/>
+          <p:cNvSpPr txBox="1">
+            <a:spLocks noGrp="1"/>
+          </p:cNvSpPr>
           <p:nvPr>
             <p:ph type="title"/>
           </p:nvPr>
@@ -10316,12 +11077,12 @@
           </a:prstGeom>
         </p:spPr>
         <p:txBody>
-          <a:bodyPr anchorCtr="0" anchor="t" bIns="91425" lIns="91425" spcFirstLastPara="1" rIns="91425" wrap="square" tIns="91425">
+          <a:bodyPr spcFirstLastPara="1" wrap="square" lIns="91425" tIns="91425" rIns="91425" bIns="91425" anchor="t" anchorCtr="0">
             <a:normAutofit fontScale="90000"/>
           </a:bodyPr>
           <a:lstStyle/>
           <a:p>
-            <a:pPr indent="0" lvl="0" marL="0" rtl="0" algn="l">
+            <a:pPr marL="0" lvl="0" indent="0" algn="l" rtl="0">
               <a:spcBef>
                 <a:spcPts val="0"/>
               </a:spcBef>
@@ -10375,11 +11136,11 @@
 </file>
 
 <file path=ppt/slides/slide4.xml><?xml version="1.0" encoding="utf-8"?>
-<p:sld xmlns:a="http://schemas.openxmlformats.org/drawingml/2006/main" xmlns:r="http://schemas.openxmlformats.org/officeDocument/2006/relationships" xmlns:mc="http://schemas.openxmlformats.org/markup-compatibility/2006" xmlns:mv="urn:schemas-microsoft-com:mac:vml" xmlns:p="http://schemas.openxmlformats.org/presentationml/2006/main" xmlns:c="http://schemas.openxmlformats.org/drawingml/2006/chart" xmlns:dgm="http://schemas.openxmlformats.org/drawingml/2006/diagram" xmlns:o="urn:schemas-microsoft-com:office:office" xmlns:v="urn:schemas-microsoft-com:vml" xmlns:pvml="urn:schemas-microsoft-com:office:powerpoint" xmlns:com="http://schemas.openxmlformats.org/drawingml/2006/compatibility" xmlns:p14="http://schemas.microsoft.com/office/powerpoint/2010/main" xmlns:p15="http://schemas.microsoft.com/office/powerpoint/2012/main" xmlns:ahyp="http://schemas.microsoft.com/office/drawing/2018/hyperlinkcolor">
+<p:sld xmlns:a="http://schemas.openxmlformats.org/drawingml/2006/main" xmlns:r="http://schemas.openxmlformats.org/officeDocument/2006/relationships" xmlns:p="http://schemas.openxmlformats.org/presentationml/2006/main">
   <p:cSld>
     <p:spTree>
       <p:nvGrpSpPr>
-        <p:cNvPr id="71" name="Shape 71"/>
+        <p:cNvPr id="1" name="Shape 71"/>
         <p:cNvGrpSpPr/>
         <p:nvPr/>
       </p:nvGrpSpPr>
@@ -10394,7 +11155,9 @@
       <p:sp>
         <p:nvSpPr>
           <p:cNvPr id="72" name="Google Shape;72;p16"/>
-          <p:cNvSpPr txBox="1"/>
+          <p:cNvSpPr txBox="1">
+            <a:spLocks noGrp="1"/>
+          </p:cNvSpPr>
           <p:nvPr>
             <p:ph type="title"/>
           </p:nvPr>
@@ -10409,12 +11172,12 @@
           </a:prstGeom>
         </p:spPr>
         <p:txBody>
-          <a:bodyPr anchorCtr="0" anchor="t" bIns="91425" lIns="91425" spcFirstLastPara="1" rIns="91425" wrap="square" tIns="91425">
+          <a:bodyPr spcFirstLastPara="1" wrap="square" lIns="91425" tIns="91425" rIns="91425" bIns="91425" anchor="t" anchorCtr="0">
             <a:normAutofit fontScale="90000"/>
           </a:bodyPr>
           <a:lstStyle/>
           <a:p>
-            <a:pPr indent="0" lvl="0" marL="0" rtl="0" algn="l">
+            <a:pPr marL="0" lvl="0" indent="0" algn="l" rtl="0">
               <a:spcBef>
                 <a:spcPts val="0"/>
               </a:spcBef>
@@ -10468,11 +11231,11 @@
 </file>
 
 <file path=ppt/slides/slide5.xml><?xml version="1.0" encoding="utf-8"?>
-<p:sld xmlns:a="http://schemas.openxmlformats.org/drawingml/2006/main" xmlns:r="http://schemas.openxmlformats.org/officeDocument/2006/relationships" xmlns:mc="http://schemas.openxmlformats.org/markup-compatibility/2006" xmlns:mv="urn:schemas-microsoft-com:mac:vml" xmlns:p="http://schemas.openxmlformats.org/presentationml/2006/main" xmlns:c="http://schemas.openxmlformats.org/drawingml/2006/chart" xmlns:dgm="http://schemas.openxmlformats.org/drawingml/2006/diagram" xmlns:o="urn:schemas-microsoft-com:office:office" xmlns:v="urn:schemas-microsoft-com:vml" xmlns:pvml="urn:schemas-microsoft-com:office:powerpoint" xmlns:com="http://schemas.openxmlformats.org/drawingml/2006/compatibility" xmlns:p14="http://schemas.microsoft.com/office/powerpoint/2010/main" xmlns:p15="http://schemas.microsoft.com/office/powerpoint/2012/main" xmlns:ahyp="http://schemas.microsoft.com/office/drawing/2018/hyperlinkcolor">
+<p:sld xmlns:a="http://schemas.openxmlformats.org/drawingml/2006/main" xmlns:r="http://schemas.openxmlformats.org/officeDocument/2006/relationships" xmlns:p="http://schemas.openxmlformats.org/presentationml/2006/main">
   <p:cSld>
     <p:spTree>
       <p:nvGrpSpPr>
-        <p:cNvPr id="77" name="Shape 77"/>
+        <p:cNvPr id="1" name="Shape 77"/>
         <p:cNvGrpSpPr/>
         <p:nvPr/>
       </p:nvGrpSpPr>
@@ -10487,7 +11250,9 @@
       <p:sp>
         <p:nvSpPr>
           <p:cNvPr id="78" name="Google Shape;78;p17"/>
-          <p:cNvSpPr txBox="1"/>
+          <p:cNvSpPr txBox="1">
+            <a:spLocks noGrp="1"/>
+          </p:cNvSpPr>
           <p:nvPr>
             <p:ph type="title"/>
           </p:nvPr>
@@ -10502,12 +11267,12 @@
           </a:prstGeom>
         </p:spPr>
         <p:txBody>
-          <a:bodyPr anchorCtr="0" anchor="t" bIns="91425" lIns="91425" spcFirstLastPara="1" rIns="91425" wrap="square" tIns="91425">
+          <a:bodyPr spcFirstLastPara="1" wrap="square" lIns="91425" tIns="91425" rIns="91425" bIns="91425" anchor="t" anchorCtr="0">
             <a:normAutofit fontScale="90000"/>
           </a:bodyPr>
           <a:lstStyle/>
           <a:p>
-            <a:pPr indent="0" lvl="0" marL="0" rtl="0" algn="l">
+            <a:pPr marL="0" lvl="0" indent="0" algn="l" rtl="0">
               <a:spcBef>
                 <a:spcPts val="0"/>
               </a:spcBef>
@@ -10527,9 +11292,11 @@
       <p:sp>
         <p:nvSpPr>
           <p:cNvPr id="79" name="Google Shape;79;p17"/>
-          <p:cNvSpPr txBox="1"/>
+          <p:cNvSpPr txBox="1">
+            <a:spLocks noGrp="1"/>
+          </p:cNvSpPr>
           <p:nvPr>
-            <p:ph idx="1" type="body"/>
+            <p:ph type="body" idx="1"/>
           </p:nvPr>
         </p:nvSpPr>
         <p:spPr>
@@ -10542,12 +11309,12 @@
           </a:prstGeom>
         </p:spPr>
         <p:txBody>
-          <a:bodyPr anchorCtr="0" anchor="t" bIns="91425" lIns="91425" spcFirstLastPara="1" rIns="91425" wrap="square" tIns="91425">
+          <a:bodyPr spcFirstLastPara="1" wrap="square" lIns="91425" tIns="91425" rIns="91425" bIns="91425" anchor="t" anchorCtr="0">
             <a:normAutofit/>
           </a:bodyPr>
           <a:lstStyle/>
           <a:p>
-            <a:pPr indent="-342900" lvl="0" marL="457200" rtl="0" algn="l">
+            <a:pPr marL="457200" lvl="0" indent="-342900" algn="l" rtl="0">
               <a:spcBef>
                 <a:spcPts val="0"/>
               </a:spcBef>
@@ -10558,13 +11325,13 @@
               <a:buChar char="●"/>
             </a:pPr>
             <a:r>
-              <a:rPr lang="en"/>
-              <a:t>MPEG is the acronym for Moving Pictures Experts Group</a:t>
+              <a:rPr lang="en" dirty="0"/>
+              <a:t>MPEG is the acronym for Moving Pictures Experts Group.</a:t>
             </a:r>
-            <a:endParaRPr/>
-          </a:p>
-          <a:p>
-            <a:pPr indent="-342900" lvl="0" marL="457200" rtl="0" algn="l">
+            <a:endParaRPr dirty="0"/>
+          </a:p>
+          <a:p>
+            <a:pPr marL="457200" lvl="0" indent="-342900" algn="l" rtl="0">
               <a:spcBef>
                 <a:spcPts val="0"/>
               </a:spcBef>
@@ -10575,10 +11342,10 @@
               <a:buChar char="●"/>
             </a:pPr>
             <a:r>
-              <a:rPr lang="en"/>
-              <a:t>MPEG standardizes the type of information that an encoder has to produce as well as the way in which the decoder has to decompress the information</a:t>
+              <a:rPr lang="en" dirty="0"/>
+              <a:t>MPEG standardizes the type of information that an encoder has to produce as well as the way in which the decoder has to decompress the information.</a:t>
             </a:r>
-            <a:endParaRPr/>
+            <a:endParaRPr dirty="0"/>
           </a:p>
         </p:txBody>
       </p:sp>
@@ -10619,11 +11386,11 @@
 </file>
 
 <file path=ppt/slides/slide6.xml><?xml version="1.0" encoding="utf-8"?>
-<p:sld xmlns:a="http://schemas.openxmlformats.org/drawingml/2006/main" xmlns:r="http://schemas.openxmlformats.org/officeDocument/2006/relationships" xmlns:mc="http://schemas.openxmlformats.org/markup-compatibility/2006" xmlns:mv="urn:schemas-microsoft-com:mac:vml" xmlns:p="http://schemas.openxmlformats.org/presentationml/2006/main" xmlns:c="http://schemas.openxmlformats.org/drawingml/2006/chart" xmlns:dgm="http://schemas.openxmlformats.org/drawingml/2006/diagram" xmlns:o="urn:schemas-microsoft-com:office:office" xmlns:v="urn:schemas-microsoft-com:vml" xmlns:pvml="urn:schemas-microsoft-com:office:powerpoint" xmlns:com="http://schemas.openxmlformats.org/drawingml/2006/compatibility" xmlns:p14="http://schemas.microsoft.com/office/powerpoint/2010/main" xmlns:p15="http://schemas.microsoft.com/office/powerpoint/2012/main" xmlns:ahyp="http://schemas.microsoft.com/office/drawing/2018/hyperlinkcolor">
+<p:sld xmlns:a="http://schemas.openxmlformats.org/drawingml/2006/main" xmlns:r="http://schemas.openxmlformats.org/officeDocument/2006/relationships" xmlns:p="http://schemas.openxmlformats.org/presentationml/2006/main">
   <p:cSld>
     <p:spTree>
       <p:nvGrpSpPr>
-        <p:cNvPr id="84" name="Shape 84"/>
+        <p:cNvPr id="1" name="Shape 84"/>
         <p:cNvGrpSpPr/>
         <p:nvPr/>
       </p:nvGrpSpPr>
@@ -10672,11 +11439,11 @@
 </file>
 
 <file path=ppt/slides/slide7.xml><?xml version="1.0" encoding="utf-8"?>
-<p:sld xmlns:a="http://schemas.openxmlformats.org/drawingml/2006/main" xmlns:r="http://schemas.openxmlformats.org/officeDocument/2006/relationships" xmlns:mc="http://schemas.openxmlformats.org/markup-compatibility/2006" xmlns:mv="urn:schemas-microsoft-com:mac:vml" xmlns:p="http://schemas.openxmlformats.org/presentationml/2006/main" xmlns:c="http://schemas.openxmlformats.org/drawingml/2006/chart" xmlns:dgm="http://schemas.openxmlformats.org/drawingml/2006/diagram" xmlns:o="urn:schemas-microsoft-com:office:office" xmlns:v="urn:schemas-microsoft-com:vml" xmlns:pvml="urn:schemas-microsoft-com:office:powerpoint" xmlns:com="http://schemas.openxmlformats.org/drawingml/2006/compatibility" xmlns:p14="http://schemas.microsoft.com/office/powerpoint/2010/main" xmlns:p15="http://schemas.microsoft.com/office/powerpoint/2012/main" xmlns:ahyp="http://schemas.microsoft.com/office/drawing/2018/hyperlinkcolor">
+<p:sld xmlns:a="http://schemas.openxmlformats.org/drawingml/2006/main" xmlns:r="http://schemas.openxmlformats.org/officeDocument/2006/relationships" xmlns:p="http://schemas.openxmlformats.org/presentationml/2006/main">
   <p:cSld>
     <p:spTree>
       <p:nvGrpSpPr>
-        <p:cNvPr id="89" name="Shape 89"/>
+        <p:cNvPr id="1" name="Shape 89"/>
         <p:cNvGrpSpPr/>
         <p:nvPr/>
       </p:nvGrpSpPr>
@@ -10691,7 +11458,9 @@
       <p:sp>
         <p:nvSpPr>
           <p:cNvPr id="90" name="Google Shape;90;p19"/>
-          <p:cNvSpPr txBox="1"/>
+          <p:cNvSpPr txBox="1">
+            <a:spLocks noGrp="1"/>
+          </p:cNvSpPr>
           <p:nvPr>
             <p:ph type="title"/>
           </p:nvPr>
@@ -10706,12 +11475,12 @@
           </a:prstGeom>
         </p:spPr>
         <p:txBody>
-          <a:bodyPr anchorCtr="0" anchor="t" bIns="91425" lIns="91425" spcFirstLastPara="1" rIns="91425" wrap="square" tIns="91425">
+          <a:bodyPr spcFirstLastPara="1" wrap="square" lIns="91425" tIns="91425" rIns="91425" bIns="91425" anchor="t" anchorCtr="0">
             <a:normAutofit fontScale="90000"/>
           </a:bodyPr>
           <a:lstStyle/>
           <a:p>
-            <a:pPr indent="0" lvl="0" marL="0" rtl="0" algn="l">
+            <a:pPr marL="0" lvl="0" indent="0" algn="l" rtl="0">
               <a:spcBef>
                 <a:spcPts val="0"/>
               </a:spcBef>
@@ -10731,9 +11500,11 @@
       <p:sp>
         <p:nvSpPr>
           <p:cNvPr id="91" name="Google Shape;91;p19"/>
-          <p:cNvSpPr txBox="1"/>
+          <p:cNvSpPr txBox="1">
+            <a:spLocks noGrp="1"/>
+          </p:cNvSpPr>
           <p:nvPr>
-            <p:ph idx="1" type="body"/>
+            <p:ph type="body" idx="1"/>
           </p:nvPr>
         </p:nvSpPr>
         <p:spPr>
@@ -10746,12 +11517,12 @@
           </a:prstGeom>
         </p:spPr>
         <p:txBody>
-          <a:bodyPr anchorCtr="0" anchor="t" bIns="91425" lIns="91425" spcFirstLastPara="1" rIns="91425" wrap="square" tIns="91425">
+          <a:bodyPr spcFirstLastPara="1" wrap="square" lIns="91425" tIns="91425" rIns="91425" bIns="91425" anchor="t" anchorCtr="0">
             <a:normAutofit/>
           </a:bodyPr>
           <a:lstStyle/>
           <a:p>
-            <a:pPr indent="-342900" lvl="0" marL="457200" rtl="0" algn="l">
+            <a:pPr marL="457200" lvl="0" indent="-342900" algn="l" rtl="0">
               <a:spcBef>
                 <a:spcPts val="0"/>
               </a:spcBef>
@@ -10762,13 +11533,13 @@
               <a:buChar char="●"/>
             </a:pPr>
             <a:r>
-              <a:rPr lang="en"/>
-              <a:t>Lossy compression of mono and stereo signals</a:t>
+              <a:rPr lang="en" dirty="0"/>
+              <a:t>Lossy compression of mono and stereo signals.</a:t>
             </a:r>
-            <a:endParaRPr/>
-          </a:p>
-          <a:p>
-            <a:pPr indent="-342900" lvl="0" marL="457200" rtl="0" algn="l">
+            <a:endParaRPr dirty="0"/>
+          </a:p>
+          <a:p>
+            <a:pPr marL="457200" lvl="0" indent="-342900" algn="l" rtl="0">
               <a:spcBef>
                 <a:spcPts val="0"/>
               </a:spcBef>
@@ -10779,13 +11550,21 @@
               <a:buChar char="●"/>
             </a:pPr>
             <a:r>
-              <a:rPr lang="en"/>
-              <a:t>Sampling frequency: 32KHz, 44.1 KHz, 48 KHz</a:t>
+              <a:rPr lang="en" dirty="0"/>
+              <a:t>Sampling frequency: 32KHz, 44.1 </a:t>
             </a:r>
-            <a:endParaRPr/>
-          </a:p>
-          <a:p>
-            <a:pPr indent="-342900" lvl="0" marL="457200" rtl="0" algn="l">
+            <a:r>
+              <a:rPr lang="en" dirty="0" err="1"/>
+              <a:t>KHz</a:t>
+            </a:r>
+            <a:r>
+              <a:rPr lang="en" dirty="0"/>
+              <a:t>, 48 KHz.</a:t>
+            </a:r>
+            <a:endParaRPr dirty="0"/>
+          </a:p>
+          <a:p>
+            <a:pPr marL="457200" lvl="0" indent="-342900" algn="l" rtl="0">
               <a:spcBef>
                 <a:spcPts val="0"/>
               </a:spcBef>
@@ -10796,13 +11575,13 @@
               <a:buChar char="●"/>
             </a:pPr>
             <a:r>
-              <a:rPr lang="en"/>
-              <a:t>Precision 16 bits</a:t>
+              <a:rPr lang="en" dirty="0"/>
+              <a:t>Precision 16 bits.</a:t>
             </a:r>
-            <a:endParaRPr/>
-          </a:p>
-          <a:p>
-            <a:pPr indent="-342900" lvl="0" marL="457200" rtl="0" algn="l">
+            <a:endParaRPr dirty="0"/>
+          </a:p>
+          <a:p>
+            <a:pPr marL="457200" lvl="0" indent="-342900" algn="l" rtl="0">
               <a:spcBef>
                 <a:spcPts val="0"/>
               </a:spcBef>
@@ -10813,13 +11592,13 @@
               <a:buChar char="●"/>
             </a:pPr>
             <a:r>
-              <a:rPr lang="en"/>
-              <a:t>3 compression layers: Layer 1, Layer 2, Layer 3</a:t>
+              <a:rPr lang="en" dirty="0"/>
+              <a:t>3 compression layers: Layer 1, Layer 2, Layer 3.</a:t>
             </a:r>
-            <a:endParaRPr/>
-          </a:p>
-          <a:p>
-            <a:pPr indent="-317500" lvl="1" marL="914400" rtl="0" algn="l">
+            <a:endParaRPr dirty="0"/>
+          </a:p>
+          <a:p>
+            <a:pPr marL="914400" lvl="1" indent="-317500" algn="l" rtl="0">
               <a:spcBef>
                 <a:spcPts val="0"/>
               </a:spcBef>
@@ -10830,13 +11609,13 @@
               <a:buChar char="○"/>
             </a:pPr>
             <a:r>
-              <a:rPr lang="en"/>
+              <a:rPr lang="en" dirty="0"/>
               <a:t>Layer 1: 32-448 kbps, target 192 kbps</a:t>
             </a:r>
-            <a:endParaRPr/>
-          </a:p>
-          <a:p>
-            <a:pPr indent="-317500" lvl="1" marL="914400" rtl="0" algn="l">
+            <a:endParaRPr dirty="0"/>
+          </a:p>
+          <a:p>
+            <a:pPr marL="914400" lvl="1" indent="-317500" algn="l" rtl="0">
               <a:spcBef>
                 <a:spcPts val="0"/>
               </a:spcBef>
@@ -10847,13 +11626,13 @@
               <a:buChar char="○"/>
             </a:pPr>
             <a:r>
-              <a:rPr lang="en"/>
+              <a:rPr lang="en" dirty="0"/>
               <a:t>Layer 2: 32-384 kbps, target 128 kbps</a:t>
             </a:r>
-            <a:endParaRPr/>
-          </a:p>
-          <a:p>
-            <a:pPr indent="-317500" lvl="1" marL="914400" rtl="0" algn="l">
+            <a:endParaRPr dirty="0"/>
+          </a:p>
+          <a:p>
+            <a:pPr marL="914400" lvl="1" indent="-317500" algn="l" rtl="0">
               <a:spcBef>
                 <a:spcPts val="0"/>
               </a:spcBef>
@@ -10864,13 +11643,13 @@
               <a:buChar char="○"/>
             </a:pPr>
             <a:r>
-              <a:rPr lang="en"/>
+              <a:rPr lang="en" dirty="0"/>
               <a:t>Layer 3: 32-320 kbps, target 64 kbps</a:t>
             </a:r>
-            <a:endParaRPr/>
-          </a:p>
-          <a:p>
-            <a:pPr indent="-342900" lvl="0" marL="457200" rtl="0" algn="l">
+            <a:endParaRPr dirty="0"/>
+          </a:p>
+          <a:p>
+            <a:pPr marL="457200" lvl="0" indent="-342900" algn="l" rtl="0">
               <a:spcBef>
                 <a:spcPts val="0"/>
               </a:spcBef>
@@ -10881,13 +11660,13 @@
               <a:buChar char="●"/>
             </a:pPr>
             <a:r>
-              <a:rPr lang="en"/>
-              <a:t>Layer 3 is called MP3 format </a:t>
+              <a:rPr lang="en" dirty="0"/>
+              <a:t>Layer 3 is called MP3 format.</a:t>
             </a:r>
-            <a:endParaRPr/>
-          </a:p>
-          <a:p>
-            <a:pPr indent="-317500" lvl="1" marL="914400" rtl="0" algn="l">
+            <a:endParaRPr dirty="0"/>
+          </a:p>
+          <a:p>
+            <a:pPr marL="914400" lvl="1" indent="-317500" algn="l" rtl="0">
               <a:spcBef>
                 <a:spcPts val="0"/>
               </a:spcBef>
@@ -10898,10 +11677,10 @@
               <a:buChar char="○"/>
             </a:pPr>
             <a:r>
-              <a:rPr lang="en"/>
+              <a:rPr lang="en" dirty="0"/>
               <a:t>Popular for  Internet applications</a:t>
             </a:r>
-            <a:endParaRPr/>
+            <a:endParaRPr dirty="0"/>
           </a:p>
         </p:txBody>
       </p:sp>
@@ -10914,11 +11693,11 @@
 </file>
 
 <file path=ppt/slides/slide8.xml><?xml version="1.0" encoding="utf-8"?>
-<p:sld xmlns:a="http://schemas.openxmlformats.org/drawingml/2006/main" xmlns:r="http://schemas.openxmlformats.org/officeDocument/2006/relationships" xmlns:mc="http://schemas.openxmlformats.org/markup-compatibility/2006" xmlns:mv="urn:schemas-microsoft-com:mac:vml" xmlns:p="http://schemas.openxmlformats.org/presentationml/2006/main" xmlns:c="http://schemas.openxmlformats.org/drawingml/2006/chart" xmlns:dgm="http://schemas.openxmlformats.org/drawingml/2006/diagram" xmlns:o="urn:schemas-microsoft-com:office:office" xmlns:v="urn:schemas-microsoft-com:vml" xmlns:pvml="urn:schemas-microsoft-com:office:powerpoint" xmlns:com="http://schemas.openxmlformats.org/drawingml/2006/compatibility" xmlns:p14="http://schemas.microsoft.com/office/powerpoint/2010/main" xmlns:p15="http://schemas.microsoft.com/office/powerpoint/2012/main" xmlns:ahyp="http://schemas.microsoft.com/office/drawing/2018/hyperlinkcolor">
+<p:sld xmlns:a="http://schemas.openxmlformats.org/drawingml/2006/main" xmlns:r="http://schemas.openxmlformats.org/officeDocument/2006/relationships" xmlns:p="http://schemas.openxmlformats.org/presentationml/2006/main">
   <p:cSld>
     <p:spTree>
       <p:nvGrpSpPr>
-        <p:cNvPr id="95" name="Shape 95"/>
+        <p:cNvPr id="1" name="Shape 95"/>
         <p:cNvGrpSpPr/>
         <p:nvPr/>
       </p:nvGrpSpPr>
@@ -10933,7 +11712,9 @@
       <p:sp>
         <p:nvSpPr>
           <p:cNvPr id="96" name="Google Shape;96;p20"/>
-          <p:cNvSpPr txBox="1"/>
+          <p:cNvSpPr txBox="1">
+            <a:spLocks noGrp="1"/>
+          </p:cNvSpPr>
           <p:nvPr>
             <p:ph type="title"/>
           </p:nvPr>
@@ -10948,12 +11729,12 @@
           </a:prstGeom>
         </p:spPr>
         <p:txBody>
-          <a:bodyPr anchorCtr="0" anchor="t" bIns="91425" lIns="91425" spcFirstLastPara="1" rIns="91425" wrap="square" tIns="91425">
+          <a:bodyPr spcFirstLastPara="1" wrap="square" lIns="91425" tIns="91425" rIns="91425" bIns="91425" anchor="t" anchorCtr="0">
             <a:normAutofit fontScale="90000"/>
           </a:bodyPr>
           <a:lstStyle/>
           <a:p>
-            <a:pPr indent="0" lvl="0" marL="0" rtl="0" algn="l">
+            <a:pPr marL="0" lvl="0" indent="0" algn="l" rtl="0">
               <a:spcBef>
                 <a:spcPts val="0"/>
               </a:spcBef>
@@ -11007,11 +11788,11 @@
 </file>
 
 <file path=ppt/slides/slide9.xml><?xml version="1.0" encoding="utf-8"?>
-<p:sld xmlns:a="http://schemas.openxmlformats.org/drawingml/2006/main" xmlns:r="http://schemas.openxmlformats.org/officeDocument/2006/relationships" xmlns:mc="http://schemas.openxmlformats.org/markup-compatibility/2006" xmlns:mv="urn:schemas-microsoft-com:mac:vml" xmlns:p="http://schemas.openxmlformats.org/presentationml/2006/main" xmlns:c="http://schemas.openxmlformats.org/drawingml/2006/chart" xmlns:dgm="http://schemas.openxmlformats.org/drawingml/2006/diagram" xmlns:o="urn:schemas-microsoft-com:office:office" xmlns:v="urn:schemas-microsoft-com:vml" xmlns:pvml="urn:schemas-microsoft-com:office:powerpoint" xmlns:com="http://schemas.openxmlformats.org/drawingml/2006/compatibility" xmlns:p14="http://schemas.microsoft.com/office/powerpoint/2010/main" xmlns:p15="http://schemas.microsoft.com/office/powerpoint/2012/main" xmlns:ahyp="http://schemas.microsoft.com/office/drawing/2018/hyperlinkcolor">
+<p:sld xmlns:a="http://schemas.openxmlformats.org/drawingml/2006/main" xmlns:r="http://schemas.openxmlformats.org/officeDocument/2006/relationships" xmlns:p="http://schemas.openxmlformats.org/presentationml/2006/main">
   <p:cSld>
     <p:spTree>
       <p:nvGrpSpPr>
-        <p:cNvPr id="101" name="Shape 101"/>
+        <p:cNvPr id="1" name="Shape 101"/>
         <p:cNvGrpSpPr/>
         <p:nvPr/>
       </p:nvGrpSpPr>
@@ -11026,7 +11807,9 @@
       <p:sp>
         <p:nvSpPr>
           <p:cNvPr id="102" name="Google Shape;102;p21"/>
-          <p:cNvSpPr txBox="1"/>
+          <p:cNvSpPr txBox="1">
+            <a:spLocks noGrp="1"/>
+          </p:cNvSpPr>
           <p:nvPr>
             <p:ph type="title"/>
           </p:nvPr>
@@ -11041,12 +11824,12 @@
           </a:prstGeom>
         </p:spPr>
         <p:txBody>
-          <a:bodyPr anchorCtr="0" anchor="t" bIns="91425" lIns="91425" spcFirstLastPara="1" rIns="91425" wrap="square" tIns="91425">
+          <a:bodyPr spcFirstLastPara="1" wrap="square" lIns="91425" tIns="91425" rIns="91425" bIns="91425" anchor="t" anchorCtr="0">
             <a:normAutofit fontScale="90000"/>
           </a:bodyPr>
           <a:lstStyle/>
           <a:p>
-            <a:pPr indent="0" lvl="0" marL="0" rtl="0" algn="l">
+            <a:pPr marL="0" lvl="0" indent="0" algn="l" rtl="0">
               <a:spcBef>
                 <a:spcPts val="0"/>
               </a:spcBef>
@@ -11055,9 +11838,6 @@
               </a:spcAft>
               <a:buNone/>
             </a:pPr>
-            <a:r>
-              <a:t/>
-            </a:r>
             <a:endParaRPr/>
           </a:p>
         </p:txBody>
@@ -11065,9 +11845,11 @@
       <p:sp>
         <p:nvSpPr>
           <p:cNvPr id="103" name="Google Shape;103;p21"/>
-          <p:cNvSpPr txBox="1"/>
+          <p:cNvSpPr txBox="1">
+            <a:spLocks noGrp="1"/>
+          </p:cNvSpPr>
           <p:nvPr>
-            <p:ph idx="1" type="body"/>
+            <p:ph type="body" idx="1"/>
           </p:nvPr>
         </p:nvSpPr>
         <p:spPr>
@@ -11080,12 +11862,12 @@
           </a:prstGeom>
         </p:spPr>
         <p:txBody>
-          <a:bodyPr anchorCtr="0" anchor="t" bIns="91425" lIns="91425" spcFirstLastPara="1" rIns="91425" wrap="square" tIns="91425">
+          <a:bodyPr spcFirstLastPara="1" wrap="square" lIns="91425" tIns="91425" rIns="91425" bIns="91425" anchor="t" anchorCtr="0">
             <a:normAutofit/>
           </a:bodyPr>
           <a:lstStyle/>
           <a:p>
-            <a:pPr indent="-342900" lvl="0" marL="457200" rtl="0" algn="l">
+            <a:pPr marL="457200" lvl="0" indent="-342900" algn="l" rtl="0">
               <a:spcBef>
                 <a:spcPts val="0"/>
               </a:spcBef>
@@ -11102,7 +11884,7 @@
             <a:endParaRPr/>
           </a:p>
           <a:p>
-            <a:pPr indent="-342900" lvl="0" marL="457200" rtl="0" algn="l">
+            <a:pPr marL="457200" lvl="0" indent="-342900" algn="l" rtl="0">
               <a:spcBef>
                 <a:spcPts val="0"/>
               </a:spcBef>
@@ -11119,7 +11901,7 @@
             <a:endParaRPr/>
           </a:p>
           <a:p>
-            <a:pPr indent="-342900" lvl="0" marL="457200" rtl="0" algn="l">
+            <a:pPr marL="457200" lvl="0" indent="-342900" algn="l" rtl="0">
               <a:spcBef>
                 <a:spcPts val="0"/>
               </a:spcBef>
@@ -11136,7 +11918,7 @@
             <a:endParaRPr/>
           </a:p>
           <a:p>
-            <a:pPr indent="0" lvl="0" marL="0" rtl="0" algn="l">
+            <a:pPr marL="0" lvl="0" indent="0" algn="l" rtl="0">
               <a:spcBef>
                 <a:spcPts val="1200"/>
               </a:spcBef>
@@ -11145,9 +11927,6 @@
               </a:spcAft>
               <a:buNone/>
             </a:pPr>
-            <a:r>
-              <a:t/>
-            </a:r>
             <a:endParaRPr/>
           </a:p>
         </p:txBody>
@@ -11161,7 +11940,288 @@
 </file>
 
 <file path=ppt/theme/theme1.xml><?xml version="1.0" encoding="utf-8"?>
-<a:theme xmlns:a="http://schemas.openxmlformats.org/drawingml/2006/main" xmlns:r="http://schemas.openxmlformats.org/officeDocument/2006/relationships">
+<a:theme xmlns:a="http://schemas.openxmlformats.org/drawingml/2006/main" name="Simple Light">
+  <a:themeElements>
+    <a:clrScheme name="Simple Light">
+      <a:dk1>
+        <a:srgbClr val="000000"/>
+      </a:dk1>
+      <a:lt1>
+        <a:srgbClr val="FFFFFF"/>
+      </a:lt1>
+      <a:dk2>
+        <a:srgbClr val="595959"/>
+      </a:dk2>
+      <a:lt2>
+        <a:srgbClr val="EEEEEE"/>
+      </a:lt2>
+      <a:accent1>
+        <a:srgbClr val="4285F4"/>
+      </a:accent1>
+      <a:accent2>
+        <a:srgbClr val="212121"/>
+      </a:accent2>
+      <a:accent3>
+        <a:srgbClr val="78909C"/>
+      </a:accent3>
+      <a:accent4>
+        <a:srgbClr val="FFAB40"/>
+      </a:accent4>
+      <a:accent5>
+        <a:srgbClr val="0097A7"/>
+      </a:accent5>
+      <a:accent6>
+        <a:srgbClr val="EEFF41"/>
+      </a:accent6>
+      <a:hlink>
+        <a:srgbClr val="0097A7"/>
+      </a:hlink>
+      <a:folHlink>
+        <a:srgbClr val="0097A7"/>
+      </a:folHlink>
+    </a:clrScheme>
+    <a:fontScheme name="Office">
+      <a:majorFont>
+        <a:latin typeface="Arial"/>
+        <a:ea typeface=""/>
+        <a:cs typeface=""/>
+        <a:font script="Jpan" typeface="ＭＳ Ｐゴシック"/>
+        <a:font script="Hang" typeface="맑은 고딕"/>
+        <a:font script="Hans" typeface="宋体"/>
+        <a:font script="Hant" typeface="新細明體"/>
+        <a:font script="Arab" typeface="Times New Roman"/>
+        <a:font script="Hebr" typeface="Times New Roman"/>
+        <a:font script="Thai" typeface="Angsana New"/>
+        <a:font script="Ethi" typeface="Nyala"/>
+        <a:font script="Beng" typeface="Vrinda"/>
+        <a:font script="Gujr" typeface="Shruti"/>
+        <a:font script="Khmr" typeface="MoolBoran"/>
+        <a:font script="Knda" typeface="Tunga"/>
+        <a:font script="Guru" typeface="Raavi"/>
+        <a:font script="Cans" typeface="Euphemia"/>
+        <a:font script="Cher" typeface="Plantagenet Cherokee"/>
+        <a:font script="Yiii" typeface="Microsoft Yi Baiti"/>
+        <a:font script="Tibt" typeface="Microsoft Himalaya"/>
+        <a:font script="Thaa" typeface="MV Boli"/>
+        <a:font script="Deva" typeface="Mangal"/>
+        <a:font script="Telu" typeface="Gautami"/>
+        <a:font script="Taml" typeface="Latha"/>
+        <a:font script="Syrc" typeface="Estrangelo Edessa"/>
+        <a:font script="Orya" typeface="Kalinga"/>
+        <a:font script="Mlym" typeface="Kartika"/>
+        <a:font script="Laoo" typeface="DokChampa"/>
+        <a:font script="Sinh" typeface="Iskoola Pota"/>
+        <a:font script="Mong" typeface="Mongolian Baiti"/>
+        <a:font script="Viet" typeface="Times New Roman"/>
+        <a:font script="Uigh" typeface="Microsoft Uighur"/>
+        <a:font script="Geor" typeface="Sylfaen"/>
+      </a:majorFont>
+      <a:minorFont>
+        <a:latin typeface="Arial"/>
+        <a:ea typeface=""/>
+        <a:cs typeface=""/>
+        <a:font script="Jpan" typeface="ＭＳ Ｐゴシック"/>
+        <a:font script="Hang" typeface="맑은 고딕"/>
+        <a:font script="Hans" typeface="宋体"/>
+        <a:font script="Hant" typeface="新細明體"/>
+        <a:font script="Arab" typeface="Arial"/>
+        <a:font script="Hebr" typeface="Arial"/>
+        <a:font script="Thai" typeface="Cordia New"/>
+        <a:font script="Ethi" typeface="Nyala"/>
+        <a:font script="Beng" typeface="Vrinda"/>
+        <a:font script="Gujr" typeface="Shruti"/>
+        <a:font script="Khmr" typeface="DaunPenh"/>
+        <a:font script="Knda" typeface="Tunga"/>
+        <a:font script="Guru" typeface="Raavi"/>
+        <a:font script="Cans" typeface="Euphemia"/>
+        <a:font script="Cher" typeface="Plantagenet Cherokee"/>
+        <a:font script="Yiii" typeface="Microsoft Yi Baiti"/>
+        <a:font script="Tibt" typeface="Microsoft Himalaya"/>
+        <a:font script="Thaa" typeface="MV Boli"/>
+        <a:font script="Deva" typeface="Mangal"/>
+        <a:font script="Telu" typeface="Gautami"/>
+        <a:font script="Taml" typeface="Latha"/>
+        <a:font script="Syrc" typeface="Estrangelo Edessa"/>
+        <a:font script="Orya" typeface="Kalinga"/>
+        <a:font script="Mlym" typeface="Kartika"/>
+        <a:font script="Laoo" typeface="DokChampa"/>
+        <a:font script="Sinh" typeface="Iskoola Pota"/>
+        <a:font script="Mong" typeface="Mongolian Baiti"/>
+        <a:font script="Viet" typeface="Arial"/>
+        <a:font script="Uigh" typeface="Microsoft Uighur"/>
+        <a:font script="Geor" typeface="Sylfaen"/>
+      </a:minorFont>
+    </a:fontScheme>
+    <a:fmtScheme name="Office">
+      <a:fillStyleLst>
+        <a:solidFill>
+          <a:schemeClr val="phClr"/>
+        </a:solidFill>
+        <a:gradFill rotWithShape="1">
+          <a:gsLst>
+            <a:gs pos="0">
+              <a:schemeClr val="phClr">
+                <a:tint val="50000"/>
+                <a:satMod val="300000"/>
+              </a:schemeClr>
+            </a:gs>
+            <a:gs pos="35000">
+              <a:schemeClr val="phClr">
+                <a:tint val="37000"/>
+                <a:satMod val="300000"/>
+              </a:schemeClr>
+            </a:gs>
+            <a:gs pos="100000">
+              <a:schemeClr val="phClr">
+                <a:tint val="15000"/>
+                <a:satMod val="350000"/>
+              </a:schemeClr>
+            </a:gs>
+          </a:gsLst>
+          <a:lin ang="16200000" scaled="1"/>
+        </a:gradFill>
+        <a:gradFill rotWithShape="1">
+          <a:gsLst>
+            <a:gs pos="0">
+              <a:schemeClr val="phClr">
+                <a:tint val="100000"/>
+                <a:shade val="100000"/>
+                <a:satMod val="130000"/>
+              </a:schemeClr>
+            </a:gs>
+            <a:gs pos="100000">
+              <a:schemeClr val="phClr">
+                <a:tint val="50000"/>
+                <a:shade val="100000"/>
+                <a:satMod val="350000"/>
+              </a:schemeClr>
+            </a:gs>
+          </a:gsLst>
+          <a:lin ang="16200000" scaled="0"/>
+        </a:gradFill>
+      </a:fillStyleLst>
+      <a:lnStyleLst>
+        <a:ln w="9525" cap="flat" cmpd="sng" algn="ctr">
+          <a:solidFill>
+            <a:schemeClr val="phClr">
+              <a:shade val="95000"/>
+              <a:satMod val="105000"/>
+            </a:schemeClr>
+          </a:solidFill>
+          <a:prstDash val="solid"/>
+        </a:ln>
+        <a:ln w="25400" cap="flat" cmpd="sng" algn="ctr">
+          <a:solidFill>
+            <a:schemeClr val="phClr"/>
+          </a:solidFill>
+          <a:prstDash val="solid"/>
+        </a:ln>
+        <a:ln w="38100" cap="flat" cmpd="sng" algn="ctr">
+          <a:solidFill>
+            <a:schemeClr val="phClr"/>
+          </a:solidFill>
+          <a:prstDash val="solid"/>
+        </a:ln>
+      </a:lnStyleLst>
+      <a:effectStyleLst>
+        <a:effectStyle>
+          <a:effectLst>
+            <a:outerShdw blurRad="40000" dist="20000" dir="5400000" rotWithShape="0">
+              <a:srgbClr val="000000">
+                <a:alpha val="38000"/>
+              </a:srgbClr>
+            </a:outerShdw>
+          </a:effectLst>
+        </a:effectStyle>
+        <a:effectStyle>
+          <a:effectLst>
+            <a:outerShdw blurRad="40000" dist="23000" dir="5400000" rotWithShape="0">
+              <a:srgbClr val="000000">
+                <a:alpha val="35000"/>
+              </a:srgbClr>
+            </a:outerShdw>
+          </a:effectLst>
+        </a:effectStyle>
+        <a:effectStyle>
+          <a:effectLst>
+            <a:outerShdw blurRad="40000" dist="23000" dir="5400000" rotWithShape="0">
+              <a:srgbClr val="000000">
+                <a:alpha val="35000"/>
+              </a:srgbClr>
+            </a:outerShdw>
+          </a:effectLst>
+          <a:scene3d>
+            <a:camera prst="orthographicFront">
+              <a:rot lat="0" lon="0" rev="0"/>
+            </a:camera>
+            <a:lightRig rig="threePt" dir="t">
+              <a:rot lat="0" lon="0" rev="1200000"/>
+            </a:lightRig>
+          </a:scene3d>
+          <a:sp3d>
+            <a:bevelT w="63500" h="25400"/>
+          </a:sp3d>
+        </a:effectStyle>
+      </a:effectStyleLst>
+      <a:bgFillStyleLst>
+        <a:solidFill>
+          <a:schemeClr val="phClr"/>
+        </a:solidFill>
+        <a:gradFill rotWithShape="1">
+          <a:gsLst>
+            <a:gs pos="0">
+              <a:schemeClr val="phClr">
+                <a:tint val="40000"/>
+                <a:satMod val="350000"/>
+              </a:schemeClr>
+            </a:gs>
+            <a:gs pos="40000">
+              <a:schemeClr val="phClr">
+                <a:tint val="45000"/>
+                <a:shade val="99000"/>
+                <a:satMod val="350000"/>
+              </a:schemeClr>
+            </a:gs>
+            <a:gs pos="100000">
+              <a:schemeClr val="phClr">
+                <a:shade val="20000"/>
+                <a:satMod val="255000"/>
+              </a:schemeClr>
+            </a:gs>
+          </a:gsLst>
+          <a:path path="circle">
+            <a:fillToRect l="50000" t="-80000" r="50000" b="180000"/>
+          </a:path>
+        </a:gradFill>
+        <a:gradFill rotWithShape="1">
+          <a:gsLst>
+            <a:gs pos="0">
+              <a:schemeClr val="phClr">
+                <a:tint val="80000"/>
+                <a:satMod val="300000"/>
+              </a:schemeClr>
+            </a:gs>
+            <a:gs pos="100000">
+              <a:schemeClr val="phClr">
+                <a:shade val="30000"/>
+                <a:satMod val="200000"/>
+              </a:schemeClr>
+            </a:gs>
+          </a:gsLst>
+          <a:path path="circle">
+            <a:fillToRect l="50000" t="50000" r="50000" b="50000"/>
+          </a:path>
+        </a:gradFill>
+      </a:bgFillStyleLst>
+    </a:fmtScheme>
+  </a:themeElements>
+  <a:objectDefaults/>
+  <a:extraClrSchemeLst/>
+</a:theme>
+</file>
+
+<file path=ppt/theme/theme2.xml><?xml version="1.0" encoding="utf-8"?>
+<a:theme xmlns:a="http://schemas.openxmlformats.org/drawingml/2006/main">
   <a:themeElements>
     <a:clrScheme name="Default">
       <a:dk1>
@@ -11436,284 +12496,7 @@
       </a:bgFillStyleLst>
     </a:fmtScheme>
   </a:themeElements>
-</a:theme>
-</file>
-
-<file path=ppt/theme/theme2.xml><?xml version="1.0" encoding="utf-8"?>
-<a:theme xmlns:a="http://schemas.openxmlformats.org/drawingml/2006/main" xmlns:r="http://schemas.openxmlformats.org/officeDocument/2006/relationships" name="Simple Light">
-  <a:themeElements>
-    <a:clrScheme name="Simple Light">
-      <a:dk1>
-        <a:srgbClr val="000000"/>
-      </a:dk1>
-      <a:lt1>
-        <a:srgbClr val="FFFFFF"/>
-      </a:lt1>
-      <a:dk2>
-        <a:srgbClr val="595959"/>
-      </a:dk2>
-      <a:lt2>
-        <a:srgbClr val="EEEEEE"/>
-      </a:lt2>
-      <a:accent1>
-        <a:srgbClr val="4285F4"/>
-      </a:accent1>
-      <a:accent2>
-        <a:srgbClr val="212121"/>
-      </a:accent2>
-      <a:accent3>
-        <a:srgbClr val="78909C"/>
-      </a:accent3>
-      <a:accent4>
-        <a:srgbClr val="FFAB40"/>
-      </a:accent4>
-      <a:accent5>
-        <a:srgbClr val="0097A7"/>
-      </a:accent5>
-      <a:accent6>
-        <a:srgbClr val="EEFF41"/>
-      </a:accent6>
-      <a:hlink>
-        <a:srgbClr val="0097A7"/>
-      </a:hlink>
-      <a:folHlink>
-        <a:srgbClr val="0097A7"/>
-      </a:folHlink>
-    </a:clrScheme>
-    <a:fontScheme name="Office">
-      <a:majorFont>
-        <a:latin typeface="Arial"/>
-        <a:ea typeface=""/>
-        <a:cs typeface=""/>
-        <a:font script="Jpan" typeface="ＭＳ Ｐゴシック"/>
-        <a:font script="Hang" typeface="맑은 고딕"/>
-        <a:font script="Hans" typeface="宋体"/>
-        <a:font script="Hant" typeface="新細明體"/>
-        <a:font script="Arab" typeface="Times New Roman"/>
-        <a:font script="Hebr" typeface="Times New Roman"/>
-        <a:font script="Thai" typeface="Angsana New"/>
-        <a:font script="Ethi" typeface="Nyala"/>
-        <a:font script="Beng" typeface="Vrinda"/>
-        <a:font script="Gujr" typeface="Shruti"/>
-        <a:font script="Khmr" typeface="MoolBoran"/>
-        <a:font script="Knda" typeface="Tunga"/>
-        <a:font script="Guru" typeface="Raavi"/>
-        <a:font script="Cans" typeface="Euphemia"/>
-        <a:font script="Cher" typeface="Plantagenet Cherokee"/>
-        <a:font script="Yiii" typeface="Microsoft Yi Baiti"/>
-        <a:font script="Tibt" typeface="Microsoft Himalaya"/>
-        <a:font script="Thaa" typeface="MV Boli"/>
-        <a:font script="Deva" typeface="Mangal"/>
-        <a:font script="Telu" typeface="Gautami"/>
-        <a:font script="Taml" typeface="Latha"/>
-        <a:font script="Syrc" typeface="Estrangelo Edessa"/>
-        <a:font script="Orya" typeface="Kalinga"/>
-        <a:font script="Mlym" typeface="Kartika"/>
-        <a:font script="Laoo" typeface="DokChampa"/>
-        <a:font script="Sinh" typeface="Iskoola Pota"/>
-        <a:font script="Mong" typeface="Mongolian Baiti"/>
-        <a:font script="Viet" typeface="Times New Roman"/>
-        <a:font script="Uigh" typeface="Microsoft Uighur"/>
-        <a:font script="Geor" typeface="Sylfaen"/>
-      </a:majorFont>
-      <a:minorFont>
-        <a:latin typeface="Arial"/>
-        <a:ea typeface=""/>
-        <a:cs typeface=""/>
-        <a:font script="Jpan" typeface="ＭＳ Ｐゴシック"/>
-        <a:font script="Hang" typeface="맑은 고딕"/>
-        <a:font script="Hans" typeface="宋体"/>
-        <a:font script="Hant" typeface="新細明體"/>
-        <a:font script="Arab" typeface="Arial"/>
-        <a:font script="Hebr" typeface="Arial"/>
-        <a:font script="Thai" typeface="Cordia New"/>
-        <a:font script="Ethi" typeface="Nyala"/>
-        <a:font script="Beng" typeface="Vrinda"/>
-        <a:font script="Gujr" typeface="Shruti"/>
-        <a:font script="Khmr" typeface="DaunPenh"/>
-        <a:font script="Knda" typeface="Tunga"/>
-        <a:font script="Guru" typeface="Raavi"/>
-        <a:font script="Cans" typeface="Euphemia"/>
-        <a:font script="Cher" typeface="Plantagenet Cherokee"/>
-        <a:font script="Yiii" typeface="Microsoft Yi Baiti"/>
-        <a:font script="Tibt" typeface="Microsoft Himalaya"/>
-        <a:font script="Thaa" typeface="MV Boli"/>
-        <a:font script="Deva" typeface="Mangal"/>
-        <a:font script="Telu" typeface="Gautami"/>
-        <a:font script="Taml" typeface="Latha"/>
-        <a:font script="Syrc" typeface="Estrangelo Edessa"/>
-        <a:font script="Orya" typeface="Kalinga"/>
-        <a:font script="Mlym" typeface="Kartika"/>
-        <a:font script="Laoo" typeface="DokChampa"/>
-        <a:font script="Sinh" typeface="Iskoola Pota"/>
-        <a:font script="Mong" typeface="Mongolian Baiti"/>
-        <a:font script="Viet" typeface="Arial"/>
-        <a:font script="Uigh" typeface="Microsoft Uighur"/>
-        <a:font script="Geor" typeface="Sylfaen"/>
-      </a:minorFont>
-    </a:fontScheme>
-    <a:fmtScheme name="Office">
-      <a:fillStyleLst>
-        <a:solidFill>
-          <a:schemeClr val="phClr"/>
-        </a:solidFill>
-        <a:gradFill rotWithShape="1">
-          <a:gsLst>
-            <a:gs pos="0">
-              <a:schemeClr val="phClr">
-                <a:tint val="50000"/>
-                <a:satMod val="300000"/>
-              </a:schemeClr>
-            </a:gs>
-            <a:gs pos="35000">
-              <a:schemeClr val="phClr">
-                <a:tint val="37000"/>
-                <a:satMod val="300000"/>
-              </a:schemeClr>
-            </a:gs>
-            <a:gs pos="100000">
-              <a:schemeClr val="phClr">
-                <a:tint val="15000"/>
-                <a:satMod val="350000"/>
-              </a:schemeClr>
-            </a:gs>
-          </a:gsLst>
-          <a:lin ang="16200000" scaled="1"/>
-        </a:gradFill>
-        <a:gradFill rotWithShape="1">
-          <a:gsLst>
-            <a:gs pos="0">
-              <a:schemeClr val="phClr">
-                <a:tint val="100000"/>
-                <a:shade val="100000"/>
-                <a:satMod val="130000"/>
-              </a:schemeClr>
-            </a:gs>
-            <a:gs pos="100000">
-              <a:schemeClr val="phClr">
-                <a:tint val="50000"/>
-                <a:shade val="100000"/>
-                <a:satMod val="350000"/>
-              </a:schemeClr>
-            </a:gs>
-          </a:gsLst>
-          <a:lin ang="16200000" scaled="0"/>
-        </a:gradFill>
-      </a:fillStyleLst>
-      <a:lnStyleLst>
-        <a:ln w="9525" cap="flat" cmpd="sng" algn="ctr">
-          <a:solidFill>
-            <a:schemeClr val="phClr">
-              <a:shade val="95000"/>
-              <a:satMod val="105000"/>
-            </a:schemeClr>
-          </a:solidFill>
-          <a:prstDash val="solid"/>
-        </a:ln>
-        <a:ln w="25400" cap="flat" cmpd="sng" algn="ctr">
-          <a:solidFill>
-            <a:schemeClr val="phClr"/>
-          </a:solidFill>
-          <a:prstDash val="solid"/>
-        </a:ln>
-        <a:ln w="38100" cap="flat" cmpd="sng" algn="ctr">
-          <a:solidFill>
-            <a:schemeClr val="phClr"/>
-          </a:solidFill>
-          <a:prstDash val="solid"/>
-        </a:ln>
-      </a:lnStyleLst>
-      <a:effectStyleLst>
-        <a:effectStyle>
-          <a:effectLst>
-            <a:outerShdw blurRad="40000" dist="20000" dir="5400000" rotWithShape="0">
-              <a:srgbClr val="000000">
-                <a:alpha val="38000"/>
-              </a:srgbClr>
-            </a:outerShdw>
-          </a:effectLst>
-        </a:effectStyle>
-        <a:effectStyle>
-          <a:effectLst>
-            <a:outerShdw blurRad="40000" dist="23000" dir="5400000" rotWithShape="0">
-              <a:srgbClr val="000000">
-                <a:alpha val="35000"/>
-              </a:srgbClr>
-            </a:outerShdw>
-          </a:effectLst>
-        </a:effectStyle>
-        <a:effectStyle>
-          <a:effectLst>
-            <a:outerShdw blurRad="40000" dist="23000" dir="5400000" rotWithShape="0">
-              <a:srgbClr val="000000">
-                <a:alpha val="35000"/>
-              </a:srgbClr>
-            </a:outerShdw>
-          </a:effectLst>
-          <a:scene3d>
-            <a:camera prst="orthographicFront">
-              <a:rot lat="0" lon="0" rev="0"/>
-            </a:camera>
-            <a:lightRig rig="threePt" dir="t">
-              <a:rot lat="0" lon="0" rev="1200000"/>
-            </a:lightRig>
-          </a:scene3d>
-          <a:sp3d>
-            <a:bevelT w="63500" h="25400"/>
-          </a:sp3d>
-        </a:effectStyle>
-      </a:effectStyleLst>
-      <a:bgFillStyleLst>
-        <a:solidFill>
-          <a:schemeClr val="phClr"/>
-        </a:solidFill>
-        <a:gradFill rotWithShape="1">
-          <a:gsLst>
-            <a:gs pos="0">
-              <a:schemeClr val="phClr">
-                <a:tint val="40000"/>
-                <a:satMod val="350000"/>
-              </a:schemeClr>
-            </a:gs>
-            <a:gs pos="40000">
-              <a:schemeClr val="phClr">
-                <a:tint val="45000"/>
-                <a:shade val="99000"/>
-                <a:satMod val="350000"/>
-              </a:schemeClr>
-            </a:gs>
-            <a:gs pos="100000">
-              <a:schemeClr val="phClr">
-                <a:shade val="20000"/>
-                <a:satMod val="255000"/>
-              </a:schemeClr>
-            </a:gs>
-          </a:gsLst>
-          <a:path path="circle">
-            <a:fillToRect l="50000" t="-80000" r="50000" b="180000"/>
-          </a:path>
-        </a:gradFill>
-        <a:gradFill rotWithShape="1">
-          <a:gsLst>
-            <a:gs pos="0">
-              <a:schemeClr val="phClr">
-                <a:tint val="80000"/>
-                <a:satMod val="300000"/>
-              </a:schemeClr>
-            </a:gs>
-            <a:gs pos="100000">
-              <a:schemeClr val="phClr">
-                <a:shade val="30000"/>
-                <a:satMod val="200000"/>
-              </a:schemeClr>
-            </a:gs>
-          </a:gsLst>
-          <a:path path="circle">
-            <a:fillToRect l="50000" t="50000" r="50000" b="50000"/>
-          </a:path>
-        </a:gradFill>
-      </a:bgFillStyleLst>
-    </a:fmtScheme>
-  </a:themeElements>
+  <a:objectDefaults/>
+  <a:extraClrSchemeLst/>
 </a:theme>
 </file>
--- a/lectures/5. Audio coding standards.pptx
+++ b/lectures/5. Audio coding standards.pptx
@@ -5,7 +5,7 @@
     <p:sldMasterId id="2147483659" r:id="rId1"/>
   </p:sldMasterIdLst>
   <p:notesMasterIdLst>
-    <p:notesMasterId r:id="rId28"/>
+    <p:notesMasterId r:id="rId29"/>
   </p:notesMasterIdLst>
   <p:sldIdLst>
     <p:sldId id="256" r:id="rId2"/>
@@ -32,8 +32,9 @@
     <p:sldId id="277" r:id="rId23"/>
     <p:sldId id="278" r:id="rId24"/>
     <p:sldId id="279" r:id="rId25"/>
-    <p:sldId id="280" r:id="rId26"/>
-    <p:sldId id="284" r:id="rId27"/>
+    <p:sldId id="287" r:id="rId26"/>
+    <p:sldId id="288" r:id="rId27"/>
+    <p:sldId id="284" r:id="rId28"/>
   </p:sldIdLst>
   <p:sldSz cx="9144000" cy="5143500" type="screen16x9"/>
   <p:notesSz cx="6858000" cy="9144000"/>
@@ -1171,7 +1172,7 @@
         </p:nvSpPr>
         <p:spPr>
           <a:xfrm>
-            <a:off x="381300" y="685800"/>
+            <a:off x="381000" y="685800"/>
             <a:ext cx="6096000" cy="3429000"/>
           </a:xfrm>
           <a:custGeom>
@@ -2540,110 +2541,6 @@
 </p:notes>
 </file>
 
-<file path=ppt/notesSlides/notesSlide25.xml><?xml version="1.0" encoding="utf-8"?>
-<p:notes xmlns:a="http://schemas.openxmlformats.org/drawingml/2006/main" xmlns:r="http://schemas.openxmlformats.org/officeDocument/2006/relationships" xmlns:p="http://schemas.openxmlformats.org/presentationml/2006/main" showMasterSp="0" showMasterPhAnim="0">
-  <p:cSld>
-    <p:spTree>
-      <p:nvGrpSpPr>
-        <p:cNvPr id="1" name="Shape 193"/>
-        <p:cNvGrpSpPr/>
-        <p:nvPr/>
-      </p:nvGrpSpPr>
-      <p:grpSpPr>
-        <a:xfrm>
-          <a:off x="0" y="0"/>
-          <a:ext cx="0" cy="0"/>
-          <a:chOff x="0" y="0"/>
-          <a:chExt cx="0" cy="0"/>
-        </a:xfrm>
-      </p:grpSpPr>
-      <p:sp>
-        <p:nvSpPr>
-          <p:cNvPr id="194" name="Google Shape;194;g2f404573549_0_65:notes"/>
-          <p:cNvSpPr>
-            <a:spLocks noGrp="1" noRot="1" noChangeAspect="1"/>
-          </p:cNvSpPr>
-          <p:nvPr>
-            <p:ph type="sldImg" idx="2"/>
-          </p:nvPr>
-        </p:nvSpPr>
-        <p:spPr>
-          <a:xfrm>
-            <a:off x="381300" y="685800"/>
-            <a:ext cx="6096000" cy="3429000"/>
-          </a:xfrm>
-          <a:custGeom>
-            <a:avLst/>
-            <a:gdLst/>
-            <a:ahLst/>
-            <a:cxnLst/>
-            <a:rect l="l" t="t" r="r" b="b"/>
-            <a:pathLst>
-              <a:path w="120000" h="120000" extrusionOk="0">
-                <a:moveTo>
-                  <a:pt x="0" y="0"/>
-                </a:moveTo>
-                <a:lnTo>
-                  <a:pt x="120000" y="0"/>
-                </a:lnTo>
-                <a:lnTo>
-                  <a:pt x="120000" y="120000"/>
-                </a:lnTo>
-                <a:lnTo>
-                  <a:pt x="0" y="120000"/>
-                </a:lnTo>
-                <a:close/>
-              </a:path>
-            </a:pathLst>
-          </a:custGeom>
-        </p:spPr>
-      </p:sp>
-      <p:sp>
-        <p:nvSpPr>
-          <p:cNvPr id="195" name="Google Shape;195;g2f404573549_0_65:notes"/>
-          <p:cNvSpPr txBox="1">
-            <a:spLocks noGrp="1"/>
-          </p:cNvSpPr>
-          <p:nvPr>
-            <p:ph type="body" idx="1"/>
-          </p:nvPr>
-        </p:nvSpPr>
-        <p:spPr>
-          <a:xfrm>
-            <a:off x="685800" y="4343400"/>
-            <a:ext cx="5486400" cy="4114800"/>
-          </a:xfrm>
-          <a:prstGeom prst="rect">
-            <a:avLst/>
-          </a:prstGeom>
-        </p:spPr>
-        <p:txBody>
-          <a:bodyPr spcFirstLastPara="1" wrap="square" lIns="91425" tIns="91425" rIns="91425" bIns="91425" anchor="t" anchorCtr="0">
-            <a:noAutofit/>
-          </a:bodyPr>
-          <a:lstStyle/>
-          <a:p>
-            <a:pPr marL="0" lvl="0" indent="0" algn="l" rtl="0">
-              <a:spcBef>
-                <a:spcPts val="0"/>
-              </a:spcBef>
-              <a:spcAft>
-                <a:spcPts val="0"/>
-              </a:spcAft>
-              <a:buNone/>
-            </a:pPr>
-            <a:endParaRPr/>
-          </a:p>
-        </p:txBody>
-      </p:sp>
-    </p:spTree>
-  </p:cSld>
-  <p:clrMapOvr>
-    <a:masterClrMapping/>
-  </p:clrMapOvr>
-</p:notes>
-</file>
-
 <file path=ppt/notesSlides/notesSlide3.xml><?xml version="1.0" encoding="utf-8"?>
 <p:notes xmlns:a="http://schemas.openxmlformats.org/drawingml/2006/main" xmlns:r="http://schemas.openxmlformats.org/officeDocument/2006/relationships" xmlns:p="http://schemas.openxmlformats.org/presentationml/2006/main" showMasterSp="0" showMasterPhAnim="0">
   <p:cSld>
@@ -3297,7 +3194,7 @@
         </p:nvSpPr>
         <p:spPr>
           <a:xfrm>
-            <a:off x="381300" y="685800"/>
+            <a:off x="381000" y="685800"/>
             <a:ext cx="6096000" cy="3429000"/>
           </a:xfrm>
           <a:custGeom>
@@ -8743,10 +8640,14 @@
               <a:buChar char="●"/>
             </a:pPr>
             <a:r>
-              <a:rPr lang="en"/>
-              <a:t>Temporal noise shaping (TNS) tool helps to control temporal shape of quantization noise.</a:t>
-            </a:r>
-            <a:endParaRPr/>
+              <a:rPr lang="en" b="1" dirty="0"/>
+              <a:t>Temporal noise shaping </a:t>
+            </a:r>
+            <a:r>
+              <a:rPr lang="en" dirty="0"/>
+              <a:t>(TNS) tool helps to control temporal shape of quantization noise.</a:t>
+            </a:r>
+            <a:endParaRPr dirty="0"/>
           </a:p>
           <a:p>
             <a:pPr marL="457200" lvl="0" indent="-342900" algn="l" rtl="0">
@@ -8760,10 +8661,14 @@
               <a:buChar char="●"/>
             </a:pPr>
             <a:r>
-              <a:rPr lang="en"/>
-              <a:t>Intensity coding and the coupling reduces perceptually irrelevant information by combining multiple channels in high-frequency regions into a single channel.</a:t>
-            </a:r>
-            <a:endParaRPr/>
+              <a:rPr lang="en" b="1" dirty="0"/>
+              <a:t>Intensity coding </a:t>
+            </a:r>
+            <a:r>
+              <a:rPr lang="en" dirty="0"/>
+              <a:t>and the coupling reduces perceptually irrelevant information by combining multiple channels in high-frequency regions into a single channel.</a:t>
+            </a:r>
+            <a:endParaRPr dirty="0"/>
           </a:p>
           <a:p>
             <a:pPr marL="457200" lvl="0" indent="-342900" algn="l" rtl="0">
@@ -8777,10 +8682,14 @@
               <a:buChar char="●"/>
             </a:pPr>
             <a:r>
-              <a:rPr lang="en"/>
-              <a:t>Prediction tool further removes redundancies between adjacent frames.</a:t>
-            </a:r>
-            <a:endParaRPr/>
+              <a:rPr lang="en" b="1" dirty="0"/>
+              <a:t>Prediction tool </a:t>
+            </a:r>
+            <a:r>
+              <a:rPr lang="en" dirty="0"/>
+              <a:t>further removes redundancies between adjacent frames.</a:t>
+            </a:r>
+            <a:endParaRPr dirty="0"/>
           </a:p>
           <a:p>
             <a:pPr marL="457200" lvl="0" indent="-342900" algn="l" rtl="0">
@@ -8794,10 +8703,14 @@
               <a:buChar char="●"/>
             </a:pPr>
             <a:r>
-              <a:rPr lang="en"/>
-              <a:t>M/S coding removes stereo redundancy based on coding the sum and difference signal instead of the left and right channels.</a:t>
-            </a:r>
-            <a:endParaRPr/>
+              <a:rPr lang="en" b="1" dirty="0"/>
+              <a:t>M/S coding </a:t>
+            </a:r>
+            <a:r>
+              <a:rPr lang="en" dirty="0"/>
+              <a:t>removes stereo redundancy based on coding the sum and difference signal instead of the left and right channels.</a:t>
+            </a:r>
+            <a:endParaRPr dirty="0"/>
           </a:p>
         </p:txBody>
       </p:sp>
@@ -8880,8 +8793,8 @@
         </p:nvSpPr>
         <p:spPr>
           <a:xfrm>
-            <a:off x="311700" y="1017725"/>
-            <a:ext cx="8520600" cy="3851100"/>
+            <a:off x="311700" y="823658"/>
+            <a:ext cx="8520600" cy="4104329"/>
           </a:xfrm>
           <a:prstGeom prst="rect">
             <a:avLst/>
@@ -9963,7 +9876,23 @@
             </a:pPr>
             <a:r>
               <a:rPr lang="en" dirty="0"/>
-              <a:t>Lossless audio coding</a:t>
+              <a:t>Lossless audio coding (FLAC)</a:t>
+            </a:r>
+          </a:p>
+          <a:p>
+            <a:pPr marL="457200" lvl="0" indent="-342900" algn="l" rtl="0">
+              <a:spcBef>
+                <a:spcPts val="0"/>
+              </a:spcBef>
+              <a:spcAft>
+                <a:spcPts val="0"/>
+              </a:spcAft>
+              <a:buSzPts val="1800"/>
+              <a:buChar char="●"/>
+            </a:pPr>
+            <a:r>
+              <a:rPr lang="en" dirty="0" err="1"/>
+              <a:t>FFmpeg</a:t>
             </a:r>
             <a:endParaRPr dirty="0"/>
           </a:p>
@@ -10417,7 +10346,7 @@
             </a:pPr>
             <a:r>
               <a:rPr lang="en" dirty="0"/>
-              <a:t>De factor standard in most movie houses and home theaters.</a:t>
+              <a:t>De facto standard in most movie houses and home theaters.</a:t>
             </a:r>
             <a:br>
               <a:rPr lang="en" dirty="0"/>
@@ -10716,48 +10645,12 @@
             </a:pPr>
             <a:r>
               <a:rPr lang="en" dirty="0"/>
-              <a:t>Lossless audio coding algorithms (L</a:t>
-            </a:r>
-            <a:r>
-              <a:rPr lang="en" baseline="30000" dirty="0"/>
-              <a:t>2</a:t>
-            </a:r>
-            <a:r>
-              <a:rPr lang="en" dirty="0"/>
-              <a:t>AC)</a:t>
+              <a:t>Lossless audio coding (FLAC)</a:t>
             </a:r>
             <a:endParaRPr dirty="0"/>
           </a:p>
         </p:txBody>
       </p:sp>
-      <p:pic>
-        <p:nvPicPr>
-          <p:cNvPr id="192" name="Google Shape;192;p36"/>
-          <p:cNvPicPr preferRelativeResize="0"/>
-          <p:nvPr/>
-        </p:nvPicPr>
-        <p:blipFill>
-          <a:blip r:embed="rId3">
-            <a:alphaModFix/>
-          </a:blip>
-          <a:stretch>
-            <a:fillRect/>
-          </a:stretch>
-        </p:blipFill>
-        <p:spPr>
-          <a:xfrm>
-            <a:off x="4212434" y="560323"/>
-            <a:ext cx="4357851" cy="4495252"/>
-          </a:xfrm>
-          <a:prstGeom prst="rect">
-            <a:avLst/>
-          </a:prstGeom>
-          <a:noFill/>
-          <a:ln>
-            <a:noFill/>
-          </a:ln>
-        </p:spPr>
-      </p:pic>
       <p:sp>
         <p:nvSpPr>
           <p:cNvPr id="2" name="Google Shape;180;p34">
@@ -10776,8 +10669,8 @@
         </p:nvSpPr>
         <p:spPr>
           <a:xfrm>
-            <a:off x="311004" y="863550"/>
-            <a:ext cx="3901429" cy="3416400"/>
+            <a:off x="311004" y="725936"/>
+            <a:ext cx="8418296" cy="1745038"/>
           </a:xfrm>
           <a:prstGeom prst="rect">
             <a:avLst/>
@@ -10785,7 +10678,7 @@
         </p:spPr>
         <p:txBody>
           <a:bodyPr spcFirstLastPara="1" wrap="square" lIns="91425" tIns="91425" rIns="91425" bIns="91425" anchor="t" anchorCtr="0">
-            <a:normAutofit/>
+            <a:normAutofit lnSpcReduction="10000"/>
           </a:bodyPr>
           <a:lstStyle/>
           <a:p>
@@ -10802,22 +10695,49 @@
           </a:p>
           <a:p>
             <a:r>
-              <a:rPr lang="en" dirty="0"/>
-              <a:t>Not used in real-time and Internet streaming applications.</a:t>
-            </a:r>
-          </a:p>
-          <a:p>
-            <a:r>
-              <a:rPr lang="en" dirty="0"/>
-              <a:t>Employ psychoacoustic principles and time-frequency mapping (not exact replica)</a:t>
-            </a:r>
-            <a:br>
-              <a:rPr lang="en" dirty="0"/>
-            </a:br>
+              <a:rPr lang="en-US" dirty="0"/>
+              <a:t>Similar to how Zip works, except with FLAC you will get much better compression because it is designed specifically for audio.</a:t>
+            </a:r>
+          </a:p>
+          <a:p>
+            <a:r>
+              <a:rPr lang="en-US" dirty="0"/>
+              <a:t>Non-proprietary and has an open-source reference implementation.</a:t>
+            </a:r>
             <a:endParaRPr dirty="0"/>
           </a:p>
         </p:txBody>
       </p:sp>
+      <p:pic>
+        <p:nvPicPr>
+          <p:cNvPr id="4" name="Picture 3" descr="A diagram of a flac and flac decoder&#10;&#10;Description automatically generated">
+            <a:extLst>
+              <a:ext uri="{FF2B5EF4-FFF2-40B4-BE49-F238E27FC236}">
+                <a16:creationId xmlns:a16="http://schemas.microsoft.com/office/drawing/2014/main" id="{427D65BA-9714-3645-DB92-916D6531C507}"/>
+              </a:ext>
+            </a:extLst>
+          </p:cNvPr>
+          <p:cNvPicPr>
+            <a:picLocks noChangeAspect="1"/>
+          </p:cNvPicPr>
+          <p:nvPr/>
+        </p:nvPicPr>
+        <p:blipFill>
+          <a:blip r:embed="rId3"/>
+          <a:stretch>
+            <a:fillRect/>
+          </a:stretch>
+        </p:blipFill>
+        <p:spPr>
+          <a:xfrm>
+            <a:off x="560011" y="2589622"/>
+            <a:ext cx="7969485" cy="2156879"/>
+          </a:xfrm>
+          <a:prstGeom prst="rect">
+            <a:avLst/>
+          </a:prstGeom>
+        </p:spPr>
+      </p:pic>
     </p:spTree>
   </p:cSld>
   <p:clrMapOvr>
@@ -10831,7 +10751,7 @@
   <p:cSld>
     <p:spTree>
       <p:nvGrpSpPr>
-        <p:cNvPr id="1" name="Shape 196"/>
+        <p:cNvPr id="1" name=""/>
         <p:cNvGrpSpPr/>
         <p:nvPr/>
       </p:nvGrpSpPr>
@@ -10845,75 +10765,107 @@
       </p:grpSpPr>
       <p:sp>
         <p:nvSpPr>
-          <p:cNvPr id="197" name="Google Shape;197;p37"/>
-          <p:cNvSpPr txBox="1">
+          <p:cNvPr id="3" name="Text Placeholder 2">
+            <a:extLst>
+              <a:ext uri="{FF2B5EF4-FFF2-40B4-BE49-F238E27FC236}">
+                <a16:creationId xmlns:a16="http://schemas.microsoft.com/office/drawing/2014/main" id="{6884F7B4-BF0C-E48C-8310-1686888182B6}"/>
+              </a:ext>
+            </a:extLst>
+          </p:cNvPr>
+          <p:cNvSpPr>
             <a:spLocks noGrp="1"/>
           </p:cNvSpPr>
           <p:nvPr>
-            <p:ph type="title"/>
+            <p:ph type="body" idx="1"/>
           </p:nvPr>
         </p:nvSpPr>
         <p:spPr>
           <a:xfrm>
-            <a:off x="311700" y="140225"/>
-            <a:ext cx="8520600" cy="572700"/>
-          </a:xfrm>
-          <a:prstGeom prst="rect">
-            <a:avLst/>
-          </a:prstGeom>
+            <a:off x="311700" y="467668"/>
+            <a:ext cx="8520600" cy="4261748"/>
+          </a:xfrm>
         </p:spPr>
         <p:txBody>
-          <a:bodyPr spcFirstLastPara="1" wrap="square" lIns="91425" tIns="91425" rIns="91425" bIns="91425" anchor="t" anchorCtr="0">
-            <a:normAutofit fontScale="90000"/>
+          <a:bodyPr>
+            <a:normAutofit lnSpcReduction="10000"/>
           </a:bodyPr>
           <a:lstStyle/>
           <a:p>
-            <a:pPr marL="0" lvl="0" indent="0" algn="l" rtl="0">
-              <a:spcBef>
-                <a:spcPts val="0"/>
-              </a:spcBef>
-              <a:spcAft>
-                <a:spcPts val="0"/>
-              </a:spcAft>
-              <a:buNone/>
-            </a:pPr>
-            <a:r>
-              <a:rPr lang="en"/>
-              <a:t>Lossless audio based on lossy audio scheme</a:t>
-            </a:r>
-            <a:endParaRPr/>
+            <a:r>
+              <a:rPr lang="en-US" b="1" dirty="0"/>
+              <a:t>Lossless: </a:t>
+            </a:r>
+            <a:r>
+              <a:rPr lang="en-US" dirty="0"/>
+              <a:t>The encoding of audio (PCM) data incurs no loss of information, and the decoded audio is bit-for-bit identical to what went into the encoder. </a:t>
+            </a:r>
+          </a:p>
+          <a:p>
+            <a:r>
+              <a:rPr lang="en-US" b="1" dirty="0"/>
+              <a:t>Fast: </a:t>
+            </a:r>
+            <a:r>
+              <a:rPr lang="en-US" dirty="0"/>
+              <a:t>FLAC is asymmetric in favor of decode speed. Decoding requires only integer arithmetic, and is much less compute-intensive than for most perceptual codecs. </a:t>
+            </a:r>
+          </a:p>
+          <a:p>
+            <a:r>
+              <a:rPr lang="en-US" b="1" dirty="0"/>
+              <a:t>Hardware support: </a:t>
+            </a:r>
+            <a:r>
+              <a:rPr lang="en-US" dirty="0"/>
+              <a:t>FLAC is supported by dozens of consumer electronic devices, from portable players, to home stereo equipment, to car stereo.</a:t>
+            </a:r>
+          </a:p>
+          <a:p>
+            <a:r>
+              <a:rPr lang="en-US" b="1" dirty="0"/>
+              <a:t>Flexible metadata: </a:t>
+            </a:r>
+            <a:r>
+              <a:rPr lang="en-US" dirty="0"/>
+              <a:t>FLAC's metadata system supports tags, cover art, seek tables, and cue sheets. Applications can write their own APPLICATION metadata once they register an ID. </a:t>
+            </a:r>
+          </a:p>
+          <a:p>
+            <a:r>
+              <a:rPr lang="en-US" b="1" dirty="0" err="1"/>
+              <a:t>Seekable</a:t>
+            </a:r>
+            <a:r>
+              <a:rPr lang="en-US" b="1" dirty="0"/>
+              <a:t>: </a:t>
+            </a:r>
+            <a:r>
+              <a:rPr lang="en-US" dirty="0"/>
+              <a:t>FLAC supports fast sample-accurate seeking. Not only is this useful for playback, it makes FLAC files suitable for use in editing applications.</a:t>
+            </a:r>
+          </a:p>
+          <a:p>
+            <a:r>
+              <a:rPr lang="en-US" b="1" dirty="0" err="1"/>
+              <a:t>Streamable</a:t>
+            </a:r>
+            <a:r>
+              <a:rPr lang="en-US" b="1" dirty="0"/>
+              <a:t>: </a:t>
+            </a:r>
+            <a:r>
+              <a:rPr lang="en-US" dirty="0"/>
+              <a:t>Each FLAC frame contains enough data to decode that frame. </a:t>
+            </a:r>
           </a:p>
         </p:txBody>
       </p:sp>
-      <p:pic>
-        <p:nvPicPr>
-          <p:cNvPr id="198" name="Google Shape;198;p37"/>
-          <p:cNvPicPr preferRelativeResize="0"/>
-          <p:nvPr/>
-        </p:nvPicPr>
-        <p:blipFill>
-          <a:blip r:embed="rId3">
-            <a:alphaModFix/>
-          </a:blip>
-          <a:stretch>
-            <a:fillRect/>
-          </a:stretch>
-        </p:blipFill>
-        <p:spPr>
-          <a:xfrm>
-            <a:off x="1392789" y="761000"/>
-            <a:ext cx="5603959" cy="4285027"/>
-          </a:xfrm>
-          <a:prstGeom prst="rect">
-            <a:avLst/>
-          </a:prstGeom>
-          <a:noFill/>
-          <a:ln>
-            <a:noFill/>
-          </a:ln>
-        </p:spPr>
-      </p:pic>
     </p:spTree>
+    <p:extLst>
+      <p:ext uri="{BB962C8B-B14F-4D97-AF65-F5344CB8AC3E}">
+        <p14:creationId xmlns:p14="http://schemas.microsoft.com/office/powerpoint/2010/main" val="1029473142"/>
+      </p:ext>
+    </p:extLst>
   </p:cSld>
   <p:clrMapOvr>
     <a:masterClrMapping/>
@@ -10922,6 +10874,106 @@
 </file>
 
 <file path=ppt/slides/slide26.xml><?xml version="1.0" encoding="utf-8"?>
+<p:sld xmlns:a="http://schemas.openxmlformats.org/drawingml/2006/main" xmlns:r="http://schemas.openxmlformats.org/officeDocument/2006/relationships" xmlns:p="http://schemas.openxmlformats.org/presentationml/2006/main">
+  <p:cSld>
+    <p:spTree>
+      <p:nvGrpSpPr>
+        <p:cNvPr id="1" name=""/>
+        <p:cNvGrpSpPr/>
+        <p:nvPr/>
+      </p:nvGrpSpPr>
+      <p:grpSpPr>
+        <a:xfrm>
+          <a:off x="0" y="0"/>
+          <a:ext cx="0" cy="0"/>
+          <a:chOff x="0" y="0"/>
+          <a:chExt cx="0" cy="0"/>
+        </a:xfrm>
+      </p:grpSpPr>
+      <p:sp>
+        <p:nvSpPr>
+          <p:cNvPr id="2" name="Title 1">
+            <a:extLst>
+              <a:ext uri="{FF2B5EF4-FFF2-40B4-BE49-F238E27FC236}">
+                <a16:creationId xmlns:a16="http://schemas.microsoft.com/office/drawing/2014/main" id="{77968E2E-7085-E047-7D48-0F2C4F772173}"/>
+              </a:ext>
+            </a:extLst>
+          </p:cNvPr>
+          <p:cNvSpPr>
+            <a:spLocks noGrp="1"/>
+          </p:cNvSpPr>
+          <p:nvPr>
+            <p:ph type="title"/>
+          </p:nvPr>
+        </p:nvSpPr>
+        <p:spPr/>
+        <p:txBody>
+          <a:bodyPr>
+            <a:normAutofit fontScale="90000"/>
+          </a:bodyPr>
+          <a:lstStyle/>
+          <a:p>
+            <a:r>
+              <a:rPr lang="en-US" dirty="0" err="1"/>
+              <a:t>FFmpeg</a:t>
+            </a:r>
+            <a:endParaRPr lang="en-US" dirty="0"/>
+          </a:p>
+        </p:txBody>
+      </p:sp>
+      <p:sp>
+        <p:nvSpPr>
+          <p:cNvPr id="3" name="Text Placeholder 2">
+            <a:extLst>
+              <a:ext uri="{FF2B5EF4-FFF2-40B4-BE49-F238E27FC236}">
+                <a16:creationId xmlns:a16="http://schemas.microsoft.com/office/drawing/2014/main" id="{F3627F21-852A-D198-374F-6F042768725A}"/>
+              </a:ext>
+            </a:extLst>
+          </p:cNvPr>
+          <p:cNvSpPr>
+            <a:spLocks noGrp="1"/>
+          </p:cNvSpPr>
+          <p:nvPr>
+            <p:ph type="body" idx="1"/>
+          </p:nvPr>
+        </p:nvSpPr>
+        <p:spPr/>
+        <p:txBody>
+          <a:bodyPr/>
+          <a:lstStyle/>
+          <a:p>
+            <a:r>
+              <a:rPr lang="en-US" dirty="0"/>
+              <a:t>A free and open-source software project consisting of a suite of libraries and programs for handling video, audio, and other multimedia files and streams. At its core is the command-line </a:t>
+            </a:r>
+            <a:r>
+              <a:rPr lang="en-US" dirty="0" err="1">
+                <a:latin typeface="Courier New" panose="02070309020205020404" pitchFamily="49" charset="0"/>
+                <a:cs typeface="Courier New" panose="02070309020205020404" pitchFamily="49" charset="0"/>
+              </a:rPr>
+              <a:t>ffmpeg</a:t>
+            </a:r>
+            <a:r>
+              <a:rPr lang="en-US" dirty="0"/>
+              <a:t> tool itself, designed for processing video and audio files. It is widely used for format transcoding, basic editing (trimming and concatenation), video scaling, video post-production effects, and standards compliance (SMPTE, ITU).</a:t>
+            </a:r>
+          </a:p>
+        </p:txBody>
+      </p:sp>
+    </p:spTree>
+    <p:extLst>
+      <p:ext uri="{BB962C8B-B14F-4D97-AF65-F5344CB8AC3E}">
+        <p14:creationId xmlns:p14="http://schemas.microsoft.com/office/powerpoint/2010/main" val="3861791739"/>
+      </p:ext>
+    </p:extLst>
+  </p:cSld>
+  <p:clrMapOvr>
+    <a:masterClrMapping/>
+  </p:clrMapOvr>
+</p:sld>
+</file>
+
+<file path=ppt/slides/slide27.xml><?xml version="1.0" encoding="utf-8"?>
 <p:sld xmlns:a="http://schemas.openxmlformats.org/drawingml/2006/main" xmlns:r="http://schemas.openxmlformats.org/officeDocument/2006/relationships" xmlns:p="http://schemas.openxmlformats.org/presentationml/2006/main">
   <p:cSld>
     <p:spTree>
@@ -11005,16 +11057,44 @@
           <a:p>
             <a:r>
               <a:rPr lang="en-US" dirty="0"/>
-              <a:t>“Chapter 11: Lossless audio coding and digital watermarking” in Andreas </a:t>
-            </a:r>
+              <a:t>Free lossless audio codec: </a:t>
+            </a:r>
+            <a:r>
+              <a:rPr lang="en-US" dirty="0">
+                <a:hlinkClick r:id="rId2"/>
+              </a:rPr>
+              <a:t>https://xiph.org/flac/</a:t>
+            </a:r>
+            <a:endParaRPr lang="en-US" dirty="0"/>
+          </a:p>
+          <a:p>
             <a:r>
               <a:rPr lang="en-US" dirty="0" err="1"/>
-              <a:t>Spanias</a:t>
+              <a:t>FFmpeg</a:t>
             </a:r>
             <a:r>
               <a:rPr lang="en-US" dirty="0"/>
-              <a:t>, Ted Painter, and Venkatraman Atti (2007). Audio Signal Processing and Coding. John Wiley &amp; Sons, Inc.</a:t>
-            </a:r>
+              <a:t>: </a:t>
+            </a:r>
+            <a:r>
+              <a:rPr lang="en-US" dirty="0">
+                <a:hlinkClick r:id="rId3"/>
+              </a:rPr>
+              <a:t>https://</a:t>
+            </a:r>
+            <a:r>
+              <a:rPr lang="en-US" dirty="0" err="1">
+                <a:hlinkClick r:id="rId3"/>
+              </a:rPr>
+              <a:t>www.ffmpeg.org</a:t>
+            </a:r>
+            <a:r>
+              <a:rPr lang="en-US" dirty="0">
+                <a:hlinkClick r:id="rId3"/>
+              </a:rPr>
+              <a:t>/</a:t>
+            </a:r>
+            <a:endParaRPr lang="en-US" dirty="0"/>
           </a:p>
           <a:p>
             <a:endParaRPr lang="en-US" dirty="0"/>
@@ -11878,10 +11958,22 @@
               <a:buChar char="●"/>
             </a:pPr>
             <a:r>
-              <a:rPr lang="en"/>
-              <a:t>Filter bank: Hybrid filter bank. Polyphase filterbank (as used in Layer-1 and Layer2) followed by a Modified Discrete Cosine Transform (MDCT).</a:t>
-            </a:r>
-            <a:endParaRPr/>
+              <a:rPr lang="en" b="1" dirty="0"/>
+              <a:t>Filter bank: </a:t>
+            </a:r>
+            <a:r>
+              <a:rPr lang="en" dirty="0"/>
+              <a:t>Hybrid filter bank. Polyphase </a:t>
+            </a:r>
+            <a:r>
+              <a:rPr lang="en" dirty="0" err="1"/>
+              <a:t>filterbank</a:t>
+            </a:r>
+            <a:r>
+              <a:rPr lang="en" dirty="0"/>
+              <a:t> (as used in Layer-1 and Layer2) followed by a Modified Discrete Cosine Transform (MDCT).</a:t>
+            </a:r>
+            <a:endParaRPr dirty="0"/>
           </a:p>
           <a:p>
             <a:pPr marL="457200" lvl="0" indent="-342900" algn="l" rtl="0">
@@ -11895,10 +11987,14 @@
               <a:buChar char="●"/>
             </a:pPr>
             <a:r>
-              <a:rPr lang="en"/>
-              <a:t>Perceptual model to identify masking thresholds based on critical bands of human hearing and using the FFT.</a:t>
-            </a:r>
-            <a:endParaRPr/>
+              <a:rPr lang="en" b="1" dirty="0"/>
+              <a:t>Perceptual model </a:t>
+            </a:r>
+            <a:r>
+              <a:rPr lang="en" dirty="0"/>
+              <a:t>to identify masking thresholds based on critical bands of human hearing and using the FFT.</a:t>
+            </a:r>
+            <a:endParaRPr dirty="0"/>
           </a:p>
           <a:p>
             <a:pPr marL="457200" lvl="0" indent="-342900" algn="l" rtl="0">
@@ -11912,10 +12008,14 @@
               <a:buChar char="●"/>
             </a:pPr>
             <a:r>
-              <a:rPr lang="en"/>
-              <a:t>Quantization and coding: Two nested iteration loops. Use of Huffman coding.</a:t>
-            </a:r>
-            <a:endParaRPr/>
+              <a:rPr lang="en" b="1" dirty="0"/>
+              <a:t>Quantization and coding: </a:t>
+            </a:r>
+            <a:r>
+              <a:rPr lang="en" dirty="0"/>
+              <a:t>Two nested iteration loops. Use of Huffman coding.</a:t>
+            </a:r>
+            <a:endParaRPr dirty="0"/>
           </a:p>
           <a:p>
             <a:pPr marL="0" lvl="0" indent="0" algn="l" rtl="0">
@@ -11927,7 +12027,7 @@
               </a:spcAft>
               <a:buNone/>
             </a:pPr>
-            <a:endParaRPr/>
+            <a:endParaRPr dirty="0"/>
           </a:p>
         </p:txBody>
       </p:sp>
